--- a/algos_summary.pptx
+++ b/algos_summary.pptx
@@ -11,6 +11,8 @@
     <p:sldId id="262" r:id="rId5"/>
     <p:sldId id="260" r:id="rId6"/>
     <p:sldId id="261" r:id="rId7"/>
+    <p:sldId id="263" r:id="rId8"/>
+    <p:sldId id="264" r:id="rId9"/>
   </p:sldIdLst>
   <p:sldSz cx="9144000" cy="6858000" type="screen4x3"/>
   <p:notesSz cx="6858000" cy="9144000"/>
@@ -293,7 +295,7 @@
           <a:p>
             <a:fld id="{530820CF-B880-4189-942D-D702A7CBA730}" type="datetimeFigureOut">
               <a:rPr lang="zh-CN" altLang="en-US" smtClean="0"/>
-              <a:t>2018/1/1</a:t>
+              <a:t>2018/1/4</a:t>
             </a:fld>
             <a:endParaRPr lang="zh-CN" altLang="en-US"/>
           </a:p>
@@ -458,7 +460,7 @@
           <a:p>
             <a:fld id="{530820CF-B880-4189-942D-D702A7CBA730}" type="datetimeFigureOut">
               <a:rPr lang="zh-CN" altLang="en-US" smtClean="0"/>
-              <a:t>2018/1/1</a:t>
+              <a:t>2018/1/4</a:t>
             </a:fld>
             <a:endParaRPr lang="zh-CN" altLang="en-US"/>
           </a:p>
@@ -633,7 +635,7 @@
           <a:p>
             <a:fld id="{530820CF-B880-4189-942D-D702A7CBA730}" type="datetimeFigureOut">
               <a:rPr lang="zh-CN" altLang="en-US" smtClean="0"/>
-              <a:t>2018/1/1</a:t>
+              <a:t>2018/1/4</a:t>
             </a:fld>
             <a:endParaRPr lang="zh-CN" altLang="en-US"/>
           </a:p>
@@ -798,7 +800,7 @@
           <a:p>
             <a:fld id="{530820CF-B880-4189-942D-D702A7CBA730}" type="datetimeFigureOut">
               <a:rPr lang="zh-CN" altLang="en-US" smtClean="0"/>
-              <a:t>2018/1/1</a:t>
+              <a:t>2018/1/4</a:t>
             </a:fld>
             <a:endParaRPr lang="zh-CN" altLang="en-US"/>
           </a:p>
@@ -1039,7 +1041,7 @@
           <a:p>
             <a:fld id="{530820CF-B880-4189-942D-D702A7CBA730}" type="datetimeFigureOut">
               <a:rPr lang="zh-CN" altLang="en-US" smtClean="0"/>
-              <a:t>2018/1/1</a:t>
+              <a:t>2018/1/4</a:t>
             </a:fld>
             <a:endParaRPr lang="zh-CN" altLang="en-US"/>
           </a:p>
@@ -1322,7 +1324,7 @@
           <a:p>
             <a:fld id="{530820CF-B880-4189-942D-D702A7CBA730}" type="datetimeFigureOut">
               <a:rPr lang="zh-CN" altLang="en-US" smtClean="0"/>
-              <a:t>2018/1/1</a:t>
+              <a:t>2018/1/4</a:t>
             </a:fld>
             <a:endParaRPr lang="zh-CN" altLang="en-US"/>
           </a:p>
@@ -1739,7 +1741,7 @@
           <a:p>
             <a:fld id="{530820CF-B880-4189-942D-D702A7CBA730}" type="datetimeFigureOut">
               <a:rPr lang="zh-CN" altLang="en-US" smtClean="0"/>
-              <a:t>2018/1/1</a:t>
+              <a:t>2018/1/4</a:t>
             </a:fld>
             <a:endParaRPr lang="zh-CN" altLang="en-US"/>
           </a:p>
@@ -1852,7 +1854,7 @@
           <a:p>
             <a:fld id="{530820CF-B880-4189-942D-D702A7CBA730}" type="datetimeFigureOut">
               <a:rPr lang="zh-CN" altLang="en-US" smtClean="0"/>
-              <a:t>2018/1/1</a:t>
+              <a:t>2018/1/4</a:t>
             </a:fld>
             <a:endParaRPr lang="zh-CN" altLang="en-US"/>
           </a:p>
@@ -1942,7 +1944,7 @@
           <a:p>
             <a:fld id="{530820CF-B880-4189-942D-D702A7CBA730}" type="datetimeFigureOut">
               <a:rPr lang="zh-CN" altLang="en-US" smtClean="0"/>
-              <a:t>2018/1/1</a:t>
+              <a:t>2018/1/4</a:t>
             </a:fld>
             <a:endParaRPr lang="zh-CN" altLang="en-US"/>
           </a:p>
@@ -2214,7 +2216,7 @@
           <a:p>
             <a:fld id="{530820CF-B880-4189-942D-D702A7CBA730}" type="datetimeFigureOut">
               <a:rPr lang="zh-CN" altLang="en-US" smtClean="0"/>
-              <a:t>2018/1/1</a:t>
+              <a:t>2018/1/4</a:t>
             </a:fld>
             <a:endParaRPr lang="zh-CN" altLang="en-US"/>
           </a:p>
@@ -2462,7 +2464,7 @@
           <a:p>
             <a:fld id="{530820CF-B880-4189-942D-D702A7CBA730}" type="datetimeFigureOut">
               <a:rPr lang="zh-CN" altLang="en-US" smtClean="0"/>
-              <a:t>2018/1/1</a:t>
+              <a:t>2018/1/4</a:t>
             </a:fld>
             <a:endParaRPr lang="zh-CN" altLang="en-US"/>
           </a:p>
@@ -2670,7 +2672,7 @@
           <a:p>
             <a:fld id="{530820CF-B880-4189-942D-D702A7CBA730}" type="datetimeFigureOut">
               <a:rPr lang="zh-CN" altLang="en-US" smtClean="0"/>
-              <a:t>2018/1/1</a:t>
+              <a:t>2018/1/4</a:t>
             </a:fld>
             <a:endParaRPr lang="zh-CN" altLang="en-US"/>
           </a:p>
@@ -4526,31 +4528,19 @@
             </a:r>
             <a:r>
               <a:rPr lang="en-US" altLang="zh-CN" dirty="0" smtClean="0"/>
-              <a:t>O(T) = 2*O(T/2</a:t>
-            </a:r>
-            <a:r>
-              <a:rPr lang="en-US" altLang="zh-CN" dirty="0" smtClean="0"/>
-              <a:t>) + n</a:t>
+              <a:t>O(T) = 2*O(T/2) + n</a:t>
             </a:r>
             <a:r>
               <a:rPr lang="zh-CN" altLang="en-US" dirty="0" smtClean="0"/>
-              <a:t>，</a:t>
+              <a:t>，调用深度</a:t>
+            </a:r>
+            <a:r>
+              <a:rPr lang="en-US" altLang="zh-CN" dirty="0" smtClean="0"/>
+              <a:t>log(n)</a:t>
             </a:r>
             <a:r>
               <a:rPr lang="zh-CN" altLang="en-US" dirty="0" smtClean="0"/>
-              <a:t>调用深度</a:t>
-            </a:r>
-            <a:r>
-              <a:rPr lang="en-US" altLang="zh-CN" dirty="0" smtClean="0"/>
-              <a:t>log(n)</a:t>
-            </a:r>
-            <a:r>
-              <a:rPr lang="zh-CN" altLang="en-US" dirty="0" smtClean="0"/>
-              <a:t>，所以</a:t>
-            </a:r>
-            <a:r>
-              <a:rPr lang="zh-CN" altLang="en-US" dirty="0" smtClean="0"/>
-              <a:t>复杂度为</a:t>
+              <a:t>，所以复杂度为</a:t>
             </a:r>
             <a:r>
               <a:rPr lang="en-US" altLang="zh-CN" dirty="0" err="1" smtClean="0"/>
@@ -5231,16 +5221,53 @@
           </a:p>
         </p:txBody>
       </p:sp>
-      <p:sp>
-        <p:nvSpPr>
-          <p:cNvPr id="5" name="TextBox 4"/>
+    </p:spTree>
+    <p:extLst>
+      <p:ext uri="{BB962C8B-B14F-4D97-AF65-F5344CB8AC3E}">
+        <p14:creationId xmlns:p14="http://schemas.microsoft.com/office/powerpoint/2010/main" val="4242621818"/>
+      </p:ext>
+    </p:extLst>
+  </p:cSld>
+  <p:clrMapOvr>
+    <a:masterClrMapping/>
+  </p:clrMapOvr>
+  <p:timing>
+    <p:tnLst>
+      <p:par>
+        <p:cTn id="1" dur="indefinite" restart="never" nodeType="tmRoot"/>
+      </p:par>
+    </p:tnLst>
+  </p:timing>
+</p:sld>
+</file>
+
+<file path=ppt/slides/slide7.xml><?xml version="1.0" encoding="utf-8"?>
+<p:sld xmlns:a="http://schemas.openxmlformats.org/drawingml/2006/main" xmlns:r="http://schemas.openxmlformats.org/officeDocument/2006/relationships" xmlns:p="http://schemas.openxmlformats.org/presentationml/2006/main">
+  <p:cSld>
+    <p:spTree>
+      <p:nvGrpSpPr>
+        <p:cNvPr id="1" name=""/>
+        <p:cNvGrpSpPr/>
+        <p:nvPr/>
+      </p:nvGrpSpPr>
+      <p:grpSpPr>
+        <a:xfrm>
+          <a:off x="0" y="0"/>
+          <a:ext cx="0" cy="0"/>
+          <a:chOff x="0" y="0"/>
+          <a:chExt cx="0" cy="0"/>
+        </a:xfrm>
+      </p:grpSpPr>
+      <p:sp>
+        <p:nvSpPr>
+          <p:cNvPr id="6" name="TextBox 5"/>
           <p:cNvSpPr txBox="1"/>
           <p:nvPr/>
         </p:nvSpPr>
         <p:spPr>
           <a:xfrm>
-            <a:off x="719808" y="1844824"/>
-            <a:ext cx="3672408" cy="3416320"/>
+            <a:off x="755576" y="332656"/>
+            <a:ext cx="3600400" cy="400110"/>
           </a:xfrm>
           <a:prstGeom prst="rect">
             <a:avLst/>
@@ -5254,214 +5281,27 @@
           <a:lstStyle/>
           <a:p>
             <a:r>
-              <a:rPr lang="en-US" altLang="zh-CN" dirty="0" smtClean="0"/>
-              <a:t>void </a:t>
-            </a:r>
-            <a:r>
-              <a:rPr lang="en-US" altLang="zh-CN" dirty="0" err="1" smtClean="0"/>
-              <a:t>quick_sort</a:t>
-            </a:r>
-            <a:r>
-              <a:rPr lang="en-US" altLang="zh-CN" dirty="0" smtClean="0"/>
-              <a:t>(</a:t>
-            </a:r>
-            <a:r>
-              <a:rPr lang="en-US" altLang="zh-CN" dirty="0" err="1" smtClean="0"/>
-              <a:t>int</a:t>
-            </a:r>
-            <a:r>
-              <a:rPr lang="en-US" altLang="zh-CN" dirty="0" smtClean="0"/>
-              <a:t>* </a:t>
-            </a:r>
-            <a:r>
-              <a:rPr lang="en-US" altLang="zh-CN" dirty="0" err="1" smtClean="0"/>
-              <a:t>arr</a:t>
-            </a:r>
-            <a:r>
-              <a:rPr lang="en-US" altLang="zh-CN" dirty="0" smtClean="0"/>
-              <a:t>, </a:t>
-            </a:r>
-            <a:r>
-              <a:rPr lang="en-US" altLang="zh-CN" dirty="0" err="1" smtClean="0"/>
-              <a:t>int</a:t>
-            </a:r>
-            <a:r>
-              <a:rPr lang="en-US" altLang="zh-CN" dirty="0" smtClean="0"/>
-              <a:t> n)</a:t>
-            </a:r>
-          </a:p>
-          <a:p>
-            <a:r>
-              <a:rPr lang="en-US" altLang="zh-CN" dirty="0" smtClean="0"/>
-              <a:t>{</a:t>
-            </a:r>
-          </a:p>
-          <a:p>
-            <a:r>
-              <a:rPr lang="en-US" altLang="zh-CN" dirty="0" smtClean="0"/>
-              <a:t>    if </a:t>
-            </a:r>
-            <a:r>
-              <a:rPr lang="en-US" altLang="zh-CN" dirty="0"/>
-              <a:t>(n &lt;= 0) </a:t>
-            </a:r>
-          </a:p>
-          <a:p>
-            <a:r>
-              <a:rPr lang="en-US" altLang="zh-CN" dirty="0"/>
-              <a:t>        return</a:t>
-            </a:r>
-            <a:r>
-              <a:rPr lang="en-US" altLang="zh-CN" dirty="0" smtClean="0"/>
-              <a:t>;</a:t>
-            </a:r>
-          </a:p>
-          <a:p>
-            <a:r>
-              <a:rPr lang="en-US" altLang="zh-CN" dirty="0" smtClean="0"/>
-              <a:t>    </a:t>
-            </a:r>
-            <a:r>
-              <a:rPr lang="en-US" altLang="zh-CN" dirty="0" err="1" smtClean="0"/>
-              <a:t>int</a:t>
-            </a:r>
-            <a:r>
-              <a:rPr lang="en-US" altLang="zh-CN" dirty="0" smtClean="0"/>
-              <a:t> </a:t>
-            </a:r>
-            <a:r>
-              <a:rPr lang="en-US" altLang="zh-CN" dirty="0"/>
-              <a:t>i = 0;</a:t>
-            </a:r>
-          </a:p>
-          <a:p>
-            <a:r>
-              <a:rPr lang="en-US" altLang="zh-CN" dirty="0"/>
-              <a:t>    </a:t>
-            </a:r>
-            <a:r>
-              <a:rPr lang="en-US" altLang="zh-CN" dirty="0" err="1"/>
-              <a:t>int</a:t>
-            </a:r>
-            <a:r>
-              <a:rPr lang="en-US" altLang="zh-CN" dirty="0"/>
-              <a:t> j = n-1;</a:t>
-            </a:r>
-          </a:p>
-          <a:p>
-            <a:r>
-              <a:rPr lang="en-US" altLang="zh-CN" dirty="0" smtClean="0"/>
-              <a:t>    </a:t>
-            </a:r>
-            <a:r>
-              <a:rPr lang="en-US" altLang="zh-CN" dirty="0" err="1" smtClean="0"/>
-              <a:t>int</a:t>
-            </a:r>
-            <a:r>
-              <a:rPr lang="en-US" altLang="zh-CN" dirty="0" smtClean="0"/>
-              <a:t> key = </a:t>
-            </a:r>
-            <a:r>
-              <a:rPr lang="en-US" altLang="zh-CN" dirty="0" err="1" smtClean="0"/>
-              <a:t>arr</a:t>
-            </a:r>
-            <a:r>
-              <a:rPr lang="en-US" altLang="zh-CN" dirty="0" smtClean="0"/>
-              <a:t>[i];//</a:t>
-            </a:r>
-            <a:r>
-              <a:rPr lang="zh-CN" altLang="en-US" dirty="0" smtClean="0"/>
-              <a:t>左边</a:t>
-            </a:r>
-            <a:r>
-              <a:rPr lang="en-US" altLang="zh-CN" dirty="0" smtClean="0"/>
-              <a:t>0</a:t>
-            </a:r>
-            <a:r>
-              <a:rPr lang="zh-CN" altLang="en-US" dirty="0" smtClean="0"/>
-              <a:t>为分界</a:t>
-            </a:r>
-            <a:endParaRPr lang="en-US" altLang="zh-CN" dirty="0" smtClean="0"/>
-          </a:p>
-          <a:p>
-            <a:r>
-              <a:rPr lang="en-US" altLang="zh-CN" dirty="0"/>
-              <a:t> </a:t>
-            </a:r>
-            <a:r>
-              <a:rPr lang="en-US" altLang="zh-CN" dirty="0" smtClean="0"/>
-              <a:t>   </a:t>
-            </a:r>
-          </a:p>
-          <a:p>
-            <a:r>
-              <a:rPr lang="en-US" altLang="zh-CN" dirty="0" smtClean="0"/>
-              <a:t>    while(i &lt; j) {</a:t>
-            </a:r>
-          </a:p>
-          <a:p>
-            <a:r>
-              <a:rPr lang="en-US" altLang="zh-CN" dirty="0" smtClean="0"/>
-              <a:t>        while(i&lt;j &amp;&amp; </a:t>
-            </a:r>
-            <a:r>
-              <a:rPr lang="en-US" altLang="zh-CN" dirty="0" err="1" smtClean="0"/>
-              <a:t>arr</a:t>
-            </a:r>
-            <a:r>
-              <a:rPr lang="en-US" altLang="zh-CN" dirty="0" smtClean="0"/>
-              <a:t>[j]&gt;=key)</a:t>
-            </a:r>
-          </a:p>
-          <a:p>
-            <a:r>
-              <a:rPr lang="en-US" altLang="zh-CN" dirty="0"/>
-              <a:t> </a:t>
-            </a:r>
-            <a:r>
-              <a:rPr lang="en-US" altLang="zh-CN" dirty="0" smtClean="0"/>
-              <a:t>           j--;</a:t>
-            </a:r>
-          </a:p>
-          <a:p>
-            <a:r>
-              <a:rPr lang="en-US" altLang="zh-CN" dirty="0" smtClean="0"/>
-              <a:t>        </a:t>
-            </a:r>
-            <a:r>
-              <a:rPr lang="en-US" altLang="zh-CN" dirty="0" err="1" smtClean="0"/>
-              <a:t>arr</a:t>
-            </a:r>
-            <a:r>
-              <a:rPr lang="en-US" altLang="zh-CN" dirty="0" smtClean="0"/>
-              <a:t>[i] = </a:t>
-            </a:r>
-            <a:r>
-              <a:rPr lang="en-US" altLang="zh-CN" dirty="0" err="1" smtClean="0"/>
-              <a:t>arr</a:t>
-            </a:r>
-            <a:r>
-              <a:rPr lang="en-US" altLang="zh-CN" dirty="0" smtClean="0"/>
-              <a:t>[j]; //</a:t>
-            </a:r>
-            <a:r>
-              <a:rPr lang="zh-CN" altLang="en-US" dirty="0" smtClean="0"/>
-              <a:t>移到左边</a:t>
-            </a:r>
-            <a:endParaRPr lang="en-US" altLang="zh-CN" dirty="0" smtClean="0"/>
-          </a:p>
-        </p:txBody>
-      </p:sp>
-      <p:sp>
-        <p:nvSpPr>
-          <p:cNvPr id="7" name="TextBox 6"/>
+              <a:rPr lang="en-US" altLang="zh-CN" sz="2000" dirty="0" smtClean="0"/>
+              <a:t>5.</a:t>
+            </a:r>
+            <a:r>
+              <a:rPr lang="zh-CN" altLang="en-US" sz="2000" dirty="0" smtClean="0"/>
+              <a:t>堆排序</a:t>
+            </a:r>
+            <a:endParaRPr lang="zh-CN" altLang="en-US" sz="2000" dirty="0"/>
+          </a:p>
+        </p:txBody>
+      </p:sp>
+      <p:sp>
+        <p:nvSpPr>
+          <p:cNvPr id="3" name="TextBox 2"/>
           <p:cNvSpPr txBox="1"/>
           <p:nvPr/>
         </p:nvSpPr>
         <p:spPr>
           <a:xfrm>
-            <a:off x="4067944" y="1989634"/>
-            <a:ext cx="4104456" cy="2308324"/>
+            <a:off x="683568" y="692696"/>
+            <a:ext cx="7056784" cy="1477328"/>
           </a:xfrm>
           <a:prstGeom prst="rect">
             <a:avLst/>
@@ -5475,8 +5315,142 @@
           <a:lstStyle/>
           <a:p>
             <a:r>
-              <a:rPr lang="en-US" altLang="zh-CN" dirty="0" smtClean="0"/>
-              <a:t>        while (i&lt;j &amp;&amp; </a:t>
+              <a:rPr lang="zh-CN" altLang="en-US" dirty="0" smtClean="0"/>
+              <a:t>堆是父节点大于等于子节点（最大堆）或父节点小于等于子节点（最小堆）的完全二叉树。</a:t>
+            </a:r>
+            <a:endParaRPr lang="en-US" altLang="zh-CN" dirty="0" smtClean="0"/>
+          </a:p>
+          <a:p>
+            <a:r>
+              <a:rPr lang="zh-CN" altLang="en-US" dirty="0"/>
+              <a:t>建</a:t>
+            </a:r>
+            <a:r>
+              <a:rPr lang="zh-CN" altLang="en-US" dirty="0" smtClean="0"/>
+              <a:t>堆：从中间节点</a:t>
+            </a:r>
+            <a:r>
+              <a:rPr lang="en-US" altLang="zh-CN" dirty="0" smtClean="0"/>
+              <a:t>[n/2]</a:t>
+            </a:r>
+            <a:r>
+              <a:rPr lang="zh-CN" altLang="en-US" dirty="0" smtClean="0"/>
+              <a:t>开始调整内部所有节点，复杂度</a:t>
+            </a:r>
+            <a:r>
+              <a:rPr lang="en-US" altLang="zh-CN" dirty="0" err="1" smtClean="0"/>
+              <a:t>nlog</a:t>
+            </a:r>
+            <a:r>
+              <a:rPr lang="en-US" altLang="zh-CN" dirty="0" smtClean="0"/>
+              <a:t>(n)</a:t>
+            </a:r>
+            <a:r>
+              <a:rPr lang="zh-CN" altLang="en-US" dirty="0" smtClean="0"/>
+              <a:t>。</a:t>
+            </a:r>
+            <a:endParaRPr lang="en-US" altLang="zh-CN" dirty="0" smtClean="0"/>
+          </a:p>
+          <a:p>
+            <a:r>
+              <a:rPr lang="zh-CN" altLang="en-US" dirty="0" smtClean="0"/>
+              <a:t>插入</a:t>
+            </a:r>
+            <a:r>
+              <a:rPr lang="en-US" altLang="zh-CN" dirty="0" smtClean="0"/>
+              <a:t>/</a:t>
+            </a:r>
+            <a:r>
+              <a:rPr lang="zh-CN" altLang="en-US" dirty="0" smtClean="0"/>
+              <a:t>删除：复杂度</a:t>
+            </a:r>
+            <a:r>
+              <a:rPr lang="en-US" altLang="zh-CN" dirty="0" smtClean="0"/>
+              <a:t>log(n)</a:t>
+            </a:r>
+          </a:p>
+          <a:p>
+            <a:r>
+              <a:rPr lang="zh-CN" altLang="en-US" dirty="0" smtClean="0"/>
+              <a:t>堆排序：</a:t>
+            </a:r>
+            <a:r>
+              <a:rPr lang="en-US" altLang="zh-CN" dirty="0" smtClean="0"/>
+              <a:t>n</a:t>
+            </a:r>
+            <a:r>
+              <a:rPr lang="zh-CN" altLang="en-US" dirty="0" smtClean="0"/>
+              <a:t>个元素，每次调整最多</a:t>
+            </a:r>
+            <a:r>
+              <a:rPr lang="en-US" altLang="zh-CN" dirty="0" smtClean="0"/>
+              <a:t>log(n)</a:t>
+            </a:r>
+            <a:r>
+              <a:rPr lang="zh-CN" altLang="en-US" dirty="0" smtClean="0"/>
+              <a:t>次交换，复杂度为</a:t>
+            </a:r>
+            <a:r>
+              <a:rPr lang="en-US" altLang="zh-CN" dirty="0" err="1" smtClean="0"/>
+              <a:t>nlog</a:t>
+            </a:r>
+            <a:r>
+              <a:rPr lang="en-US" altLang="zh-CN" dirty="0" smtClean="0"/>
+              <a:t>(n)</a:t>
+            </a:r>
+            <a:r>
+              <a:rPr lang="zh-CN" altLang="en-US" dirty="0" smtClean="0"/>
+              <a:t>。</a:t>
+            </a:r>
+            <a:endParaRPr lang="en-US" altLang="zh-CN" dirty="0" smtClean="0"/>
+          </a:p>
+        </p:txBody>
+      </p:sp>
+      <p:sp>
+        <p:nvSpPr>
+          <p:cNvPr id="4" name="TextBox 3"/>
+          <p:cNvSpPr txBox="1"/>
+          <p:nvPr/>
+        </p:nvSpPr>
+        <p:spPr>
+          <a:xfrm>
+            <a:off x="719808" y="2204864"/>
+            <a:ext cx="3672408" cy="4247317"/>
+          </a:xfrm>
+          <a:prstGeom prst="rect">
+            <a:avLst/>
+          </a:prstGeom>
+          <a:noFill/>
+        </p:spPr>
+        <p:txBody>
+          <a:bodyPr wrap="square" rtlCol="0">
+            <a:spAutoFit/>
+          </a:bodyPr>
+          <a:lstStyle/>
+          <a:p>
+            <a:r>
+              <a:rPr lang="en-US" altLang="zh-CN" dirty="0" smtClean="0"/>
+              <a:t>void </a:t>
+            </a:r>
+            <a:r>
+              <a:rPr lang="en-US" altLang="zh-CN" dirty="0" err="1" smtClean="0"/>
+              <a:t>heap</a:t>
+            </a:r>
+            <a:r>
+              <a:rPr lang="en-US" altLang="zh-CN" dirty="0" err="1" smtClean="0"/>
+              <a:t>_sort</a:t>
+            </a:r>
+            <a:r>
+              <a:rPr lang="en-US" altLang="zh-CN" dirty="0" smtClean="0"/>
+              <a:t>(</a:t>
+            </a:r>
+            <a:r>
+              <a:rPr lang="en-US" altLang="zh-CN" dirty="0" err="1" smtClean="0"/>
+              <a:t>int</a:t>
+            </a:r>
+            <a:r>
+              <a:rPr lang="en-US" altLang="zh-CN" dirty="0" smtClean="0"/>
+              <a:t>* </a:t>
             </a:r>
             <a:r>
               <a:rPr lang="en-US" altLang="zh-CN" dirty="0" err="1" smtClean="0"/>
@@ -5484,13 +5458,47 @@
             </a:r>
             <a:r>
               <a:rPr lang="en-US" altLang="zh-CN" dirty="0" smtClean="0"/>
-              <a:t>[i]&lt;= key)</a:t>
-            </a:r>
-          </a:p>
-          <a:p>
-            <a:r>
-              <a:rPr lang="en-US" altLang="zh-CN" dirty="0" smtClean="0"/>
-              <a:t>            i++;</a:t>
+              <a:t>, </a:t>
+            </a:r>
+            <a:r>
+              <a:rPr lang="en-US" altLang="zh-CN" dirty="0" err="1" smtClean="0"/>
+              <a:t>int</a:t>
+            </a:r>
+            <a:r>
+              <a:rPr lang="en-US" altLang="zh-CN" dirty="0" smtClean="0"/>
+              <a:t> n</a:t>
+            </a:r>
+            <a:r>
+              <a:rPr lang="en-US" altLang="zh-CN" dirty="0" smtClean="0"/>
+              <a:t>) {</a:t>
+            </a:r>
+          </a:p>
+          <a:p>
+            <a:r>
+              <a:rPr lang="en-US" altLang="zh-CN" dirty="0" smtClean="0"/>
+              <a:t>    // build heap</a:t>
+            </a:r>
+          </a:p>
+          <a:p>
+            <a:r>
+              <a:rPr lang="en-US" altLang="zh-CN" dirty="0"/>
+              <a:t> </a:t>
+            </a:r>
+            <a:r>
+              <a:rPr lang="en-US" altLang="zh-CN" dirty="0" smtClean="0"/>
+              <a:t>   </a:t>
+            </a:r>
+            <a:r>
+              <a:rPr lang="en-US" altLang="zh-CN" dirty="0" smtClean="0"/>
+              <a:t>for(</a:t>
+            </a:r>
+            <a:r>
+              <a:rPr lang="en-US" altLang="zh-CN" dirty="0" err="1" smtClean="0"/>
+              <a:t>int</a:t>
+            </a:r>
+            <a:r>
+              <a:rPr lang="en-US" altLang="zh-CN" dirty="0" smtClean="0"/>
+              <a:t> i = n/2; i&gt;0;i--) {</a:t>
             </a:r>
           </a:p>
           <a:p>
@@ -5500,11 +5508,88 @@
             </a:r>
             <a:r>
               <a:rPr lang="en-US" altLang="zh-CN" dirty="0" err="1" smtClean="0"/>
+              <a:t>heap_adjust</a:t>
+            </a:r>
+            <a:r>
+              <a:rPr lang="en-US" altLang="zh-CN" dirty="0" smtClean="0"/>
+              <a:t>(</a:t>
+            </a:r>
+            <a:r>
+              <a:rPr lang="en-US" altLang="zh-CN" dirty="0" err="1" smtClean="0"/>
               <a:t>arr</a:t>
             </a:r>
             <a:r>
               <a:rPr lang="en-US" altLang="zh-CN" dirty="0" smtClean="0"/>
-              <a:t>[j] = </a:t>
+              <a:t>, i, n);</a:t>
+            </a:r>
+            <a:endParaRPr lang="en-US" altLang="zh-CN" dirty="0"/>
+          </a:p>
+          <a:p>
+            <a:r>
+              <a:rPr lang="en-US" altLang="zh-CN" dirty="0" smtClean="0"/>
+              <a:t>    }</a:t>
+            </a:r>
+          </a:p>
+          <a:p>
+            <a:endParaRPr lang="en-US" altLang="zh-CN" dirty="0"/>
+          </a:p>
+          <a:p>
+            <a:r>
+              <a:rPr lang="en-US" altLang="zh-CN" dirty="0" smtClean="0"/>
+              <a:t>    for(</a:t>
+            </a:r>
+            <a:r>
+              <a:rPr lang="en-US" altLang="zh-CN" dirty="0" err="1" smtClean="0"/>
+              <a:t>int</a:t>
+            </a:r>
+            <a:r>
+              <a:rPr lang="en-US" altLang="zh-CN" dirty="0" smtClean="0"/>
+              <a:t> i =n; i&gt;0;i--) {</a:t>
+            </a:r>
+          </a:p>
+          <a:p>
+            <a:r>
+              <a:rPr lang="en-US" altLang="zh-CN" dirty="0"/>
+              <a:t> </a:t>
+            </a:r>
+            <a:r>
+              <a:rPr lang="en-US" altLang="zh-CN" dirty="0" smtClean="0"/>
+              <a:t>       // swap </a:t>
+            </a:r>
+            <a:r>
+              <a:rPr lang="en-US" altLang="zh-CN" dirty="0" err="1" smtClean="0"/>
+              <a:t>first&amp;last</a:t>
+            </a:r>
+            <a:r>
+              <a:rPr lang="en-US" altLang="zh-CN" dirty="0" smtClean="0"/>
+              <a:t> element</a:t>
+            </a:r>
+            <a:endParaRPr lang="en-US" altLang="zh-CN" dirty="0" smtClean="0"/>
+          </a:p>
+          <a:p>
+            <a:r>
+              <a:rPr lang="en-US" altLang="zh-CN" dirty="0"/>
+              <a:t> </a:t>
+            </a:r>
+            <a:r>
+              <a:rPr lang="en-US" altLang="zh-CN" dirty="0" smtClean="0"/>
+              <a:t>       </a:t>
+            </a:r>
+            <a:r>
+              <a:rPr lang="en-US" altLang="zh-CN" dirty="0" err="1" smtClean="0"/>
+              <a:t>int</a:t>
+            </a:r>
+            <a:r>
+              <a:rPr lang="en-US" altLang="zh-CN" dirty="0" smtClean="0"/>
+              <a:t> </a:t>
+            </a:r>
+            <a:r>
+              <a:rPr lang="en-US" altLang="zh-CN" dirty="0" err="1" smtClean="0"/>
+              <a:t>tmp</a:t>
+            </a:r>
+            <a:r>
+              <a:rPr lang="en-US" altLang="zh-CN" dirty="0" smtClean="0"/>
+              <a:t> = </a:t>
             </a:r>
             <a:r>
               <a:rPr lang="en-US" altLang="zh-CN" dirty="0" err="1" smtClean="0"/>
@@ -5512,18 +5597,201 @@
             </a:r>
             <a:r>
               <a:rPr lang="en-US" altLang="zh-CN" dirty="0" smtClean="0"/>
-              <a:t>[i];//</a:t>
-            </a:r>
-            <a:r>
-              <a:rPr lang="zh-CN" altLang="en-US" dirty="0" smtClean="0"/>
-              <a:t>移动右边</a:t>
+              <a:t>[n-1];</a:t>
+            </a:r>
+          </a:p>
+          <a:p>
+            <a:r>
+              <a:rPr lang="en-US" altLang="zh-CN" dirty="0"/>
+              <a:t> </a:t>
+            </a:r>
+            <a:r>
+              <a:rPr lang="en-US" altLang="zh-CN" dirty="0" smtClean="0"/>
+              <a:t>       </a:t>
+            </a:r>
+            <a:r>
+              <a:rPr lang="en-US" altLang="zh-CN" dirty="0" err="1" smtClean="0"/>
+              <a:t>arr</a:t>
+            </a:r>
+            <a:r>
+              <a:rPr lang="en-US" altLang="zh-CN" dirty="0" smtClean="0"/>
+              <a:t>[n-1] = </a:t>
+            </a:r>
+            <a:r>
+              <a:rPr lang="en-US" altLang="zh-CN" dirty="0" err="1" smtClean="0"/>
+              <a:t>arr</a:t>
+            </a:r>
+            <a:r>
+              <a:rPr lang="en-US" altLang="zh-CN" dirty="0" smtClean="0"/>
+              <a:t>[0];</a:t>
+            </a:r>
+          </a:p>
+          <a:p>
+            <a:r>
+              <a:rPr lang="en-US" altLang="zh-CN" dirty="0"/>
+              <a:t> </a:t>
+            </a:r>
+            <a:r>
+              <a:rPr lang="en-US" altLang="zh-CN" dirty="0" smtClean="0"/>
+              <a:t>       </a:t>
+            </a:r>
+            <a:r>
+              <a:rPr lang="en-US" altLang="zh-CN" dirty="0" err="1" smtClean="0"/>
+              <a:t>arr</a:t>
+            </a:r>
+            <a:r>
+              <a:rPr lang="en-US" altLang="zh-CN" dirty="0" smtClean="0"/>
+              <a:t>[0] = </a:t>
+            </a:r>
+            <a:r>
+              <a:rPr lang="en-US" altLang="zh-CN" dirty="0" err="1" smtClean="0"/>
+              <a:t>tmp</a:t>
+            </a:r>
+            <a:r>
+              <a:rPr lang="en-US" altLang="zh-CN" dirty="0" smtClean="0"/>
+              <a:t>;</a:t>
+            </a:r>
+          </a:p>
+          <a:p>
+            <a:endParaRPr lang="en-US" altLang="zh-CN" dirty="0"/>
+          </a:p>
+          <a:p>
+            <a:r>
+              <a:rPr lang="en-US" altLang="zh-CN" dirty="0" smtClean="0"/>
+              <a:t>        </a:t>
+            </a:r>
+            <a:r>
+              <a:rPr lang="en-US" altLang="zh-CN" dirty="0" err="1" smtClean="0"/>
+              <a:t>heap_adjust</a:t>
+            </a:r>
+            <a:r>
+              <a:rPr lang="en-US" altLang="zh-CN" dirty="0" smtClean="0"/>
+              <a:t>(</a:t>
+            </a:r>
+            <a:r>
+              <a:rPr lang="en-US" altLang="zh-CN" dirty="0" err="1" smtClean="0"/>
+              <a:t>arr</a:t>
+            </a:r>
+            <a:r>
+              <a:rPr lang="en-US" altLang="zh-CN" dirty="0" smtClean="0"/>
+              <a:t>, 0, i);</a:t>
+            </a:r>
+            <a:r>
+              <a:rPr lang="en-US" altLang="zh-CN" dirty="0" smtClean="0"/>
+              <a:t>   </a:t>
+            </a:r>
+          </a:p>
+          <a:p>
+            <a:r>
+              <a:rPr lang="en-US" altLang="zh-CN" dirty="0" smtClean="0"/>
+              <a:t>    }</a:t>
             </a:r>
             <a:endParaRPr lang="en-US" altLang="zh-CN" dirty="0" smtClean="0"/>
           </a:p>
           <a:p>
             <a:r>
-              <a:rPr lang="en-US" altLang="zh-CN" dirty="0" smtClean="0"/>
-              <a:t>    } // while i &lt; j</a:t>
+              <a:rPr lang="en-US" altLang="zh-CN" dirty="0"/>
+              <a:t>}</a:t>
+            </a:r>
+            <a:endParaRPr lang="en-US" altLang="zh-CN" dirty="0" smtClean="0"/>
+          </a:p>
+        </p:txBody>
+      </p:sp>
+      <p:sp>
+        <p:nvSpPr>
+          <p:cNvPr id="5" name="TextBox 4"/>
+          <p:cNvSpPr txBox="1"/>
+          <p:nvPr/>
+        </p:nvSpPr>
+        <p:spPr>
+          <a:xfrm>
+            <a:off x="4499992" y="2204864"/>
+            <a:ext cx="4104456" cy="4247317"/>
+          </a:xfrm>
+          <a:prstGeom prst="rect">
+            <a:avLst/>
+          </a:prstGeom>
+          <a:noFill/>
+        </p:spPr>
+        <p:txBody>
+          <a:bodyPr wrap="square" rtlCol="0">
+            <a:spAutoFit/>
+          </a:bodyPr>
+          <a:lstStyle/>
+          <a:p>
+            <a:r>
+              <a:rPr lang="en-US" altLang="zh-CN" dirty="0"/>
+              <a:t>v</a:t>
+            </a:r>
+            <a:r>
+              <a:rPr lang="en-US" altLang="zh-CN" dirty="0" smtClean="0"/>
+              <a:t>oid </a:t>
+            </a:r>
+            <a:r>
+              <a:rPr lang="en-US" altLang="zh-CN" dirty="0" err="1" smtClean="0"/>
+              <a:t>heap_adjust</a:t>
+            </a:r>
+            <a:r>
+              <a:rPr lang="en-US" altLang="zh-CN" dirty="0" smtClean="0"/>
+              <a:t>(</a:t>
+            </a:r>
+            <a:r>
+              <a:rPr lang="en-US" altLang="zh-CN" dirty="0" err="1" smtClean="0"/>
+              <a:t>int</a:t>
+            </a:r>
+            <a:r>
+              <a:rPr lang="en-US" altLang="zh-CN" dirty="0" smtClean="0"/>
+              <a:t>* </a:t>
+            </a:r>
+            <a:r>
+              <a:rPr lang="en-US" altLang="zh-CN" dirty="0" err="1" smtClean="0"/>
+              <a:t>arr</a:t>
+            </a:r>
+            <a:r>
+              <a:rPr lang="en-US" altLang="zh-CN" dirty="0" smtClean="0"/>
+              <a:t>, </a:t>
+            </a:r>
+            <a:r>
+              <a:rPr lang="en-US" altLang="zh-CN" dirty="0" err="1" smtClean="0"/>
+              <a:t>int</a:t>
+            </a:r>
+            <a:r>
+              <a:rPr lang="en-US" altLang="zh-CN" dirty="0" smtClean="0"/>
+              <a:t> p, </a:t>
+            </a:r>
+            <a:r>
+              <a:rPr lang="en-US" altLang="zh-CN" dirty="0" err="1" smtClean="0"/>
+              <a:t>int</a:t>
+            </a:r>
+            <a:r>
+              <a:rPr lang="en-US" altLang="zh-CN" dirty="0" smtClean="0"/>
+              <a:t> </a:t>
+            </a:r>
+            <a:r>
+              <a:rPr lang="en-US" altLang="zh-CN" dirty="0" err="1" smtClean="0"/>
+              <a:t>len</a:t>
+            </a:r>
+            <a:r>
+              <a:rPr lang="en-US" altLang="zh-CN" dirty="0" smtClean="0"/>
+              <a:t>) {</a:t>
+            </a:r>
+          </a:p>
+          <a:p>
+            <a:r>
+              <a:rPr lang="en-US" altLang="zh-CN" dirty="0"/>
+              <a:t> </a:t>
+            </a:r>
+            <a:r>
+              <a:rPr lang="en-US" altLang="zh-CN" dirty="0" smtClean="0"/>
+              <a:t>   </a:t>
+            </a:r>
+            <a:r>
+              <a:rPr lang="en-US" altLang="zh-CN" dirty="0" err="1" smtClean="0"/>
+              <a:t>int</a:t>
+            </a:r>
+            <a:r>
+              <a:rPr lang="en-US" altLang="zh-CN" dirty="0" smtClean="0"/>
+              <a:t> c = 2*p;// child</a:t>
             </a:r>
           </a:p>
           <a:p>
@@ -5533,26 +5801,51 @@
             </a:r>
             <a:r>
               <a:rPr lang="en-US" altLang="zh-CN" dirty="0" err="1" smtClean="0"/>
+              <a:t>int</a:t>
+            </a:r>
+            <a:r>
+              <a:rPr lang="en-US" altLang="zh-CN" dirty="0" smtClean="0"/>
+              <a:t> </a:t>
+            </a:r>
+            <a:r>
+              <a:rPr lang="en-US" altLang="zh-CN" dirty="0" err="1" smtClean="0"/>
+              <a:t>val</a:t>
+            </a:r>
+            <a:r>
+              <a:rPr lang="en-US" altLang="zh-CN" dirty="0" smtClean="0"/>
+              <a:t> = </a:t>
+            </a:r>
+            <a:r>
+              <a:rPr lang="en-US" altLang="zh-CN" dirty="0" err="1" smtClean="0"/>
               <a:t>arr</a:t>
             </a:r>
             <a:r>
               <a:rPr lang="en-US" altLang="zh-CN" dirty="0" smtClean="0"/>
-              <a:t>[i] = key;</a:t>
-            </a:r>
-            <a:endParaRPr lang="en-US" altLang="zh-CN" dirty="0"/>
-          </a:p>
-          <a:p>
-            <a:r>
-              <a:rPr lang="en-US" altLang="zh-CN" dirty="0" smtClean="0"/>
-              <a:t>    </a:t>
-            </a:r>
-            <a:r>
-              <a:rPr lang="en-US" altLang="zh-CN" dirty="0" err="1" smtClean="0"/>
-              <a:t>quick_sort</a:t>
-            </a:r>
-            <a:r>
-              <a:rPr lang="en-US" altLang="zh-CN" dirty="0" smtClean="0"/>
-              <a:t>(</a:t>
+              <a:t>[p];</a:t>
+            </a:r>
+          </a:p>
+          <a:p>
+            <a:r>
+              <a:rPr lang="en-US" altLang="zh-CN" dirty="0" smtClean="0"/>
+              <a:t>    while(c&lt;</a:t>
+            </a:r>
+            <a:r>
+              <a:rPr lang="en-US" altLang="zh-CN" dirty="0" err="1" smtClean="0"/>
+              <a:t>len</a:t>
+            </a:r>
+            <a:r>
+              <a:rPr lang="en-US" altLang="zh-CN" dirty="0" smtClean="0"/>
+              <a:t>) {</a:t>
+            </a:r>
+          </a:p>
+          <a:p>
+            <a:r>
+              <a:rPr lang="en-US" altLang="zh-CN" dirty="0"/>
+              <a:t> </a:t>
+            </a:r>
+            <a:r>
+              <a:rPr lang="en-US" altLang="zh-CN" dirty="0" smtClean="0"/>
+              <a:t>       if (</a:t>
             </a:r>
             <a:r>
               <a:rPr lang="en-US" altLang="zh-CN" dirty="0" err="1" smtClean="0"/>
@@ -5560,7 +5853,15 @@
             </a:r>
             <a:r>
               <a:rPr lang="en-US" altLang="zh-CN" dirty="0" smtClean="0"/>
-              <a:t>, i);</a:t>
+              <a:t>[c] &lt; </a:t>
+            </a:r>
+            <a:r>
+              <a:rPr lang="en-US" altLang="zh-CN" dirty="0" err="1" smtClean="0"/>
+              <a:t>arr</a:t>
+            </a:r>
+            <a:r>
+              <a:rPr lang="en-US" altLang="zh-CN" dirty="0" smtClean="0"/>
+              <a:t>[c+1])</a:t>
             </a:r>
           </a:p>
           <a:p>
@@ -5570,25 +5871,139 @@
             </a:r>
             <a:r>
               <a:rPr lang="en-US" altLang="zh-CN" dirty="0" smtClean="0"/>
+              <a:t>           </a:t>
+            </a:r>
+            <a:r>
+              <a:rPr lang="en-US" altLang="zh-CN" dirty="0" err="1" smtClean="0"/>
+              <a:t>c++</a:t>
+            </a:r>
+            <a:r>
+              <a:rPr lang="en-US" altLang="zh-CN" dirty="0" smtClean="0"/>
+              <a:t>;</a:t>
+            </a:r>
+          </a:p>
+          <a:p>
+            <a:r>
+              <a:rPr lang="en-US" altLang="zh-CN" dirty="0"/>
+              <a:t> </a:t>
+            </a:r>
+            <a:r>
+              <a:rPr lang="en-US" altLang="zh-CN" dirty="0" smtClean="0"/>
+              <a:t>       if (</a:t>
+            </a:r>
+            <a:r>
+              <a:rPr lang="en-US" altLang="zh-CN" dirty="0" err="1" smtClean="0"/>
+              <a:t>val</a:t>
+            </a:r>
+            <a:r>
+              <a:rPr lang="en-US" altLang="zh-CN" dirty="0" smtClean="0"/>
+              <a:t> &lt;= </a:t>
+            </a:r>
+            <a:r>
+              <a:rPr lang="en-US" altLang="zh-CN" dirty="0" err="1" smtClean="0"/>
+              <a:t>arr</a:t>
+            </a:r>
+            <a:r>
+              <a:rPr lang="en-US" altLang="zh-CN" dirty="0" smtClean="0"/>
+              <a:t>[c])</a:t>
+            </a:r>
+          </a:p>
+          <a:p>
+            <a:r>
+              <a:rPr lang="en-US" altLang="zh-CN" dirty="0"/>
+              <a:t> </a:t>
+            </a:r>
+            <a:r>
+              <a:rPr lang="en-US" altLang="zh-CN" dirty="0" smtClean="0"/>
+              <a:t>           break;</a:t>
+            </a:r>
+          </a:p>
+          <a:p>
+            <a:endParaRPr lang="en-US" altLang="zh-CN" dirty="0" smtClean="0"/>
+          </a:p>
+          <a:p>
+            <a:r>
+              <a:rPr lang="en-US" altLang="zh-CN" dirty="0" smtClean="0"/>
+              <a:t>        </a:t>
+            </a:r>
+            <a:r>
+              <a:rPr lang="en-US" altLang="zh-CN" dirty="0" err="1" smtClean="0"/>
+              <a:t>arr</a:t>
+            </a:r>
+            <a:r>
+              <a:rPr lang="en-US" altLang="zh-CN" dirty="0" smtClean="0"/>
+              <a:t>[c] = </a:t>
+            </a:r>
+            <a:r>
+              <a:rPr lang="en-US" altLang="zh-CN" dirty="0" err="1" smtClean="0"/>
+              <a:t>val</a:t>
+            </a:r>
+            <a:r>
+              <a:rPr lang="en-US" altLang="zh-CN" dirty="0" smtClean="0"/>
+              <a:t>; // swap</a:t>
+            </a:r>
+          </a:p>
+          <a:p>
+            <a:r>
+              <a:rPr lang="en-US" altLang="zh-CN" dirty="0"/>
+              <a:t> </a:t>
+            </a:r>
+            <a:r>
+              <a:rPr lang="en-US" altLang="zh-CN" dirty="0" smtClean="0"/>
+              <a:t>       p = c;</a:t>
+            </a:r>
+          </a:p>
+          <a:p>
+            <a:r>
+              <a:rPr lang="en-US" altLang="zh-CN" dirty="0"/>
+              <a:t> </a:t>
+            </a:r>
+            <a:r>
+              <a:rPr lang="en-US" altLang="zh-CN" dirty="0" smtClean="0"/>
+              <a:t>       c = 2*c;</a:t>
+            </a:r>
+          </a:p>
+          <a:p>
+            <a:r>
+              <a:rPr lang="en-US" altLang="zh-CN" dirty="0"/>
+              <a:t> </a:t>
+            </a:r>
+            <a:r>
+              <a:rPr lang="en-US" altLang="zh-CN" dirty="0" smtClean="0"/>
+              <a:t>   }</a:t>
+            </a:r>
+          </a:p>
+          <a:p>
+            <a:r>
+              <a:rPr lang="en-US" altLang="zh-CN" dirty="0"/>
+              <a:t> </a:t>
+            </a:r>
+            <a:r>
+              <a:rPr lang="en-US" altLang="zh-CN" dirty="0" smtClean="0"/>
               <a:t>   </a:t>
             </a:r>
             <a:r>
               <a:rPr lang="en-US" altLang="zh-CN" dirty="0" err="1" smtClean="0"/>
-              <a:t>quick_sort</a:t>
-            </a:r>
-            <a:r>
-              <a:rPr lang="en-US" altLang="zh-CN" dirty="0" smtClean="0"/>
-              <a:t>(arr+i+1, n-i-1);</a:t>
-            </a:r>
-          </a:p>
-          <a:p>
-            <a:r>
-              <a:rPr lang="en-US" altLang="zh-CN" dirty="0" smtClean="0"/>
-              <a:t>} // </a:t>
-            </a:r>
-            <a:r>
-              <a:rPr lang="en-US" altLang="zh-CN" dirty="0" err="1" smtClean="0"/>
-              <a:t>quick_sort</a:t>
+              <a:t>arr</a:t>
+            </a:r>
+            <a:r>
+              <a:rPr lang="en-US" altLang="zh-CN" dirty="0" smtClean="0"/>
+              <a:t>[p] = </a:t>
+            </a:r>
+            <a:r>
+              <a:rPr lang="en-US" altLang="zh-CN" dirty="0" err="1" smtClean="0"/>
+              <a:t>val</a:t>
+            </a:r>
+            <a:r>
+              <a:rPr lang="en-US" altLang="zh-CN" dirty="0" smtClean="0"/>
+              <a:t>;</a:t>
+            </a:r>
+            <a:endParaRPr lang="en-US" altLang="zh-CN" dirty="0" smtClean="0"/>
+          </a:p>
+          <a:p>
+            <a:r>
+              <a:rPr lang="en-US" altLang="zh-CN" dirty="0"/>
+              <a:t>}</a:t>
             </a:r>
             <a:endParaRPr lang="en-US" altLang="zh-CN" dirty="0" smtClean="0"/>
           </a:p>
@@ -5597,7 +6012,136 @@
     </p:spTree>
     <p:extLst>
       <p:ext uri="{BB962C8B-B14F-4D97-AF65-F5344CB8AC3E}">
-        <p14:creationId xmlns:p14="http://schemas.microsoft.com/office/powerpoint/2010/main" val="4242621818"/>
+        <p14:creationId xmlns:p14="http://schemas.microsoft.com/office/powerpoint/2010/main" val="363417404"/>
+      </p:ext>
+    </p:extLst>
+  </p:cSld>
+  <p:clrMapOvr>
+    <a:masterClrMapping/>
+  </p:clrMapOvr>
+  <p:timing>
+    <p:tnLst>
+      <p:par>
+        <p:cTn id="1" dur="indefinite" restart="never" nodeType="tmRoot"/>
+      </p:par>
+    </p:tnLst>
+  </p:timing>
+</p:sld>
+</file>
+
+<file path=ppt/slides/slide8.xml><?xml version="1.0" encoding="utf-8"?>
+<p:sld xmlns:a="http://schemas.openxmlformats.org/drawingml/2006/main" xmlns:r="http://schemas.openxmlformats.org/officeDocument/2006/relationships" xmlns:p="http://schemas.openxmlformats.org/presentationml/2006/main">
+  <p:cSld>
+    <p:spTree>
+      <p:nvGrpSpPr>
+        <p:cNvPr id="1" name=""/>
+        <p:cNvGrpSpPr/>
+        <p:nvPr/>
+      </p:nvGrpSpPr>
+      <p:grpSpPr>
+        <a:xfrm>
+          <a:off x="0" y="0"/>
+          <a:ext cx="0" cy="0"/>
+          <a:chOff x="0" y="0"/>
+          <a:chExt cx="0" cy="0"/>
+        </a:xfrm>
+      </p:grpSpPr>
+      <p:sp>
+        <p:nvSpPr>
+          <p:cNvPr id="6" name="TextBox 5"/>
+          <p:cNvSpPr txBox="1"/>
+          <p:nvPr/>
+        </p:nvSpPr>
+        <p:spPr>
+          <a:xfrm>
+            <a:off x="755576" y="332656"/>
+            <a:ext cx="3600400" cy="400110"/>
+          </a:xfrm>
+          <a:prstGeom prst="rect">
+            <a:avLst/>
+          </a:prstGeom>
+          <a:noFill/>
+        </p:spPr>
+        <p:txBody>
+          <a:bodyPr wrap="square" rtlCol="0">
+            <a:spAutoFit/>
+          </a:bodyPr>
+          <a:lstStyle/>
+          <a:p>
+            <a:r>
+              <a:rPr lang="en-US" altLang="zh-CN" sz="2000" dirty="0" smtClean="0"/>
+              <a:t>6.B-Tree</a:t>
+            </a:r>
+            <a:endParaRPr lang="zh-CN" altLang="en-US" sz="2000" dirty="0"/>
+          </a:p>
+        </p:txBody>
+      </p:sp>
+      <p:sp>
+        <p:nvSpPr>
+          <p:cNvPr id="3" name="TextBox 2"/>
+          <p:cNvSpPr txBox="1"/>
+          <p:nvPr/>
+        </p:nvSpPr>
+        <p:spPr>
+          <a:xfrm>
+            <a:off x="683568" y="899428"/>
+            <a:ext cx="7056784" cy="923330"/>
+          </a:xfrm>
+          <a:prstGeom prst="rect">
+            <a:avLst/>
+          </a:prstGeom>
+          <a:noFill/>
+        </p:spPr>
+        <p:txBody>
+          <a:bodyPr wrap="square" rtlCol="0">
+            <a:spAutoFit/>
+          </a:bodyPr>
+          <a:lstStyle/>
+          <a:p>
+            <a:r>
+              <a:rPr lang="zh-CN" altLang="en-US" dirty="0"/>
+              <a:t>通过左右半边数据进行交换，每次</a:t>
+            </a:r>
+            <a:r>
+              <a:rPr lang="zh-CN" altLang="en-US" dirty="0" smtClean="0"/>
+              <a:t>得到</a:t>
+            </a:r>
+            <a:r>
+              <a:rPr lang="zh-CN" altLang="en-US" dirty="0"/>
+              <a:t>以某个关键字为</a:t>
+            </a:r>
+            <a:r>
+              <a:rPr lang="zh-CN" altLang="en-US" dirty="0" smtClean="0"/>
+              <a:t>分界的两个相对有序</a:t>
+            </a:r>
+            <a:r>
+              <a:rPr lang="zh-CN" altLang="en-US" dirty="0"/>
+              <a:t>的子序列</a:t>
+            </a:r>
+            <a:r>
+              <a:rPr lang="zh-CN" altLang="en-US" dirty="0" smtClean="0"/>
+              <a:t>。副作用是子序列内部不保证有序。复杂度与快排相同，</a:t>
+            </a:r>
+            <a:r>
+              <a:rPr lang="en-US" altLang="zh-CN" dirty="0" err="1" smtClean="0"/>
+              <a:t>nlog</a:t>
+            </a:r>
+            <a:r>
+              <a:rPr lang="en-US" altLang="zh-CN" dirty="0" smtClean="0"/>
+              <a:t>(n)</a:t>
+            </a:r>
+            <a:r>
+              <a:rPr lang="zh-CN" altLang="en-US" dirty="0" smtClean="0"/>
+              <a:t>。</a:t>
+            </a:r>
+            <a:endParaRPr lang="en-US" altLang="zh-CN" dirty="0" smtClean="0"/>
+          </a:p>
+        </p:txBody>
+      </p:sp>
+    </p:spTree>
+    <p:extLst>
+      <p:ext uri="{BB962C8B-B14F-4D97-AF65-F5344CB8AC3E}">
+        <p14:creationId xmlns:p14="http://schemas.microsoft.com/office/powerpoint/2010/main" val="3436435785"/>
       </p:ext>
     </p:extLst>
   </p:cSld>

--- a/algos_summary.pptx
+++ b/algos_summary.pptx
@@ -13,6 +13,7 @@
     <p:sldId id="261" r:id="rId7"/>
     <p:sldId id="263" r:id="rId8"/>
     <p:sldId id="264" r:id="rId9"/>
+    <p:sldId id="265" r:id="rId10"/>
   </p:sldIdLst>
   <p:sldSz cx="9144000" cy="6858000" type="screen4x3"/>
   <p:notesSz cx="6858000" cy="9144000"/>
@@ -3326,7 +3327,11 @@
             </a:r>
             <a:r>
               <a:rPr lang="en-US" altLang="zh-CN" dirty="0" smtClean="0"/>
-              <a:t>           return mid;</a:t>
+              <a:t>           return mid</a:t>
+            </a:r>
+            <a:r>
+              <a:rPr lang="en-US" altLang="zh-CN" dirty="0" smtClean="0"/>
+              <a:t>;// end = mid;</a:t>
             </a:r>
             <a:endParaRPr lang="en-US" altLang="zh-CN" dirty="0"/>
           </a:p>
@@ -3409,7 +3414,7 @@
         <p:spPr>
           <a:xfrm>
             <a:off x="4211960" y="1124744"/>
-            <a:ext cx="4680520" cy="3970318"/>
+            <a:ext cx="4680520" cy="4247317"/>
           </a:xfrm>
           <a:prstGeom prst="rect">
             <a:avLst/>
@@ -3533,8 +3538,33 @@
             </a:r>
             <a:r>
               <a:rPr lang="en-US" altLang="zh-CN" dirty="0" smtClean="0"/>
-              <a:t>       return mid;</a:t>
-            </a:r>
+              <a:t>       return mid</a:t>
+            </a:r>
+            <a:r>
+              <a:rPr lang="en-US" altLang="zh-CN" dirty="0" smtClean="0"/>
+              <a:t>;// return </a:t>
+            </a:r>
+            <a:r>
+              <a:rPr lang="en-US" altLang="zh-CN" dirty="0" err="1" smtClean="0"/>
+              <a:t>bin_search</a:t>
+            </a:r>
+            <a:r>
+              <a:rPr lang="en-US" altLang="zh-CN" dirty="0" smtClean="0"/>
+              <a:t>(</a:t>
+            </a:r>
+            <a:r>
+              <a:rPr lang="en-US" altLang="zh-CN" dirty="0" err="1" smtClean="0"/>
+              <a:t>arr</a:t>
+            </a:r>
+            <a:r>
+              <a:rPr lang="en-US" altLang="zh-CN" dirty="0" smtClean="0"/>
+              <a:t>, start, mid</a:t>
+            </a:r>
+            <a:r>
+              <a:rPr lang="en-US" altLang="zh-CN" smtClean="0"/>
+              <a:t>, key);</a:t>
+            </a:r>
+            <a:endParaRPr lang="en-US" altLang="zh-CN" dirty="0" smtClean="0"/>
           </a:p>
           <a:p>
             <a:endParaRPr lang="en-US" altLang="zh-CN" dirty="0" smtClean="0"/>
@@ -5434,11 +5464,7 @@
             </a:r>
             <a:r>
               <a:rPr lang="en-US" altLang="zh-CN" dirty="0" err="1" smtClean="0"/>
-              <a:t>heap</a:t>
-            </a:r>
-            <a:r>
-              <a:rPr lang="en-US" altLang="zh-CN" dirty="0" err="1" smtClean="0"/>
-              <a:t>_sort</a:t>
+              <a:t>heap_sort</a:t>
             </a:r>
             <a:r>
               <a:rPr lang="en-US" altLang="zh-CN" dirty="0" smtClean="0"/>
@@ -5466,11 +5492,7 @@
             </a:r>
             <a:r>
               <a:rPr lang="en-US" altLang="zh-CN" dirty="0" smtClean="0"/>
-              <a:t> n</a:t>
-            </a:r>
-            <a:r>
-              <a:rPr lang="en-US" altLang="zh-CN" dirty="0" smtClean="0"/>
-              <a:t>) {</a:t>
+              <a:t> n) {</a:t>
             </a:r>
           </a:p>
           <a:p>
@@ -5486,11 +5508,7 @@
             </a:r>
             <a:r>
               <a:rPr lang="en-US" altLang="zh-CN" dirty="0" smtClean="0"/>
-              <a:t>   </a:t>
-            </a:r>
-            <a:r>
-              <a:rPr lang="en-US" altLang="zh-CN" dirty="0" smtClean="0"/>
-              <a:t>for(</a:t>
+              <a:t>   for(</a:t>
             </a:r>
             <a:r>
               <a:rPr lang="en-US" altLang="zh-CN" dirty="0" err="1" smtClean="0"/>
@@ -5564,7 +5582,6 @@
               <a:rPr lang="en-US" altLang="zh-CN" dirty="0" smtClean="0"/>
               <a:t> element</a:t>
             </a:r>
-            <a:endParaRPr lang="en-US" altLang="zh-CN" dirty="0" smtClean="0"/>
           </a:p>
           <a:p>
             <a:r>
@@ -5674,11 +5691,7 @@
             </a:r>
             <a:r>
               <a:rPr lang="en-US" altLang="zh-CN" dirty="0" smtClean="0"/>
-              <a:t>, 0, i);</a:t>
-            </a:r>
-            <a:r>
-              <a:rPr lang="en-US" altLang="zh-CN" dirty="0" smtClean="0"/>
-              <a:t>   </a:t>
+              <a:t>, 0, i);   </a:t>
             </a:r>
           </a:p>
           <a:p>
@@ -5686,7 +5699,6 @@
               <a:rPr lang="en-US" altLang="zh-CN" dirty="0" smtClean="0"/>
               <a:t>    }</a:t>
             </a:r>
-            <a:endParaRPr lang="en-US" altLang="zh-CN" dirty="0" smtClean="0"/>
           </a:p>
           <a:p>
             <a:r>
@@ -5998,7 +6010,6 @@
               <a:rPr lang="en-US" altLang="zh-CN" dirty="0" smtClean="0"/>
               <a:t>;</a:t>
             </a:r>
-            <a:endParaRPr lang="en-US" altLang="zh-CN" dirty="0" smtClean="0"/>
           </a:p>
           <a:p>
             <a:r>
@@ -6085,7 +6096,7 @@
         <p:spPr>
           <a:xfrm>
             <a:off x="683568" y="899428"/>
-            <a:ext cx="7056784" cy="923330"/>
+            <a:ext cx="7776864" cy="1477328"/>
           </a:xfrm>
           <a:prstGeom prst="rect">
             <a:avLst/>
@@ -6099,42 +6110,228 @@
           <a:lstStyle/>
           <a:p>
             <a:r>
+              <a:rPr lang="en-US" altLang="zh-CN" dirty="0" smtClean="0"/>
+              <a:t>B</a:t>
+            </a:r>
+            <a:r>
+              <a:rPr lang="zh-CN" altLang="en-US" dirty="0" smtClean="0"/>
+              <a:t>树：二叉树。</a:t>
+            </a:r>
+            <a:endParaRPr lang="en-US" altLang="zh-CN" dirty="0" smtClean="0"/>
+          </a:p>
+          <a:p>
+            <a:r>
+              <a:rPr lang="en-US" altLang="zh-CN" dirty="0" smtClean="0"/>
+              <a:t>B-</a:t>
+            </a:r>
+            <a:r>
+              <a:rPr lang="zh-CN" altLang="en-US" dirty="0" smtClean="0"/>
+              <a:t>树：多叉树。每个节点都存储数据。</a:t>
+            </a:r>
+            <a:endParaRPr lang="en-US" altLang="zh-CN" dirty="0" smtClean="0"/>
+          </a:p>
+          <a:p>
+            <a:r>
+              <a:rPr lang="en-US" altLang="zh-CN" dirty="0" smtClean="0"/>
+              <a:t>B+</a:t>
+            </a:r>
+            <a:r>
+              <a:rPr lang="zh-CN" altLang="en-US" dirty="0" smtClean="0"/>
+              <a:t>树</a:t>
+            </a:r>
+            <a:r>
               <a:rPr lang="zh-CN" altLang="en-US" dirty="0"/>
-              <a:t>通过左右半边数据进行交换，每次</a:t>
+              <a:t>：</a:t>
             </a:r>
             <a:r>
               <a:rPr lang="zh-CN" altLang="en-US" dirty="0" smtClean="0"/>
-              <a:t>得到</a:t>
+              <a:t>叶子节点</a:t>
             </a:r>
             <a:r>
               <a:rPr lang="zh-CN" altLang="en-US" dirty="0"/>
-              <a:t>以某个关键字为</a:t>
+              <a:t>增加</a:t>
             </a:r>
             <a:r>
               <a:rPr lang="zh-CN" altLang="en-US" dirty="0" smtClean="0"/>
-              <a:t>分界的两个相对有序</a:t>
-            </a:r>
-            <a:r>
-              <a:rPr lang="zh-CN" altLang="en-US" dirty="0"/>
-              <a:t>的子序列</a:t>
+              <a:t>横向指针，只有叶子节点存储数据。</a:t>
+            </a:r>
+            <a:endParaRPr lang="en-US" altLang="zh-CN" dirty="0" smtClean="0"/>
+          </a:p>
+          <a:p>
+            <a:r>
+              <a:rPr lang="en-US" altLang="zh-CN" dirty="0" smtClean="0"/>
+              <a:t>B</a:t>
             </a:r>
             <a:r>
               <a:rPr lang="zh-CN" altLang="en-US" dirty="0" smtClean="0"/>
-              <a:t>。副作用是子序列内部不保证有序。复杂度与快排相同，</a:t>
-            </a:r>
-            <a:r>
-              <a:rPr lang="en-US" altLang="zh-CN" dirty="0" err="1" smtClean="0"/>
-              <a:t>nlog</a:t>
-            </a:r>
-            <a:r>
-              <a:rPr lang="en-US" altLang="zh-CN" dirty="0" smtClean="0"/>
-              <a:t>(n)</a:t>
+              <a:t>*树：叶子节点和内层非跟节点增加横向指针，只有叶子节点存储数据。</a:t>
+            </a:r>
+            <a:endParaRPr lang="en-US" altLang="zh-CN" dirty="0" smtClean="0"/>
+          </a:p>
+          <a:p>
+            <a:r>
+              <a:rPr lang="zh-CN" altLang="en-US" dirty="0" smtClean="0"/>
+              <a:t>搜索和删除性能等价于二分查找，即树高</a:t>
+            </a:r>
+            <a:r>
+              <a:rPr lang="en-US" altLang="zh-CN" dirty="0" smtClean="0"/>
+              <a:t>log(n)</a:t>
             </a:r>
             <a:r>
               <a:rPr lang="zh-CN" altLang="en-US" dirty="0" smtClean="0"/>
               <a:t>。</a:t>
             </a:r>
             <a:endParaRPr lang="en-US" altLang="zh-CN" dirty="0" smtClean="0"/>
+          </a:p>
+        </p:txBody>
+      </p:sp>
+      <p:pic>
+        <p:nvPicPr>
+          <p:cNvPr id="1026" name="Picture 2" descr="http://static.oschina.net/uploads/img/201301/06112318_a8MR.jpg"/>
+          <p:cNvPicPr>
+            <a:picLocks noChangeAspect="1" noChangeArrowheads="1"/>
+          </p:cNvPicPr>
+          <p:nvPr/>
+        </p:nvPicPr>
+        <p:blipFill>
+          <a:blip r:embed="rId2">
+            <a:extLst>
+              <a:ext uri="{28A0092B-C50C-407E-A947-70E740481C1C}">
+                <a14:useLocalDpi xmlns:a14="http://schemas.microsoft.com/office/drawing/2010/main" val="0"/>
+              </a:ext>
+            </a:extLst>
+          </a:blip>
+          <a:srcRect/>
+          <a:stretch>
+            <a:fillRect/>
+          </a:stretch>
+        </p:blipFill>
+        <p:spPr bwMode="auto">
+          <a:xfrm>
+            <a:off x="776933" y="2852936"/>
+            <a:ext cx="3681591" cy="2232248"/>
+          </a:xfrm>
+          <a:prstGeom prst="rect">
+            <a:avLst/>
+          </a:prstGeom>
+          <a:noFill/>
+          <a:extLst>
+            <a:ext uri="{909E8E84-426E-40DD-AFC4-6F175D3DCCD1}">
+              <a14:hiddenFill xmlns:a14="http://schemas.microsoft.com/office/drawing/2010/main">
+                <a:solidFill>
+                  <a:srgbClr val="FFFFFF"/>
+                </a:solidFill>
+              </a14:hiddenFill>
+            </a:ext>
+          </a:extLst>
+        </p:spPr>
+      </p:pic>
+      <p:sp>
+        <p:nvSpPr>
+          <p:cNvPr id="2" name="TextBox 1"/>
+          <p:cNvSpPr txBox="1"/>
+          <p:nvPr/>
+        </p:nvSpPr>
+        <p:spPr>
+          <a:xfrm>
+            <a:off x="611560" y="2564904"/>
+            <a:ext cx="1058763" cy="369332"/>
+          </a:xfrm>
+          <a:prstGeom prst="rect">
+            <a:avLst/>
+          </a:prstGeom>
+          <a:noFill/>
+        </p:spPr>
+        <p:txBody>
+          <a:bodyPr wrap="square" rtlCol="0">
+            <a:spAutoFit/>
+          </a:bodyPr>
+          <a:lstStyle/>
+          <a:p>
+            <a:r>
+              <a:rPr lang="en-US" altLang="zh-CN" dirty="0" smtClean="0"/>
+              <a:t>B+</a:t>
+            </a:r>
+            <a:r>
+              <a:rPr lang="zh-CN" altLang="en-US" dirty="0" smtClean="0"/>
+              <a:t>树：</a:t>
+            </a:r>
+            <a:endParaRPr lang="zh-CN" altLang="en-US" dirty="0"/>
+          </a:p>
+        </p:txBody>
+      </p:sp>
+      <p:pic>
+        <p:nvPicPr>
+          <p:cNvPr id="1028" name="Picture 4" descr="http://static.oschina.net/uploads/img/201301/06112318_g2w1.jpg"/>
+          <p:cNvPicPr>
+            <a:picLocks noChangeAspect="1" noChangeArrowheads="1"/>
+          </p:cNvPicPr>
+          <p:nvPr/>
+        </p:nvPicPr>
+        <p:blipFill>
+          <a:blip r:embed="rId3">
+            <a:extLst>
+              <a:ext uri="{28A0092B-C50C-407E-A947-70E740481C1C}">
+                <a14:useLocalDpi xmlns:a14="http://schemas.microsoft.com/office/drawing/2010/main" val="0"/>
+              </a:ext>
+            </a:extLst>
+          </a:blip>
+          <a:srcRect/>
+          <a:stretch>
+            <a:fillRect/>
+          </a:stretch>
+        </p:blipFill>
+        <p:spPr bwMode="auto">
+          <a:xfrm>
+            <a:off x="4860032" y="2880898"/>
+            <a:ext cx="3635474" cy="2204286"/>
+          </a:xfrm>
+          <a:prstGeom prst="rect">
+            <a:avLst/>
+          </a:prstGeom>
+          <a:noFill/>
+          <a:extLst>
+            <a:ext uri="{909E8E84-426E-40DD-AFC4-6F175D3DCCD1}">
+              <a14:hiddenFill xmlns:a14="http://schemas.microsoft.com/office/drawing/2010/main">
+                <a:solidFill>
+                  <a:srgbClr val="FFFFFF"/>
+                </a:solidFill>
+              </a14:hiddenFill>
+            </a:ext>
+          </a:extLst>
+        </p:spPr>
+      </p:pic>
+      <p:sp>
+        <p:nvSpPr>
+          <p:cNvPr id="7" name="TextBox 6"/>
+          <p:cNvSpPr txBox="1"/>
+          <p:nvPr/>
+        </p:nvSpPr>
+        <p:spPr>
+          <a:xfrm>
+            <a:off x="4665365" y="2636912"/>
+            <a:ext cx="1058763" cy="369332"/>
+          </a:xfrm>
+          <a:prstGeom prst="rect">
+            <a:avLst/>
+          </a:prstGeom>
+          <a:noFill/>
+        </p:spPr>
+        <p:txBody>
+          <a:bodyPr wrap="square" rtlCol="0">
+            <a:spAutoFit/>
+          </a:bodyPr>
+          <a:lstStyle/>
+          <a:p>
+            <a:r>
+              <a:rPr lang="en-US" altLang="zh-CN" dirty="0" smtClean="0"/>
+              <a:t>B</a:t>
+            </a:r>
+            <a:r>
+              <a:rPr lang="zh-CN" altLang="en-US" dirty="0" smtClean="0"/>
+              <a:t>*树：</a:t>
+            </a:r>
+            <a:endParaRPr lang="zh-CN" altLang="en-US" dirty="0"/>
           </a:p>
         </p:txBody>
       </p:sp>
@@ -6142,6 +6339,156 @@
     <p:extLst>
       <p:ext uri="{BB962C8B-B14F-4D97-AF65-F5344CB8AC3E}">
         <p14:creationId xmlns:p14="http://schemas.microsoft.com/office/powerpoint/2010/main" val="3436435785"/>
+      </p:ext>
+    </p:extLst>
+  </p:cSld>
+  <p:clrMapOvr>
+    <a:masterClrMapping/>
+  </p:clrMapOvr>
+  <p:timing>
+    <p:tnLst>
+      <p:par>
+        <p:cTn id="1" dur="indefinite" restart="never" nodeType="tmRoot"/>
+      </p:par>
+    </p:tnLst>
+  </p:timing>
+</p:sld>
+</file>
+
+<file path=ppt/slides/slide9.xml><?xml version="1.0" encoding="utf-8"?>
+<p:sld xmlns:a="http://schemas.openxmlformats.org/drawingml/2006/main" xmlns:r="http://schemas.openxmlformats.org/officeDocument/2006/relationships" xmlns:p="http://schemas.openxmlformats.org/presentationml/2006/main">
+  <p:cSld>
+    <p:spTree>
+      <p:nvGrpSpPr>
+        <p:cNvPr id="1" name=""/>
+        <p:cNvGrpSpPr/>
+        <p:nvPr/>
+      </p:nvGrpSpPr>
+      <p:grpSpPr>
+        <a:xfrm>
+          <a:off x="0" y="0"/>
+          <a:ext cx="0" cy="0"/>
+          <a:chOff x="0" y="0"/>
+          <a:chExt cx="0" cy="0"/>
+        </a:xfrm>
+      </p:grpSpPr>
+      <p:sp>
+        <p:nvSpPr>
+          <p:cNvPr id="6" name="TextBox 5"/>
+          <p:cNvSpPr txBox="1"/>
+          <p:nvPr/>
+        </p:nvSpPr>
+        <p:spPr>
+          <a:xfrm>
+            <a:off x="755576" y="332656"/>
+            <a:ext cx="3600400" cy="400110"/>
+          </a:xfrm>
+          <a:prstGeom prst="rect">
+            <a:avLst/>
+          </a:prstGeom>
+          <a:noFill/>
+        </p:spPr>
+        <p:txBody>
+          <a:bodyPr wrap="square" rtlCol="0">
+            <a:spAutoFit/>
+          </a:bodyPr>
+          <a:lstStyle/>
+          <a:p>
+            <a:r>
+              <a:rPr lang="en-US" altLang="zh-CN" sz="2000" dirty="0"/>
+              <a:t>7</a:t>
+            </a:r>
+            <a:r>
+              <a:rPr lang="en-US" altLang="zh-CN" sz="2000" dirty="0" smtClean="0"/>
+              <a:t>.</a:t>
+            </a:r>
+            <a:r>
+              <a:rPr lang="zh-CN" altLang="en-US" sz="2000" dirty="0" smtClean="0"/>
+              <a:t>数据库索引</a:t>
+            </a:r>
+            <a:endParaRPr lang="zh-CN" altLang="en-US" sz="2000" dirty="0"/>
+          </a:p>
+        </p:txBody>
+      </p:sp>
+      <p:sp>
+        <p:nvSpPr>
+          <p:cNvPr id="3" name="TextBox 2"/>
+          <p:cNvSpPr txBox="1"/>
+          <p:nvPr/>
+        </p:nvSpPr>
+        <p:spPr>
+          <a:xfrm>
+            <a:off x="683568" y="899428"/>
+            <a:ext cx="7776864" cy="2308324"/>
+          </a:xfrm>
+          <a:prstGeom prst="rect">
+            <a:avLst/>
+          </a:prstGeom>
+          <a:noFill/>
+        </p:spPr>
+        <p:txBody>
+          <a:bodyPr wrap="square" rtlCol="0">
+            <a:spAutoFit/>
+          </a:bodyPr>
+          <a:lstStyle/>
+          <a:p>
+            <a:r>
+              <a:rPr lang="zh-CN" altLang="en-US" dirty="0"/>
+              <a:t>聚集索引：内部节点存储键值索引，叶子节点存储数据。索引顺序与数据存储顺序一致。一个表即只能有一个聚集索引</a:t>
+            </a:r>
+            <a:r>
+              <a:rPr lang="zh-CN" altLang="en-US" dirty="0" smtClean="0"/>
+              <a:t>。适合多行范围检索。</a:t>
+            </a:r>
+            <a:endParaRPr lang="en-US" altLang="zh-CN" dirty="0"/>
+          </a:p>
+          <a:p>
+            <a:r>
+              <a:rPr lang="zh-CN" altLang="en-US" dirty="0"/>
+              <a:t>非聚集索引：内部节点存储键值索引，叶子节点存储数据所在页面地址。索引键值顺序与实际数据存储顺序不相关，可以有多个。并保存为单独的索引文件。某些字段上建非聚集索引可能显著增大数据库文件大小，慎用</a:t>
+            </a:r>
+            <a:r>
+              <a:rPr lang="zh-CN" altLang="en-US" dirty="0" smtClean="0"/>
+              <a:t>。适合单行检索。</a:t>
+            </a:r>
+            <a:endParaRPr lang="en-US" altLang="zh-CN" dirty="0" smtClean="0"/>
+          </a:p>
+          <a:p>
+            <a:r>
+              <a:rPr lang="en-US" altLang="zh-CN" dirty="0" err="1" smtClean="0"/>
+              <a:t>Mysql</a:t>
+            </a:r>
+            <a:r>
+              <a:rPr lang="zh-CN" altLang="en-US" dirty="0" smtClean="0"/>
+              <a:t>：</a:t>
+            </a:r>
+            <a:endParaRPr lang="en-US" altLang="zh-CN" dirty="0" smtClean="0"/>
+          </a:p>
+          <a:p>
+            <a:r>
+              <a:rPr lang="en-US" altLang="zh-CN" dirty="0" err="1" smtClean="0"/>
+              <a:t>MyISAM</a:t>
+            </a:r>
+            <a:r>
+              <a:rPr lang="zh-CN" altLang="en-US" dirty="0" smtClean="0"/>
+              <a:t>不支持聚簇索引。最新的</a:t>
+            </a:r>
+            <a:r>
+              <a:rPr lang="en-US" altLang="zh-CN" dirty="0" err="1" smtClean="0"/>
+              <a:t>InnoDB</a:t>
+            </a:r>
+            <a:r>
+              <a:rPr lang="zh-CN" altLang="en-US" smtClean="0"/>
+              <a:t>支持聚簇索引和事务。</a:t>
+            </a:r>
+            <a:endParaRPr lang="zh-CN" altLang="en-US" dirty="0"/>
+          </a:p>
+        </p:txBody>
+      </p:sp>
+    </p:spTree>
+    <p:extLst>
+      <p:ext uri="{BB962C8B-B14F-4D97-AF65-F5344CB8AC3E}">
+        <p14:creationId xmlns:p14="http://schemas.microsoft.com/office/powerpoint/2010/main" val="75152777"/>
       </p:ext>
     </p:extLst>
   </p:cSld>

--- a/algos_summary.pptx
+++ b/algos_summary.pptx
@@ -14,6 +14,9 @@
     <p:sldId id="263" r:id="rId8"/>
     <p:sldId id="264" r:id="rId9"/>
     <p:sldId id="265" r:id="rId10"/>
+    <p:sldId id="266" r:id="rId11"/>
+    <p:sldId id="268" r:id="rId12"/>
+    <p:sldId id="267" r:id="rId13"/>
   </p:sldIdLst>
   <p:sldSz cx="9144000" cy="6858000" type="screen4x3"/>
   <p:notesSz cx="6858000" cy="9144000"/>
@@ -296,7 +299,7 @@
           <a:p>
             <a:fld id="{530820CF-B880-4189-942D-D702A7CBA730}" type="datetimeFigureOut">
               <a:rPr lang="zh-CN" altLang="en-US" smtClean="0"/>
-              <a:t>2018/1/4</a:t>
+              <a:t>2018/1/6</a:t>
             </a:fld>
             <a:endParaRPr lang="zh-CN" altLang="en-US"/>
           </a:p>
@@ -461,7 +464,7 @@
           <a:p>
             <a:fld id="{530820CF-B880-4189-942D-D702A7CBA730}" type="datetimeFigureOut">
               <a:rPr lang="zh-CN" altLang="en-US" smtClean="0"/>
-              <a:t>2018/1/4</a:t>
+              <a:t>2018/1/6</a:t>
             </a:fld>
             <a:endParaRPr lang="zh-CN" altLang="en-US"/>
           </a:p>
@@ -636,7 +639,7 @@
           <a:p>
             <a:fld id="{530820CF-B880-4189-942D-D702A7CBA730}" type="datetimeFigureOut">
               <a:rPr lang="zh-CN" altLang="en-US" smtClean="0"/>
-              <a:t>2018/1/4</a:t>
+              <a:t>2018/1/6</a:t>
             </a:fld>
             <a:endParaRPr lang="zh-CN" altLang="en-US"/>
           </a:p>
@@ -801,7 +804,7 @@
           <a:p>
             <a:fld id="{530820CF-B880-4189-942D-D702A7CBA730}" type="datetimeFigureOut">
               <a:rPr lang="zh-CN" altLang="en-US" smtClean="0"/>
-              <a:t>2018/1/4</a:t>
+              <a:t>2018/1/6</a:t>
             </a:fld>
             <a:endParaRPr lang="zh-CN" altLang="en-US"/>
           </a:p>
@@ -1042,7 +1045,7 @@
           <a:p>
             <a:fld id="{530820CF-B880-4189-942D-D702A7CBA730}" type="datetimeFigureOut">
               <a:rPr lang="zh-CN" altLang="en-US" smtClean="0"/>
-              <a:t>2018/1/4</a:t>
+              <a:t>2018/1/6</a:t>
             </a:fld>
             <a:endParaRPr lang="zh-CN" altLang="en-US"/>
           </a:p>
@@ -1325,7 +1328,7 @@
           <a:p>
             <a:fld id="{530820CF-B880-4189-942D-D702A7CBA730}" type="datetimeFigureOut">
               <a:rPr lang="zh-CN" altLang="en-US" smtClean="0"/>
-              <a:t>2018/1/4</a:t>
+              <a:t>2018/1/6</a:t>
             </a:fld>
             <a:endParaRPr lang="zh-CN" altLang="en-US"/>
           </a:p>
@@ -1742,7 +1745,7 @@
           <a:p>
             <a:fld id="{530820CF-B880-4189-942D-D702A7CBA730}" type="datetimeFigureOut">
               <a:rPr lang="zh-CN" altLang="en-US" smtClean="0"/>
-              <a:t>2018/1/4</a:t>
+              <a:t>2018/1/6</a:t>
             </a:fld>
             <a:endParaRPr lang="zh-CN" altLang="en-US"/>
           </a:p>
@@ -1855,7 +1858,7 @@
           <a:p>
             <a:fld id="{530820CF-B880-4189-942D-D702A7CBA730}" type="datetimeFigureOut">
               <a:rPr lang="zh-CN" altLang="en-US" smtClean="0"/>
-              <a:t>2018/1/4</a:t>
+              <a:t>2018/1/6</a:t>
             </a:fld>
             <a:endParaRPr lang="zh-CN" altLang="en-US"/>
           </a:p>
@@ -1945,7 +1948,7 @@
           <a:p>
             <a:fld id="{530820CF-B880-4189-942D-D702A7CBA730}" type="datetimeFigureOut">
               <a:rPr lang="zh-CN" altLang="en-US" smtClean="0"/>
-              <a:t>2018/1/4</a:t>
+              <a:t>2018/1/6</a:t>
             </a:fld>
             <a:endParaRPr lang="zh-CN" altLang="en-US"/>
           </a:p>
@@ -2217,7 +2220,7 @@
           <a:p>
             <a:fld id="{530820CF-B880-4189-942D-D702A7CBA730}" type="datetimeFigureOut">
               <a:rPr lang="zh-CN" altLang="en-US" smtClean="0"/>
-              <a:t>2018/1/4</a:t>
+              <a:t>2018/1/6</a:t>
             </a:fld>
             <a:endParaRPr lang="zh-CN" altLang="en-US"/>
           </a:p>
@@ -2465,7 +2468,7 @@
           <a:p>
             <a:fld id="{530820CF-B880-4189-942D-D702A7CBA730}" type="datetimeFigureOut">
               <a:rPr lang="zh-CN" altLang="en-US" smtClean="0"/>
-              <a:t>2018/1/4</a:t>
+              <a:t>2018/1/6</a:t>
             </a:fld>
             <a:endParaRPr lang="zh-CN" altLang="en-US"/>
           </a:p>
@@ -2673,7 +2676,7 @@
           <a:p>
             <a:fld id="{530820CF-B880-4189-942D-D702A7CBA730}" type="datetimeFigureOut">
               <a:rPr lang="zh-CN" altLang="en-US" smtClean="0"/>
-              <a:t>2018/1/4</a:t>
+              <a:t>2018/1/6</a:t>
             </a:fld>
             <a:endParaRPr lang="zh-CN" altLang="en-US"/>
           </a:p>
@@ -3109,6 +3112,738 @@
 </p:sld>
 </file>
 
+<file path=ppt/slides/slide10.xml><?xml version="1.0" encoding="utf-8"?>
+<p:sld xmlns:a="http://schemas.openxmlformats.org/drawingml/2006/main" xmlns:r="http://schemas.openxmlformats.org/officeDocument/2006/relationships" xmlns:p="http://schemas.openxmlformats.org/presentationml/2006/main">
+  <p:cSld>
+    <p:spTree>
+      <p:nvGrpSpPr>
+        <p:cNvPr id="1" name=""/>
+        <p:cNvGrpSpPr/>
+        <p:nvPr/>
+      </p:nvGrpSpPr>
+      <p:grpSpPr>
+        <a:xfrm>
+          <a:off x="0" y="0"/>
+          <a:ext cx="0" cy="0"/>
+          <a:chOff x="0" y="0"/>
+          <a:chExt cx="0" cy="0"/>
+        </a:xfrm>
+      </p:grpSpPr>
+      <p:sp>
+        <p:nvSpPr>
+          <p:cNvPr id="6" name="TextBox 5"/>
+          <p:cNvSpPr txBox="1"/>
+          <p:nvPr/>
+        </p:nvSpPr>
+        <p:spPr>
+          <a:xfrm>
+            <a:off x="755576" y="332656"/>
+            <a:ext cx="3600400" cy="400110"/>
+          </a:xfrm>
+          <a:prstGeom prst="rect">
+            <a:avLst/>
+          </a:prstGeom>
+          <a:noFill/>
+        </p:spPr>
+        <p:txBody>
+          <a:bodyPr wrap="square" rtlCol="0">
+            <a:spAutoFit/>
+          </a:bodyPr>
+          <a:lstStyle/>
+          <a:p>
+            <a:r>
+              <a:rPr lang="en-US" altLang="zh-CN" sz="2000" dirty="0"/>
+              <a:t>8</a:t>
+            </a:r>
+            <a:r>
+              <a:rPr lang="en-US" altLang="zh-CN" sz="2000" dirty="0" smtClean="0"/>
+              <a:t>.</a:t>
+            </a:r>
+            <a:r>
+              <a:rPr lang="zh-CN" altLang="en-US" sz="2000" dirty="0" smtClean="0"/>
+              <a:t>进程，线程，协程模型</a:t>
+            </a:r>
+            <a:endParaRPr lang="zh-CN" altLang="en-US" sz="2000" dirty="0"/>
+          </a:p>
+        </p:txBody>
+      </p:sp>
+      <p:sp>
+        <p:nvSpPr>
+          <p:cNvPr id="3" name="TextBox 2"/>
+          <p:cNvSpPr txBox="1"/>
+          <p:nvPr/>
+        </p:nvSpPr>
+        <p:spPr>
+          <a:xfrm>
+            <a:off x="683568" y="899428"/>
+            <a:ext cx="7776864" cy="4247317"/>
+          </a:xfrm>
+          <a:prstGeom prst="rect">
+            <a:avLst/>
+          </a:prstGeom>
+          <a:noFill/>
+        </p:spPr>
+        <p:txBody>
+          <a:bodyPr wrap="square" rtlCol="0">
+            <a:spAutoFit/>
+          </a:bodyPr>
+          <a:lstStyle/>
+          <a:p>
+            <a:r>
+              <a:rPr lang="zh-CN" altLang="en-US" dirty="0" smtClean="0"/>
+              <a:t>上下文切换：</a:t>
+            </a:r>
+            <a:endParaRPr lang="en-US" altLang="zh-CN" dirty="0" smtClean="0"/>
+          </a:p>
+          <a:p>
+            <a:r>
+              <a:rPr lang="zh-CN" altLang="en-US" dirty="0" smtClean="0"/>
+              <a:t>进程：</a:t>
+            </a:r>
+            <a:endParaRPr lang="en-US" altLang="zh-CN" dirty="0" smtClean="0"/>
+          </a:p>
+          <a:p>
+            <a:r>
+              <a:rPr lang="en-US" altLang="zh-CN" dirty="0" smtClean="0"/>
+              <a:t>1.</a:t>
+            </a:r>
+            <a:r>
+              <a:rPr lang="zh-CN" altLang="en-US" dirty="0"/>
+              <a:t>切换页目录以使用新的</a:t>
+            </a:r>
+            <a:r>
+              <a:rPr lang="zh-CN" altLang="en-US" dirty="0" smtClean="0"/>
+              <a:t>地址空间。</a:t>
+            </a:r>
+            <a:endParaRPr lang="en-US" altLang="zh-CN" dirty="0" smtClean="0"/>
+          </a:p>
+          <a:p>
+            <a:r>
+              <a:rPr lang="en-US" altLang="zh-CN" dirty="0" smtClean="0"/>
+              <a:t>2.</a:t>
+            </a:r>
+            <a:r>
+              <a:rPr lang="zh-CN" altLang="en-US" dirty="0"/>
+              <a:t>切换内核栈和硬件上下文</a:t>
+            </a:r>
+            <a:r>
+              <a:rPr lang="zh-CN" altLang="en-US" dirty="0" smtClean="0"/>
+              <a:t>。</a:t>
+            </a:r>
+            <a:endParaRPr lang="en-US" altLang="zh-CN" dirty="0" smtClean="0"/>
+          </a:p>
+          <a:p>
+            <a:r>
+              <a:rPr lang="zh-CN" altLang="en-US" dirty="0" smtClean="0"/>
+              <a:t>线程：</a:t>
+            </a:r>
+            <a:endParaRPr lang="en-US" altLang="zh-CN" dirty="0" smtClean="0"/>
+          </a:p>
+          <a:p>
+            <a:r>
+              <a:rPr lang="en-US" altLang="zh-CN" dirty="0" smtClean="0"/>
+              <a:t>1.</a:t>
+            </a:r>
+            <a:r>
+              <a:rPr lang="zh-CN" altLang="en-US" dirty="0" smtClean="0"/>
+              <a:t>切换</a:t>
+            </a:r>
+            <a:r>
+              <a:rPr lang="zh-CN" altLang="en-US" dirty="0"/>
+              <a:t>内核栈和硬件上下文。</a:t>
+            </a:r>
+            <a:endParaRPr lang="en-US" altLang="zh-CN" dirty="0"/>
+          </a:p>
+          <a:p>
+            <a:r>
+              <a:rPr lang="zh-CN" altLang="en-US" dirty="0" smtClean="0"/>
+              <a:t>协程：</a:t>
+            </a:r>
+            <a:endParaRPr lang="en-US" altLang="zh-CN" dirty="0" smtClean="0"/>
+          </a:p>
+          <a:p>
+            <a:r>
+              <a:rPr lang="en-US" altLang="zh-CN" dirty="0" smtClean="0"/>
+              <a:t>1.</a:t>
+            </a:r>
+            <a:r>
+              <a:rPr lang="zh-CN" altLang="en-US" dirty="0" smtClean="0"/>
+              <a:t>切换用户栈。</a:t>
+            </a:r>
+            <a:endParaRPr lang="en-US" altLang="zh-CN" dirty="0" smtClean="0"/>
+          </a:p>
+          <a:p>
+            <a:endParaRPr lang="en-US" altLang="zh-CN" dirty="0" smtClean="0"/>
+          </a:p>
+          <a:p>
+            <a:r>
+              <a:rPr lang="zh-CN" altLang="en-US" dirty="0" smtClean="0"/>
+              <a:t>进程是系统资源分配基本单位，线程是系统调度基本单位。</a:t>
+            </a:r>
+            <a:endParaRPr lang="en-US" altLang="zh-CN" dirty="0"/>
+          </a:p>
+          <a:p>
+            <a:r>
+              <a:rPr lang="en-US" altLang="zh-CN" dirty="0" smtClean="0"/>
+              <a:t>fork</a:t>
+            </a:r>
+            <a:r>
+              <a:rPr lang="zh-CN" altLang="en-US" dirty="0" smtClean="0"/>
+              <a:t>：调用</a:t>
+            </a:r>
+            <a:r>
+              <a:rPr lang="en-US" altLang="zh-CN" dirty="0" smtClean="0"/>
+              <a:t>clone</a:t>
+            </a:r>
+            <a:r>
+              <a:rPr lang="zh-CN" altLang="en-US" dirty="0" smtClean="0"/>
+              <a:t>，拷贝数据尽量少。不包括内存，文件描述符，信号描述符等。</a:t>
+            </a:r>
+            <a:endParaRPr lang="en-US" altLang="zh-CN" dirty="0" smtClean="0"/>
+          </a:p>
+          <a:p>
+            <a:r>
+              <a:rPr lang="en-US" altLang="zh-CN" dirty="0" err="1" smtClean="0"/>
+              <a:t>pthread_create</a:t>
+            </a:r>
+            <a:r>
+              <a:rPr lang="zh-CN" altLang="en-US" dirty="0" smtClean="0"/>
+              <a:t>：调用</a:t>
+            </a:r>
+            <a:r>
+              <a:rPr lang="en-US" altLang="zh-CN" dirty="0" smtClean="0"/>
+              <a:t>clone</a:t>
+            </a:r>
+            <a:r>
+              <a:rPr lang="zh-CN" altLang="en-US" dirty="0" smtClean="0"/>
+              <a:t>，拷贝数据尽量多。包括内存，文件描述符，信号描述符等。</a:t>
+            </a:r>
+            <a:endParaRPr lang="en-US" altLang="zh-CN" dirty="0" smtClean="0"/>
+          </a:p>
+          <a:p>
+            <a:endParaRPr lang="en-US" altLang="zh-CN" dirty="0" smtClean="0"/>
+          </a:p>
+        </p:txBody>
+      </p:sp>
+    </p:spTree>
+    <p:extLst>
+      <p:ext uri="{BB962C8B-B14F-4D97-AF65-F5344CB8AC3E}">
+        <p14:creationId xmlns:p14="http://schemas.microsoft.com/office/powerpoint/2010/main" val="1709653614"/>
+      </p:ext>
+    </p:extLst>
+  </p:cSld>
+  <p:clrMapOvr>
+    <a:masterClrMapping/>
+  </p:clrMapOvr>
+  <p:timing>
+    <p:tnLst>
+      <p:par>
+        <p:cTn id="1" dur="indefinite" restart="never" nodeType="tmRoot"/>
+      </p:par>
+    </p:tnLst>
+  </p:timing>
+</p:sld>
+</file>
+
+<file path=ppt/slides/slide11.xml><?xml version="1.0" encoding="utf-8"?>
+<p:sld xmlns:a="http://schemas.openxmlformats.org/drawingml/2006/main" xmlns:r="http://schemas.openxmlformats.org/officeDocument/2006/relationships" xmlns:p="http://schemas.openxmlformats.org/presentationml/2006/main">
+  <p:cSld>
+    <p:spTree>
+      <p:nvGrpSpPr>
+        <p:cNvPr id="1" name=""/>
+        <p:cNvGrpSpPr/>
+        <p:nvPr/>
+      </p:nvGrpSpPr>
+      <p:grpSpPr>
+        <a:xfrm>
+          <a:off x="0" y="0"/>
+          <a:ext cx="0" cy="0"/>
+          <a:chOff x="0" y="0"/>
+          <a:chExt cx="0" cy="0"/>
+        </a:xfrm>
+      </p:grpSpPr>
+      <p:sp>
+        <p:nvSpPr>
+          <p:cNvPr id="6" name="TextBox 5"/>
+          <p:cNvSpPr txBox="1"/>
+          <p:nvPr/>
+        </p:nvSpPr>
+        <p:spPr>
+          <a:xfrm>
+            <a:off x="755576" y="332656"/>
+            <a:ext cx="3600400" cy="400110"/>
+          </a:xfrm>
+          <a:prstGeom prst="rect">
+            <a:avLst/>
+          </a:prstGeom>
+          <a:noFill/>
+        </p:spPr>
+        <p:txBody>
+          <a:bodyPr wrap="square" rtlCol="0">
+            <a:spAutoFit/>
+          </a:bodyPr>
+          <a:lstStyle/>
+          <a:p>
+            <a:r>
+              <a:rPr lang="en-US" altLang="zh-CN" sz="2000" dirty="0"/>
+              <a:t>8</a:t>
+            </a:r>
+            <a:r>
+              <a:rPr lang="en-US" altLang="zh-CN" sz="2000" dirty="0" smtClean="0"/>
+              <a:t>.</a:t>
+            </a:r>
+            <a:r>
+              <a:rPr lang="zh-CN" altLang="en-US" sz="2000" dirty="0" smtClean="0"/>
+              <a:t>进程，线程，协程模型</a:t>
+            </a:r>
+            <a:endParaRPr lang="zh-CN" altLang="en-US" sz="2000" dirty="0"/>
+          </a:p>
+        </p:txBody>
+      </p:sp>
+      <p:sp>
+        <p:nvSpPr>
+          <p:cNvPr id="3" name="TextBox 2"/>
+          <p:cNvSpPr txBox="1"/>
+          <p:nvPr/>
+        </p:nvSpPr>
+        <p:spPr>
+          <a:xfrm>
+            <a:off x="683568" y="899428"/>
+            <a:ext cx="7776864" cy="923330"/>
+          </a:xfrm>
+          <a:prstGeom prst="rect">
+            <a:avLst/>
+          </a:prstGeom>
+          <a:noFill/>
+        </p:spPr>
+        <p:txBody>
+          <a:bodyPr wrap="square" rtlCol="0">
+            <a:spAutoFit/>
+          </a:bodyPr>
+          <a:lstStyle/>
+          <a:p>
+            <a:r>
+              <a:rPr lang="zh-CN" altLang="en-US" dirty="0" smtClean="0"/>
+              <a:t>进程</a:t>
+            </a:r>
+            <a:r>
+              <a:rPr lang="zh-CN" altLang="en-US" dirty="0" smtClean="0"/>
+              <a:t>状态</a:t>
+            </a:r>
+            <a:r>
+              <a:rPr lang="zh-CN" altLang="en-US" dirty="0"/>
+              <a:t>：</a:t>
+            </a:r>
+            <a:r>
+              <a:rPr lang="en-US" altLang="zh-CN" dirty="0" smtClean="0"/>
+              <a:t>RUNNING</a:t>
+            </a:r>
+            <a:r>
+              <a:rPr lang="zh-CN" altLang="en-US" dirty="0" smtClean="0"/>
+              <a:t>（</a:t>
+            </a:r>
+            <a:r>
+              <a:rPr lang="en-US" altLang="zh-CN" dirty="0" smtClean="0"/>
+              <a:t>TASK_RUNNING, TASKR_UNABLE</a:t>
+            </a:r>
+            <a:r>
+              <a:rPr lang="zh-CN" altLang="en-US" dirty="0" smtClean="0"/>
+              <a:t>）</a:t>
+            </a:r>
+            <a:r>
+              <a:rPr lang="en-US" altLang="zh-CN" dirty="0" smtClean="0"/>
+              <a:t>, WAITTING</a:t>
+            </a:r>
+            <a:r>
+              <a:rPr lang="zh-CN" altLang="en-US" dirty="0" smtClean="0"/>
+              <a:t>（</a:t>
+            </a:r>
+            <a:r>
+              <a:rPr lang="en-US" altLang="zh-CN" dirty="0" smtClean="0"/>
+              <a:t>TASK_INTERRUPTIBLE,</a:t>
+            </a:r>
+            <a:r>
+              <a:rPr lang="en-US" altLang="zh-CN" dirty="0"/>
+              <a:t> </a:t>
+            </a:r>
+            <a:r>
+              <a:rPr lang="en-US" altLang="zh-CN" dirty="0" smtClean="0"/>
+              <a:t>TASK_UNINTERRUPTIBLE </a:t>
+            </a:r>
+            <a:r>
+              <a:rPr lang="zh-CN" altLang="en-US" dirty="0" smtClean="0"/>
+              <a:t>）</a:t>
+            </a:r>
+            <a:r>
+              <a:rPr lang="en-US" altLang="zh-CN" dirty="0" smtClean="0"/>
+              <a:t>, STOPPED</a:t>
+            </a:r>
+            <a:r>
+              <a:rPr lang="zh-CN" altLang="en-US" dirty="0" smtClean="0"/>
+              <a:t>（</a:t>
+            </a:r>
+            <a:r>
+              <a:rPr lang="en-US" altLang="zh-CN" dirty="0" smtClean="0"/>
+              <a:t>TASK_STOPPED</a:t>
+            </a:r>
+            <a:r>
+              <a:rPr lang="zh-CN" altLang="en-US" dirty="0" smtClean="0"/>
+              <a:t>）</a:t>
+            </a:r>
+            <a:r>
+              <a:rPr lang="en-US" altLang="zh-CN" dirty="0" smtClean="0"/>
+              <a:t>, ZOMBIE</a:t>
+            </a:r>
+            <a:r>
+              <a:rPr lang="zh-CN" altLang="en-US" dirty="0" smtClean="0"/>
+              <a:t>（</a:t>
+            </a:r>
+            <a:r>
+              <a:rPr lang="en-US" altLang="zh-CN" dirty="0" smtClean="0"/>
+              <a:t>TASK_ZOMBIE</a:t>
+            </a:r>
+            <a:r>
+              <a:rPr lang="zh-CN" altLang="en-US" dirty="0" smtClean="0"/>
+              <a:t>）。</a:t>
+            </a:r>
+            <a:endParaRPr lang="en-US" altLang="zh-CN" dirty="0"/>
+          </a:p>
+        </p:txBody>
+      </p:sp>
+      <p:pic>
+        <p:nvPicPr>
+          <p:cNvPr id="1026" name="Picture 2" descr="https://images2015.cnblogs.com/blog/772759/201701/772759-20170129121931894-1819022960.png"/>
+          <p:cNvPicPr>
+            <a:picLocks noChangeAspect="1" noChangeArrowheads="1"/>
+          </p:cNvPicPr>
+          <p:nvPr/>
+        </p:nvPicPr>
+        <p:blipFill>
+          <a:blip r:embed="rId2" cstate="print">
+            <a:extLst>
+              <a:ext uri="{28A0092B-C50C-407E-A947-70E740481C1C}">
+                <a14:useLocalDpi xmlns:a14="http://schemas.microsoft.com/office/drawing/2010/main" val="0"/>
+              </a:ext>
+            </a:extLst>
+          </a:blip>
+          <a:srcRect/>
+          <a:stretch>
+            <a:fillRect/>
+          </a:stretch>
+        </p:blipFill>
+        <p:spPr bwMode="auto">
+          <a:xfrm>
+            <a:off x="1475656" y="1913898"/>
+            <a:ext cx="6120680" cy="4559318"/>
+          </a:xfrm>
+          <a:prstGeom prst="rect">
+            <a:avLst/>
+          </a:prstGeom>
+          <a:noFill/>
+          <a:extLst>
+            <a:ext uri="{909E8E84-426E-40DD-AFC4-6F175D3DCCD1}">
+              <a14:hiddenFill xmlns:a14="http://schemas.microsoft.com/office/drawing/2010/main">
+                <a:solidFill>
+                  <a:srgbClr val="FFFFFF"/>
+                </a:solidFill>
+              </a14:hiddenFill>
+            </a:ext>
+          </a:extLst>
+        </p:spPr>
+      </p:pic>
+    </p:spTree>
+    <p:extLst>
+      <p:ext uri="{BB962C8B-B14F-4D97-AF65-F5344CB8AC3E}">
+        <p14:creationId xmlns:p14="http://schemas.microsoft.com/office/powerpoint/2010/main" val="611396130"/>
+      </p:ext>
+    </p:extLst>
+  </p:cSld>
+  <p:clrMapOvr>
+    <a:masterClrMapping/>
+  </p:clrMapOvr>
+  <p:timing>
+    <p:tnLst>
+      <p:par>
+        <p:cTn id="1" dur="indefinite" restart="never" nodeType="tmRoot"/>
+      </p:par>
+    </p:tnLst>
+  </p:timing>
+</p:sld>
+</file>
+
+<file path=ppt/slides/slide12.xml><?xml version="1.0" encoding="utf-8"?>
+<p:sld xmlns:a="http://schemas.openxmlformats.org/drawingml/2006/main" xmlns:r="http://schemas.openxmlformats.org/officeDocument/2006/relationships" xmlns:p="http://schemas.openxmlformats.org/presentationml/2006/main">
+  <p:cSld>
+    <p:spTree>
+      <p:nvGrpSpPr>
+        <p:cNvPr id="1" name=""/>
+        <p:cNvGrpSpPr/>
+        <p:nvPr/>
+      </p:nvGrpSpPr>
+      <p:grpSpPr>
+        <a:xfrm>
+          <a:off x="0" y="0"/>
+          <a:ext cx="0" cy="0"/>
+          <a:chOff x="0" y="0"/>
+          <a:chExt cx="0" cy="0"/>
+        </a:xfrm>
+      </p:grpSpPr>
+      <p:sp>
+        <p:nvSpPr>
+          <p:cNvPr id="6" name="TextBox 5"/>
+          <p:cNvSpPr txBox="1"/>
+          <p:nvPr/>
+        </p:nvSpPr>
+        <p:spPr>
+          <a:xfrm>
+            <a:off x="755576" y="332656"/>
+            <a:ext cx="3600400" cy="400110"/>
+          </a:xfrm>
+          <a:prstGeom prst="rect">
+            <a:avLst/>
+          </a:prstGeom>
+          <a:noFill/>
+        </p:spPr>
+        <p:txBody>
+          <a:bodyPr wrap="square" rtlCol="0">
+            <a:spAutoFit/>
+          </a:bodyPr>
+          <a:lstStyle/>
+          <a:p>
+            <a:r>
+              <a:rPr lang="en-US" altLang="zh-CN" sz="2000" dirty="0" smtClean="0"/>
+              <a:t>9.TCP</a:t>
+            </a:r>
+            <a:r>
+              <a:rPr lang="zh-CN" altLang="en-US" sz="2000" dirty="0" smtClean="0"/>
+              <a:t>拥塞控制</a:t>
+            </a:r>
+            <a:endParaRPr lang="zh-CN" altLang="en-US" sz="2000" dirty="0"/>
+          </a:p>
+        </p:txBody>
+      </p:sp>
+      <p:sp>
+        <p:nvSpPr>
+          <p:cNvPr id="3" name="TextBox 2"/>
+          <p:cNvSpPr txBox="1"/>
+          <p:nvPr/>
+        </p:nvSpPr>
+        <p:spPr>
+          <a:xfrm>
+            <a:off x="683568" y="899428"/>
+            <a:ext cx="7776864" cy="3693319"/>
+          </a:xfrm>
+          <a:prstGeom prst="rect">
+            <a:avLst/>
+          </a:prstGeom>
+          <a:noFill/>
+        </p:spPr>
+        <p:txBody>
+          <a:bodyPr wrap="square" rtlCol="0">
+            <a:spAutoFit/>
+          </a:bodyPr>
+          <a:lstStyle/>
+          <a:p>
+            <a:r>
+              <a:rPr lang="en-US" altLang="zh-CN" dirty="0"/>
+              <a:t>Tahoe</a:t>
+            </a:r>
+            <a:r>
+              <a:rPr lang="zh-CN" altLang="en-US" dirty="0" smtClean="0"/>
+              <a:t>：</a:t>
+            </a:r>
+            <a:endParaRPr lang="en-US" altLang="zh-CN" dirty="0" smtClean="0"/>
+          </a:p>
+          <a:p>
+            <a:r>
+              <a:rPr lang="zh-CN" altLang="en-US" dirty="0" smtClean="0"/>
+              <a:t>慢启动：窗口从</a:t>
+            </a:r>
+            <a:r>
+              <a:rPr lang="en-US" altLang="zh-CN" dirty="0" smtClean="0"/>
+              <a:t>1</a:t>
+            </a:r>
+            <a:r>
+              <a:rPr lang="zh-CN" altLang="en-US" dirty="0" smtClean="0"/>
+              <a:t>开始。</a:t>
+            </a:r>
+            <a:endParaRPr lang="en-US" altLang="zh-CN" dirty="0" smtClean="0"/>
+          </a:p>
+          <a:p>
+            <a:r>
+              <a:rPr lang="zh-CN" altLang="en-US" dirty="0" smtClean="0"/>
+              <a:t>拥塞避免：发生丢包，窗口减到</a:t>
+            </a:r>
+            <a:r>
+              <a:rPr lang="en-US" altLang="zh-CN" dirty="0" smtClean="0"/>
+              <a:t>1</a:t>
+            </a:r>
+            <a:r>
+              <a:rPr lang="zh-CN" altLang="en-US" dirty="0" smtClean="0"/>
+              <a:t>。</a:t>
+            </a:r>
+            <a:endParaRPr lang="en-US" altLang="zh-CN" dirty="0" smtClean="0"/>
+          </a:p>
+          <a:p>
+            <a:endParaRPr lang="en-US" altLang="zh-CN" dirty="0" smtClean="0"/>
+          </a:p>
+          <a:p>
+            <a:r>
+              <a:rPr lang="en-US" altLang="zh-CN" dirty="0" smtClean="0"/>
+              <a:t>Reno</a:t>
+            </a:r>
+            <a:r>
+              <a:rPr lang="zh-CN" altLang="en-US" dirty="0" smtClean="0"/>
+              <a:t>：</a:t>
+            </a:r>
+            <a:r>
+              <a:rPr lang="zh-CN" altLang="en-US" dirty="0" smtClean="0">
+                <a:sym typeface="Wingdings" pitchFamily="2" charset="2"/>
+              </a:rPr>
+              <a:t>（认为发送窗口只有一个包丢失）</a:t>
+            </a:r>
+            <a:endParaRPr lang="en-US" altLang="zh-CN" dirty="0" smtClean="0"/>
+          </a:p>
+          <a:p>
+            <a:r>
+              <a:rPr lang="zh-CN" altLang="en-US" dirty="0"/>
+              <a:t>快重传：收到</a:t>
+            </a:r>
+            <a:r>
+              <a:rPr lang="en-US" altLang="zh-CN" dirty="0"/>
+              <a:t>3</a:t>
+            </a:r>
+            <a:r>
+              <a:rPr lang="zh-CN" altLang="en-US" dirty="0"/>
+              <a:t>次重复</a:t>
+            </a:r>
+            <a:r>
+              <a:rPr lang="en-US" altLang="zh-CN" dirty="0"/>
+              <a:t>ACK</a:t>
+            </a:r>
+            <a:r>
+              <a:rPr lang="zh-CN" altLang="en-US" dirty="0"/>
+              <a:t>，重传包，不等超时</a:t>
+            </a:r>
+            <a:r>
+              <a:rPr lang="zh-CN" altLang="en-US" dirty="0" smtClean="0"/>
+              <a:t>。</a:t>
+            </a:r>
+            <a:endParaRPr lang="en-US" altLang="zh-CN" dirty="0" smtClean="0"/>
+          </a:p>
+          <a:p>
+            <a:r>
+              <a:rPr lang="zh-CN" altLang="en-US" dirty="0" smtClean="0"/>
+              <a:t>快恢复：丢包时，窗口减半（因为收到连续</a:t>
+            </a:r>
+            <a:r>
+              <a:rPr lang="en-US" altLang="zh-CN" dirty="0" smtClean="0"/>
+              <a:t>3</a:t>
+            </a:r>
+            <a:r>
+              <a:rPr lang="zh-CN" altLang="en-US" dirty="0" smtClean="0"/>
+              <a:t>次</a:t>
+            </a:r>
+            <a:r>
+              <a:rPr lang="en-US" altLang="zh-CN" dirty="0" err="1" smtClean="0"/>
+              <a:t>ack</a:t>
+            </a:r>
+            <a:r>
+              <a:rPr lang="zh-CN" altLang="en-US" dirty="0" smtClean="0"/>
+              <a:t>，网络还不算很差）；遇到新包的</a:t>
+            </a:r>
+            <a:r>
+              <a:rPr lang="en-US" altLang="zh-CN" dirty="0" err="1" smtClean="0"/>
+              <a:t>ack</a:t>
+            </a:r>
+            <a:r>
+              <a:rPr lang="zh-CN" altLang="en-US" dirty="0" smtClean="0"/>
+              <a:t>，结束快恢复，</a:t>
+            </a:r>
+            <a:r>
+              <a:rPr lang="en-US" altLang="zh-CN" dirty="0" err="1" smtClean="0"/>
+              <a:t>cwnd</a:t>
+            </a:r>
+            <a:r>
+              <a:rPr lang="en-US" altLang="zh-CN" dirty="0" smtClean="0"/>
+              <a:t>=</a:t>
+            </a:r>
+            <a:r>
+              <a:rPr lang="en-US" altLang="zh-CN" dirty="0" err="1" smtClean="0"/>
+              <a:t>ssthresh</a:t>
+            </a:r>
+            <a:r>
+              <a:rPr lang="zh-CN" altLang="en-US" dirty="0" smtClean="0"/>
+              <a:t>，进入拥塞避免。</a:t>
+            </a:r>
+            <a:endParaRPr lang="en-US" altLang="zh-CN" dirty="0" smtClean="0"/>
+          </a:p>
+          <a:p>
+            <a:endParaRPr lang="en-US" altLang="zh-CN" dirty="0" smtClean="0"/>
+          </a:p>
+          <a:p>
+            <a:r>
+              <a:rPr lang="en-US" altLang="zh-CN" dirty="0" smtClean="0"/>
+              <a:t>New-Reno</a:t>
+            </a:r>
+            <a:r>
+              <a:rPr lang="zh-CN" altLang="en-US" dirty="0"/>
+              <a:t>：</a:t>
+            </a:r>
+            <a:r>
+              <a:rPr lang="zh-CN" altLang="en-US" dirty="0" smtClean="0"/>
+              <a:t>（处理发送窗口有多个包丢失的情况）</a:t>
+            </a:r>
+            <a:endParaRPr lang="en-US" altLang="zh-CN" dirty="0" smtClean="0"/>
+          </a:p>
+          <a:p>
+            <a:r>
+              <a:rPr lang="zh-CN" altLang="en-US" dirty="0" smtClean="0"/>
+              <a:t>新快恢复：退出条件修改</a:t>
+            </a:r>
+            <a:r>
+              <a:rPr lang="zh-CN" altLang="en-US" dirty="0"/>
+              <a:t>为“收到当前发送窗口中全部包的</a:t>
+            </a:r>
+            <a:r>
+              <a:rPr lang="en-US" altLang="zh-CN" dirty="0" err="1"/>
+              <a:t>ack</a:t>
+            </a:r>
+            <a:r>
+              <a:rPr lang="zh-CN" altLang="en-US" dirty="0" smtClean="0"/>
+              <a:t>”，即如果是“部分确认”，不退出快恢复 。</a:t>
+            </a:r>
+            <a:endParaRPr lang="en-US" altLang="zh-CN" dirty="0" smtClean="0"/>
+          </a:p>
+          <a:p>
+            <a:r>
+              <a:rPr lang="zh-CN" altLang="en-US" dirty="0" smtClean="0"/>
+              <a:t>避免一个窗口周期多次触发快恢复，导致窗口多次减小。</a:t>
+            </a:r>
+            <a:endParaRPr lang="en-US" altLang="zh-CN" dirty="0" smtClean="0"/>
+          </a:p>
+        </p:txBody>
+      </p:sp>
+    </p:spTree>
+    <p:extLst>
+      <p:ext uri="{BB962C8B-B14F-4D97-AF65-F5344CB8AC3E}">
+        <p14:creationId xmlns:p14="http://schemas.microsoft.com/office/powerpoint/2010/main" val="966033099"/>
+      </p:ext>
+    </p:extLst>
+  </p:cSld>
+  <p:clrMapOvr>
+    <a:masterClrMapping/>
+  </p:clrMapOvr>
+  <p:timing>
+    <p:tnLst>
+      <p:par>
+        <p:cTn id="1" dur="indefinite" restart="never" nodeType="tmRoot"/>
+      </p:par>
+    </p:tnLst>
+  </p:timing>
+</p:sld>
+</file>
+
 <file path=ppt/slides/slide2.xml><?xml version="1.0" encoding="utf-8"?>
 <p:sld xmlns:a="http://schemas.openxmlformats.org/drawingml/2006/main" xmlns:r="http://schemas.openxmlformats.org/officeDocument/2006/relationships" xmlns:p="http://schemas.openxmlformats.org/presentationml/2006/main">
   <p:cSld>
@@ -3327,11 +4062,7 @@
             </a:r>
             <a:r>
               <a:rPr lang="en-US" altLang="zh-CN" dirty="0" smtClean="0"/>
-              <a:t>           return mid</a:t>
-            </a:r>
-            <a:r>
-              <a:rPr lang="en-US" altLang="zh-CN" dirty="0" smtClean="0"/>
-              <a:t>;// end = mid;</a:t>
+              <a:t>           return mid;// end = mid;</a:t>
             </a:r>
             <a:endParaRPr lang="en-US" altLang="zh-CN" dirty="0"/>
           </a:p>
@@ -3538,11 +4269,7 @@
             </a:r>
             <a:r>
               <a:rPr lang="en-US" altLang="zh-CN" dirty="0" smtClean="0"/>
-              <a:t>       return mid</a:t>
-            </a:r>
-            <a:r>
-              <a:rPr lang="en-US" altLang="zh-CN" dirty="0" smtClean="0"/>
-              <a:t>;// return </a:t>
+              <a:t>       return mid;// return </a:t>
             </a:r>
             <a:r>
               <a:rPr lang="en-US" altLang="zh-CN" dirty="0" err="1" smtClean="0"/>
@@ -6419,7 +7146,7 @@
         <p:spPr>
           <a:xfrm>
             <a:off x="683568" y="899428"/>
-            <a:ext cx="7776864" cy="2308324"/>
+            <a:ext cx="7776864" cy="3139321"/>
           </a:xfrm>
           <a:prstGeom prst="rect">
             <a:avLst/>
@@ -6438,7 +7165,15 @@
             </a:r>
             <a:r>
               <a:rPr lang="zh-CN" altLang="en-US" dirty="0" smtClean="0"/>
-              <a:t>。适合多行范围检索。</a:t>
+              <a:t>。适合多行范围检索</a:t>
+            </a:r>
+            <a:r>
+              <a:rPr lang="zh-CN" altLang="en-US" dirty="0" smtClean="0"/>
+              <a:t>。</a:t>
+            </a:r>
+            <a:r>
+              <a:rPr lang="zh-CN" altLang="en-US" dirty="0" smtClean="0"/>
+              <a:t>其实就是数据库表本身，前半部存储索引，后面存储行数据。</a:t>
             </a:r>
             <a:endParaRPr lang="en-US" altLang="zh-CN" dirty="0"/>
           </a:p>
@@ -6459,8 +7194,34 @@
               <a:t>Mysql</a:t>
             </a:r>
             <a:r>
-              <a:rPr lang="zh-CN" altLang="en-US" dirty="0" smtClean="0"/>
-              <a:t>：</a:t>
+              <a:rPr lang="en-US" altLang="zh-CN" dirty="0" smtClean="0">
+                <a:sym typeface="Wingdings" pitchFamily="2" charset="2"/>
+              </a:rPr>
+              <a:t>:(</a:t>
+            </a:r>
+            <a:r>
+              <a:rPr lang="zh-CN" altLang="en-US" dirty="0" smtClean="0">
+                <a:sym typeface="Wingdings" pitchFamily="2" charset="2"/>
+              </a:rPr>
+              <a:t>索引结构为</a:t>
+            </a:r>
+            <a:r>
+              <a:rPr lang="en-US" altLang="zh-CN" dirty="0" smtClean="0">
+                <a:sym typeface="Wingdings" pitchFamily="2" charset="2"/>
+              </a:rPr>
+              <a:t>B+</a:t>
+            </a:r>
+            <a:r>
+              <a:rPr lang="zh-CN" altLang="en-US" dirty="0" smtClean="0">
+                <a:sym typeface="Wingdings" pitchFamily="2" charset="2"/>
+              </a:rPr>
+              <a:t>树</a:t>
+            </a:r>
+            <a:r>
+              <a:rPr lang="en-US" altLang="zh-CN" dirty="0" smtClean="0">
+                <a:sym typeface="Wingdings" pitchFamily="2" charset="2"/>
+              </a:rPr>
+              <a:t>)</a:t>
             </a:r>
             <a:endParaRPr lang="en-US" altLang="zh-CN" dirty="0" smtClean="0"/>
           </a:p>
@@ -6471,15 +7232,53 @@
             </a:r>
             <a:r>
               <a:rPr lang="zh-CN" altLang="en-US" dirty="0" smtClean="0"/>
-              <a:t>不支持聚簇索引。最新的</a:t>
-            </a:r>
+              <a:t>：不</a:t>
+            </a:r>
+            <a:r>
+              <a:rPr lang="zh-CN" altLang="en-US" dirty="0" smtClean="0"/>
+              <a:t>支持聚簇</a:t>
+            </a:r>
+            <a:r>
+              <a:rPr lang="zh-CN" altLang="en-US" dirty="0" smtClean="0"/>
+              <a:t>索引；不支持行级锁，每次更新需要锁整个表。</a:t>
+            </a:r>
+            <a:endParaRPr lang="en-US" altLang="zh-CN" dirty="0" smtClean="0"/>
+          </a:p>
+          <a:p>
             <a:r>
               <a:rPr lang="en-US" altLang="zh-CN" dirty="0" err="1" smtClean="0"/>
               <a:t>InnoDB</a:t>
             </a:r>
             <a:r>
-              <a:rPr lang="zh-CN" altLang="en-US" smtClean="0"/>
-              <a:t>支持聚簇索引和事务。</a:t>
+              <a:rPr lang="zh-CN" altLang="en-US" dirty="0" smtClean="0"/>
+              <a:t>：支持</a:t>
+            </a:r>
+            <a:r>
+              <a:rPr lang="zh-CN" altLang="en-US" dirty="0" smtClean="0"/>
+              <a:t>聚簇</a:t>
+            </a:r>
+            <a:r>
+              <a:rPr lang="zh-CN" altLang="en-US" dirty="0" smtClean="0"/>
+              <a:t>索引，</a:t>
+            </a:r>
+            <a:r>
+              <a:rPr lang="en-US" altLang="zh-CN" dirty="0" smtClean="0"/>
+              <a:t>ACID</a:t>
+            </a:r>
+            <a:r>
+              <a:rPr lang="zh-CN" altLang="en-US" dirty="0" smtClean="0"/>
+              <a:t>事务，行级锁和外键约束；不支持全文搜索。</a:t>
+            </a:r>
+            <a:endParaRPr lang="en-US" altLang="zh-CN" dirty="0" smtClean="0"/>
+          </a:p>
+          <a:p>
+            <a:r>
+              <a:rPr lang="en-US" altLang="zh-CN" dirty="0" smtClean="0"/>
+              <a:t>ACID</a:t>
+            </a:r>
+            <a:r>
+              <a:rPr lang="zh-CN" altLang="en-US" dirty="0" smtClean="0"/>
+              <a:t>：原子性，一致性，隔离性，持久性。</a:t>
             </a:r>
             <a:endParaRPr lang="zh-CN" altLang="en-US" dirty="0"/>
           </a:p>

--- a/algos_summary.pptx
+++ b/algos_summary.pptx
@@ -14,9 +14,10 @@
     <p:sldId id="263" r:id="rId8"/>
     <p:sldId id="264" r:id="rId9"/>
     <p:sldId id="265" r:id="rId10"/>
-    <p:sldId id="266" r:id="rId11"/>
-    <p:sldId id="268" r:id="rId12"/>
-    <p:sldId id="267" r:id="rId13"/>
+    <p:sldId id="269" r:id="rId11"/>
+    <p:sldId id="266" r:id="rId12"/>
+    <p:sldId id="268" r:id="rId13"/>
+    <p:sldId id="267" r:id="rId14"/>
   </p:sldIdLst>
   <p:sldSz cx="9144000" cy="6858000" type="screen4x3"/>
   <p:notesSz cx="6858000" cy="9144000"/>
@@ -299,7 +300,7 @@
           <a:p>
             <a:fld id="{530820CF-B880-4189-942D-D702A7CBA730}" type="datetimeFigureOut">
               <a:rPr lang="zh-CN" altLang="en-US" smtClean="0"/>
-              <a:t>2018/1/6</a:t>
+              <a:t>2018/1/7</a:t>
             </a:fld>
             <a:endParaRPr lang="zh-CN" altLang="en-US"/>
           </a:p>
@@ -464,7 +465,7 @@
           <a:p>
             <a:fld id="{530820CF-B880-4189-942D-D702A7CBA730}" type="datetimeFigureOut">
               <a:rPr lang="zh-CN" altLang="en-US" smtClean="0"/>
-              <a:t>2018/1/6</a:t>
+              <a:t>2018/1/7</a:t>
             </a:fld>
             <a:endParaRPr lang="zh-CN" altLang="en-US"/>
           </a:p>
@@ -639,7 +640,7 @@
           <a:p>
             <a:fld id="{530820CF-B880-4189-942D-D702A7CBA730}" type="datetimeFigureOut">
               <a:rPr lang="zh-CN" altLang="en-US" smtClean="0"/>
-              <a:t>2018/1/6</a:t>
+              <a:t>2018/1/7</a:t>
             </a:fld>
             <a:endParaRPr lang="zh-CN" altLang="en-US"/>
           </a:p>
@@ -804,7 +805,7 @@
           <a:p>
             <a:fld id="{530820CF-B880-4189-942D-D702A7CBA730}" type="datetimeFigureOut">
               <a:rPr lang="zh-CN" altLang="en-US" smtClean="0"/>
-              <a:t>2018/1/6</a:t>
+              <a:t>2018/1/7</a:t>
             </a:fld>
             <a:endParaRPr lang="zh-CN" altLang="en-US"/>
           </a:p>
@@ -1045,7 +1046,7 @@
           <a:p>
             <a:fld id="{530820CF-B880-4189-942D-D702A7CBA730}" type="datetimeFigureOut">
               <a:rPr lang="zh-CN" altLang="en-US" smtClean="0"/>
-              <a:t>2018/1/6</a:t>
+              <a:t>2018/1/7</a:t>
             </a:fld>
             <a:endParaRPr lang="zh-CN" altLang="en-US"/>
           </a:p>
@@ -1328,7 +1329,7 @@
           <a:p>
             <a:fld id="{530820CF-B880-4189-942D-D702A7CBA730}" type="datetimeFigureOut">
               <a:rPr lang="zh-CN" altLang="en-US" smtClean="0"/>
-              <a:t>2018/1/6</a:t>
+              <a:t>2018/1/7</a:t>
             </a:fld>
             <a:endParaRPr lang="zh-CN" altLang="en-US"/>
           </a:p>
@@ -1745,7 +1746,7 @@
           <a:p>
             <a:fld id="{530820CF-B880-4189-942D-D702A7CBA730}" type="datetimeFigureOut">
               <a:rPr lang="zh-CN" altLang="en-US" smtClean="0"/>
-              <a:t>2018/1/6</a:t>
+              <a:t>2018/1/7</a:t>
             </a:fld>
             <a:endParaRPr lang="zh-CN" altLang="en-US"/>
           </a:p>
@@ -1858,7 +1859,7 @@
           <a:p>
             <a:fld id="{530820CF-B880-4189-942D-D702A7CBA730}" type="datetimeFigureOut">
               <a:rPr lang="zh-CN" altLang="en-US" smtClean="0"/>
-              <a:t>2018/1/6</a:t>
+              <a:t>2018/1/7</a:t>
             </a:fld>
             <a:endParaRPr lang="zh-CN" altLang="en-US"/>
           </a:p>
@@ -1948,7 +1949,7 @@
           <a:p>
             <a:fld id="{530820CF-B880-4189-942D-D702A7CBA730}" type="datetimeFigureOut">
               <a:rPr lang="zh-CN" altLang="en-US" smtClean="0"/>
-              <a:t>2018/1/6</a:t>
+              <a:t>2018/1/7</a:t>
             </a:fld>
             <a:endParaRPr lang="zh-CN" altLang="en-US"/>
           </a:p>
@@ -2220,7 +2221,7 @@
           <a:p>
             <a:fld id="{530820CF-B880-4189-942D-D702A7CBA730}" type="datetimeFigureOut">
               <a:rPr lang="zh-CN" altLang="en-US" smtClean="0"/>
-              <a:t>2018/1/6</a:t>
+              <a:t>2018/1/7</a:t>
             </a:fld>
             <a:endParaRPr lang="zh-CN" altLang="en-US"/>
           </a:p>
@@ -2468,7 +2469,7 @@
           <a:p>
             <a:fld id="{530820CF-B880-4189-942D-D702A7CBA730}" type="datetimeFigureOut">
               <a:rPr lang="zh-CN" altLang="en-US" smtClean="0"/>
-              <a:t>2018/1/6</a:t>
+              <a:t>2018/1/7</a:t>
             </a:fld>
             <a:endParaRPr lang="zh-CN" altLang="en-US"/>
           </a:p>
@@ -2676,7 +2677,7 @@
           <a:p>
             <a:fld id="{530820CF-B880-4189-942D-D702A7CBA730}" type="datetimeFigureOut">
               <a:rPr lang="zh-CN" altLang="en-US" smtClean="0"/>
-              <a:t>2018/1/6</a:t>
+              <a:t>2018/1/7</a:t>
             </a:fld>
             <a:endParaRPr lang="zh-CN" altLang="en-US"/>
           </a:p>
@@ -3152,16 +3153,20 @@
           <a:lstStyle/>
           <a:p>
             <a:r>
-              <a:rPr lang="en-US" altLang="zh-CN" sz="2000" dirty="0"/>
-              <a:t>8</a:t>
-            </a:r>
-            <a:r>
               <a:rPr lang="en-US" altLang="zh-CN" sz="2000" dirty="0" smtClean="0"/>
-              <a:t>.</a:t>
+              <a:t>8.Merkle</a:t>
             </a:r>
             <a:r>
               <a:rPr lang="zh-CN" altLang="en-US" sz="2000" dirty="0" smtClean="0"/>
-              <a:t>进程，线程，协程模型</a:t>
+              <a:t>树（</a:t>
+            </a:r>
+            <a:r>
+              <a:rPr lang="en-US" altLang="zh-CN" sz="2000" dirty="0" smtClean="0"/>
+              <a:t>hash</a:t>
+            </a:r>
+            <a:r>
+              <a:rPr lang="zh-CN" altLang="en-US" sz="2000" dirty="0" smtClean="0"/>
+              <a:t>树）</a:t>
             </a:r>
             <a:endParaRPr lang="zh-CN" altLang="en-US" sz="2000" dirty="0"/>
           </a:p>
@@ -3176,7 +3181,7 @@
         <p:spPr>
           <a:xfrm>
             <a:off x="683568" y="899428"/>
-            <a:ext cx="7776864" cy="4247317"/>
+            <a:ext cx="7776864" cy="1200329"/>
           </a:xfrm>
           <a:prstGeom prst="rect">
             <a:avLst/>
@@ -3191,144 +3196,117 @@
           <a:p>
             <a:r>
               <a:rPr lang="zh-CN" altLang="en-US" dirty="0" smtClean="0"/>
-              <a:t>上下文切换：</a:t>
-            </a:r>
-            <a:endParaRPr lang="en-US" altLang="zh-CN" dirty="0" smtClean="0"/>
-          </a:p>
-          <a:p>
-            <a:r>
-              <a:rPr lang="zh-CN" altLang="en-US" dirty="0" smtClean="0"/>
-              <a:t>进程：</a:t>
-            </a:r>
-            <a:endParaRPr lang="en-US" altLang="zh-CN" dirty="0" smtClean="0"/>
-          </a:p>
-          <a:p>
-            <a:r>
-              <a:rPr lang="en-US" altLang="zh-CN" dirty="0" smtClean="0"/>
-              <a:t>1.</a:t>
-            </a:r>
-            <a:r>
-              <a:rPr lang="zh-CN" altLang="en-US" dirty="0"/>
-              <a:t>切换页目录以使用新的</a:t>
-            </a:r>
-            <a:r>
-              <a:rPr lang="zh-CN" altLang="en-US" dirty="0" smtClean="0"/>
-              <a:t>地址空间。</a:t>
-            </a:r>
-            <a:endParaRPr lang="en-US" altLang="zh-CN" dirty="0" smtClean="0"/>
-          </a:p>
-          <a:p>
-            <a:r>
-              <a:rPr lang="en-US" altLang="zh-CN" dirty="0" smtClean="0"/>
-              <a:t>2.</a:t>
-            </a:r>
-            <a:r>
-              <a:rPr lang="zh-CN" altLang="en-US" dirty="0"/>
-              <a:t>切换内核栈和硬件上下文</a:t>
+              <a:t>默克尔树也叫</a:t>
+            </a:r>
+            <a:r>
+              <a:rPr lang="en-US" altLang="zh-CN" dirty="0" smtClean="0"/>
+              <a:t>hash</a:t>
+            </a:r>
+            <a:r>
+              <a:rPr lang="zh-CN" altLang="en-US" dirty="0" smtClean="0"/>
+              <a:t>树，叶节点是数据块的</a:t>
+            </a:r>
+            <a:r>
+              <a:rPr lang="en-US" altLang="zh-CN" dirty="0" smtClean="0"/>
+              <a:t>hash</a:t>
+            </a:r>
+            <a:r>
+              <a:rPr lang="zh-CN" altLang="en-US" dirty="0" smtClean="0"/>
+              <a:t>，内部节点是其孩子节点的加密</a:t>
+            </a:r>
+            <a:r>
+              <a:rPr lang="en-US" altLang="zh-CN" dirty="0" smtClean="0"/>
+              <a:t>hash</a:t>
+            </a:r>
+            <a:r>
+              <a:rPr lang="zh-CN" altLang="en-US" dirty="0" smtClean="0"/>
+              <a:t>。用于数据防篡改，身份验证。应用于数字签名，可信计算，</a:t>
+            </a:r>
+            <a:r>
+              <a:rPr lang="en-US" altLang="zh-CN" dirty="0" smtClean="0"/>
+              <a:t>p2p</a:t>
+            </a:r>
+            <a:r>
+              <a:rPr lang="zh-CN" altLang="en-US" dirty="0" smtClean="0"/>
+              <a:t>下载数据校验，区块链身份验证（比特币和以太坊底层技术），</a:t>
+            </a:r>
+            <a:r>
+              <a:rPr lang="en-US" altLang="zh-CN" dirty="0" smtClean="0"/>
+              <a:t>IPFS</a:t>
+            </a:r>
+            <a:r>
+              <a:rPr lang="zh-CN" altLang="en-US" dirty="0" smtClean="0"/>
+              <a:t>文件系统，数据块</a:t>
+            </a:r>
+            <a:r>
+              <a:rPr lang="en-US" altLang="zh-CN" dirty="0" err="1" smtClean="0"/>
+              <a:t>Cassadra</a:t>
+            </a:r>
+            <a:r>
+              <a:rPr lang="zh-CN" altLang="en-US" dirty="0" smtClean="0"/>
+              <a:t>，</a:t>
+            </a:r>
+            <a:r>
+              <a:rPr lang="en-US" altLang="zh-CN" dirty="0" err="1" smtClean="0"/>
+              <a:t>git</a:t>
+            </a:r>
+            <a:r>
+              <a:rPr lang="zh-CN" altLang="en-US" dirty="0" smtClean="0"/>
+              <a:t>等</a:t>
             </a:r>
             <a:r>
               <a:rPr lang="zh-CN" altLang="en-US" dirty="0" smtClean="0"/>
               <a:t>。</a:t>
             </a:r>
-            <a:endParaRPr lang="en-US" altLang="zh-CN" dirty="0" smtClean="0"/>
-          </a:p>
-          <a:p>
-            <a:r>
-              <a:rPr lang="zh-CN" altLang="en-US" dirty="0" smtClean="0"/>
-              <a:t>线程：</a:t>
-            </a:r>
-            <a:endParaRPr lang="en-US" altLang="zh-CN" dirty="0" smtClean="0"/>
-          </a:p>
-          <a:p>
-            <a:r>
-              <a:rPr lang="en-US" altLang="zh-CN" dirty="0" smtClean="0"/>
-              <a:t>1.</a:t>
-            </a:r>
-            <a:r>
-              <a:rPr lang="zh-CN" altLang="en-US" dirty="0" smtClean="0"/>
-              <a:t>切换</a:t>
-            </a:r>
-            <a:r>
-              <a:rPr lang="zh-CN" altLang="en-US" dirty="0"/>
-              <a:t>内核栈和硬件上下文。</a:t>
-            </a:r>
-            <a:endParaRPr lang="en-US" altLang="zh-CN" dirty="0"/>
-          </a:p>
-          <a:p>
-            <a:r>
-              <a:rPr lang="zh-CN" altLang="en-US" dirty="0" smtClean="0"/>
-              <a:t>协程：</a:t>
-            </a:r>
-            <a:endParaRPr lang="en-US" altLang="zh-CN" dirty="0" smtClean="0"/>
-          </a:p>
-          <a:p>
-            <a:r>
-              <a:rPr lang="en-US" altLang="zh-CN" dirty="0" smtClean="0"/>
-              <a:t>1.</a:t>
-            </a:r>
-            <a:r>
-              <a:rPr lang="zh-CN" altLang="en-US" dirty="0" smtClean="0"/>
-              <a:t>切换用户栈。</a:t>
-            </a:r>
-            <a:endParaRPr lang="en-US" altLang="zh-CN" dirty="0" smtClean="0"/>
-          </a:p>
-          <a:p>
-            <a:endParaRPr lang="en-US" altLang="zh-CN" dirty="0" smtClean="0"/>
-          </a:p>
-          <a:p>
-            <a:r>
-              <a:rPr lang="zh-CN" altLang="en-US" dirty="0" smtClean="0"/>
-              <a:t>进程是系统资源分配基本单位，线程是系统调度基本单位。</a:t>
-            </a:r>
-            <a:endParaRPr lang="en-US" altLang="zh-CN" dirty="0"/>
-          </a:p>
-          <a:p>
-            <a:r>
-              <a:rPr lang="en-US" altLang="zh-CN" dirty="0" smtClean="0"/>
-              <a:t>fork</a:t>
-            </a:r>
-            <a:r>
-              <a:rPr lang="zh-CN" altLang="en-US" dirty="0" smtClean="0"/>
-              <a:t>：调用</a:t>
-            </a:r>
-            <a:r>
-              <a:rPr lang="en-US" altLang="zh-CN" dirty="0" smtClean="0"/>
-              <a:t>clone</a:t>
-            </a:r>
-            <a:r>
-              <a:rPr lang="zh-CN" altLang="en-US" dirty="0" smtClean="0"/>
-              <a:t>，拷贝数据尽量少。不包括内存，文件描述符，信号描述符等。</a:t>
-            </a:r>
-            <a:endParaRPr lang="en-US" altLang="zh-CN" dirty="0" smtClean="0"/>
-          </a:p>
-          <a:p>
-            <a:r>
-              <a:rPr lang="en-US" altLang="zh-CN" dirty="0" err="1" smtClean="0"/>
-              <a:t>pthread_create</a:t>
-            </a:r>
-            <a:r>
-              <a:rPr lang="zh-CN" altLang="en-US" dirty="0" smtClean="0"/>
-              <a:t>：调用</a:t>
-            </a:r>
-            <a:r>
-              <a:rPr lang="en-US" altLang="zh-CN" dirty="0" smtClean="0"/>
-              <a:t>clone</a:t>
-            </a:r>
-            <a:r>
-              <a:rPr lang="zh-CN" altLang="en-US" dirty="0" smtClean="0"/>
-              <a:t>，拷贝数据尽量多。包括内存，文件描述符，信号描述符等。</a:t>
-            </a:r>
-            <a:endParaRPr lang="en-US" altLang="zh-CN" dirty="0" smtClean="0"/>
-          </a:p>
-          <a:p>
-            <a:endParaRPr lang="en-US" altLang="zh-CN" dirty="0" smtClean="0"/>
-          </a:p>
-        </p:txBody>
-      </p:sp>
+            <a:endParaRPr lang="zh-CN" altLang="en-US" dirty="0"/>
+          </a:p>
+        </p:txBody>
+      </p:sp>
+      <p:pic>
+        <p:nvPicPr>
+          <p:cNvPr id="1026" name="Picture 2" descr="File:Hash Tree.svg"/>
+          <p:cNvPicPr>
+            <a:picLocks noChangeAspect="1" noChangeArrowheads="1"/>
+          </p:cNvPicPr>
+          <p:nvPr/>
+        </p:nvPicPr>
+        <p:blipFill>
+          <a:blip r:embed="rId2">
+            <a:extLst>
+              <a:ext uri="{28A0092B-C50C-407E-A947-70E740481C1C}">
+                <a14:useLocalDpi xmlns:a14="http://schemas.microsoft.com/office/drawing/2010/main" val="0"/>
+              </a:ext>
+            </a:extLst>
+          </a:blip>
+          <a:srcRect/>
+          <a:stretch>
+            <a:fillRect/>
+          </a:stretch>
+        </p:blipFill>
+        <p:spPr bwMode="auto">
+          <a:xfrm>
+            <a:off x="1669568" y="2204864"/>
+            <a:ext cx="5804864" cy="3693344"/>
+          </a:xfrm>
+          <a:prstGeom prst="rect">
+            <a:avLst/>
+          </a:prstGeom>
+          <a:noFill/>
+          <a:extLst>
+            <a:ext uri="{909E8E84-426E-40DD-AFC4-6F175D3DCCD1}">
+              <a14:hiddenFill xmlns:a14="http://schemas.microsoft.com/office/drawing/2010/main">
+                <a:solidFill>
+                  <a:srgbClr val="FFFFFF"/>
+                </a:solidFill>
+              </a14:hiddenFill>
+            </a:ext>
+          </a:extLst>
+        </p:spPr>
+      </p:pic>
     </p:spTree>
     <p:extLst>
       <p:ext uri="{BB962C8B-B14F-4D97-AF65-F5344CB8AC3E}">
-        <p14:creationId xmlns:p14="http://schemas.microsoft.com/office/powerpoint/2010/main" val="1709653614"/>
+        <p14:creationId xmlns:p14="http://schemas.microsoft.com/office/powerpoint/2010/main" val="158613297"/>
       </p:ext>
     </p:extLst>
   </p:cSld>
@@ -3386,11 +3364,267 @@
           <a:p>
             <a:r>
               <a:rPr lang="en-US" altLang="zh-CN" sz="2000" dirty="0"/>
-              <a:t>8</a:t>
+              <a:t>9</a:t>
             </a:r>
             <a:r>
               <a:rPr lang="en-US" altLang="zh-CN" sz="2000" dirty="0" smtClean="0"/>
               <a:t>.</a:t>
+            </a:r>
+            <a:r>
+              <a:rPr lang="zh-CN" altLang="en-US" sz="2000" dirty="0" smtClean="0"/>
+              <a:t>进程，线程，协程模型</a:t>
+            </a:r>
+            <a:endParaRPr lang="zh-CN" altLang="en-US" sz="2000" dirty="0"/>
+          </a:p>
+        </p:txBody>
+      </p:sp>
+      <p:sp>
+        <p:nvSpPr>
+          <p:cNvPr id="3" name="TextBox 2"/>
+          <p:cNvSpPr txBox="1"/>
+          <p:nvPr/>
+        </p:nvSpPr>
+        <p:spPr>
+          <a:xfrm>
+            <a:off x="683568" y="899428"/>
+            <a:ext cx="7776864" cy="4524315"/>
+          </a:xfrm>
+          <a:prstGeom prst="rect">
+            <a:avLst/>
+          </a:prstGeom>
+          <a:noFill/>
+        </p:spPr>
+        <p:txBody>
+          <a:bodyPr wrap="square" rtlCol="0">
+            <a:spAutoFit/>
+          </a:bodyPr>
+          <a:lstStyle/>
+          <a:p>
+            <a:r>
+              <a:rPr lang="zh-CN" altLang="en-US" dirty="0" smtClean="0"/>
+              <a:t>上下文切换：</a:t>
+            </a:r>
+            <a:endParaRPr lang="en-US" altLang="zh-CN" dirty="0" smtClean="0"/>
+          </a:p>
+          <a:p>
+            <a:r>
+              <a:rPr lang="zh-CN" altLang="en-US" dirty="0" smtClean="0"/>
+              <a:t>进程：</a:t>
+            </a:r>
+            <a:endParaRPr lang="en-US" altLang="zh-CN" dirty="0" smtClean="0"/>
+          </a:p>
+          <a:p>
+            <a:r>
+              <a:rPr lang="en-US" altLang="zh-CN" dirty="0" smtClean="0"/>
+              <a:t>1.</a:t>
+            </a:r>
+            <a:r>
+              <a:rPr lang="zh-CN" altLang="en-US" dirty="0"/>
+              <a:t>切换页目录以使用新的</a:t>
+            </a:r>
+            <a:r>
+              <a:rPr lang="zh-CN" altLang="en-US" dirty="0" smtClean="0"/>
+              <a:t>地址空间。</a:t>
+            </a:r>
+            <a:endParaRPr lang="en-US" altLang="zh-CN" dirty="0" smtClean="0"/>
+          </a:p>
+          <a:p>
+            <a:r>
+              <a:rPr lang="en-US" altLang="zh-CN" dirty="0" smtClean="0"/>
+              <a:t>2.</a:t>
+            </a:r>
+            <a:r>
+              <a:rPr lang="zh-CN" altLang="en-US" dirty="0"/>
+              <a:t>切换内核栈和硬件上下文</a:t>
+            </a:r>
+            <a:r>
+              <a:rPr lang="zh-CN" altLang="en-US" dirty="0" smtClean="0"/>
+              <a:t>。</a:t>
+            </a:r>
+            <a:endParaRPr lang="en-US" altLang="zh-CN" dirty="0" smtClean="0"/>
+          </a:p>
+          <a:p>
+            <a:r>
+              <a:rPr lang="zh-CN" altLang="en-US" dirty="0" smtClean="0"/>
+              <a:t>线程：</a:t>
+            </a:r>
+            <a:endParaRPr lang="en-US" altLang="zh-CN" dirty="0" smtClean="0"/>
+          </a:p>
+          <a:p>
+            <a:r>
+              <a:rPr lang="en-US" altLang="zh-CN" dirty="0" smtClean="0"/>
+              <a:t>1.</a:t>
+            </a:r>
+            <a:r>
+              <a:rPr lang="zh-CN" altLang="en-US" dirty="0" smtClean="0"/>
+              <a:t>切换</a:t>
+            </a:r>
+            <a:r>
+              <a:rPr lang="zh-CN" altLang="en-US" dirty="0"/>
+              <a:t>内核栈和硬件上下文。</a:t>
+            </a:r>
+            <a:endParaRPr lang="en-US" altLang="zh-CN" dirty="0"/>
+          </a:p>
+          <a:p>
+            <a:r>
+              <a:rPr lang="zh-CN" altLang="en-US" dirty="0" smtClean="0"/>
+              <a:t>协程：</a:t>
+            </a:r>
+            <a:endParaRPr lang="en-US" altLang="zh-CN" dirty="0" smtClean="0"/>
+          </a:p>
+          <a:p>
+            <a:r>
+              <a:rPr lang="en-US" altLang="zh-CN" dirty="0" smtClean="0"/>
+              <a:t>1.</a:t>
+            </a:r>
+            <a:r>
+              <a:rPr lang="zh-CN" altLang="en-US" dirty="0" smtClean="0"/>
+              <a:t>切换用户栈。</a:t>
+            </a:r>
+            <a:endParaRPr lang="en-US" altLang="zh-CN" dirty="0" smtClean="0"/>
+          </a:p>
+          <a:p>
+            <a:endParaRPr lang="en-US" altLang="zh-CN" dirty="0" smtClean="0"/>
+          </a:p>
+          <a:p>
+            <a:r>
+              <a:rPr lang="zh-CN" altLang="en-US" dirty="0" smtClean="0"/>
+              <a:t>进程是系统资源分配基本单位，线程是系统调度基本单位。</a:t>
+            </a:r>
+            <a:endParaRPr lang="en-US" altLang="zh-CN" dirty="0"/>
+          </a:p>
+          <a:p>
+            <a:r>
+              <a:rPr lang="en-US" altLang="zh-CN" dirty="0" smtClean="0"/>
+              <a:t>fork</a:t>
+            </a:r>
+            <a:r>
+              <a:rPr lang="zh-CN" altLang="en-US" dirty="0" smtClean="0"/>
+              <a:t>：调用</a:t>
+            </a:r>
+            <a:r>
+              <a:rPr lang="en-US" altLang="zh-CN" dirty="0" smtClean="0"/>
+              <a:t>clone</a:t>
+            </a:r>
+            <a:r>
+              <a:rPr lang="zh-CN" altLang="en-US" dirty="0" smtClean="0"/>
+              <a:t>，拷贝数据尽量少。不包括内存，文件描述符，信号描述符等。</a:t>
+            </a:r>
+            <a:endParaRPr lang="en-US" altLang="zh-CN" dirty="0" smtClean="0"/>
+          </a:p>
+          <a:p>
+            <a:r>
+              <a:rPr lang="en-US" altLang="zh-CN" dirty="0" err="1" smtClean="0"/>
+              <a:t>pthread_create</a:t>
+            </a:r>
+            <a:r>
+              <a:rPr lang="zh-CN" altLang="en-US" dirty="0" smtClean="0"/>
+              <a:t>：调用</a:t>
+            </a:r>
+            <a:r>
+              <a:rPr lang="en-US" altLang="zh-CN" dirty="0" smtClean="0"/>
+              <a:t>clone</a:t>
+            </a:r>
+            <a:r>
+              <a:rPr lang="zh-CN" altLang="en-US" dirty="0" smtClean="0"/>
+              <a:t>，拷贝数据尽量多。包括内存，文件描述符，信号描述符等</a:t>
+            </a:r>
+            <a:r>
+              <a:rPr lang="zh-CN" altLang="en-US" dirty="0" smtClean="0"/>
+              <a:t>。</a:t>
+            </a:r>
+            <a:endParaRPr lang="en-US" altLang="zh-CN" dirty="0" smtClean="0"/>
+          </a:p>
+          <a:p>
+            <a:endParaRPr lang="en-US" altLang="zh-CN" dirty="0" smtClean="0"/>
+          </a:p>
+          <a:p>
+            <a:r>
+              <a:rPr lang="zh-CN" altLang="en-US" dirty="0" smtClean="0"/>
+              <a:t>进程间通信</a:t>
+            </a:r>
+            <a:r>
+              <a:rPr lang="en-US" altLang="zh-CN" dirty="0" smtClean="0"/>
+              <a:t>IPC</a:t>
+            </a:r>
+            <a:r>
+              <a:rPr lang="zh-CN" altLang="en-US" dirty="0" smtClean="0"/>
+              <a:t>：管道，信号，消息队列，共享内存，信号量，</a:t>
+            </a:r>
+            <a:r>
+              <a:rPr lang="en-US" altLang="zh-CN" dirty="0" smtClean="0"/>
+              <a:t>socket</a:t>
+            </a:r>
+            <a:r>
+              <a:rPr lang="zh-CN" altLang="en-US" dirty="0" smtClean="0"/>
+              <a:t>。</a:t>
+            </a:r>
+            <a:endParaRPr lang="en-US" altLang="zh-CN" dirty="0" smtClean="0"/>
+          </a:p>
+        </p:txBody>
+      </p:sp>
+    </p:spTree>
+    <p:extLst>
+      <p:ext uri="{BB962C8B-B14F-4D97-AF65-F5344CB8AC3E}">
+        <p14:creationId xmlns:p14="http://schemas.microsoft.com/office/powerpoint/2010/main" val="1709653614"/>
+      </p:ext>
+    </p:extLst>
+  </p:cSld>
+  <p:clrMapOvr>
+    <a:masterClrMapping/>
+  </p:clrMapOvr>
+  <p:timing>
+    <p:tnLst>
+      <p:par>
+        <p:cTn id="1" dur="indefinite" restart="never" nodeType="tmRoot"/>
+      </p:par>
+    </p:tnLst>
+  </p:timing>
+</p:sld>
+</file>
+
+<file path=ppt/slides/slide12.xml><?xml version="1.0" encoding="utf-8"?>
+<p:sld xmlns:a="http://schemas.openxmlformats.org/drawingml/2006/main" xmlns:r="http://schemas.openxmlformats.org/officeDocument/2006/relationships" xmlns:p="http://schemas.openxmlformats.org/presentationml/2006/main">
+  <p:cSld>
+    <p:spTree>
+      <p:nvGrpSpPr>
+        <p:cNvPr id="1" name=""/>
+        <p:cNvGrpSpPr/>
+        <p:nvPr/>
+      </p:nvGrpSpPr>
+      <p:grpSpPr>
+        <a:xfrm>
+          <a:off x="0" y="0"/>
+          <a:ext cx="0" cy="0"/>
+          <a:chOff x="0" y="0"/>
+          <a:chExt cx="0" cy="0"/>
+        </a:xfrm>
+      </p:grpSpPr>
+      <p:sp>
+        <p:nvSpPr>
+          <p:cNvPr id="6" name="TextBox 5"/>
+          <p:cNvSpPr txBox="1"/>
+          <p:nvPr/>
+        </p:nvSpPr>
+        <p:spPr>
+          <a:xfrm>
+            <a:off x="755576" y="332656"/>
+            <a:ext cx="3600400" cy="400110"/>
+          </a:xfrm>
+          <a:prstGeom prst="rect">
+            <a:avLst/>
+          </a:prstGeom>
+          <a:noFill/>
+        </p:spPr>
+        <p:txBody>
+          <a:bodyPr wrap="square" rtlCol="0">
+            <a:spAutoFit/>
+          </a:bodyPr>
+          <a:lstStyle/>
+          <a:p>
+            <a:r>
+              <a:rPr lang="en-US" altLang="zh-CN" sz="2000" dirty="0" smtClean="0"/>
+              <a:t>9.1.</a:t>
             </a:r>
             <a:r>
               <a:rPr lang="zh-CN" altLang="en-US" sz="2000" dirty="0" smtClean="0"/>
@@ -3424,11 +3658,7 @@
           <a:p>
             <a:r>
               <a:rPr lang="zh-CN" altLang="en-US" dirty="0" smtClean="0"/>
-              <a:t>进程</a:t>
-            </a:r>
-            <a:r>
-              <a:rPr lang="zh-CN" altLang="en-US" dirty="0" smtClean="0"/>
-              <a:t>状态</a:t>
+              <a:t>进程状态</a:t>
             </a:r>
             <a:r>
               <a:rPr lang="zh-CN" altLang="en-US" dirty="0"/>
@@ -3571,7 +3801,7 @@
 </p:sld>
 </file>
 
-<file path=ppt/slides/slide12.xml><?xml version="1.0" encoding="utf-8"?>
+<file path=ppt/slides/slide13.xml><?xml version="1.0" encoding="utf-8"?>
 <p:sld xmlns:a="http://schemas.openxmlformats.org/drawingml/2006/main" xmlns:r="http://schemas.openxmlformats.org/officeDocument/2006/relationships" xmlns:p="http://schemas.openxmlformats.org/presentationml/2006/main">
   <p:cSld>
     <p:spTree>
@@ -3612,7 +3842,11 @@
           <a:p>
             <a:r>
               <a:rPr lang="en-US" altLang="zh-CN" sz="2000" dirty="0" smtClean="0"/>
-              <a:t>9.TCP</a:t>
+              <a:t>10</a:t>
+            </a:r>
+            <a:r>
+              <a:rPr lang="en-US" altLang="zh-CN" sz="2000" dirty="0" smtClean="0"/>
+              <a:t>.TCP</a:t>
             </a:r>
             <a:r>
               <a:rPr lang="zh-CN" altLang="en-US" sz="2000" dirty="0" smtClean="0"/>
@@ -7165,15 +7399,7 @@
             </a:r>
             <a:r>
               <a:rPr lang="zh-CN" altLang="en-US" dirty="0" smtClean="0"/>
-              <a:t>。适合多行范围检索</a:t>
-            </a:r>
-            <a:r>
-              <a:rPr lang="zh-CN" altLang="en-US" dirty="0" smtClean="0"/>
-              <a:t>。</a:t>
-            </a:r>
-            <a:r>
-              <a:rPr lang="zh-CN" altLang="en-US" dirty="0" smtClean="0"/>
-              <a:t>其实就是数据库表本身，前半部存储索引，后面存储行数据。</a:t>
+              <a:t>。适合多行范围检索。其实就是数据库表本身，前半部存储索引，后面存储行数据。</a:t>
             </a:r>
             <a:endParaRPr lang="en-US" altLang="zh-CN" dirty="0"/>
           </a:p>
@@ -7232,15 +7458,7 @@
             </a:r>
             <a:r>
               <a:rPr lang="zh-CN" altLang="en-US" dirty="0" smtClean="0"/>
-              <a:t>：不</a:t>
-            </a:r>
-            <a:r>
-              <a:rPr lang="zh-CN" altLang="en-US" dirty="0" smtClean="0"/>
-              <a:t>支持聚簇</a:t>
-            </a:r>
-            <a:r>
-              <a:rPr lang="zh-CN" altLang="en-US" dirty="0" smtClean="0"/>
-              <a:t>索引；不支持行级锁，每次更新需要锁整个表。</a:t>
+              <a:t>：不支持聚簇索引；不支持行级锁，每次更新需要锁整个表。</a:t>
             </a:r>
             <a:endParaRPr lang="en-US" altLang="zh-CN" dirty="0" smtClean="0"/>
           </a:p>
@@ -7251,15 +7469,7 @@
             </a:r>
             <a:r>
               <a:rPr lang="zh-CN" altLang="en-US" dirty="0" smtClean="0"/>
-              <a:t>：支持</a:t>
-            </a:r>
-            <a:r>
-              <a:rPr lang="zh-CN" altLang="en-US" dirty="0" smtClean="0"/>
-              <a:t>聚簇</a:t>
-            </a:r>
-            <a:r>
-              <a:rPr lang="zh-CN" altLang="en-US" dirty="0" smtClean="0"/>
-              <a:t>索引，</a:t>
+              <a:t>：支持聚簇索引，</a:t>
             </a:r>
             <a:r>
               <a:rPr lang="en-US" altLang="zh-CN" dirty="0" smtClean="0"/>

--- a/algos_summary.pptx
+++ b/algos_summary.pptx
@@ -3387,7 +3387,7 @@
         <p:spPr>
           <a:xfrm>
             <a:off x="683568" y="899428"/>
-            <a:ext cx="7776864" cy="4524315"/>
+            <a:ext cx="7776864" cy="4801314"/>
           </a:xfrm>
           <a:prstGeom prst="rect">
             <a:avLst/>
@@ -3402,14 +3402,34 @@
           <a:p>
             <a:r>
               <a:rPr lang="zh-CN" altLang="en-US" dirty="0" smtClean="0"/>
-              <a:t>上下文切换：</a:t>
+              <a:t>上下文</a:t>
+            </a:r>
+            <a:r>
+              <a:rPr lang="zh-CN" altLang="en-US" dirty="0" smtClean="0"/>
+              <a:t>切换：</a:t>
+            </a:r>
+            <a:r>
+              <a:rPr lang="zh-CN" altLang="en-US" dirty="0" smtClean="0">
+                <a:sym typeface="Wingdings" pitchFamily="2" charset="2"/>
+              </a:rPr>
+              <a:t>（进程和线程切换只能发生在内核</a:t>
+            </a:r>
+            <a:r>
+              <a:rPr lang="zh-CN" altLang="en-US" dirty="0" smtClean="0"/>
+              <a:t>）</a:t>
             </a:r>
             <a:endParaRPr lang="en-US" altLang="zh-CN" dirty="0" smtClean="0"/>
           </a:p>
           <a:p>
             <a:r>
               <a:rPr lang="zh-CN" altLang="en-US" dirty="0" smtClean="0"/>
-              <a:t>进程：</a:t>
+              <a:t>进程</a:t>
+            </a:r>
+            <a:r>
+              <a:rPr lang="zh-CN" altLang="en-US" dirty="0" smtClean="0">
+                <a:sym typeface="Wingdings" pitchFamily="2" charset="2"/>
+              </a:rPr>
+              <a:t>：</a:t>
             </a:r>
             <a:endParaRPr lang="en-US" altLang="zh-CN" dirty="0" smtClean="0"/>
           </a:p>
@@ -3423,8 +3443,28 @@
               <a:t>切换页目录以使用新的</a:t>
             </a:r>
             <a:r>
-              <a:rPr lang="zh-CN" altLang="en-US" dirty="0" smtClean="0"/>
-              <a:t>地址空间。</a:t>
+              <a:rPr lang="zh-CN" altLang="en-US" dirty="0"/>
+              <a:t>地址空间</a:t>
+            </a:r>
+            <a:r>
+              <a:rPr lang="zh-CN" altLang="en-US" dirty="0" smtClean="0"/>
+              <a:t>。（</a:t>
+            </a:r>
+            <a:r>
+              <a:rPr lang="en-US" altLang="zh-CN" dirty="0" smtClean="0"/>
+              <a:t>file tables, signal tables, page tables, </a:t>
+            </a:r>
+            <a:r>
+              <a:rPr lang="en-US" altLang="zh-CN" dirty="0" err="1" smtClean="0"/>
+              <a:t>cpu</a:t>
+            </a:r>
+            <a:r>
+              <a:rPr lang="en-US" altLang="zh-CN" dirty="0" smtClean="0"/>
+              <a:t> caches</a:t>
+            </a:r>
+            <a:r>
+              <a:rPr lang="zh-CN" altLang="en-US" dirty="0" smtClean="0"/>
+              <a:t>）</a:t>
             </a:r>
             <a:endParaRPr lang="en-US" altLang="zh-CN" dirty="0" smtClean="0"/>
           </a:p>
@@ -3438,8 +3478,32 @@
               <a:t>切换内核栈和硬件上下文</a:t>
             </a:r>
             <a:r>
-              <a:rPr lang="zh-CN" altLang="en-US" dirty="0" smtClean="0"/>
-              <a:t>。</a:t>
+              <a:rPr lang="zh-CN" altLang="en-US" dirty="0"/>
+              <a:t>。 （</a:t>
+            </a:r>
+            <a:r>
+              <a:rPr lang="en-US" altLang="zh-CN" dirty="0" err="1"/>
+              <a:t>sp</a:t>
+            </a:r>
+            <a:r>
+              <a:rPr lang="zh-CN" altLang="en-US" dirty="0"/>
+              <a:t>，</a:t>
+            </a:r>
+            <a:r>
+              <a:rPr lang="en-US" altLang="zh-CN" dirty="0"/>
+              <a:t>pc</a:t>
+            </a:r>
+            <a:r>
+              <a:rPr lang="zh-CN" altLang="en-US" dirty="0"/>
+              <a:t>，</a:t>
+            </a:r>
+            <a:r>
+              <a:rPr lang="en-US" altLang="zh-CN" dirty="0"/>
+              <a:t>registers</a:t>
+            </a:r>
+            <a:r>
+              <a:rPr lang="zh-CN" altLang="en-US" dirty="0"/>
+              <a:t>）</a:t>
             </a:r>
             <a:endParaRPr lang="en-US" altLang="zh-CN" dirty="0" smtClean="0"/>
           </a:p>
@@ -3461,7 +3525,35 @@
             </a:r>
             <a:r>
               <a:rPr lang="zh-CN" altLang="en-US" dirty="0"/>
-              <a:t>内核栈和硬件上下文。</a:t>
+              <a:t>内核栈和硬件上下文</a:t>
+            </a:r>
+            <a:r>
+              <a:rPr lang="zh-CN" altLang="en-US" dirty="0" smtClean="0"/>
+              <a:t>。（</a:t>
+            </a:r>
+            <a:r>
+              <a:rPr lang="en-US" altLang="zh-CN" dirty="0" err="1" smtClean="0"/>
+              <a:t>sp</a:t>
+            </a:r>
+            <a:r>
+              <a:rPr lang="zh-CN" altLang="en-US" dirty="0" smtClean="0"/>
+              <a:t>，</a:t>
+            </a:r>
+            <a:r>
+              <a:rPr lang="en-US" altLang="zh-CN" dirty="0" smtClean="0"/>
+              <a:t>pc</a:t>
+            </a:r>
+            <a:r>
+              <a:rPr lang="zh-CN" altLang="en-US" dirty="0" smtClean="0"/>
+              <a:t>，</a:t>
+            </a:r>
+            <a:r>
+              <a:rPr lang="en-US" altLang="zh-CN" dirty="0" smtClean="0"/>
+              <a:t>registers</a:t>
+            </a:r>
+            <a:r>
+              <a:rPr lang="zh-CN" altLang="en-US" dirty="0" smtClean="0"/>
+              <a:t>）</a:t>
             </a:r>
             <a:endParaRPr lang="en-US" altLang="zh-CN" dirty="0"/>
           </a:p>

--- a/algos_summary.pptx
+++ b/algos_summary.pptx
@@ -3252,11 +3252,7 @@
             </a:r>
             <a:r>
               <a:rPr lang="zh-CN" altLang="en-US" dirty="0" smtClean="0"/>
-              <a:t>等</a:t>
-            </a:r>
-            <a:r>
-              <a:rPr lang="zh-CN" altLang="en-US" dirty="0" smtClean="0"/>
-              <a:t>。</a:t>
+              <a:t>等。</a:t>
             </a:r>
             <a:endParaRPr lang="zh-CN" altLang="en-US" dirty="0"/>
           </a:p>
@@ -3402,11 +3398,7 @@
           <a:p>
             <a:r>
               <a:rPr lang="zh-CN" altLang="en-US" dirty="0" smtClean="0"/>
-              <a:t>上下文</a:t>
-            </a:r>
-            <a:r>
-              <a:rPr lang="zh-CN" altLang="en-US" dirty="0" smtClean="0"/>
-              <a:t>切换：</a:t>
+              <a:t>上下文切换：</a:t>
             </a:r>
             <a:r>
               <a:rPr lang="zh-CN" altLang="en-US" dirty="0" smtClean="0">
@@ -3440,46 +3432,38 @@
             </a:r>
             <a:r>
               <a:rPr lang="zh-CN" altLang="en-US" dirty="0"/>
-              <a:t>切换页目录以使用新的</a:t>
+              <a:t>切换页目录以使用新的地址空间</a:t>
+            </a:r>
+            <a:r>
+              <a:rPr lang="zh-CN" altLang="en-US" dirty="0" smtClean="0"/>
+              <a:t>。（</a:t>
+            </a:r>
+            <a:r>
+              <a:rPr lang="en-US" altLang="zh-CN" dirty="0" smtClean="0"/>
+              <a:t>file tables, signal tables, page tables, </a:t>
+            </a:r>
+            <a:r>
+              <a:rPr lang="en-US" altLang="zh-CN" dirty="0" err="1" smtClean="0"/>
+              <a:t>cpu</a:t>
+            </a:r>
+            <a:r>
+              <a:rPr lang="en-US" altLang="zh-CN" dirty="0" smtClean="0"/>
+              <a:t> caches</a:t>
+            </a:r>
+            <a:r>
+              <a:rPr lang="zh-CN" altLang="en-US" dirty="0" smtClean="0"/>
+              <a:t>）</a:t>
+            </a:r>
+            <a:endParaRPr lang="en-US" altLang="zh-CN" dirty="0" smtClean="0"/>
+          </a:p>
+          <a:p>
+            <a:r>
+              <a:rPr lang="en-US" altLang="zh-CN" dirty="0" smtClean="0"/>
+              <a:t>2.</a:t>
             </a:r>
             <a:r>
               <a:rPr lang="zh-CN" altLang="en-US" dirty="0"/>
-              <a:t>地址空间</a:t>
-            </a:r>
-            <a:r>
-              <a:rPr lang="zh-CN" altLang="en-US" dirty="0" smtClean="0"/>
-              <a:t>。（</a:t>
-            </a:r>
-            <a:r>
-              <a:rPr lang="en-US" altLang="zh-CN" dirty="0" smtClean="0"/>
-              <a:t>file tables, signal tables, page tables, </a:t>
-            </a:r>
-            <a:r>
-              <a:rPr lang="en-US" altLang="zh-CN" dirty="0" err="1" smtClean="0"/>
-              <a:t>cpu</a:t>
-            </a:r>
-            <a:r>
-              <a:rPr lang="en-US" altLang="zh-CN" dirty="0" smtClean="0"/>
-              <a:t> caches</a:t>
-            </a:r>
-            <a:r>
-              <a:rPr lang="zh-CN" altLang="en-US" dirty="0" smtClean="0"/>
-              <a:t>）</a:t>
-            </a:r>
-            <a:endParaRPr lang="en-US" altLang="zh-CN" dirty="0" smtClean="0"/>
-          </a:p>
-          <a:p>
-            <a:r>
-              <a:rPr lang="en-US" altLang="zh-CN" dirty="0" smtClean="0"/>
-              <a:t>2.</a:t>
-            </a:r>
-            <a:r>
-              <a:rPr lang="zh-CN" altLang="en-US" dirty="0"/>
-              <a:t>切换内核栈和硬件上下文</a:t>
-            </a:r>
-            <a:r>
-              <a:rPr lang="zh-CN" altLang="en-US" dirty="0"/>
-              <a:t>。 （</a:t>
+              <a:t>切换内核栈和硬件上下文。 （</a:t>
             </a:r>
             <a:r>
               <a:rPr lang="en-US" altLang="zh-CN" dirty="0" err="1"/>
@@ -3619,11 +3603,7 @@
             </a:r>
             <a:r>
               <a:rPr lang="zh-CN" altLang="en-US" dirty="0" smtClean="0"/>
-              <a:t>，拷贝数据尽量多。包括内存，文件描述符，信号描述符等</a:t>
-            </a:r>
-            <a:r>
-              <a:rPr lang="zh-CN" altLang="en-US" dirty="0" smtClean="0"/>
-              <a:t>。</a:t>
+              <a:t>，拷贝数据尽量多。包括内存，文件描述符，信号描述符等。</a:t>
             </a:r>
             <a:endParaRPr lang="en-US" altLang="zh-CN" dirty="0" smtClean="0"/>
           </a:p>
@@ -3934,11 +3914,7 @@
           <a:p>
             <a:r>
               <a:rPr lang="en-US" altLang="zh-CN" sz="2000" dirty="0" smtClean="0"/>
-              <a:t>10</a:t>
-            </a:r>
-            <a:r>
-              <a:rPr lang="en-US" altLang="zh-CN" sz="2000" dirty="0" smtClean="0"/>
-              <a:t>.TCP</a:t>
+              <a:t>10.TCP</a:t>
             </a:r>
             <a:r>
               <a:rPr lang="zh-CN" altLang="en-US" sz="2000" dirty="0" smtClean="0"/>
@@ -4369,17 +4345,62 @@
           </a:p>
           <a:p>
             <a:r>
-              <a:rPr lang="en-US" altLang="zh-CN" dirty="0" smtClean="0"/>
-              <a:t>        if (</a:t>
-            </a:r>
-            <a:r>
-              <a:rPr lang="en-US" altLang="zh-CN" dirty="0" err="1" smtClean="0"/>
+              <a:rPr lang="en-US" altLang="zh-CN" dirty="0"/>
+              <a:t> </a:t>
+            </a:r>
+            <a:r>
+              <a:rPr lang="en-US" altLang="zh-CN" dirty="0" smtClean="0"/>
+              <a:t>       if </a:t>
+            </a:r>
+            <a:r>
+              <a:rPr lang="en-US" altLang="zh-CN" dirty="0"/>
+              <a:t>(</a:t>
+            </a:r>
+            <a:r>
+              <a:rPr lang="en-US" altLang="zh-CN" dirty="0" err="1"/>
               <a:t>arr</a:t>
             </a:r>
             <a:r>
-              <a:rPr lang="en-US" altLang="zh-CN" dirty="0" smtClean="0"/>
-              <a:t>[mid] == key) </a:t>
-            </a:r>
+              <a:rPr lang="en-US" altLang="zh-CN" dirty="0"/>
+              <a:t>[mid] &lt; key)</a:t>
+            </a:r>
+          </a:p>
+          <a:p>
+            <a:r>
+              <a:rPr lang="en-US" altLang="zh-CN" dirty="0"/>
+              <a:t>            start = mid + 1;</a:t>
+            </a:r>
+          </a:p>
+          <a:p>
+            <a:r>
+              <a:rPr lang="en-US" altLang="zh-CN" dirty="0" smtClean="0"/>
+              <a:t>        </a:t>
+            </a:r>
+            <a:r>
+              <a:rPr lang="en-US" altLang="zh-CN" dirty="0"/>
+              <a:t>else if (</a:t>
+            </a:r>
+            <a:r>
+              <a:rPr lang="en-US" altLang="zh-CN" dirty="0" err="1"/>
+              <a:t>arr</a:t>
+            </a:r>
+            <a:r>
+              <a:rPr lang="en-US" altLang="zh-CN" dirty="0"/>
+              <a:t>[mid] &gt; key) </a:t>
+            </a:r>
+          </a:p>
+          <a:p>
+            <a:r>
+              <a:rPr lang="en-US" altLang="zh-CN" dirty="0"/>
+              <a:t>            end = mid - 1;</a:t>
+            </a:r>
+          </a:p>
+          <a:p>
+            <a:r>
+              <a:rPr lang="en-US" altLang="zh-CN" dirty="0" smtClean="0"/>
+              <a:t>        else</a:t>
+            </a:r>
+            <a:endParaRPr lang="en-US" altLang="zh-CN" dirty="0" smtClean="0"/>
           </a:p>
           <a:p>
             <a:r>
@@ -4395,57 +4416,9 @@
           <a:p>
             <a:r>
               <a:rPr lang="en-US" altLang="zh-CN" dirty="0" smtClean="0"/>
-              <a:t>        if (</a:t>
-            </a:r>
-            <a:r>
-              <a:rPr lang="en-US" altLang="zh-CN" dirty="0" err="1" smtClean="0"/>
-              <a:t>arr</a:t>
-            </a:r>
-            <a:r>
-              <a:rPr lang="en-US" altLang="zh-CN" dirty="0" smtClean="0"/>
-              <a:t>[mid] &gt; key) </a:t>
-            </a:r>
-          </a:p>
-          <a:p>
-            <a:r>
-              <a:rPr lang="en-US" altLang="zh-CN" dirty="0" smtClean="0"/>
-              <a:t>            end = mid - 1;</a:t>
-            </a:r>
-          </a:p>
-          <a:p>
-            <a:r>
-              <a:rPr lang="en-US" altLang="zh-CN" dirty="0"/>
-              <a:t> </a:t>
-            </a:r>
-            <a:r>
-              <a:rPr lang="en-US" altLang="zh-CN" dirty="0" smtClean="0"/>
-              <a:t>       if (</a:t>
-            </a:r>
-            <a:r>
-              <a:rPr lang="en-US" altLang="zh-CN" dirty="0" err="1" smtClean="0"/>
-              <a:t>arr</a:t>
-            </a:r>
-            <a:r>
-              <a:rPr lang="en-US" altLang="zh-CN" dirty="0" smtClean="0"/>
-              <a:t>[mid] &lt; key)</a:t>
-            </a:r>
-          </a:p>
-          <a:p>
-            <a:r>
-              <a:rPr lang="en-US" altLang="zh-CN" dirty="0"/>
-              <a:t> </a:t>
-            </a:r>
-            <a:r>
-              <a:rPr lang="en-US" altLang="zh-CN" dirty="0" smtClean="0"/>
-              <a:t>           start = mid + 1;</a:t>
-            </a:r>
-            <a:endParaRPr lang="en-US" altLang="zh-CN" dirty="0"/>
-          </a:p>
-          <a:p>
-            <a:r>
-              <a:rPr lang="en-US" altLang="zh-CN" dirty="0" smtClean="0"/>
               <a:t>    }</a:t>
             </a:r>
+            <a:endParaRPr lang="en-US" altLang="zh-CN" dirty="0" smtClean="0"/>
           </a:p>
           <a:p>
             <a:r>
@@ -4611,13 +4584,8 @@
             </a:r>
             <a:r>
               <a:rPr lang="en-US" altLang="zh-CN" dirty="0" smtClean="0"/>
-              <a:t>, start, mid</a:t>
-            </a:r>
-            <a:r>
-              <a:rPr lang="en-US" altLang="zh-CN" smtClean="0"/>
-              <a:t>, key);</a:t>
-            </a:r>
-            <a:endParaRPr lang="en-US" altLang="zh-CN" dirty="0" smtClean="0"/>
+              <a:t>, start, mid, key);</a:t>
+            </a:r>
           </a:p>
           <a:p>
             <a:endParaRPr lang="en-US" altLang="zh-CN" dirty="0" smtClean="0"/>
@@ -5755,14 +5723,7 @@
               <a:rPr lang="en-US" altLang="zh-CN" dirty="0" smtClean="0"/>
               <a:t>i; </a:t>
             </a:r>
-            <a:r>
-              <a:rPr lang="en-US" altLang="zh-CN" dirty="0"/>
-              <a:t>// random()/</a:t>
-            </a:r>
-            <a:r>
-              <a:rPr lang="en-US" altLang="zh-CN" dirty="0" smtClean="0"/>
-              <a:t>n</a:t>
-            </a:r>
+            <a:endParaRPr lang="en-US" altLang="zh-CN" dirty="0" smtClean="0"/>
           </a:p>
           <a:p>
             <a:r>
@@ -6250,8 +6211,8 @@
         </p:nvSpPr>
         <p:spPr>
           <a:xfrm>
-            <a:off x="683568" y="899428"/>
-            <a:ext cx="7056784" cy="923330"/>
+            <a:off x="683568" y="716503"/>
+            <a:ext cx="7848872" cy="1200329"/>
           </a:xfrm>
           <a:prstGeom prst="rect">
             <a:avLst/>
@@ -6286,7 +6247,11 @@
             </a:r>
             <a:r>
               <a:rPr lang="zh-CN" altLang="en-US" dirty="0" smtClean="0"/>
-              <a:t>。副作用是子序列内部不保证有序。复杂度与快排相同，</a:t>
+              <a:t>。副作用是子序列内部不保证有序。复杂度与快排相同</a:t>
+            </a:r>
+            <a:r>
+              <a:rPr lang="zh-CN" altLang="en-US" dirty="0" smtClean="0"/>
+              <a:t>，最糟</a:t>
             </a:r>
             <a:r>
               <a:rPr lang="en-US" altLang="zh-CN" dirty="0" err="1" smtClean="0"/>
@@ -6298,7 +6263,577 @@
             </a:r>
             <a:r>
               <a:rPr lang="zh-CN" altLang="en-US" dirty="0" smtClean="0"/>
-              <a:t>。</a:t>
+              <a:t>，平均</a:t>
+            </a:r>
+            <a:r>
+              <a:rPr lang="en-US" altLang="zh-CN" dirty="0" err="1" smtClean="0"/>
+              <a:t>nlog</a:t>
+            </a:r>
+            <a:r>
+              <a:rPr lang="en-US" altLang="zh-CN" dirty="0" smtClean="0"/>
+              <a:t>(k)</a:t>
+            </a:r>
+            <a:r>
+              <a:rPr lang="zh-CN" altLang="en-US" dirty="0" smtClean="0"/>
+              <a:t>，因为数组的关系，适合少量数据。还有</a:t>
+            </a:r>
+            <a:r>
+              <a:rPr lang="zh-CN" altLang="en-US" dirty="0" smtClean="0"/>
+              <a:t>最小堆法，额外存储</a:t>
+            </a:r>
+            <a:r>
+              <a:rPr lang="en-US" altLang="zh-CN" dirty="0" smtClean="0"/>
+              <a:t>k</a:t>
+            </a:r>
+            <a:r>
+              <a:rPr lang="zh-CN" altLang="en-US" dirty="0" smtClean="0"/>
+              <a:t>，复杂度</a:t>
+            </a:r>
+            <a:r>
+              <a:rPr lang="en-US" altLang="zh-CN" dirty="0" err="1" smtClean="0"/>
+              <a:t>nlog</a:t>
+            </a:r>
+            <a:r>
+              <a:rPr lang="en-US" altLang="zh-CN" dirty="0" smtClean="0"/>
+              <a:t>(k)</a:t>
+            </a:r>
+            <a:r>
+              <a:rPr lang="zh-CN" altLang="en-US" dirty="0" smtClean="0"/>
+              <a:t>，适合海量数据</a:t>
+            </a:r>
+            <a:r>
+              <a:rPr lang="en-US" altLang="zh-CN" dirty="0" smtClean="0"/>
+              <a:t>.</a:t>
+            </a:r>
+            <a:endParaRPr lang="en-US" altLang="zh-CN" dirty="0" smtClean="0"/>
+          </a:p>
+        </p:txBody>
+      </p:sp>
+      <p:sp>
+        <p:nvSpPr>
+          <p:cNvPr id="4" name="TextBox 3"/>
+          <p:cNvSpPr txBox="1"/>
+          <p:nvPr/>
+        </p:nvSpPr>
+        <p:spPr>
+          <a:xfrm>
+            <a:off x="719808" y="1916832"/>
+            <a:ext cx="3672408" cy="4524315"/>
+          </a:xfrm>
+          <a:prstGeom prst="rect">
+            <a:avLst/>
+          </a:prstGeom>
+          <a:noFill/>
+        </p:spPr>
+        <p:txBody>
+          <a:bodyPr wrap="square" rtlCol="0">
+            <a:spAutoFit/>
+          </a:bodyPr>
+          <a:lstStyle/>
+          <a:p>
+            <a:r>
+              <a:rPr lang="en-US" altLang="zh-CN" dirty="0" smtClean="0"/>
+              <a:t>void </a:t>
+            </a:r>
+            <a:r>
+              <a:rPr lang="en-US" altLang="zh-CN" dirty="0" err="1" smtClean="0"/>
+              <a:t>max_kth</a:t>
+            </a:r>
+            <a:r>
+              <a:rPr lang="en-US" altLang="zh-CN" dirty="0" smtClean="0"/>
+              <a:t>(</a:t>
+            </a:r>
+            <a:r>
+              <a:rPr lang="en-US" altLang="zh-CN" dirty="0" err="1" smtClean="0"/>
+              <a:t>int</a:t>
+            </a:r>
+            <a:r>
+              <a:rPr lang="en-US" altLang="zh-CN" dirty="0" smtClean="0"/>
+              <a:t>* </a:t>
+            </a:r>
+            <a:r>
+              <a:rPr lang="en-US" altLang="zh-CN" dirty="0" err="1" smtClean="0"/>
+              <a:t>arr</a:t>
+            </a:r>
+            <a:r>
+              <a:rPr lang="en-US" altLang="zh-CN" dirty="0" smtClean="0"/>
+              <a:t>, </a:t>
+            </a:r>
+            <a:r>
+              <a:rPr lang="en-US" altLang="zh-CN" dirty="0" err="1" smtClean="0"/>
+              <a:t>int</a:t>
+            </a:r>
+            <a:r>
+              <a:rPr lang="en-US" altLang="zh-CN" dirty="0" smtClean="0"/>
+              <a:t> </a:t>
+            </a:r>
+            <a:r>
+              <a:rPr lang="en-US" altLang="zh-CN" dirty="0" smtClean="0"/>
+              <a:t>n, </a:t>
+            </a:r>
+            <a:r>
+              <a:rPr lang="en-US" altLang="zh-CN" dirty="0" err="1" smtClean="0"/>
+              <a:t>int</a:t>
+            </a:r>
+            <a:r>
+              <a:rPr lang="en-US" altLang="zh-CN" dirty="0" smtClean="0"/>
+              <a:t> k)</a:t>
+            </a:r>
+            <a:endParaRPr lang="en-US" altLang="zh-CN" dirty="0" smtClean="0"/>
+          </a:p>
+          <a:p>
+            <a:r>
+              <a:rPr lang="en-US" altLang="zh-CN" dirty="0" smtClean="0"/>
+              <a:t>{</a:t>
+            </a:r>
+          </a:p>
+          <a:p>
+            <a:r>
+              <a:rPr lang="en-US" altLang="zh-CN" dirty="0" smtClean="0"/>
+              <a:t>    </a:t>
+            </a:r>
+            <a:r>
+              <a:rPr lang="en-US" altLang="zh-CN" dirty="0" err="1" smtClean="0"/>
+              <a:t>int</a:t>
+            </a:r>
+            <a:r>
+              <a:rPr lang="en-US" altLang="zh-CN" dirty="0" smtClean="0"/>
+              <a:t> </a:t>
+            </a:r>
+            <a:r>
+              <a:rPr lang="en-US" altLang="zh-CN" dirty="0"/>
+              <a:t>i = 0;</a:t>
+            </a:r>
+          </a:p>
+          <a:p>
+            <a:r>
+              <a:rPr lang="en-US" altLang="zh-CN" dirty="0"/>
+              <a:t>    </a:t>
+            </a:r>
+            <a:r>
+              <a:rPr lang="en-US" altLang="zh-CN" dirty="0" err="1"/>
+              <a:t>int</a:t>
+            </a:r>
+            <a:r>
+              <a:rPr lang="en-US" altLang="zh-CN" dirty="0"/>
+              <a:t> j = n-1;</a:t>
+            </a:r>
+          </a:p>
+          <a:p>
+            <a:r>
+              <a:rPr lang="en-US" altLang="zh-CN" dirty="0"/>
+              <a:t>    </a:t>
+            </a:r>
+            <a:r>
+              <a:rPr lang="en-US" altLang="zh-CN" dirty="0" err="1"/>
+              <a:t>int</a:t>
+            </a:r>
+            <a:r>
+              <a:rPr lang="en-US" altLang="zh-CN" dirty="0"/>
+              <a:t> p = </a:t>
+            </a:r>
+            <a:r>
+              <a:rPr lang="en-US" altLang="zh-CN" dirty="0" smtClean="0"/>
+              <a:t>i; </a:t>
+            </a:r>
+            <a:endParaRPr lang="en-US" altLang="zh-CN" dirty="0" smtClean="0"/>
+          </a:p>
+          <a:p>
+            <a:r>
+              <a:rPr lang="en-US" altLang="zh-CN" dirty="0"/>
+              <a:t> </a:t>
+            </a:r>
+            <a:r>
+              <a:rPr lang="en-US" altLang="zh-CN" dirty="0" smtClean="0"/>
+              <a:t>   </a:t>
+            </a:r>
+            <a:r>
+              <a:rPr lang="en-US" altLang="zh-CN" dirty="0" err="1" smtClean="0"/>
+              <a:t>int</a:t>
+            </a:r>
+            <a:r>
+              <a:rPr lang="en-US" altLang="zh-CN" dirty="0" smtClean="0"/>
+              <a:t> </a:t>
+            </a:r>
+            <a:r>
+              <a:rPr lang="en-US" altLang="zh-CN" dirty="0" err="1" smtClean="0"/>
+              <a:t>pv</a:t>
+            </a:r>
+            <a:r>
+              <a:rPr lang="en-US" altLang="zh-CN" dirty="0" smtClean="0"/>
+              <a:t> = </a:t>
+            </a:r>
+            <a:r>
+              <a:rPr lang="en-US" altLang="zh-CN" dirty="0" err="1" smtClean="0"/>
+              <a:t>arr</a:t>
+            </a:r>
+            <a:r>
+              <a:rPr lang="en-US" altLang="zh-CN" dirty="0" smtClean="0"/>
+              <a:t>[p];</a:t>
+            </a:r>
+          </a:p>
+          <a:p>
+            <a:r>
+              <a:rPr lang="en-US" altLang="zh-CN" dirty="0"/>
+              <a:t> </a:t>
+            </a:r>
+            <a:r>
+              <a:rPr lang="en-US" altLang="zh-CN" dirty="0" smtClean="0"/>
+              <a:t>   if (n &lt;= 0) </a:t>
+            </a:r>
+          </a:p>
+          <a:p>
+            <a:r>
+              <a:rPr lang="en-US" altLang="zh-CN" dirty="0"/>
+              <a:t> </a:t>
+            </a:r>
+            <a:r>
+              <a:rPr lang="en-US" altLang="zh-CN" dirty="0" smtClean="0"/>
+              <a:t>       return;</a:t>
+            </a:r>
+          </a:p>
+          <a:p>
+            <a:endParaRPr lang="en-US" altLang="zh-CN" dirty="0" smtClean="0"/>
+          </a:p>
+          <a:p>
+            <a:r>
+              <a:rPr lang="en-US" altLang="zh-CN" dirty="0" smtClean="0"/>
+              <a:t>    while(i &lt; j) {</a:t>
+            </a:r>
+          </a:p>
+          <a:p>
+            <a:r>
+              <a:rPr lang="en-US" altLang="zh-CN" dirty="0" smtClean="0"/>
+              <a:t>        while(i&lt;j &amp;&amp; </a:t>
+            </a:r>
+            <a:r>
+              <a:rPr lang="en-US" altLang="zh-CN" dirty="0" err="1" smtClean="0"/>
+              <a:t>arr</a:t>
+            </a:r>
+            <a:r>
+              <a:rPr lang="en-US" altLang="zh-CN" dirty="0" smtClean="0"/>
+              <a:t>[j]&gt;=</a:t>
+            </a:r>
+            <a:r>
+              <a:rPr lang="en-US" altLang="zh-CN" dirty="0" err="1" smtClean="0"/>
+              <a:t>pv</a:t>
+            </a:r>
+            <a:r>
+              <a:rPr lang="en-US" altLang="zh-CN" dirty="0" smtClean="0"/>
+              <a:t>)</a:t>
+            </a:r>
+          </a:p>
+          <a:p>
+            <a:r>
+              <a:rPr lang="en-US" altLang="zh-CN" dirty="0"/>
+              <a:t> </a:t>
+            </a:r>
+            <a:r>
+              <a:rPr lang="en-US" altLang="zh-CN" dirty="0" smtClean="0"/>
+              <a:t>           j--;</a:t>
+            </a:r>
+          </a:p>
+          <a:p>
+            <a:r>
+              <a:rPr lang="en-US" altLang="zh-CN" dirty="0" smtClean="0"/>
+              <a:t>        if (</a:t>
+            </a:r>
+            <a:r>
+              <a:rPr lang="en-US" altLang="zh-CN" dirty="0" err="1" smtClean="0"/>
+              <a:t>arr</a:t>
+            </a:r>
+            <a:r>
+              <a:rPr lang="en-US" altLang="zh-CN" dirty="0" smtClean="0"/>
+              <a:t>[j]&gt;=</a:t>
+            </a:r>
+            <a:r>
+              <a:rPr lang="en-US" altLang="zh-CN" dirty="0" err="1" smtClean="0"/>
+              <a:t>arr</a:t>
+            </a:r>
+            <a:r>
+              <a:rPr lang="en-US" altLang="zh-CN" dirty="0" smtClean="0"/>
+              <a:t>[p]) {</a:t>
+            </a:r>
+          </a:p>
+          <a:p>
+            <a:r>
+              <a:rPr lang="en-US" altLang="zh-CN" dirty="0" smtClean="0"/>
+              <a:t>            </a:t>
+            </a:r>
+            <a:r>
+              <a:rPr lang="en-US" altLang="zh-CN" dirty="0" err="1" smtClean="0"/>
+              <a:t>arr</a:t>
+            </a:r>
+            <a:r>
+              <a:rPr lang="en-US" altLang="zh-CN" dirty="0" smtClean="0"/>
+              <a:t>[p] = </a:t>
+            </a:r>
+            <a:r>
+              <a:rPr lang="en-US" altLang="zh-CN" dirty="0" err="1" smtClean="0"/>
+              <a:t>arr</a:t>
+            </a:r>
+            <a:r>
+              <a:rPr lang="en-US" altLang="zh-CN" dirty="0" smtClean="0"/>
+              <a:t>[j];</a:t>
+            </a:r>
+          </a:p>
+          <a:p>
+            <a:r>
+              <a:rPr lang="en-US" altLang="zh-CN" dirty="0" smtClean="0"/>
+              <a:t>            p = j;</a:t>
+            </a:r>
+          </a:p>
+          <a:p>
+            <a:r>
+              <a:rPr lang="en-US" altLang="zh-CN" dirty="0" smtClean="0"/>
+              <a:t>        }</a:t>
+            </a:r>
+            <a:endParaRPr lang="en-US" altLang="zh-CN" dirty="0"/>
+          </a:p>
+        </p:txBody>
+      </p:sp>
+      <p:sp>
+        <p:nvSpPr>
+          <p:cNvPr id="5" name="TextBox 4"/>
+          <p:cNvSpPr txBox="1"/>
+          <p:nvPr/>
+        </p:nvSpPr>
+        <p:spPr>
+          <a:xfrm>
+            <a:off x="4067944" y="2061642"/>
+            <a:ext cx="4104456" cy="3970318"/>
+          </a:xfrm>
+          <a:prstGeom prst="rect">
+            <a:avLst/>
+          </a:prstGeom>
+          <a:noFill/>
+        </p:spPr>
+        <p:txBody>
+          <a:bodyPr wrap="square" rtlCol="0">
+            <a:spAutoFit/>
+          </a:bodyPr>
+          <a:lstStyle/>
+          <a:p>
+            <a:r>
+              <a:rPr lang="en-US" altLang="zh-CN" dirty="0" smtClean="0"/>
+              <a:t>        while (i&lt;j &amp;&amp; </a:t>
+            </a:r>
+            <a:r>
+              <a:rPr lang="en-US" altLang="zh-CN" dirty="0" err="1" smtClean="0"/>
+              <a:t>arr</a:t>
+            </a:r>
+            <a:r>
+              <a:rPr lang="en-US" altLang="zh-CN" dirty="0" smtClean="0"/>
+              <a:t>[i]&lt;= </a:t>
+            </a:r>
+            <a:r>
+              <a:rPr lang="en-US" altLang="zh-CN" dirty="0" err="1" smtClean="0"/>
+              <a:t>pv</a:t>
+            </a:r>
+            <a:r>
+              <a:rPr lang="en-US" altLang="zh-CN" dirty="0" smtClean="0"/>
+              <a:t>)</a:t>
+            </a:r>
+          </a:p>
+          <a:p>
+            <a:r>
+              <a:rPr lang="en-US" altLang="zh-CN" dirty="0" smtClean="0"/>
+              <a:t>            i++;</a:t>
+            </a:r>
+          </a:p>
+          <a:p>
+            <a:r>
+              <a:rPr lang="en-US" altLang="zh-CN" dirty="0" smtClean="0"/>
+              <a:t>        if (</a:t>
+            </a:r>
+            <a:r>
+              <a:rPr lang="en-US" altLang="zh-CN" dirty="0" err="1" smtClean="0"/>
+              <a:t>arr</a:t>
+            </a:r>
+            <a:r>
+              <a:rPr lang="en-US" altLang="zh-CN" dirty="0" smtClean="0"/>
+              <a:t>[i]&lt;=</a:t>
+            </a:r>
+            <a:r>
+              <a:rPr lang="en-US" altLang="zh-CN" dirty="0" err="1" smtClean="0"/>
+              <a:t>pv</a:t>
+            </a:r>
+            <a:r>
+              <a:rPr lang="en-US" altLang="zh-CN" dirty="0" smtClean="0"/>
+              <a:t>) {</a:t>
+            </a:r>
+          </a:p>
+          <a:p>
+            <a:r>
+              <a:rPr lang="en-US" altLang="zh-CN" dirty="0" smtClean="0"/>
+              <a:t>            </a:t>
+            </a:r>
+            <a:r>
+              <a:rPr lang="en-US" altLang="zh-CN" dirty="0" err="1" smtClean="0"/>
+              <a:t>arr</a:t>
+            </a:r>
+            <a:r>
+              <a:rPr lang="en-US" altLang="zh-CN" dirty="0" smtClean="0"/>
+              <a:t>[p] = </a:t>
+            </a:r>
+            <a:r>
+              <a:rPr lang="en-US" altLang="zh-CN" dirty="0" err="1" smtClean="0"/>
+              <a:t>arr</a:t>
+            </a:r>
+            <a:r>
+              <a:rPr lang="en-US" altLang="zh-CN" dirty="0" smtClean="0"/>
+              <a:t>[i];</a:t>
+            </a:r>
+          </a:p>
+          <a:p>
+            <a:r>
+              <a:rPr lang="en-US" altLang="zh-CN" dirty="0" smtClean="0"/>
+              <a:t>            p = i;</a:t>
+            </a:r>
+          </a:p>
+          <a:p>
+            <a:r>
+              <a:rPr lang="en-US" altLang="zh-CN" dirty="0" smtClean="0"/>
+              <a:t>        }</a:t>
+            </a:r>
+          </a:p>
+          <a:p>
+            <a:r>
+              <a:rPr lang="en-US" altLang="zh-CN" dirty="0" smtClean="0"/>
+              <a:t>    } // while i &lt;= j</a:t>
+            </a:r>
+          </a:p>
+          <a:p>
+            <a:r>
+              <a:rPr lang="en-US" altLang="zh-CN" dirty="0" smtClean="0"/>
+              <a:t>    </a:t>
+            </a:r>
+            <a:r>
+              <a:rPr lang="en-US" altLang="zh-CN" dirty="0" err="1" smtClean="0"/>
+              <a:t>arr</a:t>
+            </a:r>
+            <a:r>
+              <a:rPr lang="en-US" altLang="zh-CN" dirty="0" smtClean="0"/>
+              <a:t>[p] = </a:t>
+            </a:r>
+            <a:r>
+              <a:rPr lang="en-US" altLang="zh-CN" dirty="0" err="1" smtClean="0"/>
+              <a:t>pv</a:t>
+            </a:r>
+            <a:r>
+              <a:rPr lang="en-US" altLang="zh-CN" dirty="0" smtClean="0"/>
+              <a:t>;</a:t>
+            </a:r>
+          </a:p>
+          <a:p>
+            <a:r>
+              <a:rPr lang="en-US" altLang="zh-CN" dirty="0"/>
+              <a:t> </a:t>
+            </a:r>
+            <a:r>
+              <a:rPr lang="en-US" altLang="zh-CN" dirty="0" smtClean="0"/>
+              <a:t>   if (p == k) return </a:t>
+            </a:r>
+            <a:r>
+              <a:rPr lang="en-US" altLang="zh-CN" dirty="0" err="1" smtClean="0"/>
+              <a:t>arr</a:t>
+            </a:r>
+            <a:r>
+              <a:rPr lang="en-US" altLang="zh-CN" dirty="0" smtClean="0"/>
+              <a:t>[p];</a:t>
+            </a:r>
+          </a:p>
+          <a:p>
+            <a:r>
+              <a:rPr lang="en-US" altLang="zh-CN" dirty="0"/>
+              <a:t> </a:t>
+            </a:r>
+            <a:r>
+              <a:rPr lang="en-US" altLang="zh-CN" dirty="0" smtClean="0"/>
+              <a:t>   else if (p &gt; k)</a:t>
+            </a:r>
+            <a:endParaRPr lang="en-US" altLang="zh-CN" dirty="0"/>
+          </a:p>
+          <a:p>
+            <a:r>
+              <a:rPr lang="en-US" altLang="zh-CN" dirty="0" smtClean="0"/>
+              <a:t>    </a:t>
+            </a:r>
+            <a:r>
+              <a:rPr lang="en-US" altLang="zh-CN" dirty="0" smtClean="0"/>
+              <a:t>    </a:t>
+            </a:r>
+            <a:r>
+              <a:rPr lang="en-US" altLang="zh-CN" dirty="0" err="1" smtClean="0"/>
+              <a:t>quick_sort</a:t>
+            </a:r>
+            <a:r>
+              <a:rPr lang="en-US" altLang="zh-CN" dirty="0" smtClean="0"/>
+              <a:t>(</a:t>
+            </a:r>
+            <a:r>
+              <a:rPr lang="en-US" altLang="zh-CN" dirty="0" err="1" smtClean="0"/>
+              <a:t>arr</a:t>
+            </a:r>
+            <a:r>
+              <a:rPr lang="en-US" altLang="zh-CN" dirty="0" smtClean="0"/>
+              <a:t>, </a:t>
+            </a:r>
+            <a:r>
+              <a:rPr lang="en-US" altLang="zh-CN" dirty="0" smtClean="0"/>
+              <a:t>p-1, k);</a:t>
+            </a:r>
+          </a:p>
+          <a:p>
+            <a:r>
+              <a:rPr lang="en-US" altLang="zh-CN" dirty="0"/>
+              <a:t> </a:t>
+            </a:r>
+            <a:r>
+              <a:rPr lang="en-US" altLang="zh-CN" dirty="0" smtClean="0"/>
+              <a:t>   else </a:t>
+            </a:r>
+            <a:endParaRPr lang="en-US" altLang="zh-CN" dirty="0" smtClean="0"/>
+          </a:p>
+          <a:p>
+            <a:r>
+              <a:rPr lang="en-US" altLang="zh-CN" dirty="0"/>
+              <a:t> </a:t>
+            </a:r>
+            <a:r>
+              <a:rPr lang="en-US" altLang="zh-CN" dirty="0" smtClean="0"/>
+              <a:t>   </a:t>
+            </a:r>
+            <a:r>
+              <a:rPr lang="en-US" altLang="zh-CN" dirty="0" smtClean="0"/>
+              <a:t>    </a:t>
+            </a:r>
+            <a:r>
+              <a:rPr lang="en-US" altLang="zh-CN" dirty="0" err="1" smtClean="0"/>
+              <a:t>quick_sort</a:t>
+            </a:r>
+            <a:r>
+              <a:rPr lang="en-US" altLang="zh-CN" dirty="0" smtClean="0"/>
+              <a:t>(arr+p+1</a:t>
+            </a:r>
+            <a:r>
+              <a:rPr lang="en-US" altLang="zh-CN" dirty="0" smtClean="0"/>
+              <a:t>, </a:t>
+            </a:r>
+            <a:r>
+              <a:rPr lang="en-US" altLang="zh-CN" dirty="0" smtClean="0"/>
+              <a:t>n-p-1, k-p);</a:t>
+            </a:r>
+            <a:endParaRPr lang="en-US" altLang="zh-CN" dirty="0" smtClean="0"/>
+          </a:p>
+          <a:p>
+            <a:r>
+              <a:rPr lang="en-US" altLang="zh-CN" dirty="0" smtClean="0"/>
+              <a:t>} // </a:t>
+            </a:r>
+            <a:r>
+              <a:rPr lang="en-US" altLang="zh-CN" dirty="0" err="1" smtClean="0"/>
+              <a:t>quick_sort</a:t>
             </a:r>
             <a:endParaRPr lang="en-US" altLang="zh-CN" dirty="0" smtClean="0"/>
           </a:p>

--- a/algos_summary.pptx
+++ b/algos_summary.pptx
@@ -18,6 +18,11 @@
     <p:sldId id="266" r:id="rId12"/>
     <p:sldId id="268" r:id="rId13"/>
     <p:sldId id="267" r:id="rId14"/>
+    <p:sldId id="270" r:id="rId15"/>
+    <p:sldId id="271" r:id="rId16"/>
+    <p:sldId id="272" r:id="rId17"/>
+    <p:sldId id="273" r:id="rId18"/>
+    <p:sldId id="274" r:id="rId19"/>
   </p:sldIdLst>
   <p:sldSz cx="9144000" cy="6858000" type="screen4x3"/>
   <p:notesSz cx="6858000" cy="9144000"/>
@@ -300,7 +305,7 @@
           <a:p>
             <a:fld id="{530820CF-B880-4189-942D-D702A7CBA730}" type="datetimeFigureOut">
               <a:rPr lang="zh-CN" altLang="en-US" smtClean="0"/>
-              <a:t>2018/1/7</a:t>
+              <a:t>2018/1/9</a:t>
             </a:fld>
             <a:endParaRPr lang="zh-CN" altLang="en-US"/>
           </a:p>
@@ -465,7 +470,7 @@
           <a:p>
             <a:fld id="{530820CF-B880-4189-942D-D702A7CBA730}" type="datetimeFigureOut">
               <a:rPr lang="zh-CN" altLang="en-US" smtClean="0"/>
-              <a:t>2018/1/7</a:t>
+              <a:t>2018/1/9</a:t>
             </a:fld>
             <a:endParaRPr lang="zh-CN" altLang="en-US"/>
           </a:p>
@@ -640,7 +645,7 @@
           <a:p>
             <a:fld id="{530820CF-B880-4189-942D-D702A7CBA730}" type="datetimeFigureOut">
               <a:rPr lang="zh-CN" altLang="en-US" smtClean="0"/>
-              <a:t>2018/1/7</a:t>
+              <a:t>2018/1/9</a:t>
             </a:fld>
             <a:endParaRPr lang="zh-CN" altLang="en-US"/>
           </a:p>
@@ -805,7 +810,7 @@
           <a:p>
             <a:fld id="{530820CF-B880-4189-942D-D702A7CBA730}" type="datetimeFigureOut">
               <a:rPr lang="zh-CN" altLang="en-US" smtClean="0"/>
-              <a:t>2018/1/7</a:t>
+              <a:t>2018/1/9</a:t>
             </a:fld>
             <a:endParaRPr lang="zh-CN" altLang="en-US"/>
           </a:p>
@@ -1046,7 +1051,7 @@
           <a:p>
             <a:fld id="{530820CF-B880-4189-942D-D702A7CBA730}" type="datetimeFigureOut">
               <a:rPr lang="zh-CN" altLang="en-US" smtClean="0"/>
-              <a:t>2018/1/7</a:t>
+              <a:t>2018/1/9</a:t>
             </a:fld>
             <a:endParaRPr lang="zh-CN" altLang="en-US"/>
           </a:p>
@@ -1329,7 +1334,7 @@
           <a:p>
             <a:fld id="{530820CF-B880-4189-942D-D702A7CBA730}" type="datetimeFigureOut">
               <a:rPr lang="zh-CN" altLang="en-US" smtClean="0"/>
-              <a:t>2018/1/7</a:t>
+              <a:t>2018/1/9</a:t>
             </a:fld>
             <a:endParaRPr lang="zh-CN" altLang="en-US"/>
           </a:p>
@@ -1746,7 +1751,7 @@
           <a:p>
             <a:fld id="{530820CF-B880-4189-942D-D702A7CBA730}" type="datetimeFigureOut">
               <a:rPr lang="zh-CN" altLang="en-US" smtClean="0"/>
-              <a:t>2018/1/7</a:t>
+              <a:t>2018/1/9</a:t>
             </a:fld>
             <a:endParaRPr lang="zh-CN" altLang="en-US"/>
           </a:p>
@@ -1859,7 +1864,7 @@
           <a:p>
             <a:fld id="{530820CF-B880-4189-942D-D702A7CBA730}" type="datetimeFigureOut">
               <a:rPr lang="zh-CN" altLang="en-US" smtClean="0"/>
-              <a:t>2018/1/7</a:t>
+              <a:t>2018/1/9</a:t>
             </a:fld>
             <a:endParaRPr lang="zh-CN" altLang="en-US"/>
           </a:p>
@@ -1949,7 +1954,7 @@
           <a:p>
             <a:fld id="{530820CF-B880-4189-942D-D702A7CBA730}" type="datetimeFigureOut">
               <a:rPr lang="zh-CN" altLang="en-US" smtClean="0"/>
-              <a:t>2018/1/7</a:t>
+              <a:t>2018/1/9</a:t>
             </a:fld>
             <a:endParaRPr lang="zh-CN" altLang="en-US"/>
           </a:p>
@@ -2221,7 +2226,7 @@
           <a:p>
             <a:fld id="{530820CF-B880-4189-942D-D702A7CBA730}" type="datetimeFigureOut">
               <a:rPr lang="zh-CN" altLang="en-US" smtClean="0"/>
-              <a:t>2018/1/7</a:t>
+              <a:t>2018/1/9</a:t>
             </a:fld>
             <a:endParaRPr lang="zh-CN" altLang="en-US"/>
           </a:p>
@@ -2469,7 +2474,7 @@
           <a:p>
             <a:fld id="{530820CF-B880-4189-942D-D702A7CBA730}" type="datetimeFigureOut">
               <a:rPr lang="zh-CN" altLang="en-US" smtClean="0"/>
-              <a:t>2018/1/7</a:t>
+              <a:t>2018/1/9</a:t>
             </a:fld>
             <a:endParaRPr lang="zh-CN" altLang="en-US"/>
           </a:p>
@@ -2677,7 +2682,7 @@
           <a:p>
             <a:fld id="{530820CF-B880-4189-942D-D702A7CBA730}" type="datetimeFigureOut">
               <a:rPr lang="zh-CN" altLang="en-US" smtClean="0"/>
-              <a:t>2018/1/7</a:t>
+              <a:t>2018/1/9</a:t>
             </a:fld>
             <a:endParaRPr lang="zh-CN" altLang="en-US"/>
           </a:p>
@@ -4146,6 +4151,2120 @@
 </p:sld>
 </file>
 
+<file path=ppt/slides/slide14.xml><?xml version="1.0" encoding="utf-8"?>
+<p:sld xmlns:a="http://schemas.openxmlformats.org/drawingml/2006/main" xmlns:r="http://schemas.openxmlformats.org/officeDocument/2006/relationships" xmlns:p="http://schemas.openxmlformats.org/presentationml/2006/main">
+  <p:cSld>
+    <p:spTree>
+      <p:nvGrpSpPr>
+        <p:cNvPr id="1" name=""/>
+        <p:cNvGrpSpPr/>
+        <p:nvPr/>
+      </p:nvGrpSpPr>
+      <p:grpSpPr>
+        <a:xfrm>
+          <a:off x="0" y="0"/>
+          <a:ext cx="0" cy="0"/>
+          <a:chOff x="0" y="0"/>
+          <a:chExt cx="0" cy="0"/>
+        </a:xfrm>
+      </p:grpSpPr>
+      <p:sp>
+        <p:nvSpPr>
+          <p:cNvPr id="6" name="TextBox 5"/>
+          <p:cNvSpPr txBox="1"/>
+          <p:nvPr/>
+        </p:nvSpPr>
+        <p:spPr>
+          <a:xfrm>
+            <a:off x="755576" y="332656"/>
+            <a:ext cx="3600400" cy="400110"/>
+          </a:xfrm>
+          <a:prstGeom prst="rect">
+            <a:avLst/>
+          </a:prstGeom>
+          <a:noFill/>
+        </p:spPr>
+        <p:txBody>
+          <a:bodyPr wrap="square" rtlCol="0">
+            <a:spAutoFit/>
+          </a:bodyPr>
+          <a:lstStyle/>
+          <a:p>
+            <a:r>
+              <a:rPr lang="en-US" altLang="zh-CN" sz="2000" dirty="0" smtClean="0"/>
+              <a:t>10.1 TCP</a:t>
+            </a:r>
+            <a:r>
+              <a:rPr lang="zh-CN" altLang="en-US" sz="2000" dirty="0" smtClean="0"/>
+              <a:t>状态图</a:t>
+            </a:r>
+            <a:endParaRPr lang="zh-CN" altLang="en-US" sz="2000" dirty="0"/>
+          </a:p>
+        </p:txBody>
+      </p:sp>
+      <p:sp>
+        <p:nvSpPr>
+          <p:cNvPr id="3" name="TextBox 2"/>
+          <p:cNvSpPr txBox="1"/>
+          <p:nvPr/>
+        </p:nvSpPr>
+        <p:spPr>
+          <a:xfrm>
+            <a:off x="683568" y="899428"/>
+            <a:ext cx="2376264" cy="1754326"/>
+          </a:xfrm>
+          <a:prstGeom prst="rect">
+            <a:avLst/>
+          </a:prstGeom>
+          <a:noFill/>
+        </p:spPr>
+        <p:txBody>
+          <a:bodyPr wrap="square" rtlCol="0">
+            <a:spAutoFit/>
+          </a:bodyPr>
+          <a:lstStyle/>
+          <a:p>
+            <a:r>
+              <a:rPr lang="en-US" altLang="zh-CN" dirty="0" smtClean="0"/>
+              <a:t>TIME_WAIT</a:t>
+            </a:r>
+            <a:r>
+              <a:rPr lang="zh-CN" altLang="en-US" dirty="0" smtClean="0"/>
+              <a:t>状态作用：</a:t>
+            </a:r>
+            <a:endParaRPr lang="en-US" altLang="zh-CN" dirty="0" smtClean="0"/>
+          </a:p>
+          <a:p>
+            <a:pPr marL="342900" indent="-342900">
+              <a:buAutoNum type="arabicPeriod"/>
+            </a:pPr>
+            <a:r>
+              <a:rPr lang="zh-CN" altLang="en-US" dirty="0" smtClean="0"/>
+              <a:t>用于发送</a:t>
+            </a:r>
+            <a:r>
+              <a:rPr lang="en-US" altLang="zh-CN" dirty="0" err="1" smtClean="0"/>
+              <a:t>last_ack</a:t>
+            </a:r>
+            <a:r>
+              <a:rPr lang="en-US" altLang="zh-CN" dirty="0" smtClean="0"/>
+              <a:t>,</a:t>
+            </a:r>
+            <a:r>
+              <a:rPr lang="zh-CN" altLang="en-US" dirty="0" smtClean="0"/>
+              <a:t>保证对端收到。</a:t>
+            </a:r>
+            <a:endParaRPr lang="en-US" altLang="zh-CN" dirty="0" smtClean="0"/>
+          </a:p>
+          <a:p>
+            <a:pPr marL="342900" indent="-342900">
+              <a:buAutoNum type="arabicPeriod"/>
+            </a:pPr>
+            <a:r>
+              <a:rPr lang="zh-CN" altLang="en-US" dirty="0" smtClean="0"/>
+              <a:t>使网络中该连接的包失效，防止与新的连接混淆数据。</a:t>
+            </a:r>
+            <a:endParaRPr lang="en-US" altLang="zh-CN" dirty="0" smtClean="0"/>
+          </a:p>
+        </p:txBody>
+      </p:sp>
+      <p:pic>
+        <p:nvPicPr>
+          <p:cNvPr id="1026" name="Picture 2" descr="TCP状态转换图"/>
+          <p:cNvPicPr>
+            <a:picLocks noChangeAspect="1" noChangeArrowheads="1"/>
+          </p:cNvPicPr>
+          <p:nvPr/>
+        </p:nvPicPr>
+        <p:blipFill>
+          <a:blip r:embed="rId2">
+            <a:extLst>
+              <a:ext uri="{28A0092B-C50C-407E-A947-70E740481C1C}">
+                <a14:useLocalDpi xmlns:a14="http://schemas.microsoft.com/office/drawing/2010/main" val="0"/>
+              </a:ext>
+            </a:extLst>
+          </a:blip>
+          <a:srcRect/>
+          <a:stretch>
+            <a:fillRect/>
+          </a:stretch>
+        </p:blipFill>
+        <p:spPr bwMode="auto">
+          <a:xfrm>
+            <a:off x="3203848" y="406632"/>
+            <a:ext cx="4464496" cy="6302819"/>
+          </a:xfrm>
+          <a:prstGeom prst="rect">
+            <a:avLst/>
+          </a:prstGeom>
+          <a:noFill/>
+          <a:extLst>
+            <a:ext uri="{909E8E84-426E-40DD-AFC4-6F175D3DCCD1}">
+              <a14:hiddenFill xmlns:a14="http://schemas.microsoft.com/office/drawing/2010/main">
+                <a:solidFill>
+                  <a:srgbClr val="FFFFFF"/>
+                </a:solidFill>
+              </a14:hiddenFill>
+            </a:ext>
+          </a:extLst>
+        </p:spPr>
+      </p:pic>
+    </p:spTree>
+    <p:extLst>
+      <p:ext uri="{BB962C8B-B14F-4D97-AF65-F5344CB8AC3E}">
+        <p14:creationId xmlns:p14="http://schemas.microsoft.com/office/powerpoint/2010/main" val="542728246"/>
+      </p:ext>
+    </p:extLst>
+  </p:cSld>
+  <p:clrMapOvr>
+    <a:masterClrMapping/>
+  </p:clrMapOvr>
+  <p:timing>
+    <p:tnLst>
+      <p:par>
+        <p:cTn id="1" dur="indefinite" restart="never" nodeType="tmRoot"/>
+      </p:par>
+    </p:tnLst>
+  </p:timing>
+</p:sld>
+</file>
+
+<file path=ppt/slides/slide15.xml><?xml version="1.0" encoding="utf-8"?>
+<p:sld xmlns:a="http://schemas.openxmlformats.org/drawingml/2006/main" xmlns:r="http://schemas.openxmlformats.org/officeDocument/2006/relationships" xmlns:p="http://schemas.openxmlformats.org/presentationml/2006/main">
+  <p:cSld>
+    <p:spTree>
+      <p:nvGrpSpPr>
+        <p:cNvPr id="1" name=""/>
+        <p:cNvGrpSpPr/>
+        <p:nvPr/>
+      </p:nvGrpSpPr>
+      <p:grpSpPr>
+        <a:xfrm>
+          <a:off x="0" y="0"/>
+          <a:ext cx="0" cy="0"/>
+          <a:chOff x="0" y="0"/>
+          <a:chExt cx="0" cy="0"/>
+        </a:xfrm>
+      </p:grpSpPr>
+      <p:sp>
+        <p:nvSpPr>
+          <p:cNvPr id="6" name="TextBox 5"/>
+          <p:cNvSpPr txBox="1"/>
+          <p:nvPr/>
+        </p:nvSpPr>
+        <p:spPr>
+          <a:xfrm>
+            <a:off x="755576" y="332656"/>
+            <a:ext cx="3600400" cy="400110"/>
+          </a:xfrm>
+          <a:prstGeom prst="rect">
+            <a:avLst/>
+          </a:prstGeom>
+          <a:noFill/>
+        </p:spPr>
+        <p:txBody>
+          <a:bodyPr wrap="square" rtlCol="0">
+            <a:spAutoFit/>
+          </a:bodyPr>
+          <a:lstStyle/>
+          <a:p>
+            <a:r>
+              <a:rPr lang="en-US" altLang="zh-CN" sz="2000" dirty="0" smtClean="0"/>
+              <a:t>10.1 TCP</a:t>
+            </a:r>
+            <a:r>
+              <a:rPr lang="zh-CN" altLang="en-US" sz="2000" dirty="0" smtClean="0"/>
+              <a:t>状态图</a:t>
+            </a:r>
+            <a:endParaRPr lang="zh-CN" altLang="en-US" sz="2000" dirty="0"/>
+          </a:p>
+        </p:txBody>
+      </p:sp>
+      <p:sp>
+        <p:nvSpPr>
+          <p:cNvPr id="3" name="TextBox 2"/>
+          <p:cNvSpPr txBox="1"/>
+          <p:nvPr/>
+        </p:nvSpPr>
+        <p:spPr>
+          <a:xfrm>
+            <a:off x="683568" y="899428"/>
+            <a:ext cx="7848872" cy="5632311"/>
+          </a:xfrm>
+          <a:prstGeom prst="rect">
+            <a:avLst/>
+          </a:prstGeom>
+          <a:noFill/>
+        </p:spPr>
+        <p:txBody>
+          <a:bodyPr wrap="square" rtlCol="0">
+            <a:spAutoFit/>
+          </a:bodyPr>
+          <a:lstStyle/>
+          <a:p>
+            <a:r>
+              <a:rPr lang="en-US" altLang="zh-CN" dirty="0"/>
+              <a:t>LT</a:t>
+            </a:r>
+            <a:r>
+              <a:rPr lang="zh-CN" altLang="en-US" dirty="0"/>
+              <a:t>和</a:t>
+            </a:r>
+            <a:r>
+              <a:rPr lang="en-US" altLang="zh-CN" dirty="0"/>
+              <a:t>ET</a:t>
+            </a:r>
+            <a:r>
+              <a:rPr lang="zh-CN" altLang="en-US" dirty="0"/>
+              <a:t>触发模式使用场景：</a:t>
+            </a:r>
+            <a:endParaRPr lang="en-US" altLang="zh-CN" dirty="0"/>
+          </a:p>
+          <a:p>
+            <a:r>
+              <a:rPr lang="en-US" altLang="zh-CN" dirty="0" smtClean="0"/>
+              <a:t>LT</a:t>
+            </a:r>
+            <a:r>
+              <a:rPr lang="zh-CN" altLang="en-US" dirty="0" smtClean="0"/>
+              <a:t>使用：</a:t>
+            </a:r>
+            <a:endParaRPr lang="en-US" altLang="zh-CN" dirty="0" smtClean="0"/>
+          </a:p>
+          <a:p>
+            <a:r>
+              <a:rPr lang="en-US" altLang="zh-CN" dirty="0"/>
+              <a:t>1.</a:t>
+            </a:r>
+            <a:r>
+              <a:rPr lang="zh-CN" altLang="en-US" dirty="0"/>
+              <a:t>读</a:t>
+            </a:r>
+            <a:r>
+              <a:rPr lang="zh-CN" altLang="en-US" dirty="0" smtClean="0"/>
+              <a:t>缓冲区有</a:t>
+            </a:r>
+            <a:r>
+              <a:rPr lang="zh-CN" altLang="en-US" dirty="0"/>
+              <a:t>数据可读</a:t>
+            </a:r>
+            <a:r>
+              <a:rPr lang="zh-CN" altLang="en-US" dirty="0" smtClean="0"/>
+              <a:t>，始终触发</a:t>
+            </a:r>
+            <a:r>
+              <a:rPr lang="en-US" altLang="zh-CN" dirty="0"/>
+              <a:t>IN</a:t>
+            </a:r>
+            <a:r>
+              <a:rPr lang="zh-CN" altLang="en-US" dirty="0"/>
+              <a:t>。</a:t>
+            </a:r>
+            <a:endParaRPr lang="en-US" altLang="zh-CN" dirty="0"/>
+          </a:p>
+          <a:p>
+            <a:r>
+              <a:rPr lang="en-US" altLang="zh-CN" dirty="0"/>
+              <a:t>2.</a:t>
+            </a:r>
+            <a:r>
+              <a:rPr lang="zh-CN" altLang="en-US" dirty="0"/>
+              <a:t>写</a:t>
+            </a:r>
+            <a:r>
+              <a:rPr lang="zh-CN" altLang="en-US" dirty="0" smtClean="0"/>
+              <a:t>缓冲区有</a:t>
+            </a:r>
+            <a:r>
+              <a:rPr lang="zh-CN" altLang="en-US" dirty="0"/>
+              <a:t>空间可写</a:t>
+            </a:r>
+            <a:r>
+              <a:rPr lang="zh-CN" altLang="en-US" dirty="0" smtClean="0"/>
+              <a:t>，始终触发</a:t>
+            </a:r>
+            <a:r>
+              <a:rPr lang="en-US" altLang="zh-CN" dirty="0"/>
+              <a:t>OUT</a:t>
+            </a:r>
+            <a:r>
+              <a:rPr lang="zh-CN" altLang="en-US" dirty="0"/>
+              <a:t>。</a:t>
+            </a:r>
+            <a:endParaRPr lang="en-US" altLang="zh-CN" dirty="0"/>
+          </a:p>
+          <a:p>
+            <a:r>
+              <a:rPr lang="zh-CN" altLang="en-US" dirty="0" smtClean="0"/>
+              <a:t>使用方式：</a:t>
+            </a:r>
+            <a:endParaRPr lang="en-US" altLang="zh-CN" dirty="0" smtClean="0"/>
+          </a:p>
+          <a:p>
+            <a:r>
+              <a:rPr lang="en-US" altLang="zh-CN" dirty="0"/>
+              <a:t>IN</a:t>
+            </a:r>
+            <a:r>
+              <a:rPr lang="zh-CN" altLang="en-US" dirty="0"/>
+              <a:t>事件时</a:t>
+            </a:r>
+            <a:r>
+              <a:rPr lang="zh-CN" altLang="en-US" dirty="0" smtClean="0"/>
+              <a:t>：读取任意大小的数据。</a:t>
+            </a:r>
+            <a:endParaRPr lang="en-US" altLang="zh-CN" dirty="0"/>
+          </a:p>
+          <a:p>
+            <a:r>
+              <a:rPr lang="en-US" altLang="zh-CN" dirty="0"/>
+              <a:t>OUT</a:t>
+            </a:r>
+            <a:r>
+              <a:rPr lang="zh-CN" altLang="en-US" dirty="0"/>
+              <a:t>事件时</a:t>
+            </a:r>
+            <a:r>
+              <a:rPr lang="zh-CN" altLang="en-US" dirty="0" smtClean="0"/>
+              <a:t>：写任意大小的数据。如果写出完毕，关闭</a:t>
+            </a:r>
+            <a:r>
+              <a:rPr lang="en-US" altLang="zh-CN" dirty="0" smtClean="0"/>
+              <a:t>OUT</a:t>
+            </a:r>
+            <a:r>
+              <a:rPr lang="zh-CN" altLang="en-US" dirty="0" smtClean="0"/>
+              <a:t>事件。</a:t>
+            </a:r>
+            <a:endParaRPr lang="en-US" altLang="zh-CN" dirty="0"/>
+          </a:p>
+          <a:p>
+            <a:endParaRPr lang="en-US" altLang="zh-CN" dirty="0"/>
+          </a:p>
+          <a:p>
+            <a:r>
+              <a:rPr lang="en-US" altLang="zh-CN" dirty="0" smtClean="0"/>
+              <a:t>ET</a:t>
+            </a:r>
+            <a:r>
+              <a:rPr lang="zh-CN" altLang="en-US" dirty="0"/>
+              <a:t>触发</a:t>
+            </a:r>
+            <a:r>
+              <a:rPr lang="zh-CN" altLang="en-US" dirty="0" smtClean="0"/>
+              <a:t>：</a:t>
+            </a:r>
+            <a:endParaRPr lang="en-US" altLang="zh-CN" dirty="0"/>
+          </a:p>
+          <a:p>
+            <a:r>
+              <a:rPr lang="en-US" altLang="zh-CN" dirty="0" smtClean="0"/>
+              <a:t>1.</a:t>
+            </a:r>
+            <a:r>
+              <a:rPr lang="zh-CN" altLang="en-US" dirty="0" smtClean="0"/>
+              <a:t>读缓冲区从没数据到有数据可读，触发</a:t>
+            </a:r>
+            <a:r>
+              <a:rPr lang="en-US" altLang="zh-CN" dirty="0" smtClean="0"/>
+              <a:t>IN</a:t>
+            </a:r>
+            <a:r>
+              <a:rPr lang="zh-CN" altLang="en-US" dirty="0" smtClean="0"/>
+              <a:t>。</a:t>
+            </a:r>
+            <a:endParaRPr lang="en-US" altLang="zh-CN" dirty="0" smtClean="0"/>
+          </a:p>
+          <a:p>
+            <a:r>
+              <a:rPr lang="en-US" altLang="zh-CN" dirty="0" smtClean="0"/>
+              <a:t>2.</a:t>
+            </a:r>
+            <a:r>
+              <a:rPr lang="zh-CN" altLang="en-US" dirty="0" smtClean="0"/>
+              <a:t>写缓冲区从满数据到有空间可写，触发</a:t>
+            </a:r>
+            <a:r>
+              <a:rPr lang="en-US" altLang="zh-CN" dirty="0" smtClean="0"/>
+              <a:t>OUT</a:t>
+            </a:r>
+            <a:r>
+              <a:rPr lang="zh-CN" altLang="en-US" dirty="0" smtClean="0"/>
+              <a:t>。</a:t>
+            </a:r>
+            <a:endParaRPr lang="en-US" altLang="zh-CN" dirty="0" smtClean="0"/>
+          </a:p>
+          <a:p>
+            <a:r>
+              <a:rPr lang="zh-CN" altLang="en-US" dirty="0" smtClean="0"/>
+              <a:t>使用方式：</a:t>
+            </a:r>
+            <a:endParaRPr lang="en-US" altLang="zh-CN" dirty="0" smtClean="0"/>
+          </a:p>
+          <a:p>
+            <a:r>
+              <a:rPr lang="en-US" altLang="zh-CN" dirty="0" smtClean="0"/>
+              <a:t>IN</a:t>
+            </a:r>
+            <a:r>
+              <a:rPr lang="zh-CN" altLang="en-US" dirty="0" smtClean="0"/>
+              <a:t>事件时：一直读取数据，直到</a:t>
+            </a:r>
+            <a:r>
+              <a:rPr lang="en-US" altLang="zh-CN" dirty="0" smtClean="0"/>
+              <a:t>EAGAIN</a:t>
+            </a:r>
+            <a:r>
+              <a:rPr lang="zh-CN" altLang="en-US" dirty="0" smtClean="0"/>
+              <a:t>。</a:t>
+            </a:r>
+            <a:endParaRPr lang="en-US" altLang="zh-CN" dirty="0" smtClean="0"/>
+          </a:p>
+          <a:p>
+            <a:r>
+              <a:rPr lang="en-US" altLang="zh-CN" dirty="0" smtClean="0"/>
+              <a:t>OUT</a:t>
+            </a:r>
+            <a:r>
+              <a:rPr lang="zh-CN" altLang="en-US" dirty="0" smtClean="0"/>
+              <a:t>事件时：一直写数据，直到</a:t>
+            </a:r>
+            <a:r>
+              <a:rPr lang="en-US" altLang="zh-CN" dirty="0" smtClean="0"/>
+              <a:t>EAGAIN</a:t>
+            </a:r>
+            <a:r>
+              <a:rPr lang="zh-CN" altLang="en-US" dirty="0" smtClean="0"/>
+              <a:t>。</a:t>
+            </a:r>
+            <a:endParaRPr lang="en-US" altLang="zh-CN" dirty="0" smtClean="0"/>
+          </a:p>
+          <a:p>
+            <a:r>
+              <a:rPr lang="zh-CN" altLang="en-US" dirty="0" smtClean="0"/>
+              <a:t>当需要写数据时，直接写数据，直到</a:t>
+            </a:r>
+            <a:r>
+              <a:rPr lang="en-US" altLang="zh-CN" dirty="0" smtClean="0"/>
+              <a:t>EAGAIN</a:t>
+            </a:r>
+            <a:r>
+              <a:rPr lang="zh-CN" altLang="en-US" dirty="0" smtClean="0"/>
+              <a:t>。不用等</a:t>
+            </a:r>
+            <a:r>
+              <a:rPr lang="en-US" altLang="zh-CN" dirty="0" smtClean="0"/>
+              <a:t>OUT</a:t>
+            </a:r>
+            <a:r>
+              <a:rPr lang="zh-CN" altLang="en-US" dirty="0" smtClean="0"/>
+              <a:t>事件。</a:t>
+            </a:r>
+            <a:endParaRPr lang="en-US" altLang="zh-CN" dirty="0" smtClean="0"/>
+          </a:p>
+          <a:p>
+            <a:endParaRPr lang="en-US" altLang="zh-CN" dirty="0"/>
+          </a:p>
+          <a:p>
+            <a:r>
+              <a:rPr lang="en-US" altLang="zh-CN" dirty="0" smtClean="0">
+                <a:solidFill>
+                  <a:srgbClr val="FF0000"/>
+                </a:solidFill>
+              </a:rPr>
+              <a:t>ET</a:t>
+            </a:r>
+            <a:r>
+              <a:rPr lang="zh-CN" altLang="en-US" dirty="0" smtClean="0">
+                <a:solidFill>
+                  <a:srgbClr val="FF0000"/>
+                </a:solidFill>
+              </a:rPr>
+              <a:t>在写出时比</a:t>
+            </a:r>
+            <a:r>
+              <a:rPr lang="en-US" altLang="zh-CN" dirty="0" smtClean="0">
+                <a:solidFill>
+                  <a:srgbClr val="FF0000"/>
+                </a:solidFill>
+              </a:rPr>
+              <a:t>LT</a:t>
+            </a:r>
+            <a:r>
+              <a:rPr lang="zh-CN" altLang="en-US" dirty="0" smtClean="0">
+                <a:solidFill>
+                  <a:srgbClr val="FF0000"/>
+                </a:solidFill>
+              </a:rPr>
+              <a:t>少了一个关闭</a:t>
+            </a:r>
+            <a:r>
+              <a:rPr lang="en-US" altLang="zh-CN" dirty="0" smtClean="0">
+                <a:solidFill>
+                  <a:srgbClr val="FF0000"/>
+                </a:solidFill>
+              </a:rPr>
+              <a:t>OUT</a:t>
+            </a:r>
+            <a:r>
+              <a:rPr lang="zh-CN" altLang="en-US" dirty="0" smtClean="0">
+                <a:solidFill>
+                  <a:srgbClr val="FF0000"/>
+                </a:solidFill>
+              </a:rPr>
+              <a:t>事件的操作。事件操作更少，某些场景更高效。如写出时，在没数据可用的情况下，</a:t>
+            </a:r>
+            <a:r>
+              <a:rPr lang="en-US" altLang="zh-CN" dirty="0" smtClean="0">
+                <a:solidFill>
+                  <a:srgbClr val="FF0000"/>
+                </a:solidFill>
+              </a:rPr>
+              <a:t>ET</a:t>
+            </a:r>
+            <a:r>
+              <a:rPr lang="zh-CN" altLang="en-US" dirty="0" smtClean="0">
+                <a:solidFill>
+                  <a:srgbClr val="FF0000"/>
+                </a:solidFill>
+              </a:rPr>
+              <a:t>直接略过而</a:t>
+            </a:r>
+            <a:r>
+              <a:rPr lang="en-US" altLang="zh-CN" dirty="0" smtClean="0">
+                <a:solidFill>
+                  <a:srgbClr val="FF0000"/>
+                </a:solidFill>
+              </a:rPr>
+              <a:t>LT</a:t>
+            </a:r>
+            <a:r>
+              <a:rPr lang="zh-CN" altLang="en-US" dirty="0" smtClean="0">
+                <a:solidFill>
+                  <a:srgbClr val="FF0000"/>
+                </a:solidFill>
+              </a:rPr>
+              <a:t>需要暂时关闭</a:t>
+            </a:r>
+            <a:r>
+              <a:rPr lang="en-US" altLang="zh-CN" dirty="0" smtClean="0">
+                <a:solidFill>
+                  <a:srgbClr val="FF0000"/>
+                </a:solidFill>
+              </a:rPr>
+              <a:t>OUT</a:t>
+            </a:r>
+            <a:r>
+              <a:rPr lang="zh-CN" altLang="en-US" dirty="0" smtClean="0">
+                <a:solidFill>
+                  <a:srgbClr val="FF0000"/>
+                </a:solidFill>
+              </a:rPr>
+              <a:t>事件，不然就一直触发。简单说，</a:t>
+            </a:r>
+            <a:r>
+              <a:rPr lang="en-US" altLang="zh-CN" dirty="0" smtClean="0">
+                <a:solidFill>
+                  <a:srgbClr val="FF0000"/>
+                </a:solidFill>
+              </a:rPr>
+              <a:t>ET</a:t>
+            </a:r>
+            <a:r>
+              <a:rPr lang="zh-CN" altLang="en-US" dirty="0" smtClean="0">
+                <a:solidFill>
+                  <a:srgbClr val="FF0000"/>
+                </a:solidFill>
+              </a:rPr>
+              <a:t>在写出时比</a:t>
+            </a:r>
+            <a:r>
+              <a:rPr lang="en-US" altLang="zh-CN" dirty="0" smtClean="0">
+                <a:solidFill>
+                  <a:srgbClr val="FF0000"/>
+                </a:solidFill>
+              </a:rPr>
+              <a:t>LT</a:t>
+            </a:r>
+            <a:r>
+              <a:rPr lang="zh-CN" altLang="en-US" dirty="0" smtClean="0">
+                <a:solidFill>
+                  <a:srgbClr val="FF0000"/>
+                </a:solidFill>
+              </a:rPr>
+              <a:t>更高效，因为在没数据可写或写出完毕时，</a:t>
+            </a:r>
+            <a:r>
+              <a:rPr lang="en-US" altLang="zh-CN" dirty="0" smtClean="0">
+                <a:solidFill>
+                  <a:srgbClr val="FF0000"/>
+                </a:solidFill>
+              </a:rPr>
+              <a:t>LT</a:t>
+            </a:r>
+            <a:r>
+              <a:rPr lang="zh-CN" altLang="en-US" dirty="0" smtClean="0">
+                <a:solidFill>
+                  <a:srgbClr val="FF0000"/>
+                </a:solidFill>
+              </a:rPr>
+              <a:t>都需要关闭</a:t>
+            </a:r>
+            <a:r>
+              <a:rPr lang="en-US" altLang="zh-CN" dirty="0" smtClean="0">
+                <a:solidFill>
+                  <a:srgbClr val="FF0000"/>
+                </a:solidFill>
+              </a:rPr>
+              <a:t>OUT</a:t>
+            </a:r>
+            <a:r>
+              <a:rPr lang="zh-CN" altLang="en-US" dirty="0" smtClean="0">
+                <a:solidFill>
+                  <a:srgbClr val="FF0000"/>
+                </a:solidFill>
+              </a:rPr>
+              <a:t>（不关闭就一直上报）。</a:t>
+            </a:r>
+            <a:endParaRPr lang="en-US" altLang="zh-CN" dirty="0" smtClean="0">
+              <a:solidFill>
+                <a:srgbClr val="FF0000"/>
+              </a:solidFill>
+            </a:endParaRPr>
+          </a:p>
+        </p:txBody>
+      </p:sp>
+    </p:spTree>
+    <p:extLst>
+      <p:ext uri="{BB962C8B-B14F-4D97-AF65-F5344CB8AC3E}">
+        <p14:creationId xmlns:p14="http://schemas.microsoft.com/office/powerpoint/2010/main" val="3748503143"/>
+      </p:ext>
+    </p:extLst>
+  </p:cSld>
+  <p:clrMapOvr>
+    <a:masterClrMapping/>
+  </p:clrMapOvr>
+  <p:timing>
+    <p:tnLst>
+      <p:par>
+        <p:cTn id="1" dur="indefinite" restart="never" nodeType="tmRoot"/>
+      </p:par>
+    </p:tnLst>
+  </p:timing>
+</p:sld>
+</file>
+
+<file path=ppt/slides/slide16.xml><?xml version="1.0" encoding="utf-8"?>
+<p:sld xmlns:a="http://schemas.openxmlformats.org/drawingml/2006/main" xmlns:r="http://schemas.openxmlformats.org/officeDocument/2006/relationships" xmlns:p="http://schemas.openxmlformats.org/presentationml/2006/main">
+  <p:cSld>
+    <p:spTree>
+      <p:nvGrpSpPr>
+        <p:cNvPr id="1" name=""/>
+        <p:cNvGrpSpPr/>
+        <p:nvPr/>
+      </p:nvGrpSpPr>
+      <p:grpSpPr>
+        <a:xfrm>
+          <a:off x="0" y="0"/>
+          <a:ext cx="0" cy="0"/>
+          <a:chOff x="0" y="0"/>
+          <a:chExt cx="0" cy="0"/>
+        </a:xfrm>
+      </p:grpSpPr>
+      <p:sp>
+        <p:nvSpPr>
+          <p:cNvPr id="6" name="TextBox 5"/>
+          <p:cNvSpPr txBox="1"/>
+          <p:nvPr/>
+        </p:nvSpPr>
+        <p:spPr>
+          <a:xfrm>
+            <a:off x="755576" y="332656"/>
+            <a:ext cx="3600400" cy="400110"/>
+          </a:xfrm>
+          <a:prstGeom prst="rect">
+            <a:avLst/>
+          </a:prstGeom>
+          <a:noFill/>
+        </p:spPr>
+        <p:txBody>
+          <a:bodyPr wrap="square" rtlCol="0">
+            <a:spAutoFit/>
+          </a:bodyPr>
+          <a:lstStyle/>
+          <a:p>
+            <a:r>
+              <a:rPr lang="en-US" altLang="zh-CN" sz="2000" dirty="0" smtClean="0"/>
+              <a:t>11 </a:t>
+            </a:r>
+            <a:r>
+              <a:rPr lang="zh-CN" altLang="en-US" sz="2000" dirty="0" smtClean="0"/>
+              <a:t>链表翻转</a:t>
+            </a:r>
+            <a:endParaRPr lang="zh-CN" altLang="en-US" sz="2000" dirty="0"/>
+          </a:p>
+        </p:txBody>
+      </p:sp>
+      <p:sp>
+        <p:nvSpPr>
+          <p:cNvPr id="3" name="TextBox 2"/>
+          <p:cNvSpPr txBox="1"/>
+          <p:nvPr/>
+        </p:nvSpPr>
+        <p:spPr>
+          <a:xfrm>
+            <a:off x="683568" y="716503"/>
+            <a:ext cx="7848872" cy="923330"/>
+          </a:xfrm>
+          <a:prstGeom prst="rect">
+            <a:avLst/>
+          </a:prstGeom>
+          <a:noFill/>
+        </p:spPr>
+        <p:txBody>
+          <a:bodyPr wrap="square" rtlCol="0">
+            <a:spAutoFit/>
+          </a:bodyPr>
+          <a:lstStyle/>
+          <a:p>
+            <a:r>
+              <a:rPr lang="zh-CN" altLang="en-US" dirty="0" smtClean="0"/>
+              <a:t>思路：</a:t>
+            </a:r>
+            <a:endParaRPr lang="en-US" altLang="zh-CN" dirty="0" smtClean="0"/>
+          </a:p>
+          <a:p>
+            <a:r>
+              <a:rPr lang="en-US" altLang="zh-CN" dirty="0" smtClean="0"/>
+              <a:t>1.</a:t>
+            </a:r>
+            <a:r>
+              <a:rPr lang="zh-CN" altLang="en-US" dirty="0" smtClean="0"/>
+              <a:t>从头开始，左边成为一个新</a:t>
+            </a:r>
+            <a:r>
+              <a:rPr lang="en-US" altLang="zh-CN" dirty="0" smtClean="0"/>
+              <a:t>list</a:t>
+            </a:r>
+            <a:r>
+              <a:rPr lang="zh-CN" altLang="en-US" dirty="0" smtClean="0"/>
+              <a:t>，每次从右边拿出一个节点放入左侧新</a:t>
+            </a:r>
+            <a:r>
+              <a:rPr lang="en-US" altLang="zh-CN" dirty="0" smtClean="0"/>
+              <a:t>list</a:t>
+            </a:r>
+            <a:r>
+              <a:rPr lang="zh-CN" altLang="en-US" dirty="0" smtClean="0"/>
+              <a:t>。</a:t>
+            </a:r>
+            <a:endParaRPr lang="en-US" altLang="zh-CN" dirty="0" smtClean="0"/>
+          </a:p>
+          <a:p>
+            <a:r>
+              <a:rPr lang="en-US" altLang="zh-CN" dirty="0" smtClean="0"/>
+              <a:t>2.</a:t>
+            </a:r>
+            <a:r>
+              <a:rPr lang="zh-CN" altLang="en-US" dirty="0" smtClean="0"/>
+              <a:t>从第</a:t>
+            </a:r>
+            <a:r>
+              <a:rPr lang="en-US" altLang="zh-CN" dirty="0" smtClean="0"/>
+              <a:t>2</a:t>
+            </a:r>
+            <a:r>
+              <a:rPr lang="zh-CN" altLang="en-US" dirty="0" smtClean="0"/>
+              <a:t>个节点开始，依次遍历并插入到第</a:t>
+            </a:r>
+            <a:r>
+              <a:rPr lang="en-US" altLang="zh-CN" dirty="0" smtClean="0"/>
+              <a:t>1</a:t>
+            </a:r>
+            <a:r>
+              <a:rPr lang="zh-CN" altLang="en-US" dirty="0" smtClean="0"/>
+              <a:t>个节点后面，最后把</a:t>
+            </a:r>
+            <a:r>
+              <a:rPr lang="en-US" altLang="zh-CN" dirty="0" smtClean="0"/>
+              <a:t>1</a:t>
+            </a:r>
+            <a:r>
+              <a:rPr lang="zh-CN" altLang="en-US" dirty="0" smtClean="0"/>
+              <a:t>移到最后。</a:t>
+            </a:r>
+            <a:endParaRPr lang="en-US" altLang="zh-CN" dirty="0" smtClean="0"/>
+          </a:p>
+        </p:txBody>
+      </p:sp>
+      <p:sp>
+        <p:nvSpPr>
+          <p:cNvPr id="4" name="TextBox 3"/>
+          <p:cNvSpPr txBox="1"/>
+          <p:nvPr/>
+        </p:nvSpPr>
+        <p:spPr>
+          <a:xfrm>
+            <a:off x="719808" y="1916832"/>
+            <a:ext cx="3672408" cy="3693319"/>
+          </a:xfrm>
+          <a:prstGeom prst="rect">
+            <a:avLst/>
+          </a:prstGeom>
+          <a:noFill/>
+        </p:spPr>
+        <p:txBody>
+          <a:bodyPr wrap="square" rtlCol="0">
+            <a:spAutoFit/>
+          </a:bodyPr>
+          <a:lstStyle/>
+          <a:p>
+            <a:r>
+              <a:rPr lang="en-US" altLang="zh-CN" dirty="0" smtClean="0"/>
+              <a:t>// </a:t>
+            </a:r>
+            <a:r>
+              <a:rPr lang="zh-CN" altLang="en-US" dirty="0" smtClean="0"/>
+              <a:t>就地翻转</a:t>
+            </a:r>
+            <a:endParaRPr lang="en-US" altLang="zh-CN" dirty="0" smtClean="0"/>
+          </a:p>
+          <a:p>
+            <a:r>
+              <a:rPr lang="en-US" altLang="zh-CN" dirty="0" smtClean="0"/>
+              <a:t>Node* </a:t>
+            </a:r>
+            <a:r>
+              <a:rPr lang="en-US" altLang="zh-CN" dirty="0" err="1" smtClean="0"/>
+              <a:t>reverse_inplace</a:t>
+            </a:r>
+            <a:r>
+              <a:rPr lang="en-US" altLang="zh-CN" dirty="0" smtClean="0"/>
+              <a:t>(Node* list)</a:t>
+            </a:r>
+            <a:endParaRPr lang="en-US" altLang="zh-CN" dirty="0" smtClean="0"/>
+          </a:p>
+          <a:p>
+            <a:r>
+              <a:rPr lang="en-US" altLang="zh-CN" dirty="0" smtClean="0"/>
+              <a:t>{</a:t>
+            </a:r>
+          </a:p>
+          <a:p>
+            <a:r>
+              <a:rPr lang="en-US" altLang="zh-CN" dirty="0" smtClean="0"/>
+              <a:t>    </a:t>
+            </a:r>
+            <a:r>
+              <a:rPr lang="en-US" altLang="zh-CN" dirty="0" smtClean="0"/>
+              <a:t>Node* </a:t>
+            </a:r>
+            <a:r>
+              <a:rPr lang="en-US" altLang="zh-CN" dirty="0" err="1" smtClean="0"/>
+              <a:t>newlist</a:t>
+            </a:r>
+            <a:r>
+              <a:rPr lang="en-US" altLang="zh-CN" dirty="0" smtClean="0"/>
+              <a:t> = NULL;</a:t>
+            </a:r>
+            <a:endParaRPr lang="en-US" altLang="zh-CN" dirty="0" smtClean="0"/>
+          </a:p>
+          <a:p>
+            <a:r>
+              <a:rPr lang="en-US" altLang="zh-CN" dirty="0" smtClean="0"/>
+              <a:t>    </a:t>
+            </a:r>
+            <a:r>
+              <a:rPr lang="en-US" altLang="zh-CN" dirty="0" smtClean="0"/>
+              <a:t>while(list) {</a:t>
+            </a:r>
+          </a:p>
+          <a:p>
+            <a:r>
+              <a:rPr lang="en-US" altLang="zh-CN" dirty="0"/>
+              <a:t> </a:t>
+            </a:r>
+            <a:r>
+              <a:rPr lang="en-US" altLang="zh-CN" dirty="0" smtClean="0"/>
+              <a:t>       Node* next = list-&gt;next; //</a:t>
+            </a:r>
+            <a:r>
+              <a:rPr lang="zh-CN" altLang="en-US" dirty="0" smtClean="0"/>
+              <a:t>保存</a:t>
+            </a:r>
+            <a:endParaRPr lang="en-US" altLang="zh-CN" dirty="0" smtClean="0"/>
+          </a:p>
+          <a:p>
+            <a:r>
+              <a:rPr lang="en-US" altLang="zh-CN" dirty="0"/>
+              <a:t> </a:t>
+            </a:r>
+            <a:r>
+              <a:rPr lang="en-US" altLang="zh-CN" dirty="0" smtClean="0"/>
+              <a:t>       list-&gt;next = </a:t>
+            </a:r>
+            <a:r>
+              <a:rPr lang="en-US" altLang="zh-CN" dirty="0" err="1" smtClean="0"/>
+              <a:t>newlist</a:t>
+            </a:r>
+            <a:r>
+              <a:rPr lang="en-US" altLang="zh-CN" dirty="0" smtClean="0"/>
+              <a:t>; // </a:t>
+            </a:r>
+            <a:r>
+              <a:rPr lang="zh-CN" altLang="en-US" dirty="0" smtClean="0"/>
+              <a:t>翻转</a:t>
+            </a:r>
+            <a:endParaRPr lang="en-US" altLang="zh-CN" dirty="0" smtClean="0"/>
+          </a:p>
+          <a:p>
+            <a:r>
+              <a:rPr lang="en-US" altLang="zh-CN" dirty="0"/>
+              <a:t> </a:t>
+            </a:r>
+            <a:r>
+              <a:rPr lang="en-US" altLang="zh-CN" dirty="0" smtClean="0"/>
+              <a:t>       </a:t>
+            </a:r>
+          </a:p>
+          <a:p>
+            <a:r>
+              <a:rPr lang="en-US" altLang="zh-CN" dirty="0"/>
+              <a:t> </a:t>
+            </a:r>
+            <a:r>
+              <a:rPr lang="en-US" altLang="zh-CN" dirty="0" smtClean="0"/>
+              <a:t>       </a:t>
+            </a:r>
+            <a:r>
+              <a:rPr lang="en-US" altLang="zh-CN" dirty="0" err="1" smtClean="0"/>
+              <a:t>newlist</a:t>
+            </a:r>
+            <a:r>
+              <a:rPr lang="en-US" altLang="zh-CN" dirty="0" smtClean="0"/>
+              <a:t> = list;</a:t>
+            </a:r>
+          </a:p>
+          <a:p>
+            <a:r>
+              <a:rPr lang="en-US" altLang="zh-CN" dirty="0"/>
+              <a:t> </a:t>
+            </a:r>
+            <a:r>
+              <a:rPr lang="en-US" altLang="zh-CN" dirty="0" smtClean="0"/>
+              <a:t>       list = next;</a:t>
+            </a:r>
+            <a:endParaRPr lang="en-US" altLang="zh-CN" dirty="0" smtClean="0"/>
+          </a:p>
+          <a:p>
+            <a:r>
+              <a:rPr lang="en-US" altLang="zh-CN" dirty="0" smtClean="0"/>
+              <a:t>    }</a:t>
+            </a:r>
+          </a:p>
+          <a:p>
+            <a:r>
+              <a:rPr lang="en-US" altLang="zh-CN" dirty="0"/>
+              <a:t> </a:t>
+            </a:r>
+            <a:r>
+              <a:rPr lang="en-US" altLang="zh-CN" dirty="0" smtClean="0"/>
+              <a:t>   return </a:t>
+            </a:r>
+            <a:r>
+              <a:rPr lang="en-US" altLang="zh-CN" dirty="0" err="1" smtClean="0"/>
+              <a:t>newlist</a:t>
+            </a:r>
+            <a:r>
+              <a:rPr lang="en-US" altLang="zh-CN" dirty="0" smtClean="0"/>
+              <a:t>;</a:t>
+            </a:r>
+          </a:p>
+          <a:p>
+            <a:r>
+              <a:rPr lang="en-US" altLang="zh-CN" dirty="0"/>
+              <a:t>}</a:t>
+            </a:r>
+            <a:r>
+              <a:rPr lang="en-US" altLang="zh-CN" dirty="0" smtClean="0"/>
+              <a:t>        </a:t>
+            </a:r>
+            <a:endParaRPr lang="en-US" altLang="zh-CN" dirty="0"/>
+          </a:p>
+        </p:txBody>
+      </p:sp>
+      <p:sp>
+        <p:nvSpPr>
+          <p:cNvPr id="5" name="TextBox 4"/>
+          <p:cNvSpPr txBox="1"/>
+          <p:nvPr/>
+        </p:nvSpPr>
+        <p:spPr>
+          <a:xfrm>
+            <a:off x="4499992" y="1916832"/>
+            <a:ext cx="4104456" cy="4801314"/>
+          </a:xfrm>
+          <a:prstGeom prst="rect">
+            <a:avLst/>
+          </a:prstGeom>
+          <a:noFill/>
+        </p:spPr>
+        <p:txBody>
+          <a:bodyPr wrap="square" rtlCol="0">
+            <a:spAutoFit/>
+          </a:bodyPr>
+          <a:lstStyle/>
+          <a:p>
+            <a:r>
+              <a:rPr lang="en-US" altLang="zh-CN" dirty="0" smtClean="0"/>
+              <a:t>//</a:t>
+            </a:r>
+            <a:r>
+              <a:rPr lang="zh-CN" altLang="en-US" dirty="0" smtClean="0"/>
+              <a:t>插入翻转</a:t>
+            </a:r>
+            <a:endParaRPr lang="en-US" altLang="zh-CN" dirty="0" smtClean="0"/>
+          </a:p>
+          <a:p>
+            <a:r>
+              <a:rPr lang="en-US" altLang="zh-CN" dirty="0" smtClean="0"/>
+              <a:t>Node* </a:t>
+            </a:r>
+            <a:r>
+              <a:rPr lang="en-US" altLang="zh-CN" dirty="0" err="1" smtClean="0"/>
+              <a:t>reverse_insert</a:t>
+            </a:r>
+            <a:r>
+              <a:rPr lang="en-US" altLang="zh-CN" dirty="0" smtClean="0"/>
+              <a:t>(Node* list)</a:t>
+            </a:r>
+          </a:p>
+          <a:p>
+            <a:r>
+              <a:rPr lang="en-US" altLang="zh-CN" dirty="0" smtClean="0"/>
+              <a:t>{</a:t>
+            </a:r>
+          </a:p>
+          <a:p>
+            <a:r>
+              <a:rPr lang="en-US" altLang="zh-CN" dirty="0" smtClean="0"/>
+              <a:t>    Node* first = list;</a:t>
+            </a:r>
+          </a:p>
+          <a:p>
+            <a:r>
+              <a:rPr lang="en-US" altLang="zh-CN" dirty="0"/>
+              <a:t> </a:t>
+            </a:r>
+            <a:r>
+              <a:rPr lang="en-US" altLang="zh-CN" dirty="0" smtClean="0"/>
+              <a:t>   Node* second = first-&gt;next;</a:t>
+            </a:r>
+          </a:p>
+          <a:p>
+            <a:r>
+              <a:rPr lang="en-US" altLang="zh-CN" dirty="0"/>
+              <a:t> </a:t>
+            </a:r>
+            <a:r>
+              <a:rPr lang="en-US" altLang="zh-CN" dirty="0" smtClean="0"/>
+              <a:t>   Node* </a:t>
+            </a:r>
+            <a:r>
+              <a:rPr lang="en-US" altLang="zh-CN" dirty="0" err="1" smtClean="0"/>
+              <a:t>curr</a:t>
+            </a:r>
+            <a:r>
+              <a:rPr lang="en-US" altLang="zh-CN" dirty="0" smtClean="0"/>
+              <a:t> = second-&gt;next;</a:t>
+            </a:r>
+          </a:p>
+          <a:p>
+            <a:r>
+              <a:rPr lang="en-US" altLang="zh-CN" dirty="0"/>
+              <a:t> </a:t>
+            </a:r>
+            <a:r>
+              <a:rPr lang="en-US" altLang="zh-CN" dirty="0" smtClean="0"/>
+              <a:t>   while(</a:t>
+            </a:r>
+            <a:r>
+              <a:rPr lang="en-US" altLang="zh-CN" dirty="0" err="1" smtClean="0"/>
+              <a:t>curr</a:t>
+            </a:r>
+            <a:r>
+              <a:rPr lang="en-US" altLang="zh-CN" dirty="0" smtClean="0"/>
+              <a:t>) {</a:t>
+            </a:r>
+          </a:p>
+          <a:p>
+            <a:r>
+              <a:rPr lang="en-US" altLang="zh-CN" dirty="0" smtClean="0"/>
+              <a:t>        first-&gt;next = </a:t>
+            </a:r>
+            <a:r>
+              <a:rPr lang="en-US" altLang="zh-CN" dirty="0" err="1" smtClean="0"/>
+              <a:t>curr</a:t>
+            </a:r>
+            <a:r>
+              <a:rPr lang="en-US" altLang="zh-CN" dirty="0" smtClean="0"/>
+              <a:t>;</a:t>
+            </a:r>
+          </a:p>
+          <a:p>
+            <a:r>
+              <a:rPr lang="en-US" altLang="zh-CN" dirty="0"/>
+              <a:t> </a:t>
+            </a:r>
+            <a:r>
+              <a:rPr lang="en-US" altLang="zh-CN" dirty="0" smtClean="0"/>
+              <a:t>       second-&gt;next = </a:t>
+            </a:r>
+            <a:r>
+              <a:rPr lang="en-US" altLang="zh-CN" dirty="0" err="1" smtClean="0"/>
+              <a:t>curr</a:t>
+            </a:r>
+            <a:r>
+              <a:rPr lang="en-US" altLang="zh-CN" dirty="0" smtClean="0"/>
+              <a:t>-&gt;next;</a:t>
+            </a:r>
+          </a:p>
+          <a:p>
+            <a:r>
+              <a:rPr lang="en-US" altLang="zh-CN" dirty="0"/>
+              <a:t> </a:t>
+            </a:r>
+            <a:r>
+              <a:rPr lang="en-US" altLang="zh-CN" dirty="0" smtClean="0"/>
+              <a:t>       </a:t>
+            </a:r>
+            <a:r>
+              <a:rPr lang="en-US" altLang="zh-CN" dirty="0" err="1" smtClean="0"/>
+              <a:t>curr</a:t>
+            </a:r>
+            <a:r>
+              <a:rPr lang="en-US" altLang="zh-CN" dirty="0" smtClean="0"/>
+              <a:t>-&gt;next = second;</a:t>
+            </a:r>
+            <a:endParaRPr lang="en-US" altLang="zh-CN" dirty="0" smtClean="0"/>
+          </a:p>
+          <a:p>
+            <a:endParaRPr lang="en-US" altLang="zh-CN" dirty="0"/>
+          </a:p>
+          <a:p>
+            <a:r>
+              <a:rPr lang="en-US" altLang="zh-CN" dirty="0" smtClean="0"/>
+              <a:t>        </a:t>
+            </a:r>
+            <a:r>
+              <a:rPr lang="en-US" altLang="zh-CN" dirty="0" err="1" smtClean="0"/>
+              <a:t>curr</a:t>
+            </a:r>
+            <a:r>
+              <a:rPr lang="en-US" altLang="zh-CN" dirty="0" smtClean="0"/>
+              <a:t> = second-&gt;next;</a:t>
+            </a:r>
+          </a:p>
+          <a:p>
+            <a:r>
+              <a:rPr lang="en-US" altLang="zh-CN" dirty="0" smtClean="0"/>
+              <a:t>    }</a:t>
+            </a:r>
+          </a:p>
+          <a:p>
+            <a:r>
+              <a:rPr lang="en-US" altLang="zh-CN" dirty="0"/>
+              <a:t> </a:t>
+            </a:r>
+            <a:r>
+              <a:rPr lang="en-US" altLang="zh-CN" dirty="0" smtClean="0"/>
+              <a:t>   // </a:t>
+            </a:r>
+            <a:r>
+              <a:rPr lang="zh-CN" altLang="en-US" dirty="0" smtClean="0"/>
+              <a:t>首节点移到最后</a:t>
+            </a:r>
+            <a:endParaRPr lang="en-US" altLang="zh-CN" dirty="0" smtClean="0"/>
+          </a:p>
+          <a:p>
+            <a:r>
+              <a:rPr lang="en-US" altLang="zh-CN" dirty="0"/>
+              <a:t> </a:t>
+            </a:r>
+            <a:r>
+              <a:rPr lang="en-US" altLang="zh-CN" dirty="0" smtClean="0"/>
+              <a:t>   first-&gt;next = NULL;</a:t>
+            </a:r>
+            <a:endParaRPr lang="en-US" altLang="zh-CN" dirty="0"/>
+          </a:p>
+          <a:p>
+            <a:r>
+              <a:rPr lang="en-US" altLang="zh-CN" dirty="0" smtClean="0"/>
+              <a:t>    second-&gt;next = first;</a:t>
+            </a:r>
+          </a:p>
+          <a:p>
+            <a:r>
+              <a:rPr lang="en-US" altLang="zh-CN" dirty="0"/>
+              <a:t>}</a:t>
+            </a:r>
+            <a:endParaRPr lang="en-US" altLang="zh-CN" dirty="0" smtClean="0"/>
+          </a:p>
+        </p:txBody>
+      </p:sp>
+    </p:spTree>
+    <p:extLst>
+      <p:ext uri="{BB962C8B-B14F-4D97-AF65-F5344CB8AC3E}">
+        <p14:creationId xmlns:p14="http://schemas.microsoft.com/office/powerpoint/2010/main" val="2978478447"/>
+      </p:ext>
+    </p:extLst>
+  </p:cSld>
+  <p:clrMapOvr>
+    <a:masterClrMapping/>
+  </p:clrMapOvr>
+  <p:timing>
+    <p:tnLst>
+      <p:par>
+        <p:cTn id="1" dur="indefinite" restart="never" nodeType="tmRoot"/>
+      </p:par>
+    </p:tnLst>
+  </p:timing>
+</p:sld>
+</file>
+
+<file path=ppt/slides/slide17.xml><?xml version="1.0" encoding="utf-8"?>
+<p:sld xmlns:a="http://schemas.openxmlformats.org/drawingml/2006/main" xmlns:r="http://schemas.openxmlformats.org/officeDocument/2006/relationships" xmlns:p="http://schemas.openxmlformats.org/presentationml/2006/main">
+  <p:cSld>
+    <p:spTree>
+      <p:nvGrpSpPr>
+        <p:cNvPr id="1" name=""/>
+        <p:cNvGrpSpPr/>
+        <p:nvPr/>
+      </p:nvGrpSpPr>
+      <p:grpSpPr>
+        <a:xfrm>
+          <a:off x="0" y="0"/>
+          <a:ext cx="0" cy="0"/>
+          <a:chOff x="0" y="0"/>
+          <a:chExt cx="0" cy="0"/>
+        </a:xfrm>
+      </p:grpSpPr>
+      <p:sp>
+        <p:nvSpPr>
+          <p:cNvPr id="6" name="TextBox 5"/>
+          <p:cNvSpPr txBox="1"/>
+          <p:nvPr/>
+        </p:nvSpPr>
+        <p:spPr>
+          <a:xfrm>
+            <a:off x="755576" y="332656"/>
+            <a:ext cx="3600400" cy="400110"/>
+          </a:xfrm>
+          <a:prstGeom prst="rect">
+            <a:avLst/>
+          </a:prstGeom>
+          <a:noFill/>
+        </p:spPr>
+        <p:txBody>
+          <a:bodyPr wrap="square" rtlCol="0">
+            <a:spAutoFit/>
+          </a:bodyPr>
+          <a:lstStyle/>
+          <a:p>
+            <a:r>
+              <a:rPr lang="en-US" altLang="zh-CN" sz="2000" dirty="0" smtClean="0"/>
+              <a:t>11</a:t>
+            </a:r>
+            <a:r>
+              <a:rPr lang="en-US" altLang="zh-CN" sz="2000" dirty="0"/>
+              <a:t>.</a:t>
+            </a:r>
+            <a:r>
+              <a:rPr lang="en-US" altLang="zh-CN" sz="2000" dirty="0" smtClean="0"/>
+              <a:t>1 </a:t>
+            </a:r>
+            <a:r>
+              <a:rPr lang="zh-CN" altLang="en-US" sz="2000" dirty="0" smtClean="0"/>
+              <a:t>链表环检测</a:t>
+            </a:r>
+            <a:r>
+              <a:rPr lang="zh-CN" altLang="en-US" sz="2000" dirty="0" smtClean="0"/>
+              <a:t>及相交检测</a:t>
+            </a:r>
+            <a:endParaRPr lang="zh-CN" altLang="en-US" sz="2000" dirty="0"/>
+          </a:p>
+        </p:txBody>
+      </p:sp>
+      <p:sp>
+        <p:nvSpPr>
+          <p:cNvPr id="3" name="TextBox 2"/>
+          <p:cNvSpPr txBox="1"/>
+          <p:nvPr/>
+        </p:nvSpPr>
+        <p:spPr>
+          <a:xfrm>
+            <a:off x="683568" y="716503"/>
+            <a:ext cx="7848872" cy="1477328"/>
+          </a:xfrm>
+          <a:prstGeom prst="rect">
+            <a:avLst/>
+          </a:prstGeom>
+          <a:noFill/>
+        </p:spPr>
+        <p:txBody>
+          <a:bodyPr wrap="square" rtlCol="0">
+            <a:spAutoFit/>
+          </a:bodyPr>
+          <a:lstStyle/>
+          <a:p>
+            <a:r>
+              <a:rPr lang="zh-CN" altLang="en-US" dirty="0" smtClean="0"/>
+              <a:t>思路：</a:t>
+            </a:r>
+            <a:endParaRPr lang="en-US" altLang="zh-CN" dirty="0" smtClean="0"/>
+          </a:p>
+          <a:p>
+            <a:r>
+              <a:rPr lang="zh-CN" altLang="en-US" dirty="0" smtClean="0"/>
+              <a:t>环检测：快慢指针</a:t>
+            </a:r>
+            <a:endParaRPr lang="en-US" altLang="zh-CN" dirty="0" smtClean="0"/>
+          </a:p>
+          <a:p>
+            <a:r>
+              <a:rPr lang="zh-CN" altLang="en-US" dirty="0" smtClean="0"/>
+              <a:t>相交检测：</a:t>
+            </a:r>
+            <a:endParaRPr lang="en-US" altLang="zh-CN" dirty="0" smtClean="0"/>
+          </a:p>
+          <a:p>
+            <a:r>
+              <a:rPr lang="zh-CN" altLang="en-US" dirty="0" smtClean="0"/>
+              <a:t>思路</a:t>
+            </a:r>
+            <a:r>
+              <a:rPr lang="en-US" altLang="zh-CN" dirty="0" smtClean="0"/>
+              <a:t>1</a:t>
+            </a:r>
+            <a:r>
+              <a:rPr lang="zh-CN" altLang="en-US" dirty="0" smtClean="0"/>
+              <a:t>：两链表相交必定有公共结尾。</a:t>
+            </a:r>
+            <a:endParaRPr lang="en-US" altLang="zh-CN" dirty="0" smtClean="0"/>
+          </a:p>
+          <a:p>
+            <a:r>
+              <a:rPr lang="zh-CN" altLang="en-US" dirty="0" smtClean="0"/>
+              <a:t>思路</a:t>
+            </a:r>
+            <a:r>
+              <a:rPr lang="en-US" altLang="zh-CN" dirty="0" smtClean="0"/>
+              <a:t>2</a:t>
+            </a:r>
+            <a:r>
+              <a:rPr lang="zh-CN" altLang="en-US" dirty="0" smtClean="0"/>
+              <a:t>：</a:t>
+            </a:r>
+            <a:r>
+              <a:rPr lang="zh-CN" altLang="en-US" dirty="0"/>
+              <a:t>将两个链表首尾相连并检查环</a:t>
+            </a:r>
+            <a:r>
+              <a:rPr lang="zh-CN" altLang="en-US" dirty="0" smtClean="0"/>
+              <a:t>。</a:t>
+            </a:r>
+            <a:endParaRPr lang="en-US" altLang="zh-CN" dirty="0" smtClean="0"/>
+          </a:p>
+        </p:txBody>
+      </p:sp>
+      <p:sp>
+        <p:nvSpPr>
+          <p:cNvPr id="4" name="TextBox 3"/>
+          <p:cNvSpPr txBox="1"/>
+          <p:nvPr/>
+        </p:nvSpPr>
+        <p:spPr>
+          <a:xfrm>
+            <a:off x="770087" y="2204864"/>
+            <a:ext cx="3672408" cy="3970318"/>
+          </a:xfrm>
+          <a:prstGeom prst="rect">
+            <a:avLst/>
+          </a:prstGeom>
+          <a:noFill/>
+        </p:spPr>
+        <p:txBody>
+          <a:bodyPr wrap="square" rtlCol="0">
+            <a:spAutoFit/>
+          </a:bodyPr>
+          <a:lstStyle/>
+          <a:p>
+            <a:r>
+              <a:rPr lang="en-US" altLang="zh-CN" dirty="0" smtClean="0"/>
+              <a:t>// </a:t>
+            </a:r>
+            <a:r>
+              <a:rPr lang="zh-CN" altLang="en-US" dirty="0" smtClean="0"/>
+              <a:t>环检测</a:t>
+            </a:r>
+            <a:endParaRPr lang="en-US" altLang="zh-CN" dirty="0" smtClean="0"/>
+          </a:p>
+          <a:p>
+            <a:r>
+              <a:rPr lang="en-US" altLang="zh-CN" dirty="0" err="1" smtClean="0"/>
+              <a:t>bool</a:t>
+            </a:r>
+            <a:r>
+              <a:rPr lang="en-US" altLang="zh-CN" dirty="0" smtClean="0"/>
+              <a:t> </a:t>
+            </a:r>
+            <a:r>
+              <a:rPr lang="en-US" altLang="zh-CN" dirty="0" err="1" smtClean="0"/>
+              <a:t>list_loop_check</a:t>
+            </a:r>
+            <a:r>
+              <a:rPr lang="en-US" altLang="zh-CN" dirty="0" smtClean="0"/>
+              <a:t>(Node* list)</a:t>
+            </a:r>
+            <a:endParaRPr lang="en-US" altLang="zh-CN" dirty="0" smtClean="0"/>
+          </a:p>
+          <a:p>
+            <a:r>
+              <a:rPr lang="en-US" altLang="zh-CN" dirty="0" smtClean="0"/>
+              <a:t>{</a:t>
+            </a:r>
+          </a:p>
+          <a:p>
+            <a:r>
+              <a:rPr lang="en-US" altLang="zh-CN" dirty="0" smtClean="0"/>
+              <a:t>    </a:t>
+            </a:r>
+            <a:r>
+              <a:rPr lang="en-US" altLang="zh-CN" dirty="0" smtClean="0"/>
+              <a:t>Node* slow = list;</a:t>
+            </a:r>
+          </a:p>
+          <a:p>
+            <a:r>
+              <a:rPr lang="en-US" altLang="zh-CN" dirty="0"/>
+              <a:t> </a:t>
+            </a:r>
+            <a:r>
+              <a:rPr lang="en-US" altLang="zh-CN" dirty="0" smtClean="0"/>
+              <a:t>   Node* fast = list;</a:t>
+            </a:r>
+            <a:endParaRPr lang="en-US" altLang="zh-CN" dirty="0" smtClean="0"/>
+          </a:p>
+          <a:p>
+            <a:r>
+              <a:rPr lang="en-US" altLang="zh-CN" dirty="0" smtClean="0"/>
+              <a:t>    </a:t>
+            </a:r>
+            <a:r>
+              <a:rPr lang="en-US" altLang="zh-CN" dirty="0" smtClean="0"/>
+              <a:t>while(fast-&gt;next) {</a:t>
+            </a:r>
+          </a:p>
+          <a:p>
+            <a:r>
+              <a:rPr lang="en-US" altLang="zh-CN" dirty="0"/>
+              <a:t> </a:t>
+            </a:r>
+            <a:r>
+              <a:rPr lang="en-US" altLang="zh-CN" dirty="0" smtClean="0"/>
+              <a:t>       fast = fast-&gt;next-&gt;next;</a:t>
+            </a:r>
+          </a:p>
+          <a:p>
+            <a:r>
+              <a:rPr lang="en-US" altLang="zh-CN" dirty="0"/>
+              <a:t> </a:t>
+            </a:r>
+            <a:r>
+              <a:rPr lang="en-US" altLang="zh-CN" dirty="0" smtClean="0"/>
+              <a:t>       slow = slow-&gt;next;</a:t>
+            </a:r>
+          </a:p>
+          <a:p>
+            <a:r>
+              <a:rPr lang="en-US" altLang="zh-CN" dirty="0"/>
+              <a:t> </a:t>
+            </a:r>
+            <a:r>
+              <a:rPr lang="en-US" altLang="zh-CN" dirty="0" smtClean="0"/>
+              <a:t>       if (fast == slow) {</a:t>
+            </a:r>
+          </a:p>
+          <a:p>
+            <a:r>
+              <a:rPr lang="en-US" altLang="zh-CN" dirty="0" smtClean="0"/>
+              <a:t>            return true;</a:t>
+            </a:r>
+            <a:endParaRPr lang="en-US" altLang="zh-CN" dirty="0"/>
+          </a:p>
+          <a:p>
+            <a:r>
+              <a:rPr lang="en-US" altLang="zh-CN" dirty="0" smtClean="0"/>
+              <a:t>        }</a:t>
+            </a:r>
+          </a:p>
+          <a:p>
+            <a:r>
+              <a:rPr lang="en-US" altLang="zh-CN" dirty="0"/>
+              <a:t> </a:t>
+            </a:r>
+            <a:r>
+              <a:rPr lang="en-US" altLang="zh-CN" dirty="0" smtClean="0"/>
+              <a:t>   }</a:t>
+            </a:r>
+          </a:p>
+          <a:p>
+            <a:r>
+              <a:rPr lang="en-US" altLang="zh-CN" dirty="0"/>
+              <a:t> </a:t>
+            </a:r>
+            <a:r>
+              <a:rPr lang="en-US" altLang="zh-CN" dirty="0" smtClean="0"/>
+              <a:t>   return </a:t>
+            </a:r>
+            <a:r>
+              <a:rPr lang="en-US" altLang="zh-CN" dirty="0"/>
+              <a:t>false;</a:t>
+            </a:r>
+            <a:endParaRPr lang="en-US" altLang="zh-CN" dirty="0" smtClean="0"/>
+          </a:p>
+          <a:p>
+            <a:r>
+              <a:rPr lang="en-US" altLang="zh-CN" dirty="0"/>
+              <a:t>}</a:t>
+            </a:r>
+            <a:r>
+              <a:rPr lang="en-US" altLang="zh-CN" dirty="0" smtClean="0"/>
+              <a:t>        </a:t>
+            </a:r>
+            <a:endParaRPr lang="en-US" altLang="zh-CN" dirty="0"/>
+          </a:p>
+        </p:txBody>
+      </p:sp>
+    </p:spTree>
+    <p:extLst>
+      <p:ext uri="{BB962C8B-B14F-4D97-AF65-F5344CB8AC3E}">
+        <p14:creationId xmlns:p14="http://schemas.microsoft.com/office/powerpoint/2010/main" val="2297280072"/>
+      </p:ext>
+    </p:extLst>
+  </p:cSld>
+  <p:clrMapOvr>
+    <a:masterClrMapping/>
+  </p:clrMapOvr>
+  <p:timing>
+    <p:tnLst>
+      <p:par>
+        <p:cTn id="1" dur="indefinite" restart="never" nodeType="tmRoot"/>
+      </p:par>
+    </p:tnLst>
+  </p:timing>
+</p:sld>
+</file>
+
+<file path=ppt/slides/slide18.xml><?xml version="1.0" encoding="utf-8"?>
+<p:sld xmlns:a="http://schemas.openxmlformats.org/drawingml/2006/main" xmlns:r="http://schemas.openxmlformats.org/officeDocument/2006/relationships" xmlns:p="http://schemas.openxmlformats.org/presentationml/2006/main">
+  <p:cSld>
+    <p:spTree>
+      <p:nvGrpSpPr>
+        <p:cNvPr id="1" name=""/>
+        <p:cNvGrpSpPr/>
+        <p:nvPr/>
+      </p:nvGrpSpPr>
+      <p:grpSpPr>
+        <a:xfrm>
+          <a:off x="0" y="0"/>
+          <a:ext cx="0" cy="0"/>
+          <a:chOff x="0" y="0"/>
+          <a:chExt cx="0" cy="0"/>
+        </a:xfrm>
+      </p:grpSpPr>
+      <p:sp>
+        <p:nvSpPr>
+          <p:cNvPr id="6" name="TextBox 5"/>
+          <p:cNvSpPr txBox="1"/>
+          <p:nvPr/>
+        </p:nvSpPr>
+        <p:spPr>
+          <a:xfrm>
+            <a:off x="755576" y="332656"/>
+            <a:ext cx="3600400" cy="400110"/>
+          </a:xfrm>
+          <a:prstGeom prst="rect">
+            <a:avLst/>
+          </a:prstGeom>
+          <a:noFill/>
+        </p:spPr>
+        <p:txBody>
+          <a:bodyPr wrap="square" rtlCol="0">
+            <a:spAutoFit/>
+          </a:bodyPr>
+          <a:lstStyle/>
+          <a:p>
+            <a:r>
+              <a:rPr lang="en-US" altLang="zh-CN" sz="2000" dirty="0" smtClean="0"/>
+              <a:t>11</a:t>
+            </a:r>
+            <a:r>
+              <a:rPr lang="en-US" altLang="zh-CN" sz="2000" dirty="0"/>
+              <a:t>.</a:t>
+            </a:r>
+            <a:r>
+              <a:rPr lang="en-US" altLang="zh-CN" sz="2000" dirty="0" smtClean="0"/>
+              <a:t>1 </a:t>
+            </a:r>
+            <a:r>
+              <a:rPr lang="zh-CN" altLang="en-US" sz="2000" dirty="0" smtClean="0"/>
+              <a:t>链表</a:t>
+            </a:r>
+            <a:r>
+              <a:rPr lang="zh-CN" altLang="en-US" sz="2000" dirty="0" smtClean="0"/>
+              <a:t>环检测及相交检测</a:t>
+            </a:r>
+            <a:endParaRPr lang="zh-CN" altLang="en-US" sz="2000" dirty="0"/>
+          </a:p>
+        </p:txBody>
+      </p:sp>
+      <p:sp>
+        <p:nvSpPr>
+          <p:cNvPr id="3" name="TextBox 2"/>
+          <p:cNvSpPr txBox="1"/>
+          <p:nvPr/>
+        </p:nvSpPr>
+        <p:spPr>
+          <a:xfrm>
+            <a:off x="683568" y="716503"/>
+            <a:ext cx="7848872" cy="646331"/>
+          </a:xfrm>
+          <a:prstGeom prst="rect">
+            <a:avLst/>
+          </a:prstGeom>
+          <a:noFill/>
+        </p:spPr>
+        <p:txBody>
+          <a:bodyPr wrap="square" rtlCol="0">
+            <a:spAutoFit/>
+          </a:bodyPr>
+          <a:lstStyle/>
+          <a:p>
+            <a:r>
+              <a:rPr lang="zh-CN" altLang="en-US" dirty="0"/>
+              <a:t>找出相交点：减去公共结尾，较长的链表往前移动</a:t>
+            </a:r>
+            <a:r>
+              <a:rPr lang="en-US" altLang="zh-CN" dirty="0"/>
+              <a:t>|Len1-Len2|</a:t>
+            </a:r>
+            <a:r>
+              <a:rPr lang="zh-CN" altLang="en-US" dirty="0"/>
+              <a:t>，然后同步后移，第一个相同点即是相交点。</a:t>
+            </a:r>
+            <a:endParaRPr lang="en-US" altLang="zh-CN" dirty="0"/>
+          </a:p>
+        </p:txBody>
+      </p:sp>
+      <p:sp>
+        <p:nvSpPr>
+          <p:cNvPr id="5" name="TextBox 4"/>
+          <p:cNvSpPr txBox="1"/>
+          <p:nvPr/>
+        </p:nvSpPr>
+        <p:spPr>
+          <a:xfrm>
+            <a:off x="611560" y="1386056"/>
+            <a:ext cx="4968552" cy="5355312"/>
+          </a:xfrm>
+          <a:prstGeom prst="rect">
+            <a:avLst/>
+          </a:prstGeom>
+          <a:noFill/>
+        </p:spPr>
+        <p:txBody>
+          <a:bodyPr wrap="square" rtlCol="0">
+            <a:spAutoFit/>
+          </a:bodyPr>
+          <a:lstStyle/>
+          <a:p>
+            <a:r>
+              <a:rPr lang="en-US" altLang="zh-CN" dirty="0" smtClean="0"/>
+              <a:t>// </a:t>
+            </a:r>
+            <a:r>
+              <a:rPr lang="zh-CN" altLang="en-US" dirty="0" smtClean="0"/>
+              <a:t>找出相交点</a:t>
+            </a:r>
+            <a:endParaRPr lang="en-US" altLang="zh-CN" dirty="0" smtClean="0"/>
+          </a:p>
+          <a:p>
+            <a:r>
+              <a:rPr lang="en-US" altLang="zh-CN" dirty="0" smtClean="0"/>
+              <a:t>Node* </a:t>
+            </a:r>
+            <a:r>
+              <a:rPr lang="en-US" altLang="zh-CN" dirty="0" err="1" smtClean="0"/>
+              <a:t>find</a:t>
+            </a:r>
+            <a:r>
+              <a:rPr lang="en-US" altLang="zh-CN" dirty="0" err="1" smtClean="0"/>
+              <a:t>_list_exchange</a:t>
+            </a:r>
+            <a:r>
+              <a:rPr lang="en-US" altLang="zh-CN" dirty="0" smtClean="0"/>
+              <a:t>(Node* list, Node* list2)</a:t>
+            </a:r>
+            <a:endParaRPr lang="en-US" altLang="zh-CN" dirty="0" smtClean="0"/>
+          </a:p>
+          <a:p>
+            <a:r>
+              <a:rPr lang="en-US" altLang="zh-CN" dirty="0" smtClean="0"/>
+              <a:t>{</a:t>
+            </a:r>
+          </a:p>
+          <a:p>
+            <a:r>
+              <a:rPr lang="en-US" altLang="zh-CN" dirty="0" smtClean="0"/>
+              <a:t>    </a:t>
+            </a:r>
+            <a:r>
+              <a:rPr lang="en-US" altLang="zh-CN" dirty="0" smtClean="0"/>
+              <a:t>Node *l1 = list, *l2=list2;</a:t>
+            </a:r>
+          </a:p>
+          <a:p>
+            <a:r>
+              <a:rPr lang="en-US" altLang="zh-CN" dirty="0"/>
+              <a:t> </a:t>
+            </a:r>
+            <a:r>
+              <a:rPr lang="en-US" altLang="zh-CN" dirty="0" smtClean="0"/>
+              <a:t>   </a:t>
+            </a:r>
+            <a:r>
+              <a:rPr lang="en-US" altLang="zh-CN" dirty="0" err="1" smtClean="0"/>
+              <a:t>int</a:t>
+            </a:r>
+            <a:r>
+              <a:rPr lang="en-US" altLang="zh-CN" dirty="0" smtClean="0"/>
+              <a:t> len1 = 0, len2 = 0;</a:t>
+            </a:r>
+            <a:endParaRPr lang="en-US" altLang="zh-CN" dirty="0" smtClean="0"/>
+          </a:p>
+          <a:p>
+            <a:r>
+              <a:rPr lang="en-US" altLang="zh-CN" dirty="0"/>
+              <a:t> </a:t>
+            </a:r>
+            <a:r>
+              <a:rPr lang="en-US" altLang="zh-CN" dirty="0" smtClean="0"/>
+              <a:t>   while(l1-&gt;next) {</a:t>
+            </a:r>
+          </a:p>
+          <a:p>
+            <a:r>
+              <a:rPr lang="en-US" altLang="zh-CN" dirty="0"/>
+              <a:t> </a:t>
+            </a:r>
+            <a:r>
+              <a:rPr lang="en-US" altLang="zh-CN" dirty="0" smtClean="0"/>
+              <a:t>       l1=l1-&gt;next;</a:t>
+            </a:r>
+          </a:p>
+          <a:p>
+            <a:r>
+              <a:rPr lang="en-US" altLang="zh-CN" dirty="0"/>
+              <a:t> </a:t>
+            </a:r>
+            <a:r>
+              <a:rPr lang="en-US" altLang="zh-CN" dirty="0" smtClean="0"/>
+              <a:t>       len1++;</a:t>
+            </a:r>
+          </a:p>
+          <a:p>
+            <a:r>
+              <a:rPr lang="en-US" altLang="zh-CN" dirty="0"/>
+              <a:t> </a:t>
+            </a:r>
+            <a:r>
+              <a:rPr lang="en-US" altLang="zh-CN" dirty="0" smtClean="0"/>
+              <a:t>   }</a:t>
+            </a:r>
+          </a:p>
+          <a:p>
+            <a:r>
+              <a:rPr lang="en-US" altLang="zh-CN" dirty="0" smtClean="0"/>
+              <a:t>    while(l2-&gt;next) </a:t>
+            </a:r>
+            <a:r>
+              <a:rPr lang="en-US" altLang="zh-CN" dirty="0"/>
+              <a:t>{</a:t>
+            </a:r>
+          </a:p>
+          <a:p>
+            <a:r>
+              <a:rPr lang="en-US" altLang="zh-CN" dirty="0"/>
+              <a:t>        </a:t>
+            </a:r>
+            <a:r>
+              <a:rPr lang="en-US" altLang="zh-CN" dirty="0" smtClean="0"/>
+              <a:t>l2=l2-</a:t>
+            </a:r>
+            <a:r>
+              <a:rPr lang="en-US" altLang="zh-CN" dirty="0"/>
+              <a:t>&gt;next;</a:t>
+            </a:r>
+          </a:p>
+          <a:p>
+            <a:r>
+              <a:rPr lang="en-US" altLang="zh-CN" dirty="0"/>
+              <a:t>        </a:t>
+            </a:r>
+            <a:r>
+              <a:rPr lang="en-US" altLang="zh-CN" dirty="0" smtClean="0"/>
+              <a:t>len2++;</a:t>
+            </a:r>
+            <a:endParaRPr lang="en-US" altLang="zh-CN" dirty="0"/>
+          </a:p>
+          <a:p>
+            <a:r>
+              <a:rPr lang="en-US" altLang="zh-CN" dirty="0"/>
+              <a:t>    }</a:t>
+            </a:r>
+          </a:p>
+          <a:p>
+            <a:r>
+              <a:rPr lang="en-US" altLang="zh-CN" dirty="0" smtClean="0"/>
+              <a:t>    if (l1!=l2) return NULL;</a:t>
+            </a:r>
+          </a:p>
+          <a:p>
+            <a:endParaRPr lang="en-US" altLang="zh-CN" dirty="0" smtClean="0"/>
+          </a:p>
+          <a:p>
+            <a:r>
+              <a:rPr lang="en-US" altLang="zh-CN" dirty="0" smtClean="0"/>
+              <a:t>    </a:t>
+            </a:r>
+            <a:r>
+              <a:rPr lang="en-US" altLang="zh-CN" dirty="0" err="1" smtClean="0"/>
+              <a:t>int</a:t>
+            </a:r>
+            <a:r>
+              <a:rPr lang="en-US" altLang="zh-CN" dirty="0" smtClean="0"/>
+              <a:t> diff = abs(len1, len2);</a:t>
+            </a:r>
+          </a:p>
+          <a:p>
+            <a:r>
+              <a:rPr lang="en-US" altLang="zh-CN" dirty="0" smtClean="0"/>
+              <a:t>    l1 = list;</a:t>
+            </a:r>
+            <a:endParaRPr lang="en-US" altLang="zh-CN" dirty="0"/>
+          </a:p>
+          <a:p>
+            <a:r>
+              <a:rPr lang="en-US" altLang="zh-CN" dirty="0" smtClean="0"/>
+              <a:t>    l2 = list2;</a:t>
+            </a:r>
+            <a:endParaRPr lang="en-US" altLang="zh-CN" dirty="0"/>
+          </a:p>
+          <a:p>
+            <a:endParaRPr lang="en-US" altLang="zh-CN" dirty="0" smtClean="0"/>
+          </a:p>
+        </p:txBody>
+      </p:sp>
+      <p:sp>
+        <p:nvSpPr>
+          <p:cNvPr id="7" name="TextBox 6"/>
+          <p:cNvSpPr txBox="1"/>
+          <p:nvPr/>
+        </p:nvSpPr>
+        <p:spPr>
+          <a:xfrm>
+            <a:off x="5292080" y="1902301"/>
+            <a:ext cx="3312368" cy="4524315"/>
+          </a:xfrm>
+          <a:prstGeom prst="rect">
+            <a:avLst/>
+          </a:prstGeom>
+          <a:noFill/>
+        </p:spPr>
+        <p:txBody>
+          <a:bodyPr wrap="square" rtlCol="0">
+            <a:spAutoFit/>
+          </a:bodyPr>
+          <a:lstStyle/>
+          <a:p>
+            <a:endParaRPr lang="en-US" altLang="zh-CN" dirty="0" smtClean="0"/>
+          </a:p>
+          <a:p>
+            <a:r>
+              <a:rPr lang="en-US" altLang="zh-CN" dirty="0" smtClean="0"/>
+              <a:t>    if (len1 &gt; len2) {</a:t>
+            </a:r>
+          </a:p>
+          <a:p>
+            <a:r>
+              <a:rPr lang="en-US" altLang="zh-CN" dirty="0"/>
+              <a:t> </a:t>
+            </a:r>
+            <a:r>
+              <a:rPr lang="en-US" altLang="zh-CN" dirty="0" smtClean="0"/>
+              <a:t>       while(diff-- &gt; 0)</a:t>
+            </a:r>
+          </a:p>
+          <a:p>
+            <a:r>
+              <a:rPr lang="en-US" altLang="zh-CN" dirty="0"/>
+              <a:t> </a:t>
+            </a:r>
+            <a:r>
+              <a:rPr lang="en-US" altLang="zh-CN" dirty="0" smtClean="0"/>
+              <a:t>           l1=l1-&gt;next;</a:t>
+            </a:r>
+          </a:p>
+          <a:p>
+            <a:r>
+              <a:rPr lang="en-US" altLang="zh-CN" dirty="0" smtClean="0"/>
+              <a:t>    }</a:t>
+            </a:r>
+            <a:endParaRPr lang="en-US" altLang="zh-CN" dirty="0"/>
+          </a:p>
+          <a:p>
+            <a:r>
+              <a:rPr lang="en-US" altLang="zh-CN" dirty="0" smtClean="0"/>
+              <a:t>    if </a:t>
+            </a:r>
+            <a:r>
+              <a:rPr lang="en-US" altLang="zh-CN" dirty="0"/>
+              <a:t>(len1 </a:t>
+            </a:r>
+            <a:r>
+              <a:rPr lang="en-US" altLang="zh-CN" dirty="0" smtClean="0"/>
+              <a:t>&lt; </a:t>
+            </a:r>
+            <a:r>
+              <a:rPr lang="en-US" altLang="zh-CN" dirty="0"/>
+              <a:t>len2) {</a:t>
+            </a:r>
+          </a:p>
+          <a:p>
+            <a:r>
+              <a:rPr lang="en-US" altLang="zh-CN" dirty="0"/>
+              <a:t>        while(diff-- &gt; 0)</a:t>
+            </a:r>
+          </a:p>
+          <a:p>
+            <a:r>
+              <a:rPr lang="en-US" altLang="zh-CN" dirty="0"/>
+              <a:t>            </a:t>
+            </a:r>
+            <a:r>
+              <a:rPr lang="en-US" altLang="zh-CN" dirty="0" smtClean="0"/>
+              <a:t>l2=l2-</a:t>
+            </a:r>
+            <a:r>
+              <a:rPr lang="en-US" altLang="zh-CN" dirty="0"/>
+              <a:t>&gt;</a:t>
+            </a:r>
+            <a:r>
+              <a:rPr lang="en-US" altLang="zh-CN" dirty="0" smtClean="0"/>
+              <a:t>next;</a:t>
+            </a:r>
+            <a:endParaRPr lang="en-US" altLang="zh-CN" dirty="0"/>
+          </a:p>
+          <a:p>
+            <a:r>
+              <a:rPr lang="en-US" altLang="zh-CN" dirty="0"/>
+              <a:t>    }</a:t>
+            </a:r>
+            <a:endParaRPr lang="en-US" altLang="zh-CN" dirty="0" smtClean="0"/>
+          </a:p>
+          <a:p>
+            <a:r>
+              <a:rPr lang="en-US" altLang="zh-CN" dirty="0" smtClean="0"/>
+              <a:t>    while(l1 != l2) {</a:t>
+            </a:r>
+          </a:p>
+          <a:p>
+            <a:r>
+              <a:rPr lang="en-US" altLang="zh-CN" dirty="0"/>
+              <a:t> </a:t>
+            </a:r>
+            <a:r>
+              <a:rPr lang="en-US" altLang="zh-CN" dirty="0" smtClean="0"/>
+              <a:t>       l1= l1-&gt;next;</a:t>
+            </a:r>
+          </a:p>
+          <a:p>
+            <a:r>
+              <a:rPr lang="en-US" altLang="zh-CN" dirty="0"/>
+              <a:t> </a:t>
+            </a:r>
+            <a:r>
+              <a:rPr lang="en-US" altLang="zh-CN" dirty="0" smtClean="0"/>
+              <a:t>       l2= l2-&gt;next;</a:t>
+            </a:r>
+          </a:p>
+          <a:p>
+            <a:r>
+              <a:rPr lang="en-US" altLang="zh-CN" dirty="0"/>
+              <a:t> </a:t>
+            </a:r>
+            <a:r>
+              <a:rPr lang="en-US" altLang="zh-CN" dirty="0" smtClean="0"/>
+              <a:t>   }</a:t>
+            </a:r>
+          </a:p>
+          <a:p>
+            <a:r>
+              <a:rPr lang="en-US" altLang="zh-CN" dirty="0"/>
+              <a:t> </a:t>
+            </a:r>
+            <a:r>
+              <a:rPr lang="en-US" altLang="zh-CN" dirty="0" smtClean="0"/>
+              <a:t>   return l1;</a:t>
+            </a:r>
+          </a:p>
+          <a:p>
+            <a:endParaRPr lang="en-US" altLang="zh-CN" dirty="0" smtClean="0"/>
+          </a:p>
+          <a:p>
+            <a:r>
+              <a:rPr lang="en-US" altLang="zh-CN" dirty="0" smtClean="0"/>
+              <a:t>} // </a:t>
+            </a:r>
+            <a:r>
+              <a:rPr lang="en-US" altLang="zh-CN" dirty="0" err="1" smtClean="0"/>
+              <a:t>find_list_exchange</a:t>
+            </a:r>
+            <a:endParaRPr lang="en-US" altLang="zh-CN" dirty="0"/>
+          </a:p>
+        </p:txBody>
+      </p:sp>
+    </p:spTree>
+    <p:extLst>
+      <p:ext uri="{BB962C8B-B14F-4D97-AF65-F5344CB8AC3E}">
+        <p14:creationId xmlns:p14="http://schemas.microsoft.com/office/powerpoint/2010/main" val="2493793980"/>
+      </p:ext>
+    </p:extLst>
+  </p:cSld>
+  <p:clrMapOvr>
+    <a:masterClrMapping/>
+  </p:clrMapOvr>
+  <p:timing>
+    <p:tnLst>
+      <p:par>
+        <p:cTn id="1" dur="indefinite" restart="never" nodeType="tmRoot"/>
+      </p:par>
+    </p:tnLst>
+  </p:timing>
+</p:sld>
+</file>
+
 <file path=ppt/slides/slide2.xml><?xml version="1.0" encoding="utf-8"?>
 <p:sld xmlns:a="http://schemas.openxmlformats.org/drawingml/2006/main" xmlns:r="http://schemas.openxmlformats.org/officeDocument/2006/relationships" xmlns:p="http://schemas.openxmlformats.org/presentationml/2006/main">
   <p:cSld>
@@ -4400,7 +6519,6 @@
               <a:rPr lang="en-US" altLang="zh-CN" dirty="0" smtClean="0"/>
               <a:t>        else</a:t>
             </a:r>
-            <a:endParaRPr lang="en-US" altLang="zh-CN" dirty="0" smtClean="0"/>
           </a:p>
           <a:p>
             <a:r>
@@ -4418,7 +6536,6 @@
               <a:rPr lang="en-US" altLang="zh-CN" dirty="0" smtClean="0"/>
               <a:t>    }</a:t>
             </a:r>
-            <a:endParaRPr lang="en-US" altLang="zh-CN" dirty="0" smtClean="0"/>
           </a:p>
           <a:p>
             <a:r>
@@ -5720,8 +7837,12 @@
               <a:t> p = </a:t>
             </a:r>
             <a:r>
-              <a:rPr lang="en-US" altLang="zh-CN" dirty="0" smtClean="0"/>
-              <a:t>i; </a:t>
+              <a:rPr lang="en-US" altLang="zh-CN" dirty="0"/>
+              <a:t>0</a:t>
+            </a:r>
+            <a:r>
+              <a:rPr lang="en-US" altLang="zh-CN" dirty="0" smtClean="0"/>
+              <a:t>; </a:t>
             </a:r>
             <a:endParaRPr lang="en-US" altLang="zh-CN" dirty="0" smtClean="0"/>
           </a:p>
@@ -6247,11 +8368,7 @@
             </a:r>
             <a:r>
               <a:rPr lang="zh-CN" altLang="en-US" dirty="0" smtClean="0"/>
-              <a:t>。副作用是子序列内部不保证有序。复杂度与快排相同</a:t>
-            </a:r>
-            <a:r>
-              <a:rPr lang="zh-CN" altLang="en-US" dirty="0" smtClean="0"/>
-              <a:t>，最糟</a:t>
+              <a:t>。副作用是子序列内部不保证有序。复杂度与快排相同，最糟</a:t>
             </a:r>
             <a:r>
               <a:rPr lang="en-US" altLang="zh-CN" dirty="0" err="1" smtClean="0"/>
@@ -6275,11 +8392,7 @@
             </a:r>
             <a:r>
               <a:rPr lang="zh-CN" altLang="en-US" dirty="0" smtClean="0"/>
-              <a:t>，因为数组的关系，适合少量数据。还有</a:t>
-            </a:r>
-            <a:r>
-              <a:rPr lang="zh-CN" altLang="en-US" dirty="0" smtClean="0"/>
-              <a:t>最小堆法，额外存储</a:t>
+              <a:t>，因为数组的关系，适合少量数据。还有最小堆法，额外存储</a:t>
             </a:r>
             <a:r>
               <a:rPr lang="en-US" altLang="zh-CN" dirty="0" smtClean="0"/>
@@ -6305,7 +8418,6 @@
               <a:rPr lang="en-US" altLang="zh-CN" dirty="0" smtClean="0"/>
               <a:t>.</a:t>
             </a:r>
-            <a:endParaRPr lang="en-US" altLang="zh-CN" dirty="0" smtClean="0"/>
           </a:p>
         </p:txBody>
       </p:sp>
@@ -6332,8 +8444,16 @@
           <a:lstStyle/>
           <a:p>
             <a:r>
-              <a:rPr lang="en-US" altLang="zh-CN" dirty="0" smtClean="0"/>
-              <a:t>void </a:t>
+              <a:rPr lang="en-US" altLang="zh-CN" dirty="0" err="1"/>
+              <a:t>i</a:t>
+            </a:r>
+            <a:r>
+              <a:rPr lang="en-US" altLang="zh-CN" dirty="0" err="1" smtClean="0"/>
+              <a:t>nt</a:t>
+            </a:r>
+            <a:r>
+              <a:rPr lang="en-US" altLang="zh-CN" dirty="0" smtClean="0"/>
+              <a:t> </a:t>
             </a:r>
             <a:r>
               <a:rPr lang="en-US" altLang="zh-CN" dirty="0" err="1" smtClean="0"/>
@@ -6365,11 +8485,7 @@
             </a:r>
             <a:r>
               <a:rPr lang="en-US" altLang="zh-CN" dirty="0" smtClean="0"/>
-              <a:t> </a:t>
-            </a:r>
-            <a:r>
-              <a:rPr lang="en-US" altLang="zh-CN" dirty="0" smtClean="0"/>
-              <a:t>n, </a:t>
+              <a:t> n, </a:t>
             </a:r>
             <a:r>
               <a:rPr lang="en-US" altLang="zh-CN" dirty="0" err="1" smtClean="0"/>
@@ -6379,7 +8495,6 @@
               <a:rPr lang="en-US" altLang="zh-CN" dirty="0" smtClean="0"/>
               <a:t> k)</a:t>
             </a:r>
-            <a:endParaRPr lang="en-US" altLang="zh-CN" dirty="0" smtClean="0"/>
           </a:p>
           <a:p>
             <a:r>
@@ -6436,7 +8551,6 @@
               <a:rPr lang="en-US" altLang="zh-CN" dirty="0" smtClean="0"/>
               <a:t>i; </a:t>
             </a:r>
-            <a:endParaRPr lang="en-US" altLang="zh-CN" dirty="0" smtClean="0"/>
           </a:p>
           <a:p>
             <a:r>
@@ -6757,11 +8871,7 @@
           <a:p>
             <a:r>
               <a:rPr lang="en-US" altLang="zh-CN" dirty="0" smtClean="0"/>
-              <a:t>    </a:t>
-            </a:r>
-            <a:r>
-              <a:rPr lang="en-US" altLang="zh-CN" dirty="0" smtClean="0"/>
-              <a:t>    </a:t>
+              <a:t>        </a:t>
             </a:r>
             <a:r>
               <a:rPr lang="en-US" altLang="zh-CN" dirty="0" err="1" smtClean="0"/>
@@ -6777,11 +8887,7 @@
             </a:r>
             <a:r>
               <a:rPr lang="en-US" altLang="zh-CN" dirty="0" smtClean="0"/>
-              <a:t>, </a:t>
-            </a:r>
-            <a:r>
-              <a:rPr lang="en-US" altLang="zh-CN" dirty="0" smtClean="0"/>
-              <a:t>p-1, k);</a:t>
+              <a:t>, p-1, k);</a:t>
             </a:r>
           </a:p>
           <a:p>
@@ -6793,7 +8899,6 @@
               <a:rPr lang="en-US" altLang="zh-CN" dirty="0" smtClean="0"/>
               <a:t>   else </a:t>
             </a:r>
-            <a:endParaRPr lang="en-US" altLang="zh-CN" dirty="0" smtClean="0"/>
           </a:p>
           <a:p>
             <a:r>
@@ -6802,11 +8907,7 @@
             </a:r>
             <a:r>
               <a:rPr lang="en-US" altLang="zh-CN" dirty="0" smtClean="0"/>
-              <a:t>   </a:t>
-            </a:r>
-            <a:r>
-              <a:rPr lang="en-US" altLang="zh-CN" dirty="0" smtClean="0"/>
-              <a:t>    </a:t>
+              <a:t>       </a:t>
             </a:r>
             <a:r>
               <a:rPr lang="en-US" altLang="zh-CN" dirty="0" err="1" smtClean="0"/>
@@ -6814,17 +8915,8 @@
             </a:r>
             <a:r>
               <a:rPr lang="en-US" altLang="zh-CN" dirty="0" smtClean="0"/>
-              <a:t>(arr+p+1</a:t>
-            </a:r>
-            <a:r>
-              <a:rPr lang="en-US" altLang="zh-CN" dirty="0" smtClean="0"/>
-              <a:t>, </a:t>
-            </a:r>
-            <a:r>
-              <a:rPr lang="en-US" altLang="zh-CN" dirty="0" smtClean="0"/>
-              <a:t>n-p-1, k-p);</a:t>
-            </a:r>
-            <a:endParaRPr lang="en-US" altLang="zh-CN" dirty="0" smtClean="0"/>
+              <a:t>(arr+p+1, n-p-1, k-p);</a:t>
+            </a:r>
           </a:p>
           <a:p>
             <a:r>

--- a/algos_summary.pptx
+++ b/algos_summary.pptx
@@ -4370,11 +4370,15 @@
           <a:p>
             <a:r>
               <a:rPr lang="en-US" altLang="zh-CN" sz="2000" dirty="0" smtClean="0"/>
-              <a:t>10.1 TCP</a:t>
-            </a:r>
-            <a:r>
-              <a:rPr lang="zh-CN" altLang="en-US" sz="2000" dirty="0" smtClean="0"/>
-              <a:t>状态图</a:t>
+              <a:t>10.2 </a:t>
+            </a:r>
+            <a:r>
+              <a:rPr lang="en-US" altLang="zh-CN" sz="2000" dirty="0" err="1" smtClean="0"/>
+              <a:t>epoll</a:t>
+            </a:r>
+            <a:r>
+              <a:rPr lang="en-US" altLang="zh-CN" sz="2000" dirty="0" smtClean="0"/>
+              <a:t> LT&amp;ET</a:t>
             </a:r>
             <a:endParaRPr lang="zh-CN" altLang="en-US" sz="2000" dirty="0"/>
           </a:p>
@@ -5042,22 +5046,56 @@
               <a:rPr lang="en-US" altLang="zh-CN" dirty="0" smtClean="0"/>
               <a:t>(Node* list)</a:t>
             </a:r>
+          </a:p>
+          <a:p>
+            <a:r>
+              <a:rPr lang="en-US" altLang="zh-CN" dirty="0" smtClean="0"/>
+              <a:t>{</a:t>
+            </a:r>
+          </a:p>
+          <a:p>
+            <a:r>
+              <a:rPr lang="en-US" altLang="zh-CN" dirty="0" smtClean="0"/>
+              <a:t>    Node* </a:t>
+            </a:r>
+            <a:r>
+              <a:rPr lang="en-US" altLang="zh-CN" dirty="0" err="1" smtClean="0"/>
+              <a:t>newlist</a:t>
+            </a:r>
+            <a:r>
+              <a:rPr lang="en-US" altLang="zh-CN" dirty="0" smtClean="0"/>
+              <a:t> = NULL;</a:t>
+            </a:r>
+          </a:p>
+          <a:p>
+            <a:r>
+              <a:rPr lang="en-US" altLang="zh-CN" dirty="0" smtClean="0"/>
+              <a:t>    while(list) {</a:t>
+            </a:r>
+          </a:p>
+          <a:p>
+            <a:r>
+              <a:rPr lang="en-US" altLang="zh-CN" dirty="0"/>
+              <a:t> </a:t>
+            </a:r>
+            <a:r>
+              <a:rPr lang="en-US" altLang="zh-CN" dirty="0" smtClean="0"/>
+              <a:t>       Node* next = list-&gt;next; //</a:t>
+            </a:r>
+            <a:r>
+              <a:rPr lang="zh-CN" altLang="en-US" dirty="0" smtClean="0"/>
+              <a:t>保存</a:t>
+            </a:r>
             <a:endParaRPr lang="en-US" altLang="zh-CN" dirty="0" smtClean="0"/>
           </a:p>
           <a:p>
             <a:r>
-              <a:rPr lang="en-US" altLang="zh-CN" dirty="0" smtClean="0"/>
-              <a:t>{</a:t>
-            </a:r>
-          </a:p>
-          <a:p>
-            <a:r>
-              <a:rPr lang="en-US" altLang="zh-CN" dirty="0" smtClean="0"/>
-              <a:t>    </a:t>
-            </a:r>
-            <a:r>
-              <a:rPr lang="en-US" altLang="zh-CN" dirty="0" smtClean="0"/>
-              <a:t>Node* </a:t>
+              <a:rPr lang="en-US" altLang="zh-CN" dirty="0"/>
+              <a:t> </a:t>
+            </a:r>
+            <a:r>
+              <a:rPr lang="en-US" altLang="zh-CN" dirty="0" smtClean="0"/>
+              <a:t>       list-&gt;next = </a:t>
             </a:r>
             <a:r>
               <a:rPr lang="en-US" altLang="zh-CN" dirty="0" err="1" smtClean="0"/>
@@ -5065,34 +5103,23 @@
             </a:r>
             <a:r>
               <a:rPr lang="en-US" altLang="zh-CN" dirty="0" smtClean="0"/>
-              <a:t> = NULL;</a:t>
+              <a:t>; // </a:t>
+            </a:r>
+            <a:r>
+              <a:rPr lang="zh-CN" altLang="en-US" dirty="0" smtClean="0"/>
+              <a:t>翻转</a:t>
             </a:r>
             <a:endParaRPr lang="en-US" altLang="zh-CN" dirty="0" smtClean="0"/>
           </a:p>
           <a:p>
             <a:r>
-              <a:rPr lang="en-US" altLang="zh-CN" dirty="0" smtClean="0"/>
-              <a:t>    </a:t>
-            </a:r>
-            <a:r>
-              <a:rPr lang="en-US" altLang="zh-CN" dirty="0" smtClean="0"/>
-              <a:t>while(list) {</a:t>
-            </a:r>
-          </a:p>
-          <a:p>
-            <a:r>
               <a:rPr lang="en-US" altLang="zh-CN" dirty="0"/>
               <a:t> </a:t>
             </a:r>
             <a:r>
               <a:rPr lang="en-US" altLang="zh-CN" dirty="0" smtClean="0"/>
-              <a:t>       Node* next = list-&gt;next; //</a:t>
-            </a:r>
-            <a:r>
-              <a:rPr lang="zh-CN" altLang="en-US" dirty="0" smtClean="0"/>
-              <a:t>保存</a:t>
-            </a:r>
-            <a:endParaRPr lang="en-US" altLang="zh-CN" dirty="0" smtClean="0"/>
+              <a:t>       </a:t>
+            </a:r>
           </a:p>
           <a:p>
             <a:r>
@@ -5101,7 +5128,7 @@
             </a:r>
             <a:r>
               <a:rPr lang="en-US" altLang="zh-CN" dirty="0" smtClean="0"/>
-              <a:t>       list-&gt;next = </a:t>
+              <a:t>       </a:t>
             </a:r>
             <a:r>
               <a:rPr lang="en-US" altLang="zh-CN" dirty="0" err="1" smtClean="0"/>
@@ -5109,13 +5136,8 @@
             </a:r>
             <a:r>
               <a:rPr lang="en-US" altLang="zh-CN" dirty="0" smtClean="0"/>
-              <a:t>; // </a:t>
-            </a:r>
-            <a:r>
-              <a:rPr lang="zh-CN" altLang="en-US" dirty="0" smtClean="0"/>
-              <a:t>翻转</a:t>
-            </a:r>
-            <a:endParaRPr lang="en-US" altLang="zh-CN" dirty="0" smtClean="0"/>
+              <a:t> = list;</a:t>
+            </a:r>
           </a:p>
           <a:p>
             <a:r>
@@ -5124,37 +5146,8 @@
             </a:r>
             <a:r>
               <a:rPr lang="en-US" altLang="zh-CN" dirty="0" smtClean="0"/>
-              <a:t>       </a:t>
-            </a:r>
-          </a:p>
-          <a:p>
-            <a:r>
-              <a:rPr lang="en-US" altLang="zh-CN" dirty="0"/>
-              <a:t> </a:t>
-            </a:r>
-            <a:r>
-              <a:rPr lang="en-US" altLang="zh-CN" dirty="0" smtClean="0"/>
-              <a:t>       </a:t>
-            </a:r>
-            <a:r>
-              <a:rPr lang="en-US" altLang="zh-CN" dirty="0" err="1" smtClean="0"/>
-              <a:t>newlist</a:t>
-            </a:r>
-            <a:r>
-              <a:rPr lang="en-US" altLang="zh-CN" dirty="0" smtClean="0"/>
-              <a:t> = list;</a:t>
-            </a:r>
-          </a:p>
-          <a:p>
-            <a:r>
-              <a:rPr lang="en-US" altLang="zh-CN" dirty="0"/>
-              <a:t> </a:t>
-            </a:r>
-            <a:r>
-              <a:rPr lang="en-US" altLang="zh-CN" dirty="0" smtClean="0"/>
               <a:t>       list = next;</a:t>
             </a:r>
-            <a:endParaRPr lang="en-US" altLang="zh-CN" dirty="0" smtClean="0"/>
           </a:p>
           <a:p>
             <a:r>
@@ -5346,7 +5339,6 @@
               <a:rPr lang="en-US" altLang="zh-CN" dirty="0" smtClean="0"/>
               <a:t>-&gt;next = second;</a:t>
             </a:r>
-            <a:endParaRPr lang="en-US" altLang="zh-CN" dirty="0" smtClean="0"/>
           </a:p>
           <a:p>
             <a:endParaRPr lang="en-US" altLang="zh-CN" dirty="0"/>
@@ -5485,11 +5477,7 @@
             </a:r>
             <a:r>
               <a:rPr lang="zh-CN" altLang="en-US" sz="2000" dirty="0" smtClean="0"/>
-              <a:t>链表环检测</a:t>
-            </a:r>
-            <a:r>
-              <a:rPr lang="zh-CN" altLang="en-US" sz="2000" dirty="0" smtClean="0"/>
-              <a:t>及相交检测</a:t>
+              <a:t>链表环检测及相交检测</a:t>
             </a:r>
             <a:endParaRPr lang="zh-CN" altLang="en-US" sz="2000" dirty="0"/>
           </a:p>
@@ -5626,7 +5614,6 @@
               <a:rPr lang="en-US" altLang="zh-CN" dirty="0" smtClean="0"/>
               <a:t>(Node* list)</a:t>
             </a:r>
-            <a:endParaRPr lang="en-US" altLang="zh-CN" dirty="0" smtClean="0"/>
           </a:p>
           <a:p>
             <a:r>
@@ -5637,11 +5624,7 @@
           <a:p>
             <a:r>
               <a:rPr lang="en-US" altLang="zh-CN" dirty="0" smtClean="0"/>
-              <a:t>    </a:t>
-            </a:r>
-            <a:r>
-              <a:rPr lang="en-US" altLang="zh-CN" dirty="0" smtClean="0"/>
-              <a:t>Node* slow = list;</a:t>
+              <a:t>    Node* slow = list;</a:t>
             </a:r>
           </a:p>
           <a:p>
@@ -5653,16 +5636,11 @@
               <a:rPr lang="en-US" altLang="zh-CN" dirty="0" smtClean="0"/>
               <a:t>   Node* fast = list;</a:t>
             </a:r>
-            <a:endParaRPr lang="en-US" altLang="zh-CN" dirty="0" smtClean="0"/>
-          </a:p>
-          <a:p>
-            <a:r>
-              <a:rPr lang="en-US" altLang="zh-CN" dirty="0" smtClean="0"/>
-              <a:t>    </a:t>
-            </a:r>
-            <a:r>
-              <a:rPr lang="en-US" altLang="zh-CN" dirty="0" smtClean="0"/>
-              <a:t>while(fast-&gt;next) {</a:t>
+          </a:p>
+          <a:p>
+            <a:r>
+              <a:rPr lang="en-US" altLang="zh-CN" dirty="0" smtClean="0"/>
+              <a:t>    while(fast-&gt;next) {</a:t>
             </a:r>
           </a:p>
           <a:p>
@@ -5819,11 +5797,7 @@
             </a:r>
             <a:r>
               <a:rPr lang="zh-CN" altLang="en-US" sz="2000" dirty="0" smtClean="0"/>
-              <a:t>链表</a:t>
-            </a:r>
-            <a:r>
-              <a:rPr lang="zh-CN" altLang="en-US" sz="2000" dirty="0" smtClean="0"/>
-              <a:t>环检测及相交检测</a:t>
+              <a:t>链表环检测及相交检测</a:t>
             </a:r>
             <a:endParaRPr lang="zh-CN" altLang="en-US" sz="2000" dirty="0"/>
           </a:p>
@@ -5906,17 +5880,12 @@
             </a:r>
             <a:r>
               <a:rPr lang="en-US" altLang="zh-CN" dirty="0" err="1" smtClean="0"/>
-              <a:t>find</a:t>
-            </a:r>
-            <a:r>
-              <a:rPr lang="en-US" altLang="zh-CN" dirty="0" err="1" smtClean="0"/>
-              <a:t>_list_exchange</a:t>
+              <a:t>find_list_exchange</a:t>
             </a:r>
             <a:r>
               <a:rPr lang="en-US" altLang="zh-CN" dirty="0" smtClean="0"/>
               <a:t>(Node* list, Node* list2)</a:t>
             </a:r>
-            <a:endParaRPr lang="en-US" altLang="zh-CN" dirty="0" smtClean="0"/>
           </a:p>
           <a:p>
             <a:r>
@@ -5927,11 +5896,7 @@
           <a:p>
             <a:r>
               <a:rPr lang="en-US" altLang="zh-CN" dirty="0" smtClean="0"/>
-              <a:t>    </a:t>
-            </a:r>
-            <a:r>
-              <a:rPr lang="en-US" altLang="zh-CN" dirty="0" smtClean="0"/>
-              <a:t>Node *l1 = list, *l2=list2;</a:t>
+              <a:t>    Node *l1 = list, *l2=list2;</a:t>
             </a:r>
           </a:p>
           <a:p>
@@ -5951,7 +5916,6 @@
               <a:rPr lang="en-US" altLang="zh-CN" dirty="0" smtClean="0"/>
               <a:t> len1 = 0, len2 = 0;</a:t>
             </a:r>
-            <a:endParaRPr lang="en-US" altLang="zh-CN" dirty="0" smtClean="0"/>
           </a:p>
           <a:p>
             <a:r>
@@ -7834,17 +7798,12 @@
             </a:r>
             <a:r>
               <a:rPr lang="en-US" altLang="zh-CN" dirty="0"/>
-              <a:t> p = </a:t>
-            </a:r>
-            <a:r>
-              <a:rPr lang="en-US" altLang="zh-CN" dirty="0"/>
-              <a:t>0</a:t>
+              <a:t> p = 0</a:t>
             </a:r>
             <a:r>
               <a:rPr lang="en-US" altLang="zh-CN" dirty="0" smtClean="0"/>
               <a:t>; </a:t>
             </a:r>
-            <a:endParaRPr lang="en-US" altLang="zh-CN" dirty="0" smtClean="0"/>
           </a:p>
           <a:p>
             <a:r>

--- a/algos_summary.pptx
+++ b/algos_summary.pptx
@@ -305,7 +305,7 @@
           <a:p>
             <a:fld id="{530820CF-B880-4189-942D-D702A7CBA730}" type="datetimeFigureOut">
               <a:rPr lang="zh-CN" altLang="en-US" smtClean="0"/>
-              <a:t>2018/1/9</a:t>
+              <a:t>2018/1/14</a:t>
             </a:fld>
             <a:endParaRPr lang="zh-CN" altLang="en-US"/>
           </a:p>
@@ -470,7 +470,7 @@
           <a:p>
             <a:fld id="{530820CF-B880-4189-942D-D702A7CBA730}" type="datetimeFigureOut">
               <a:rPr lang="zh-CN" altLang="en-US" smtClean="0"/>
-              <a:t>2018/1/9</a:t>
+              <a:t>2018/1/14</a:t>
             </a:fld>
             <a:endParaRPr lang="zh-CN" altLang="en-US"/>
           </a:p>
@@ -645,7 +645,7 @@
           <a:p>
             <a:fld id="{530820CF-B880-4189-942D-D702A7CBA730}" type="datetimeFigureOut">
               <a:rPr lang="zh-CN" altLang="en-US" smtClean="0"/>
-              <a:t>2018/1/9</a:t>
+              <a:t>2018/1/14</a:t>
             </a:fld>
             <a:endParaRPr lang="zh-CN" altLang="en-US"/>
           </a:p>
@@ -810,7 +810,7 @@
           <a:p>
             <a:fld id="{530820CF-B880-4189-942D-D702A7CBA730}" type="datetimeFigureOut">
               <a:rPr lang="zh-CN" altLang="en-US" smtClean="0"/>
-              <a:t>2018/1/9</a:t>
+              <a:t>2018/1/14</a:t>
             </a:fld>
             <a:endParaRPr lang="zh-CN" altLang="en-US"/>
           </a:p>
@@ -1051,7 +1051,7 @@
           <a:p>
             <a:fld id="{530820CF-B880-4189-942D-D702A7CBA730}" type="datetimeFigureOut">
               <a:rPr lang="zh-CN" altLang="en-US" smtClean="0"/>
-              <a:t>2018/1/9</a:t>
+              <a:t>2018/1/14</a:t>
             </a:fld>
             <a:endParaRPr lang="zh-CN" altLang="en-US"/>
           </a:p>
@@ -1334,7 +1334,7 @@
           <a:p>
             <a:fld id="{530820CF-B880-4189-942D-D702A7CBA730}" type="datetimeFigureOut">
               <a:rPr lang="zh-CN" altLang="en-US" smtClean="0"/>
-              <a:t>2018/1/9</a:t>
+              <a:t>2018/1/14</a:t>
             </a:fld>
             <a:endParaRPr lang="zh-CN" altLang="en-US"/>
           </a:p>
@@ -1751,7 +1751,7 @@
           <a:p>
             <a:fld id="{530820CF-B880-4189-942D-D702A7CBA730}" type="datetimeFigureOut">
               <a:rPr lang="zh-CN" altLang="en-US" smtClean="0"/>
-              <a:t>2018/1/9</a:t>
+              <a:t>2018/1/14</a:t>
             </a:fld>
             <a:endParaRPr lang="zh-CN" altLang="en-US"/>
           </a:p>
@@ -1864,7 +1864,7 @@
           <a:p>
             <a:fld id="{530820CF-B880-4189-942D-D702A7CBA730}" type="datetimeFigureOut">
               <a:rPr lang="zh-CN" altLang="en-US" smtClean="0"/>
-              <a:t>2018/1/9</a:t>
+              <a:t>2018/1/14</a:t>
             </a:fld>
             <a:endParaRPr lang="zh-CN" altLang="en-US"/>
           </a:p>
@@ -1954,7 +1954,7 @@
           <a:p>
             <a:fld id="{530820CF-B880-4189-942D-D702A7CBA730}" type="datetimeFigureOut">
               <a:rPr lang="zh-CN" altLang="en-US" smtClean="0"/>
-              <a:t>2018/1/9</a:t>
+              <a:t>2018/1/14</a:t>
             </a:fld>
             <a:endParaRPr lang="zh-CN" altLang="en-US"/>
           </a:p>
@@ -2226,7 +2226,7 @@
           <a:p>
             <a:fld id="{530820CF-B880-4189-942D-D702A7CBA730}" type="datetimeFigureOut">
               <a:rPr lang="zh-CN" altLang="en-US" smtClean="0"/>
-              <a:t>2018/1/9</a:t>
+              <a:t>2018/1/14</a:t>
             </a:fld>
             <a:endParaRPr lang="zh-CN" altLang="en-US"/>
           </a:p>
@@ -2474,7 +2474,7 @@
           <a:p>
             <a:fld id="{530820CF-B880-4189-942D-D702A7CBA730}" type="datetimeFigureOut">
               <a:rPr lang="zh-CN" altLang="en-US" smtClean="0"/>
-              <a:t>2018/1/9</a:t>
+              <a:t>2018/1/14</a:t>
             </a:fld>
             <a:endParaRPr lang="zh-CN" altLang="en-US"/>
           </a:p>
@@ -2682,7 +2682,7 @@
           <a:p>
             <a:fld id="{530820CF-B880-4189-942D-D702A7CBA730}" type="datetimeFigureOut">
               <a:rPr lang="zh-CN" altLang="en-US" smtClean="0"/>
-              <a:t>2018/1/9</a:t>
+              <a:t>2018/1/14</a:t>
             </a:fld>
             <a:endParaRPr lang="zh-CN" altLang="en-US"/>
           </a:p>
@@ -5009,7 +5009,7 @@
         </p:nvSpPr>
         <p:spPr>
           <a:xfrm>
-            <a:off x="719808" y="1916832"/>
+            <a:off x="719808" y="1628800"/>
             <a:ext cx="3672408" cy="3693319"/>
           </a:xfrm>
           <a:prstGeom prst="rect">
@@ -5194,8 +5194,8 @@
         </p:nvSpPr>
         <p:spPr>
           <a:xfrm>
-            <a:off x="4499992" y="1916832"/>
-            <a:ext cx="4104456" cy="4801314"/>
+            <a:off x="4499992" y="1628800"/>
+            <a:ext cx="4104456" cy="5078313"/>
           </a:xfrm>
           <a:prstGeom prst="rect">
             <a:avLst/>
@@ -5341,6 +5341,10 @@
             </a:r>
           </a:p>
           <a:p>
+            <a:r>
+              <a:rPr lang="en-US" altLang="zh-CN" dirty="0" smtClean="0"/>
+              <a:t>        </a:t>
+            </a:r>
             <a:endParaRPr lang="en-US" altLang="zh-CN" dirty="0"/>
           </a:p>
           <a:p>
@@ -5354,8 +5358,31 @@
             </a:r>
             <a:r>
               <a:rPr lang="en-US" altLang="zh-CN" dirty="0" smtClean="0"/>
-              <a:t> = second-&gt;next;</a:t>
-            </a:r>
+              <a:t> = second-&gt;next</a:t>
+            </a:r>
+            <a:r>
+              <a:rPr lang="en-US" altLang="zh-CN" dirty="0" smtClean="0"/>
+              <a:t>;</a:t>
+            </a:r>
+          </a:p>
+          <a:p>
+            <a:r>
+              <a:rPr lang="en-US" altLang="zh-CN" dirty="0"/>
+              <a:t> </a:t>
+            </a:r>
+            <a:r>
+              <a:rPr lang="en-US" altLang="zh-CN" dirty="0" smtClean="0"/>
+              <a:t>       second = </a:t>
+            </a:r>
+            <a:r>
+              <a:rPr lang="en-US" altLang="zh-CN" dirty="0" err="1" smtClean="0"/>
+              <a:t>curr</a:t>
+            </a:r>
+            <a:r>
+              <a:rPr lang="en-US" altLang="zh-CN" dirty="0" smtClean="0"/>
+              <a:t>;</a:t>
+            </a:r>
+            <a:endParaRPr lang="en-US" altLang="zh-CN" dirty="0" smtClean="0"/>
           </a:p>
           <a:p>
             <a:r>
@@ -5492,7 +5519,7 @@
         <p:spPr>
           <a:xfrm>
             <a:off x="683568" y="716503"/>
-            <a:ext cx="7848872" cy="1477328"/>
+            <a:ext cx="7848872" cy="1754326"/>
           </a:xfrm>
           <a:prstGeom prst="rect">
             <a:avLst/>
@@ -5514,9 +5541,57 @@
           <a:p>
             <a:r>
               <a:rPr lang="zh-CN" altLang="en-US" dirty="0" smtClean="0"/>
-              <a:t>环检测：快慢指针</a:t>
-            </a:r>
-            <a:endParaRPr lang="en-US" altLang="zh-CN" dirty="0" smtClean="0"/>
+              <a:t>环检测：快慢</a:t>
+            </a:r>
+            <a:r>
+              <a:rPr lang="zh-CN" altLang="en-US" dirty="0" smtClean="0"/>
+              <a:t>指针。</a:t>
+            </a:r>
+            <a:r>
+              <a:rPr lang="zh-CN" altLang="en-US" dirty="0" smtClean="0">
+                <a:solidFill>
+                  <a:srgbClr val="FF0000"/>
+                </a:solidFill>
+              </a:rPr>
+              <a:t>环起点计算，先找到快慢指针重合点，然后从重合点和链表头一起</a:t>
+            </a:r>
+            <a:r>
+              <a:rPr lang="zh-CN" altLang="en-US" smtClean="0">
+                <a:solidFill>
+                  <a:srgbClr val="FF0000"/>
+                </a:solidFill>
+              </a:rPr>
+              <a:t>走，</a:t>
+            </a:r>
+            <a:r>
+              <a:rPr lang="zh-CN" altLang="en-US">
+                <a:solidFill>
+                  <a:srgbClr val="FF0000"/>
+                </a:solidFill>
+              </a:rPr>
+              <a:t>第一个</a:t>
+            </a:r>
+            <a:r>
+              <a:rPr lang="zh-CN" altLang="en-US" smtClean="0">
+                <a:solidFill>
+                  <a:srgbClr val="FF0000"/>
+                </a:solidFill>
+              </a:rPr>
+              <a:t>相同</a:t>
+            </a:r>
+            <a:r>
+              <a:rPr lang="zh-CN" altLang="en-US" dirty="0" smtClean="0">
+                <a:solidFill>
+                  <a:srgbClr val="FF0000"/>
+                </a:solidFill>
+              </a:rPr>
+              <a:t>点即是环起点。</a:t>
+            </a:r>
+            <a:endParaRPr lang="en-US" altLang="zh-CN" dirty="0" smtClean="0">
+              <a:solidFill>
+                <a:srgbClr val="FF0000"/>
+              </a:solidFill>
+            </a:endParaRPr>
           </a:p>
           <a:p>
             <a:r>
@@ -5573,7 +5648,7 @@
         </p:nvSpPr>
         <p:spPr>
           <a:xfrm>
-            <a:off x="770087" y="2204864"/>
+            <a:off x="770087" y="2492896"/>
             <a:ext cx="3672408" cy="3970318"/>
           </a:xfrm>
           <a:prstGeom prst="rect">
@@ -5599,6 +5674,173 @@
           </a:p>
           <a:p>
             <a:r>
+              <a:rPr lang="en-US" altLang="zh-CN" dirty="0" smtClean="0"/>
+              <a:t>Node*</a:t>
+            </a:r>
+            <a:r>
+              <a:rPr lang="en-US" altLang="zh-CN" dirty="0" smtClean="0"/>
+              <a:t> </a:t>
+            </a:r>
+            <a:r>
+              <a:rPr lang="en-US" altLang="zh-CN" dirty="0" err="1" smtClean="0"/>
+              <a:t>list_loop_check</a:t>
+            </a:r>
+            <a:r>
+              <a:rPr lang="en-US" altLang="zh-CN" dirty="0" smtClean="0"/>
+              <a:t>(Node* list)</a:t>
+            </a:r>
+          </a:p>
+          <a:p>
+            <a:r>
+              <a:rPr lang="en-US" altLang="zh-CN" dirty="0" smtClean="0"/>
+              <a:t>{</a:t>
+            </a:r>
+          </a:p>
+          <a:p>
+            <a:r>
+              <a:rPr lang="en-US" altLang="zh-CN" dirty="0" smtClean="0"/>
+              <a:t>    Node* slow = list;</a:t>
+            </a:r>
+          </a:p>
+          <a:p>
+            <a:r>
+              <a:rPr lang="en-US" altLang="zh-CN" dirty="0"/>
+              <a:t> </a:t>
+            </a:r>
+            <a:r>
+              <a:rPr lang="en-US" altLang="zh-CN" dirty="0" smtClean="0"/>
+              <a:t>   Node* fast = list;</a:t>
+            </a:r>
+          </a:p>
+          <a:p>
+            <a:r>
+              <a:rPr lang="en-US" altLang="zh-CN" dirty="0" smtClean="0"/>
+              <a:t>    while(fast-&gt;next) {</a:t>
+            </a:r>
+          </a:p>
+          <a:p>
+            <a:r>
+              <a:rPr lang="en-US" altLang="zh-CN" dirty="0"/>
+              <a:t> </a:t>
+            </a:r>
+            <a:r>
+              <a:rPr lang="en-US" altLang="zh-CN" dirty="0" smtClean="0"/>
+              <a:t>       fast = fast-&gt;next-&gt;next;</a:t>
+            </a:r>
+          </a:p>
+          <a:p>
+            <a:r>
+              <a:rPr lang="en-US" altLang="zh-CN" dirty="0"/>
+              <a:t> </a:t>
+            </a:r>
+            <a:r>
+              <a:rPr lang="en-US" altLang="zh-CN" dirty="0" smtClean="0"/>
+              <a:t>       slow = slow-&gt;next;</a:t>
+            </a:r>
+          </a:p>
+          <a:p>
+            <a:r>
+              <a:rPr lang="en-US" altLang="zh-CN" dirty="0"/>
+              <a:t> </a:t>
+            </a:r>
+            <a:r>
+              <a:rPr lang="en-US" altLang="zh-CN" dirty="0" smtClean="0"/>
+              <a:t>       if (fast == slow) {</a:t>
+            </a:r>
+          </a:p>
+          <a:p>
+            <a:r>
+              <a:rPr lang="en-US" altLang="zh-CN" dirty="0" smtClean="0"/>
+              <a:t>            return </a:t>
+            </a:r>
+            <a:r>
+              <a:rPr lang="en-US" altLang="zh-CN" dirty="0" smtClean="0"/>
+              <a:t>slow;</a:t>
+            </a:r>
+            <a:endParaRPr lang="en-US" altLang="zh-CN" dirty="0"/>
+          </a:p>
+          <a:p>
+            <a:r>
+              <a:rPr lang="en-US" altLang="zh-CN" dirty="0" smtClean="0"/>
+              <a:t>        }</a:t>
+            </a:r>
+          </a:p>
+          <a:p>
+            <a:r>
+              <a:rPr lang="en-US" altLang="zh-CN" dirty="0"/>
+              <a:t> </a:t>
+            </a:r>
+            <a:r>
+              <a:rPr lang="en-US" altLang="zh-CN" dirty="0" smtClean="0"/>
+              <a:t>   }</a:t>
+            </a:r>
+          </a:p>
+          <a:p>
+            <a:r>
+              <a:rPr lang="en-US" altLang="zh-CN" dirty="0"/>
+              <a:t> </a:t>
+            </a:r>
+            <a:r>
+              <a:rPr lang="en-US" altLang="zh-CN" dirty="0" smtClean="0"/>
+              <a:t>   return </a:t>
+            </a:r>
+            <a:r>
+              <a:rPr lang="en-US" altLang="zh-CN" dirty="0" smtClean="0"/>
+              <a:t>NULL</a:t>
+            </a:r>
+            <a:r>
+              <a:rPr lang="en-US" altLang="zh-CN" dirty="0" smtClean="0"/>
+              <a:t>;</a:t>
+            </a:r>
+            <a:endParaRPr lang="en-US" altLang="zh-CN" dirty="0" smtClean="0"/>
+          </a:p>
+          <a:p>
+            <a:r>
+              <a:rPr lang="en-US" altLang="zh-CN" dirty="0"/>
+              <a:t>}</a:t>
+            </a:r>
+            <a:r>
+              <a:rPr lang="en-US" altLang="zh-CN" dirty="0" smtClean="0"/>
+              <a:t>        </a:t>
+            </a:r>
+            <a:endParaRPr lang="en-US" altLang="zh-CN" dirty="0"/>
+          </a:p>
+        </p:txBody>
+      </p:sp>
+      <p:sp>
+        <p:nvSpPr>
+          <p:cNvPr id="5" name="TextBox 4"/>
+          <p:cNvSpPr txBox="1"/>
+          <p:nvPr/>
+        </p:nvSpPr>
+        <p:spPr>
+          <a:xfrm>
+            <a:off x="4442495" y="2492896"/>
+            <a:ext cx="4017937" cy="4247317"/>
+          </a:xfrm>
+          <a:prstGeom prst="rect">
+            <a:avLst/>
+          </a:prstGeom>
+          <a:noFill/>
+        </p:spPr>
+        <p:txBody>
+          <a:bodyPr wrap="square" rtlCol="0">
+            <a:spAutoFit/>
+          </a:bodyPr>
+          <a:lstStyle/>
+          <a:p>
+            <a:r>
+              <a:rPr lang="en-US" altLang="zh-CN" dirty="0" smtClean="0"/>
+              <a:t>// </a:t>
+            </a:r>
+            <a:r>
+              <a:rPr lang="zh-CN" altLang="en-US" dirty="0" smtClean="0"/>
+              <a:t>环起点</a:t>
+            </a:r>
+            <a:endParaRPr lang="en-US" altLang="zh-CN" dirty="0" smtClean="0"/>
+          </a:p>
+          <a:p>
+            <a:r>
               <a:rPr lang="en-US" altLang="zh-CN" dirty="0" err="1" smtClean="0"/>
               <a:t>bool</a:t>
             </a:r>
@@ -5608,23 +5850,90 @@
             </a:r>
             <a:r>
               <a:rPr lang="en-US" altLang="zh-CN" dirty="0" err="1" smtClean="0"/>
+              <a:t>list_loop_point</a:t>
+            </a:r>
+            <a:r>
+              <a:rPr lang="en-US" altLang="zh-CN" dirty="0" smtClean="0"/>
+              <a:t>(Node</a:t>
+            </a:r>
+            <a:r>
+              <a:rPr lang="en-US" altLang="zh-CN" dirty="0" smtClean="0"/>
+              <a:t>* list)</a:t>
+            </a:r>
+          </a:p>
+          <a:p>
+            <a:r>
+              <a:rPr lang="en-US" altLang="zh-CN" dirty="0" smtClean="0"/>
+              <a:t>{</a:t>
+            </a:r>
+          </a:p>
+          <a:p>
+            <a:r>
+              <a:rPr lang="en-US" altLang="zh-CN" dirty="0"/>
+              <a:t> </a:t>
+            </a:r>
+            <a:r>
+              <a:rPr lang="en-US" altLang="zh-CN" dirty="0" smtClean="0"/>
+              <a:t>   Node* meeting = </a:t>
+            </a:r>
+            <a:r>
+              <a:rPr lang="en-US" altLang="zh-CN" dirty="0" err="1" smtClean="0"/>
               <a:t>list_loop_check</a:t>
             </a:r>
             <a:r>
               <a:rPr lang="en-US" altLang="zh-CN" dirty="0" smtClean="0"/>
-              <a:t>(Node* list)</a:t>
-            </a:r>
-          </a:p>
-          <a:p>
-            <a:r>
-              <a:rPr lang="en-US" altLang="zh-CN" dirty="0" smtClean="0"/>
-              <a:t>{</a:t>
-            </a:r>
-          </a:p>
-          <a:p>
-            <a:r>
-              <a:rPr lang="en-US" altLang="zh-CN" dirty="0" smtClean="0"/>
-              <a:t>    Node* slow = list;</a:t>
+              <a:t>(list);</a:t>
+            </a:r>
+            <a:endParaRPr lang="en-US" altLang="zh-CN" dirty="0" smtClean="0"/>
+          </a:p>
+          <a:p>
+            <a:r>
+              <a:rPr lang="en-US" altLang="zh-CN" dirty="0" smtClean="0"/>
+              <a:t>    if (meeting) {</a:t>
+            </a:r>
+          </a:p>
+          <a:p>
+            <a:r>
+              <a:rPr lang="en-US" altLang="zh-CN" dirty="0" smtClean="0"/>
+              <a:t>        Node</a:t>
+            </a:r>
+            <a:r>
+              <a:rPr lang="en-US" altLang="zh-CN" dirty="0"/>
+              <a:t>* </a:t>
+            </a:r>
+            <a:r>
+              <a:rPr lang="en-US" altLang="zh-CN" dirty="0" smtClean="0"/>
+              <a:t>start1 </a:t>
+            </a:r>
+            <a:r>
+              <a:rPr lang="en-US" altLang="zh-CN" dirty="0"/>
+              <a:t>= list;</a:t>
+            </a:r>
+          </a:p>
+          <a:p>
+            <a:r>
+              <a:rPr lang="en-US" altLang="zh-CN" dirty="0"/>
+              <a:t>    </a:t>
+            </a:r>
+            <a:r>
+              <a:rPr lang="en-US" altLang="zh-CN" dirty="0" smtClean="0"/>
+              <a:t>    Node</a:t>
+            </a:r>
+            <a:r>
+              <a:rPr lang="en-US" altLang="zh-CN" dirty="0"/>
+              <a:t>* </a:t>
+            </a:r>
+            <a:r>
+              <a:rPr lang="en-US" altLang="zh-CN" dirty="0" smtClean="0"/>
+              <a:t>start2 </a:t>
+            </a:r>
+            <a:r>
+              <a:rPr lang="en-US" altLang="zh-CN" dirty="0"/>
+              <a:t>= </a:t>
+            </a:r>
+            <a:r>
+              <a:rPr lang="en-US" altLang="zh-CN" dirty="0" smtClean="0"/>
+              <a:t>meeting;</a:t>
             </a:r>
           </a:p>
           <a:p>
@@ -5634,13 +5943,13 @@
             </a:r>
             <a:r>
               <a:rPr lang="en-US" altLang="zh-CN" dirty="0" smtClean="0"/>
-              <a:t>   Node* fast = list;</a:t>
-            </a:r>
-          </a:p>
-          <a:p>
-            <a:r>
-              <a:rPr lang="en-US" altLang="zh-CN" dirty="0" smtClean="0"/>
-              <a:t>    while(fast-&gt;next) {</a:t>
+              <a:t>       while(start1 != start2) {</a:t>
+            </a:r>
+          </a:p>
+          <a:p>
+            <a:r>
+              <a:rPr lang="en-US" altLang="zh-CN" dirty="0" smtClean="0"/>
+              <a:t>            start1 = start1-&gt;next;</a:t>
             </a:r>
           </a:p>
           <a:p>
@@ -5650,8 +5959,22 @@
             </a:r>
             <a:r>
               <a:rPr lang="en-US" altLang="zh-CN" dirty="0" smtClean="0"/>
-              <a:t>       fast = fast-&gt;next-&gt;next;</a:t>
-            </a:r>
+              <a:t>           start2 = start2-&gt;next;</a:t>
+            </a:r>
+          </a:p>
+          <a:p>
+            <a:r>
+              <a:rPr lang="en-US" altLang="zh-CN" dirty="0" smtClean="0"/>
+              <a:t>        }</a:t>
+            </a:r>
+            <a:endParaRPr lang="en-US" altLang="zh-CN" dirty="0"/>
+          </a:p>
+          <a:p>
+            <a:r>
+              <a:rPr lang="en-US" altLang="zh-CN" dirty="0" smtClean="0"/>
+              <a:t>        return start1;</a:t>
+            </a:r>
+            <a:endParaRPr lang="en-US" altLang="zh-CN" dirty="0" smtClean="0"/>
           </a:p>
           <a:p>
             <a:r>
@@ -5660,7 +5983,7 @@
             </a:r>
             <a:r>
               <a:rPr lang="en-US" altLang="zh-CN" dirty="0" smtClean="0"/>
-              <a:t>       slow = slow-&gt;next;</a:t>
+              <a:t>   }</a:t>
             </a:r>
           </a:p>
           <a:p>
@@ -5670,57 +5993,15 @@
             </a:r>
             <a:r>
               <a:rPr lang="en-US" altLang="zh-CN" dirty="0" smtClean="0"/>
-              <a:t>       if (fast == slow) {</a:t>
-            </a:r>
-          </a:p>
-          <a:p>
-            <a:r>
-              <a:rPr lang="en-US" altLang="zh-CN" dirty="0" smtClean="0"/>
-              <a:t>            return true;</a:t>
-            </a:r>
-            <a:endParaRPr lang="en-US" altLang="zh-CN" dirty="0"/>
-          </a:p>
-          <a:p>
-            <a:r>
-              <a:rPr lang="en-US" altLang="zh-CN" dirty="0" smtClean="0"/>
-              <a:t>        }</a:t>
-            </a:r>
-          </a:p>
-          <a:p>
-            <a:r>
-              <a:rPr lang="en-US" altLang="zh-CN" dirty="0"/>
-              <a:t> </a:t>
-            </a:r>
-            <a:r>
-              <a:rPr lang="en-US" altLang="zh-CN" dirty="0" smtClean="0"/>
-              <a:t>   }</a:t>
-            </a:r>
-          </a:p>
-          <a:p>
-            <a:r>
-              <a:rPr lang="en-US" altLang="zh-CN" dirty="0"/>
-              <a:t> </a:t>
-            </a:r>
-            <a:r>
-              <a:rPr lang="en-US" altLang="zh-CN" dirty="0" smtClean="0"/>
-              <a:t>   return </a:t>
-            </a:r>
-            <a:r>
-              <a:rPr lang="en-US" altLang="zh-CN" dirty="0"/>
-              <a:t>false;</a:t>
+              <a:t>   return NULL;</a:t>
+            </a:r>
+          </a:p>
+          <a:p>
+            <a:r>
+              <a:rPr lang="en-US" altLang="zh-CN" dirty="0"/>
+              <a:t>}</a:t>
             </a:r>
             <a:endParaRPr lang="en-US" altLang="zh-CN" dirty="0" smtClean="0"/>
-          </a:p>
-          <a:p>
-            <a:r>
-              <a:rPr lang="en-US" altLang="zh-CN" dirty="0"/>
-              <a:t>}</a:t>
-            </a:r>
-            <a:r>
-              <a:rPr lang="en-US" altLang="zh-CN" dirty="0" smtClean="0"/>
-              <a:t>        </a:t>
-            </a:r>
-            <a:endParaRPr lang="en-US" altLang="zh-CN" dirty="0"/>
           </a:p>
         </p:txBody>
       </p:sp>
@@ -9583,15 +9864,23 @@
             </a:r>
             <a:r>
               <a:rPr lang="en-US" altLang="zh-CN" dirty="0" smtClean="0"/>
-              <a:t>[c] = </a:t>
-            </a:r>
-            <a:r>
-              <a:rPr lang="en-US" altLang="zh-CN" dirty="0" err="1" smtClean="0"/>
-              <a:t>val</a:t>
-            </a:r>
-            <a:r>
-              <a:rPr lang="en-US" altLang="zh-CN" dirty="0" smtClean="0"/>
-              <a:t>; // swap</a:t>
+              <a:t>[p] </a:t>
+            </a:r>
+            <a:r>
+              <a:rPr lang="en-US" altLang="zh-CN" dirty="0" smtClean="0"/>
+              <a:t>= </a:t>
+            </a:r>
+            <a:r>
+              <a:rPr lang="en-US" altLang="zh-CN" dirty="0" err="1" smtClean="0"/>
+              <a:t>arr</a:t>
+            </a:r>
+            <a:r>
+              <a:rPr lang="en-US" altLang="zh-CN" dirty="0" smtClean="0"/>
+              <a:t>[c]; </a:t>
+            </a:r>
+            <a:r>
+              <a:rPr lang="en-US" altLang="zh-CN" dirty="0" smtClean="0"/>
+              <a:t>// swap</a:t>
             </a:r>
           </a:p>
           <a:p>
@@ -9611,8 +9900,13 @@
             </a:r>
             <a:r>
               <a:rPr lang="en-US" altLang="zh-CN" dirty="0" smtClean="0"/>
-              <a:t>       c = 2*c;</a:t>
-            </a:r>
+              <a:t>       c = </a:t>
+            </a:r>
+            <a:r>
+              <a:rPr lang="en-US" altLang="zh-CN" dirty="0" smtClean="0"/>
+              <a:t>2*p;</a:t>
+            </a:r>
+            <a:endParaRPr lang="en-US" altLang="zh-CN" dirty="0" smtClean="0"/>
           </a:p>
           <a:p>
             <a:r>

--- a/algos_summary.pptx
+++ b/algos_summary.pptx
@@ -23,6 +23,7 @@
     <p:sldId id="272" r:id="rId17"/>
     <p:sldId id="273" r:id="rId18"/>
     <p:sldId id="274" r:id="rId19"/>
+    <p:sldId id="275" r:id="rId20"/>
   </p:sldIdLst>
   <p:sldSz cx="9144000" cy="6858000" type="screen4x3"/>
   <p:notesSz cx="6858000" cy="9144000"/>
@@ -305,7 +306,7 @@
           <a:p>
             <a:fld id="{530820CF-B880-4189-942D-D702A7CBA730}" type="datetimeFigureOut">
               <a:rPr lang="zh-CN" altLang="en-US" smtClean="0"/>
-              <a:t>2018/1/14</a:t>
+              <a:t>2018/1/16</a:t>
             </a:fld>
             <a:endParaRPr lang="zh-CN" altLang="en-US"/>
           </a:p>
@@ -470,7 +471,7 @@
           <a:p>
             <a:fld id="{530820CF-B880-4189-942D-D702A7CBA730}" type="datetimeFigureOut">
               <a:rPr lang="zh-CN" altLang="en-US" smtClean="0"/>
-              <a:t>2018/1/14</a:t>
+              <a:t>2018/1/16</a:t>
             </a:fld>
             <a:endParaRPr lang="zh-CN" altLang="en-US"/>
           </a:p>
@@ -645,7 +646,7 @@
           <a:p>
             <a:fld id="{530820CF-B880-4189-942D-D702A7CBA730}" type="datetimeFigureOut">
               <a:rPr lang="zh-CN" altLang="en-US" smtClean="0"/>
-              <a:t>2018/1/14</a:t>
+              <a:t>2018/1/16</a:t>
             </a:fld>
             <a:endParaRPr lang="zh-CN" altLang="en-US"/>
           </a:p>
@@ -810,7 +811,7 @@
           <a:p>
             <a:fld id="{530820CF-B880-4189-942D-D702A7CBA730}" type="datetimeFigureOut">
               <a:rPr lang="zh-CN" altLang="en-US" smtClean="0"/>
-              <a:t>2018/1/14</a:t>
+              <a:t>2018/1/16</a:t>
             </a:fld>
             <a:endParaRPr lang="zh-CN" altLang="en-US"/>
           </a:p>
@@ -1051,7 +1052,7 @@
           <a:p>
             <a:fld id="{530820CF-B880-4189-942D-D702A7CBA730}" type="datetimeFigureOut">
               <a:rPr lang="zh-CN" altLang="en-US" smtClean="0"/>
-              <a:t>2018/1/14</a:t>
+              <a:t>2018/1/16</a:t>
             </a:fld>
             <a:endParaRPr lang="zh-CN" altLang="en-US"/>
           </a:p>
@@ -1334,7 +1335,7 @@
           <a:p>
             <a:fld id="{530820CF-B880-4189-942D-D702A7CBA730}" type="datetimeFigureOut">
               <a:rPr lang="zh-CN" altLang="en-US" smtClean="0"/>
-              <a:t>2018/1/14</a:t>
+              <a:t>2018/1/16</a:t>
             </a:fld>
             <a:endParaRPr lang="zh-CN" altLang="en-US"/>
           </a:p>
@@ -1751,7 +1752,7 @@
           <a:p>
             <a:fld id="{530820CF-B880-4189-942D-D702A7CBA730}" type="datetimeFigureOut">
               <a:rPr lang="zh-CN" altLang="en-US" smtClean="0"/>
-              <a:t>2018/1/14</a:t>
+              <a:t>2018/1/16</a:t>
             </a:fld>
             <a:endParaRPr lang="zh-CN" altLang="en-US"/>
           </a:p>
@@ -1864,7 +1865,7 @@
           <a:p>
             <a:fld id="{530820CF-B880-4189-942D-D702A7CBA730}" type="datetimeFigureOut">
               <a:rPr lang="zh-CN" altLang="en-US" smtClean="0"/>
-              <a:t>2018/1/14</a:t>
+              <a:t>2018/1/16</a:t>
             </a:fld>
             <a:endParaRPr lang="zh-CN" altLang="en-US"/>
           </a:p>
@@ -1954,7 +1955,7 @@
           <a:p>
             <a:fld id="{530820CF-B880-4189-942D-D702A7CBA730}" type="datetimeFigureOut">
               <a:rPr lang="zh-CN" altLang="en-US" smtClean="0"/>
-              <a:t>2018/1/14</a:t>
+              <a:t>2018/1/16</a:t>
             </a:fld>
             <a:endParaRPr lang="zh-CN" altLang="en-US"/>
           </a:p>
@@ -2226,7 +2227,7 @@
           <a:p>
             <a:fld id="{530820CF-B880-4189-942D-D702A7CBA730}" type="datetimeFigureOut">
               <a:rPr lang="zh-CN" altLang="en-US" smtClean="0"/>
-              <a:t>2018/1/14</a:t>
+              <a:t>2018/1/16</a:t>
             </a:fld>
             <a:endParaRPr lang="zh-CN" altLang="en-US"/>
           </a:p>
@@ -2474,7 +2475,7 @@
           <a:p>
             <a:fld id="{530820CF-B880-4189-942D-D702A7CBA730}" type="datetimeFigureOut">
               <a:rPr lang="zh-CN" altLang="en-US" smtClean="0"/>
-              <a:t>2018/1/14</a:t>
+              <a:t>2018/1/16</a:t>
             </a:fld>
             <a:endParaRPr lang="zh-CN" altLang="en-US"/>
           </a:p>
@@ -2682,7 +2683,7 @@
           <a:p>
             <a:fld id="{530820CF-B880-4189-942D-D702A7CBA730}" type="datetimeFigureOut">
               <a:rPr lang="zh-CN" altLang="en-US" smtClean="0"/>
-              <a:t>2018/1/14</a:t>
+              <a:t>2018/1/16</a:t>
             </a:fld>
             <a:endParaRPr lang="zh-CN" altLang="en-US"/>
           </a:p>
@@ -5358,31 +5359,26 @@
             </a:r>
             <a:r>
               <a:rPr lang="en-US" altLang="zh-CN" dirty="0" smtClean="0"/>
-              <a:t> = second-&gt;next</a:t>
+              <a:t> = second-&gt;next;</a:t>
+            </a:r>
+          </a:p>
+          <a:p>
+            <a:r>
+              <a:rPr lang="en-US" altLang="zh-CN" dirty="0"/>
+              <a:t> </a:t>
+            </a:r>
+            <a:r>
+              <a:rPr lang="en-US" altLang="zh-CN" dirty="0" smtClean="0"/>
+              <a:t>       second = </a:t>
+            </a:r>
+            <a:r>
+              <a:rPr lang="en-US" altLang="zh-CN" dirty="0" err="1" smtClean="0"/>
+              <a:t>curr</a:t>
             </a:r>
             <a:r>
               <a:rPr lang="en-US" altLang="zh-CN" dirty="0" smtClean="0"/>
               <a:t>;</a:t>
             </a:r>
-          </a:p>
-          <a:p>
-            <a:r>
-              <a:rPr lang="en-US" altLang="zh-CN" dirty="0"/>
-              <a:t> </a:t>
-            </a:r>
-            <a:r>
-              <a:rPr lang="en-US" altLang="zh-CN" dirty="0" smtClean="0"/>
-              <a:t>       second = </a:t>
-            </a:r>
-            <a:r>
-              <a:rPr lang="en-US" altLang="zh-CN" dirty="0" err="1" smtClean="0"/>
-              <a:t>curr</a:t>
-            </a:r>
-            <a:r>
-              <a:rPr lang="en-US" altLang="zh-CN" dirty="0" smtClean="0"/>
-              <a:t>;</a:t>
-            </a:r>
-            <a:endParaRPr lang="en-US" altLang="zh-CN" dirty="0" smtClean="0"/>
           </a:p>
           <a:p>
             <a:r>
@@ -5541,11 +5537,7 @@
           <a:p>
             <a:r>
               <a:rPr lang="zh-CN" altLang="en-US" dirty="0" smtClean="0"/>
-              <a:t>环检测：快慢</a:t>
-            </a:r>
-            <a:r>
-              <a:rPr lang="zh-CN" altLang="en-US" dirty="0" smtClean="0"/>
-              <a:t>指针。</a:t>
+              <a:t>环检测：快慢指针。</a:t>
             </a:r>
             <a:r>
               <a:rPr lang="zh-CN" altLang="en-US" dirty="0" smtClean="0">
@@ -5675,31 +5667,43 @@
           <a:p>
             <a:r>
               <a:rPr lang="en-US" altLang="zh-CN" dirty="0" smtClean="0"/>
-              <a:t>Node*</a:t>
-            </a:r>
-            <a:r>
-              <a:rPr lang="en-US" altLang="zh-CN" dirty="0" smtClean="0"/>
+              <a:t>Node* </a:t>
+            </a:r>
+            <a:r>
+              <a:rPr lang="en-US" altLang="zh-CN" dirty="0" err="1" smtClean="0"/>
+              <a:t>list_loop_check</a:t>
+            </a:r>
+            <a:r>
+              <a:rPr lang="en-US" altLang="zh-CN" dirty="0" smtClean="0"/>
+              <a:t>(Node* list)</a:t>
+            </a:r>
+          </a:p>
+          <a:p>
+            <a:r>
+              <a:rPr lang="en-US" altLang="zh-CN" dirty="0" smtClean="0"/>
+              <a:t>{</a:t>
+            </a:r>
+          </a:p>
+          <a:p>
+            <a:r>
+              <a:rPr lang="en-US" altLang="zh-CN" dirty="0" smtClean="0"/>
+              <a:t>    Node* slow = list;</a:t>
+            </a:r>
+          </a:p>
+          <a:p>
+            <a:r>
+              <a:rPr lang="en-US" altLang="zh-CN" dirty="0"/>
               <a:t> </a:t>
             </a:r>
             <a:r>
-              <a:rPr lang="en-US" altLang="zh-CN" dirty="0" err="1" smtClean="0"/>
-              <a:t>list_loop_check</a:t>
-            </a:r>
-            <a:r>
-              <a:rPr lang="en-US" altLang="zh-CN" dirty="0" smtClean="0"/>
-              <a:t>(Node* list)</a:t>
-            </a:r>
-          </a:p>
-          <a:p>
-            <a:r>
-              <a:rPr lang="en-US" altLang="zh-CN" dirty="0" smtClean="0"/>
-              <a:t>{</a:t>
-            </a:r>
-          </a:p>
-          <a:p>
-            <a:r>
-              <a:rPr lang="en-US" altLang="zh-CN" dirty="0" smtClean="0"/>
-              <a:t>    Node* slow = list;</a:t>
+              <a:rPr lang="en-US" altLang="zh-CN" dirty="0" smtClean="0"/>
+              <a:t>   Node* fast = list;</a:t>
+            </a:r>
+          </a:p>
+          <a:p>
+            <a:r>
+              <a:rPr lang="en-US" altLang="zh-CN" dirty="0" smtClean="0"/>
+              <a:t>    while(fast-&gt;next) {</a:t>
             </a:r>
           </a:p>
           <a:p>
@@ -5709,13 +5713,7 @@
             </a:r>
             <a:r>
               <a:rPr lang="en-US" altLang="zh-CN" dirty="0" smtClean="0"/>
-              <a:t>   Node* fast = list;</a:t>
-            </a:r>
-          </a:p>
-          <a:p>
-            <a:r>
-              <a:rPr lang="en-US" altLang="zh-CN" dirty="0" smtClean="0"/>
-              <a:t>    while(fast-&gt;next) {</a:t>
+              <a:t>       fast = fast-&gt;next-&gt;next;</a:t>
             </a:r>
           </a:p>
           <a:p>
@@ -5725,7 +5723,7 @@
             </a:r>
             <a:r>
               <a:rPr lang="en-US" altLang="zh-CN" dirty="0" smtClean="0"/>
-              <a:t>       fast = fast-&gt;next-&gt;next;</a:t>
+              <a:t>       slow = slow-&gt;next;</a:t>
             </a:r>
           </a:p>
           <a:p>
@@ -5735,7 +5733,20 @@
             </a:r>
             <a:r>
               <a:rPr lang="en-US" altLang="zh-CN" dirty="0" smtClean="0"/>
-              <a:t>       slow = slow-&gt;next;</a:t>
+              <a:t>       if (fast == slow) {</a:t>
+            </a:r>
+          </a:p>
+          <a:p>
+            <a:r>
+              <a:rPr lang="en-US" altLang="zh-CN" dirty="0" smtClean="0"/>
+              <a:t>            return slow;</a:t>
+            </a:r>
+            <a:endParaRPr lang="en-US" altLang="zh-CN" dirty="0"/>
+          </a:p>
+          <a:p>
+            <a:r>
+              <a:rPr lang="en-US" altLang="zh-CN" dirty="0" smtClean="0"/>
+              <a:t>        }</a:t>
             </a:r>
           </a:p>
           <a:p>
@@ -5745,24 +5756,7 @@
             </a:r>
             <a:r>
               <a:rPr lang="en-US" altLang="zh-CN" dirty="0" smtClean="0"/>
-              <a:t>       if (fast == slow) {</a:t>
-            </a:r>
-          </a:p>
-          <a:p>
-            <a:r>
-              <a:rPr lang="en-US" altLang="zh-CN" dirty="0" smtClean="0"/>
-              <a:t>            return </a:t>
-            </a:r>
-            <a:r>
-              <a:rPr lang="en-US" altLang="zh-CN" dirty="0" smtClean="0"/>
-              <a:t>slow;</a:t>
-            </a:r>
-            <a:endParaRPr lang="en-US" altLang="zh-CN" dirty="0"/>
-          </a:p>
-          <a:p>
-            <a:r>
-              <a:rPr lang="en-US" altLang="zh-CN" dirty="0" smtClean="0"/>
-              <a:t>        }</a:t>
+              <a:t>   }</a:t>
             </a:r>
           </a:p>
           <a:p>
@@ -5772,27 +5766,8 @@
             </a:r>
             <a:r>
               <a:rPr lang="en-US" altLang="zh-CN" dirty="0" smtClean="0"/>
-              <a:t>   }</a:t>
-            </a:r>
-          </a:p>
-          <a:p>
-            <a:r>
-              <a:rPr lang="en-US" altLang="zh-CN" dirty="0"/>
-              <a:t> </a:t>
-            </a:r>
-            <a:r>
-              <a:rPr lang="en-US" altLang="zh-CN" dirty="0" smtClean="0"/>
-              <a:t>   return </a:t>
-            </a:r>
-            <a:r>
-              <a:rPr lang="en-US" altLang="zh-CN" dirty="0" smtClean="0"/>
-              <a:t>NULL</a:t>
-            </a:r>
-            <a:r>
-              <a:rPr lang="en-US" altLang="zh-CN" dirty="0" smtClean="0"/>
-              <a:t>;</a:t>
-            </a:r>
-            <a:endParaRPr lang="en-US" altLang="zh-CN" dirty="0" smtClean="0"/>
+              <a:t>   return NULL;</a:t>
+            </a:r>
           </a:p>
           <a:p>
             <a:r>
@@ -5854,11 +5829,7 @@
             </a:r>
             <a:r>
               <a:rPr lang="en-US" altLang="zh-CN" dirty="0" smtClean="0"/>
-              <a:t>(Node</a:t>
-            </a:r>
-            <a:r>
-              <a:rPr lang="en-US" altLang="zh-CN" dirty="0" smtClean="0"/>
-              <a:t>* list)</a:t>
+              <a:t>(Node* list)</a:t>
             </a:r>
           </a:p>
           <a:p>
@@ -5884,7 +5855,6 @@
               <a:rPr lang="en-US" altLang="zh-CN" dirty="0" smtClean="0"/>
               <a:t>(list);</a:t>
             </a:r>
-            <a:endParaRPr lang="en-US" altLang="zh-CN" dirty="0" smtClean="0"/>
           </a:p>
           <a:p>
             <a:r>
@@ -5974,7 +5944,6 @@
               <a:rPr lang="en-US" altLang="zh-CN" dirty="0" smtClean="0"/>
               <a:t>        return start1;</a:t>
             </a:r>
-            <a:endParaRPr lang="en-US" altLang="zh-CN" dirty="0" smtClean="0"/>
           </a:p>
           <a:p>
             <a:r>
@@ -6494,6 +6463,328 @@
     <p:extLst>
       <p:ext uri="{BB962C8B-B14F-4D97-AF65-F5344CB8AC3E}">
         <p14:creationId xmlns:p14="http://schemas.microsoft.com/office/powerpoint/2010/main" val="2493793980"/>
+      </p:ext>
+    </p:extLst>
+  </p:cSld>
+  <p:clrMapOvr>
+    <a:masterClrMapping/>
+  </p:clrMapOvr>
+  <p:timing>
+    <p:tnLst>
+      <p:par>
+        <p:cTn id="1" dur="indefinite" restart="never" nodeType="tmRoot"/>
+      </p:par>
+    </p:tnLst>
+  </p:timing>
+</p:sld>
+</file>
+
+<file path=ppt/slides/slide19.xml><?xml version="1.0" encoding="utf-8"?>
+<p:sld xmlns:a="http://schemas.openxmlformats.org/drawingml/2006/main" xmlns:r="http://schemas.openxmlformats.org/officeDocument/2006/relationships" xmlns:p="http://schemas.openxmlformats.org/presentationml/2006/main">
+  <p:cSld>
+    <p:spTree>
+      <p:nvGrpSpPr>
+        <p:cNvPr id="1" name=""/>
+        <p:cNvGrpSpPr/>
+        <p:nvPr/>
+      </p:nvGrpSpPr>
+      <p:grpSpPr>
+        <a:xfrm>
+          <a:off x="0" y="0"/>
+          <a:ext cx="0" cy="0"/>
+          <a:chOff x="0" y="0"/>
+          <a:chExt cx="0" cy="0"/>
+        </a:xfrm>
+      </p:grpSpPr>
+      <p:sp>
+        <p:nvSpPr>
+          <p:cNvPr id="6" name="TextBox 5"/>
+          <p:cNvSpPr txBox="1"/>
+          <p:nvPr/>
+        </p:nvSpPr>
+        <p:spPr>
+          <a:xfrm>
+            <a:off x="755576" y="332656"/>
+            <a:ext cx="3600400" cy="400110"/>
+          </a:xfrm>
+          <a:prstGeom prst="rect">
+            <a:avLst/>
+          </a:prstGeom>
+          <a:noFill/>
+        </p:spPr>
+        <p:txBody>
+          <a:bodyPr wrap="square" rtlCol="0">
+            <a:spAutoFit/>
+          </a:bodyPr>
+          <a:lstStyle/>
+          <a:p>
+            <a:r>
+              <a:rPr lang="en-US" altLang="zh-CN" sz="2000" dirty="0" smtClean="0"/>
+              <a:t>12 </a:t>
+            </a:r>
+            <a:r>
+              <a:rPr lang="zh-CN" altLang="en-US" sz="2000" dirty="0" smtClean="0"/>
+              <a:t>设计模式</a:t>
+            </a:r>
+            <a:endParaRPr lang="zh-CN" altLang="en-US" sz="2000" dirty="0"/>
+          </a:p>
+        </p:txBody>
+      </p:sp>
+      <p:sp>
+        <p:nvSpPr>
+          <p:cNvPr id="3" name="TextBox 2"/>
+          <p:cNvSpPr txBox="1"/>
+          <p:nvPr/>
+        </p:nvSpPr>
+        <p:spPr>
+          <a:xfrm>
+            <a:off x="683568" y="716503"/>
+            <a:ext cx="7848872" cy="5632311"/>
+          </a:xfrm>
+          <a:prstGeom prst="rect">
+            <a:avLst/>
+          </a:prstGeom>
+          <a:noFill/>
+        </p:spPr>
+        <p:txBody>
+          <a:bodyPr wrap="square" rtlCol="0">
+            <a:spAutoFit/>
+          </a:bodyPr>
+          <a:lstStyle/>
+          <a:p>
+            <a:r>
+              <a:rPr lang="en-US" altLang="zh-CN" dirty="0" smtClean="0"/>
+              <a:t>factory</a:t>
+            </a:r>
+            <a:r>
+              <a:rPr lang="zh-CN" altLang="en-US" dirty="0" smtClean="0"/>
+              <a:t>模式：</a:t>
+            </a:r>
+            <a:endParaRPr lang="en-US" altLang="zh-CN" dirty="0" smtClean="0"/>
+          </a:p>
+          <a:p>
+            <a:r>
+              <a:rPr lang="zh-CN" altLang="en-US" dirty="0" smtClean="0"/>
+              <a:t>通过工厂方法生成对应类型的对象。</a:t>
+            </a:r>
+            <a:endParaRPr lang="en-US" altLang="zh-CN" dirty="0" smtClean="0"/>
+          </a:p>
+          <a:p>
+            <a:r>
+              <a:rPr lang="en-US" altLang="zh-CN" dirty="0"/>
+              <a:t>facade</a:t>
+            </a:r>
+            <a:r>
+              <a:rPr lang="zh-CN" altLang="en-US" dirty="0" smtClean="0"/>
+              <a:t>模式：</a:t>
+            </a:r>
+            <a:endParaRPr lang="en-US" altLang="zh-CN" dirty="0" smtClean="0"/>
+          </a:p>
+          <a:p>
+            <a:r>
+              <a:rPr lang="zh-CN" altLang="en-US" dirty="0" smtClean="0"/>
+              <a:t>俗称的</a:t>
+            </a:r>
+            <a:r>
+              <a:rPr lang="en-US" altLang="zh-CN" dirty="0" smtClean="0"/>
+              <a:t>wrapper</a:t>
+            </a:r>
+            <a:r>
+              <a:rPr lang="zh-CN" altLang="en-US" dirty="0" smtClean="0"/>
+              <a:t>，对对象进行封装，对原有功能进行整合或隐藏。</a:t>
+            </a:r>
+            <a:endParaRPr lang="en-US" altLang="zh-CN" dirty="0" smtClean="0"/>
+          </a:p>
+          <a:p>
+            <a:r>
+              <a:rPr lang="en-US" altLang="zh-CN" dirty="0"/>
+              <a:t>s</a:t>
+            </a:r>
+            <a:r>
+              <a:rPr lang="en-US" altLang="zh-CN" dirty="0" smtClean="0"/>
+              <a:t>ingleton</a:t>
+            </a:r>
+            <a:r>
+              <a:rPr lang="zh-CN" altLang="en-US" dirty="0" smtClean="0"/>
+              <a:t>模式：</a:t>
+            </a:r>
+            <a:endParaRPr lang="en-US" altLang="zh-CN" dirty="0" smtClean="0"/>
+          </a:p>
+          <a:p>
+            <a:r>
+              <a:rPr lang="zh-CN" altLang="en-US" dirty="0"/>
+              <a:t>单</a:t>
+            </a:r>
+            <a:r>
+              <a:rPr lang="zh-CN" altLang="en-US" dirty="0" smtClean="0"/>
+              <a:t>例模式，一般用于某些全局性的对象。</a:t>
+            </a:r>
+            <a:endParaRPr lang="en-US" altLang="zh-CN" dirty="0" smtClean="0"/>
+          </a:p>
+          <a:p>
+            <a:r>
+              <a:rPr lang="en-US" altLang="zh-CN" dirty="0"/>
+              <a:t>c</a:t>
+            </a:r>
+            <a:r>
+              <a:rPr lang="en-US" altLang="zh-CN" dirty="0" smtClean="0"/>
+              <a:t>omposite</a:t>
+            </a:r>
+            <a:r>
+              <a:rPr lang="zh-CN" altLang="en-US" dirty="0" smtClean="0"/>
+              <a:t>模式：</a:t>
+            </a:r>
+            <a:endParaRPr lang="en-US" altLang="zh-CN" dirty="0" smtClean="0"/>
+          </a:p>
+          <a:p>
+            <a:r>
+              <a:rPr lang="zh-CN" altLang="en-US" dirty="0"/>
+              <a:t>一</a:t>
+            </a:r>
+            <a:r>
+              <a:rPr lang="zh-CN" altLang="en-US" dirty="0" smtClean="0"/>
+              <a:t>个类里面组合其他类的对象，一般是关联对象或整体和部分的关系。</a:t>
+            </a:r>
+            <a:endParaRPr lang="en-US" altLang="zh-CN" dirty="0" smtClean="0"/>
+          </a:p>
+          <a:p>
+            <a:r>
+              <a:rPr lang="en-US" altLang="zh-CN" dirty="0"/>
+              <a:t>s</a:t>
+            </a:r>
+            <a:r>
+              <a:rPr lang="en-US" altLang="zh-CN" dirty="0" smtClean="0"/>
+              <a:t>trategy</a:t>
+            </a:r>
+            <a:r>
+              <a:rPr lang="zh-CN" altLang="en-US" dirty="0" smtClean="0"/>
+              <a:t>模式：</a:t>
+            </a:r>
+            <a:endParaRPr lang="en-US" altLang="zh-CN" dirty="0" smtClean="0"/>
+          </a:p>
+          <a:p>
+            <a:r>
+              <a:rPr lang="zh-CN" altLang="en-US" dirty="0" smtClean="0"/>
+              <a:t>策略模式，一般用于把逻辑复杂的控制代码抽象出来，提高程序的简单性。</a:t>
+            </a:r>
+            <a:endParaRPr lang="en-US" altLang="zh-CN" dirty="0" smtClean="0"/>
+          </a:p>
+          <a:p>
+            <a:r>
+              <a:rPr lang="en-US" altLang="zh-CN" dirty="0"/>
+              <a:t>a</a:t>
+            </a:r>
+            <a:r>
+              <a:rPr lang="en-US" altLang="zh-CN" dirty="0" smtClean="0"/>
+              <a:t>dapter</a:t>
+            </a:r>
+            <a:r>
+              <a:rPr lang="zh-CN" altLang="en-US" dirty="0" smtClean="0"/>
+              <a:t>模式：</a:t>
+            </a:r>
+            <a:endParaRPr lang="en-US" altLang="zh-CN" dirty="0" smtClean="0"/>
+          </a:p>
+          <a:p>
+            <a:r>
+              <a:rPr lang="zh-CN" altLang="en-US" dirty="0"/>
+              <a:t>适</a:t>
+            </a:r>
+            <a:r>
+              <a:rPr lang="zh-CN" altLang="en-US" dirty="0" smtClean="0"/>
+              <a:t>配模式，一般用于对现有对象进行修改封装，用于其他地方的调用。</a:t>
+            </a:r>
+            <a:endParaRPr lang="en-US" altLang="zh-CN" dirty="0" smtClean="0"/>
+          </a:p>
+          <a:p>
+            <a:r>
+              <a:rPr lang="en-US" altLang="zh-CN" dirty="0"/>
+              <a:t>f</a:t>
+            </a:r>
+            <a:r>
+              <a:rPr lang="en-US" altLang="zh-CN" dirty="0" smtClean="0"/>
+              <a:t>lyweight</a:t>
+            </a:r>
+            <a:r>
+              <a:rPr lang="zh-CN" altLang="en-US" dirty="0" smtClean="0"/>
+              <a:t>模式：</a:t>
+            </a:r>
+            <a:endParaRPr lang="en-US" altLang="zh-CN" dirty="0" smtClean="0"/>
+          </a:p>
+          <a:p>
+            <a:r>
+              <a:rPr lang="zh-CN" altLang="en-US" dirty="0" smtClean="0"/>
+              <a:t>对一些对象的公共属性提取出来集中存储，减少大量重复对象的创建。</a:t>
+            </a:r>
+            <a:endParaRPr lang="en-US" altLang="zh-CN" dirty="0" smtClean="0"/>
+          </a:p>
+          <a:p>
+            <a:r>
+              <a:rPr lang="en-US" altLang="zh-CN" dirty="0"/>
+              <a:t>d</a:t>
+            </a:r>
+            <a:r>
+              <a:rPr lang="en-US" altLang="zh-CN" dirty="0" smtClean="0"/>
+              <a:t>elegate</a:t>
+            </a:r>
+            <a:r>
+              <a:rPr lang="zh-CN" altLang="en-US" dirty="0" smtClean="0"/>
+              <a:t>模式：</a:t>
+            </a:r>
+            <a:endParaRPr lang="en-US" altLang="zh-CN" dirty="0" smtClean="0"/>
+          </a:p>
+          <a:p>
+            <a:r>
+              <a:rPr lang="zh-CN" altLang="en-US" dirty="0" smtClean="0"/>
+              <a:t>将本对象的操作代理到另外的对象。</a:t>
+            </a:r>
+            <a:endParaRPr lang="en-US" altLang="zh-CN" dirty="0" smtClean="0"/>
+          </a:p>
+          <a:p>
+            <a:r>
+              <a:rPr lang="en-US" altLang="zh-CN" dirty="0"/>
+              <a:t>p</a:t>
+            </a:r>
+            <a:r>
+              <a:rPr lang="en-US" altLang="zh-CN" dirty="0" smtClean="0"/>
+              <a:t>rototype</a:t>
+            </a:r>
+            <a:r>
+              <a:rPr lang="zh-CN" altLang="en-US" dirty="0" smtClean="0"/>
+              <a:t>模式：</a:t>
+            </a:r>
+            <a:endParaRPr lang="en-US" altLang="zh-CN" dirty="0" smtClean="0"/>
+          </a:p>
+          <a:p>
+            <a:r>
+              <a:rPr lang="zh-CN" altLang="en-US" dirty="0" smtClean="0"/>
+              <a:t>以一个对象来创建另外一个对象，降低对象重复创建的代价。</a:t>
+            </a:r>
+            <a:endParaRPr lang="en-US" altLang="zh-CN" dirty="0" smtClean="0"/>
+          </a:p>
+          <a:p>
+            <a:r>
+              <a:rPr lang="en-US" altLang="zh-CN" dirty="0" smtClean="0"/>
+              <a:t>builder</a:t>
+            </a:r>
+            <a:r>
+              <a:rPr lang="zh-CN" altLang="en-US" dirty="0" smtClean="0"/>
+              <a:t>模式：</a:t>
+            </a:r>
+            <a:endParaRPr lang="en-US" altLang="zh-CN" dirty="0" smtClean="0"/>
+          </a:p>
+          <a:p>
+            <a:r>
+              <a:rPr lang="zh-CN" altLang="en-US" dirty="0" smtClean="0"/>
+              <a:t>通过多个子对象的创建来完成整个对象或过程的创建。</a:t>
+            </a:r>
+            <a:endParaRPr lang="en-US" altLang="zh-CN" dirty="0"/>
+          </a:p>
+        </p:txBody>
+      </p:sp>
+    </p:spTree>
+    <p:extLst>
+      <p:ext uri="{BB962C8B-B14F-4D97-AF65-F5344CB8AC3E}">
+        <p14:creationId xmlns:p14="http://schemas.microsoft.com/office/powerpoint/2010/main" val="3772795432"/>
       </p:ext>
     </p:extLst>
   </p:cSld>
@@ -9864,11 +10155,7 @@
             </a:r>
             <a:r>
               <a:rPr lang="en-US" altLang="zh-CN" dirty="0" smtClean="0"/>
-              <a:t>[p] </a:t>
-            </a:r>
-            <a:r>
-              <a:rPr lang="en-US" altLang="zh-CN" dirty="0" smtClean="0"/>
-              <a:t>= </a:t>
+              <a:t>[p] = </a:t>
             </a:r>
             <a:r>
               <a:rPr lang="en-US" altLang="zh-CN" dirty="0" err="1" smtClean="0"/>
@@ -9876,11 +10163,7 @@
             </a:r>
             <a:r>
               <a:rPr lang="en-US" altLang="zh-CN" dirty="0" smtClean="0"/>
-              <a:t>[c]; </a:t>
-            </a:r>
-            <a:r>
-              <a:rPr lang="en-US" altLang="zh-CN" dirty="0" smtClean="0"/>
-              <a:t>// swap</a:t>
+              <a:t>[c]; // swap</a:t>
             </a:r>
           </a:p>
           <a:p>
@@ -9900,13 +10183,8 @@
             </a:r>
             <a:r>
               <a:rPr lang="en-US" altLang="zh-CN" dirty="0" smtClean="0"/>
-              <a:t>       c = </a:t>
-            </a:r>
-            <a:r>
-              <a:rPr lang="en-US" altLang="zh-CN" dirty="0" smtClean="0"/>
-              <a:t>2*p;</a:t>
-            </a:r>
-            <a:endParaRPr lang="en-US" altLang="zh-CN" dirty="0" smtClean="0"/>
+              <a:t>       c = 2*p;</a:t>
+            </a:r>
           </a:p>
           <a:p>
             <a:r>

--- a/algos_summary.pptx
+++ b/algos_summary.pptx
@@ -24,6 +24,11 @@
     <p:sldId id="273" r:id="rId18"/>
     <p:sldId id="274" r:id="rId19"/>
     <p:sldId id="275" r:id="rId20"/>
+    <p:sldId id="276" r:id="rId21"/>
+    <p:sldId id="277" r:id="rId22"/>
+    <p:sldId id="278" r:id="rId23"/>
+    <p:sldId id="279" r:id="rId24"/>
+    <p:sldId id="280" r:id="rId25"/>
   </p:sldIdLst>
   <p:sldSz cx="9144000" cy="6858000" type="screen4x3"/>
   <p:notesSz cx="6858000" cy="9144000"/>
@@ -306,7 +311,7 @@
           <a:p>
             <a:fld id="{530820CF-B880-4189-942D-D702A7CBA730}" type="datetimeFigureOut">
               <a:rPr lang="zh-CN" altLang="en-US" smtClean="0"/>
-              <a:t>2018/1/16</a:t>
+              <a:t>2018/1/19</a:t>
             </a:fld>
             <a:endParaRPr lang="zh-CN" altLang="en-US"/>
           </a:p>
@@ -471,7 +476,7 @@
           <a:p>
             <a:fld id="{530820CF-B880-4189-942D-D702A7CBA730}" type="datetimeFigureOut">
               <a:rPr lang="zh-CN" altLang="en-US" smtClean="0"/>
-              <a:t>2018/1/16</a:t>
+              <a:t>2018/1/19</a:t>
             </a:fld>
             <a:endParaRPr lang="zh-CN" altLang="en-US"/>
           </a:p>
@@ -646,7 +651,7 @@
           <a:p>
             <a:fld id="{530820CF-B880-4189-942D-D702A7CBA730}" type="datetimeFigureOut">
               <a:rPr lang="zh-CN" altLang="en-US" smtClean="0"/>
-              <a:t>2018/1/16</a:t>
+              <a:t>2018/1/19</a:t>
             </a:fld>
             <a:endParaRPr lang="zh-CN" altLang="en-US"/>
           </a:p>
@@ -811,7 +816,7 @@
           <a:p>
             <a:fld id="{530820CF-B880-4189-942D-D702A7CBA730}" type="datetimeFigureOut">
               <a:rPr lang="zh-CN" altLang="en-US" smtClean="0"/>
-              <a:t>2018/1/16</a:t>
+              <a:t>2018/1/19</a:t>
             </a:fld>
             <a:endParaRPr lang="zh-CN" altLang="en-US"/>
           </a:p>
@@ -1052,7 +1057,7 @@
           <a:p>
             <a:fld id="{530820CF-B880-4189-942D-D702A7CBA730}" type="datetimeFigureOut">
               <a:rPr lang="zh-CN" altLang="en-US" smtClean="0"/>
-              <a:t>2018/1/16</a:t>
+              <a:t>2018/1/19</a:t>
             </a:fld>
             <a:endParaRPr lang="zh-CN" altLang="en-US"/>
           </a:p>
@@ -1335,7 +1340,7 @@
           <a:p>
             <a:fld id="{530820CF-B880-4189-942D-D702A7CBA730}" type="datetimeFigureOut">
               <a:rPr lang="zh-CN" altLang="en-US" smtClean="0"/>
-              <a:t>2018/1/16</a:t>
+              <a:t>2018/1/19</a:t>
             </a:fld>
             <a:endParaRPr lang="zh-CN" altLang="en-US"/>
           </a:p>
@@ -1752,7 +1757,7 @@
           <a:p>
             <a:fld id="{530820CF-B880-4189-942D-D702A7CBA730}" type="datetimeFigureOut">
               <a:rPr lang="zh-CN" altLang="en-US" smtClean="0"/>
-              <a:t>2018/1/16</a:t>
+              <a:t>2018/1/19</a:t>
             </a:fld>
             <a:endParaRPr lang="zh-CN" altLang="en-US"/>
           </a:p>
@@ -1865,7 +1870,7 @@
           <a:p>
             <a:fld id="{530820CF-B880-4189-942D-D702A7CBA730}" type="datetimeFigureOut">
               <a:rPr lang="zh-CN" altLang="en-US" smtClean="0"/>
-              <a:t>2018/1/16</a:t>
+              <a:t>2018/1/19</a:t>
             </a:fld>
             <a:endParaRPr lang="zh-CN" altLang="en-US"/>
           </a:p>
@@ -1955,7 +1960,7 @@
           <a:p>
             <a:fld id="{530820CF-B880-4189-942D-D702A7CBA730}" type="datetimeFigureOut">
               <a:rPr lang="zh-CN" altLang="en-US" smtClean="0"/>
-              <a:t>2018/1/16</a:t>
+              <a:t>2018/1/19</a:t>
             </a:fld>
             <a:endParaRPr lang="zh-CN" altLang="en-US"/>
           </a:p>
@@ -2227,7 +2232,7 @@
           <a:p>
             <a:fld id="{530820CF-B880-4189-942D-D702A7CBA730}" type="datetimeFigureOut">
               <a:rPr lang="zh-CN" altLang="en-US" smtClean="0"/>
-              <a:t>2018/1/16</a:t>
+              <a:t>2018/1/19</a:t>
             </a:fld>
             <a:endParaRPr lang="zh-CN" altLang="en-US"/>
           </a:p>
@@ -2475,7 +2480,7 @@
           <a:p>
             <a:fld id="{530820CF-B880-4189-942D-D702A7CBA730}" type="datetimeFigureOut">
               <a:rPr lang="zh-CN" altLang="en-US" smtClean="0"/>
-              <a:t>2018/1/16</a:t>
+              <a:t>2018/1/19</a:t>
             </a:fld>
             <a:endParaRPr lang="zh-CN" altLang="en-US"/>
           </a:p>
@@ -2683,7 +2688,7 @@
           <a:p>
             <a:fld id="{530820CF-B880-4189-942D-D702A7CBA730}" type="datetimeFigureOut">
               <a:rPr lang="zh-CN" altLang="en-US" smtClean="0"/>
-              <a:t>2018/1/16</a:t>
+              <a:t>2018/1/19</a:t>
             </a:fld>
             <a:endParaRPr lang="zh-CN" altLang="en-US"/>
           </a:p>
@@ -7399,6 +7404,1154 @@
 </p:sld>
 </file>
 
+<file path=ppt/slides/slide20.xml><?xml version="1.0" encoding="utf-8"?>
+<p:sld xmlns:a="http://schemas.openxmlformats.org/drawingml/2006/main" xmlns:r="http://schemas.openxmlformats.org/officeDocument/2006/relationships" xmlns:p="http://schemas.openxmlformats.org/presentationml/2006/main">
+  <p:cSld>
+    <p:spTree>
+      <p:nvGrpSpPr>
+        <p:cNvPr id="1" name=""/>
+        <p:cNvGrpSpPr/>
+        <p:nvPr/>
+      </p:nvGrpSpPr>
+      <p:grpSpPr>
+        <a:xfrm>
+          <a:off x="0" y="0"/>
+          <a:ext cx="0" cy="0"/>
+          <a:chOff x="0" y="0"/>
+          <a:chExt cx="0" cy="0"/>
+        </a:xfrm>
+      </p:grpSpPr>
+      <p:sp>
+        <p:nvSpPr>
+          <p:cNvPr id="6" name="TextBox 5"/>
+          <p:cNvSpPr txBox="1"/>
+          <p:nvPr/>
+        </p:nvSpPr>
+        <p:spPr>
+          <a:xfrm>
+            <a:off x="755576" y="332656"/>
+            <a:ext cx="3600400" cy="400110"/>
+          </a:xfrm>
+          <a:prstGeom prst="rect">
+            <a:avLst/>
+          </a:prstGeom>
+          <a:noFill/>
+        </p:spPr>
+        <p:txBody>
+          <a:bodyPr wrap="square" rtlCol="0">
+            <a:spAutoFit/>
+          </a:bodyPr>
+          <a:lstStyle/>
+          <a:p>
+            <a:r>
+              <a:rPr lang="en-US" altLang="zh-CN" sz="2000" dirty="0" smtClean="0"/>
+              <a:t>13 </a:t>
+            </a:r>
+            <a:r>
+              <a:rPr lang="zh-CN" altLang="en-US" sz="2000" dirty="0" smtClean="0"/>
+              <a:t>分布式系统相关</a:t>
+            </a:r>
+            <a:endParaRPr lang="zh-CN" altLang="en-US" sz="2000" dirty="0"/>
+          </a:p>
+        </p:txBody>
+      </p:sp>
+      <p:sp>
+        <p:nvSpPr>
+          <p:cNvPr id="3" name="TextBox 2"/>
+          <p:cNvSpPr txBox="1"/>
+          <p:nvPr/>
+        </p:nvSpPr>
+        <p:spPr>
+          <a:xfrm>
+            <a:off x="683568" y="716503"/>
+            <a:ext cx="7848872" cy="5386090"/>
+          </a:xfrm>
+          <a:prstGeom prst="rect">
+            <a:avLst/>
+          </a:prstGeom>
+          <a:noFill/>
+        </p:spPr>
+        <p:txBody>
+          <a:bodyPr wrap="square" rtlCol="0">
+            <a:spAutoFit/>
+          </a:bodyPr>
+          <a:lstStyle/>
+          <a:p>
+            <a:r>
+              <a:rPr lang="zh-CN" altLang="en-US" sz="2000" dirty="0" smtClean="0"/>
+              <a:t>分布式算法</a:t>
+            </a:r>
+            <a:r>
+              <a:rPr lang="zh-CN" altLang="en-US" dirty="0" smtClean="0"/>
+              <a:t>：</a:t>
+            </a:r>
+            <a:endParaRPr lang="en-US" altLang="zh-CN" dirty="0" smtClean="0"/>
+          </a:p>
+          <a:p>
+            <a:r>
+              <a:rPr lang="zh-CN" altLang="en-US" dirty="0" smtClean="0"/>
+              <a:t>一致性</a:t>
+            </a:r>
+            <a:r>
+              <a:rPr lang="en-US" altLang="zh-CN" dirty="0" smtClean="0"/>
+              <a:t>hash</a:t>
+            </a:r>
+            <a:r>
+              <a:rPr lang="zh-CN" altLang="en-US" dirty="0" smtClean="0"/>
+              <a:t>算法：（资源存储，上游服务器均衡）</a:t>
+            </a:r>
+            <a:endParaRPr lang="en-US" altLang="zh-CN" dirty="0" smtClean="0"/>
+          </a:p>
+          <a:p>
+            <a:r>
+              <a:rPr lang="zh-CN" altLang="en-US" dirty="0" smtClean="0"/>
+              <a:t>将机器和资源通过相同的</a:t>
+            </a:r>
+            <a:r>
+              <a:rPr lang="en-US" altLang="zh-CN" dirty="0" smtClean="0"/>
+              <a:t>hash</a:t>
+            </a:r>
+            <a:r>
+              <a:rPr lang="zh-CN" altLang="en-US" dirty="0" smtClean="0"/>
+              <a:t>函数映射到相同的值空间，将资源顺序性关联到相应机器，来抵御机器的动态增删。如果机器数量较少，也可以增加一定比例的虚拟节点来提高机器的负载均衡。</a:t>
+            </a:r>
+            <a:endParaRPr lang="en-US" altLang="zh-CN" dirty="0"/>
+          </a:p>
+          <a:p>
+            <a:endParaRPr lang="en-US" altLang="zh-CN" dirty="0" smtClean="0"/>
+          </a:p>
+          <a:p>
+            <a:r>
+              <a:rPr lang="zh-CN" altLang="en-US" dirty="0" smtClean="0"/>
+              <a:t>共识算法：</a:t>
+            </a:r>
+            <a:r>
+              <a:rPr lang="zh-CN" altLang="en-US" dirty="0" smtClean="0">
+                <a:sym typeface="Wingdings" pitchFamily="2" charset="2"/>
+              </a:rPr>
+              <a:t>（分布式存储，如区块链</a:t>
+            </a:r>
+            <a:r>
+              <a:rPr lang="zh-CN" altLang="en-US" dirty="0" smtClean="0"/>
+              <a:t>）</a:t>
+            </a:r>
+            <a:endParaRPr lang="en-US" altLang="zh-CN" dirty="0" smtClean="0"/>
+          </a:p>
+          <a:p>
+            <a:r>
+              <a:rPr lang="en-US" altLang="zh-CN" dirty="0" err="1" smtClean="0"/>
+              <a:t>Paxos</a:t>
+            </a:r>
+            <a:r>
+              <a:rPr lang="zh-CN" altLang="en-US" dirty="0" smtClean="0"/>
+              <a:t>：</a:t>
+            </a:r>
+            <a:endParaRPr lang="en-US" altLang="zh-CN" dirty="0" smtClean="0"/>
+          </a:p>
+          <a:p>
+            <a:r>
+              <a:rPr lang="zh-CN" altLang="en-US" dirty="0" smtClean="0"/>
+              <a:t>问题场景：多个节点同时发起多个请求，保证这些请求都能保存。</a:t>
+            </a:r>
+            <a:endParaRPr lang="en-US" altLang="zh-CN" dirty="0" smtClean="0"/>
+          </a:p>
+          <a:p>
+            <a:r>
+              <a:rPr lang="zh-CN" altLang="en-US" dirty="0" smtClean="0"/>
+              <a:t>目标：对多个节点发起的多个请求达成一致性共识排序。</a:t>
+            </a:r>
+            <a:endParaRPr lang="en-US" altLang="zh-CN" dirty="0" smtClean="0"/>
+          </a:p>
+          <a:p>
+            <a:r>
+              <a:rPr lang="zh-CN" altLang="en-US" dirty="0" smtClean="0"/>
+              <a:t>分两个阶段：第一个阶段确认提案</a:t>
+            </a:r>
+            <a:r>
+              <a:rPr lang="en-US" altLang="zh-CN" dirty="0" smtClean="0"/>
+              <a:t>id</a:t>
+            </a:r>
+            <a:r>
+              <a:rPr lang="zh-CN" altLang="en-US" dirty="0" smtClean="0"/>
+              <a:t>是否可用（共识排序）；第二个阶段确认是否被大部分节点成功接受。</a:t>
+            </a:r>
+            <a:endParaRPr lang="en-US" altLang="zh-CN" dirty="0" smtClean="0"/>
+          </a:p>
+          <a:p>
+            <a:r>
+              <a:rPr lang="zh-CN" altLang="en-US" dirty="0" smtClean="0"/>
+              <a:t>（</a:t>
+            </a:r>
+            <a:r>
+              <a:rPr lang="en-US" altLang="zh-CN" dirty="0"/>
+              <a:t>http://blog.csdn.net/21aspnet/article/details/50700123</a:t>
+            </a:r>
+            <a:r>
+              <a:rPr lang="zh-CN" altLang="en-US" dirty="0" smtClean="0"/>
+              <a:t>）</a:t>
+            </a:r>
+            <a:endParaRPr lang="en-US" altLang="zh-CN" dirty="0" smtClean="0"/>
+          </a:p>
+          <a:p>
+            <a:r>
+              <a:rPr lang="en-US" altLang="zh-CN" dirty="0" smtClean="0"/>
+              <a:t>Raft</a:t>
+            </a:r>
+            <a:r>
+              <a:rPr lang="zh-CN" altLang="en-US" dirty="0" smtClean="0"/>
+              <a:t>：</a:t>
+            </a:r>
+            <a:r>
+              <a:rPr lang="zh-CN" altLang="en-US" dirty="0" smtClean="0">
+                <a:sym typeface="Wingdings" pitchFamily="2" charset="2"/>
+              </a:rPr>
+              <a:t>（</a:t>
+            </a:r>
+            <a:r>
+              <a:rPr lang="en-US" altLang="zh-CN" dirty="0" err="1" smtClean="0">
+                <a:sym typeface="Wingdings" pitchFamily="2" charset="2"/>
+              </a:rPr>
+              <a:t>Paxos</a:t>
+            </a:r>
+            <a:r>
+              <a:rPr lang="zh-CN" altLang="en-US" dirty="0" smtClean="0">
+                <a:sym typeface="Wingdings" pitchFamily="2" charset="2"/>
+              </a:rPr>
+              <a:t>简化版</a:t>
+            </a:r>
+            <a:r>
+              <a:rPr lang="zh-CN" altLang="en-US" dirty="0" smtClean="0"/>
+              <a:t>）</a:t>
+            </a:r>
+            <a:endParaRPr lang="en-US" altLang="zh-CN" dirty="0" smtClean="0"/>
+          </a:p>
+          <a:p>
+            <a:r>
+              <a:rPr lang="zh-CN" altLang="en-US" dirty="0" smtClean="0"/>
+              <a:t>通过周期性投票，每次选出一个</a:t>
+            </a:r>
+            <a:r>
+              <a:rPr lang="en-US" altLang="zh-CN" dirty="0" smtClean="0"/>
+              <a:t>leader</a:t>
+            </a:r>
+            <a:r>
+              <a:rPr lang="zh-CN" altLang="en-US" dirty="0" smtClean="0"/>
+              <a:t>对外进行服务并将信息同步给其他节点。如分布式日志和存储服务。</a:t>
+            </a:r>
+            <a:endParaRPr lang="en-US" altLang="zh-CN" dirty="0" smtClean="0"/>
+          </a:p>
+          <a:p>
+            <a:endParaRPr lang="en-US" altLang="zh-CN" dirty="0" smtClean="0"/>
+          </a:p>
+          <a:p>
+            <a:r>
+              <a:rPr lang="en-US" altLang="zh-CN" dirty="0" err="1" smtClean="0"/>
+              <a:t>Merkle</a:t>
+            </a:r>
+            <a:r>
+              <a:rPr lang="en-US" altLang="zh-CN" dirty="0" smtClean="0"/>
+              <a:t> Tree</a:t>
+            </a:r>
+            <a:r>
+              <a:rPr lang="zh-CN" altLang="en-US" dirty="0">
+                <a:sym typeface="Wingdings" pitchFamily="2" charset="2"/>
+              </a:rPr>
+              <a:t>：</a:t>
+            </a:r>
+            <a:r>
+              <a:rPr lang="zh-CN" altLang="en-US" dirty="0" smtClean="0">
+                <a:sym typeface="Wingdings" pitchFamily="2" charset="2"/>
+              </a:rPr>
+              <a:t>（</a:t>
+            </a:r>
+            <a:r>
+              <a:rPr lang="en-US" altLang="zh-CN" dirty="0" smtClean="0">
+                <a:sym typeface="Wingdings" pitchFamily="2" charset="2"/>
+              </a:rPr>
+              <a:t>P2P</a:t>
+            </a:r>
+            <a:r>
+              <a:rPr lang="zh-CN" altLang="en-US" dirty="0" smtClean="0">
+                <a:sym typeface="Wingdings" pitchFamily="2" charset="2"/>
+              </a:rPr>
+              <a:t>下载基本技术）</a:t>
+            </a:r>
+            <a:endParaRPr lang="en-US" altLang="zh-CN" dirty="0" smtClean="0">
+              <a:sym typeface="Wingdings" pitchFamily="2" charset="2"/>
+            </a:endParaRPr>
+          </a:p>
+          <a:p>
+            <a:r>
+              <a:rPr lang="zh-CN" altLang="en-US" dirty="0">
+                <a:sym typeface="Wingdings" pitchFamily="2" charset="2"/>
+              </a:rPr>
+              <a:t>也</a:t>
+            </a:r>
+            <a:r>
+              <a:rPr lang="zh-CN" altLang="en-US" dirty="0" smtClean="0">
+                <a:sym typeface="Wingdings" pitchFamily="2" charset="2"/>
+              </a:rPr>
+              <a:t>叫</a:t>
+            </a:r>
+            <a:r>
+              <a:rPr lang="en-US" altLang="zh-CN" dirty="0" smtClean="0">
+                <a:sym typeface="Wingdings" pitchFamily="2" charset="2"/>
+              </a:rPr>
+              <a:t>hash tree</a:t>
+            </a:r>
+            <a:r>
+              <a:rPr lang="zh-CN" altLang="en-US" dirty="0" smtClean="0">
+                <a:sym typeface="Wingdings" pitchFamily="2" charset="2"/>
+              </a:rPr>
+              <a:t>，详见区块链相关技术部分。</a:t>
+            </a:r>
+            <a:endParaRPr lang="en-US" altLang="zh-CN" dirty="0" smtClean="0"/>
+          </a:p>
+        </p:txBody>
+      </p:sp>
+    </p:spTree>
+    <p:extLst>
+      <p:ext uri="{BB962C8B-B14F-4D97-AF65-F5344CB8AC3E}">
+        <p14:creationId xmlns:p14="http://schemas.microsoft.com/office/powerpoint/2010/main" val="3772653704"/>
+      </p:ext>
+    </p:extLst>
+  </p:cSld>
+  <p:clrMapOvr>
+    <a:masterClrMapping/>
+  </p:clrMapOvr>
+  <p:timing>
+    <p:tnLst>
+      <p:par>
+        <p:cTn id="1" dur="indefinite" restart="never" nodeType="tmRoot"/>
+      </p:par>
+    </p:tnLst>
+  </p:timing>
+</p:sld>
+</file>
+
+<file path=ppt/slides/slide21.xml><?xml version="1.0" encoding="utf-8"?>
+<p:sld xmlns:a="http://schemas.openxmlformats.org/drawingml/2006/main" xmlns:r="http://schemas.openxmlformats.org/officeDocument/2006/relationships" xmlns:p="http://schemas.openxmlformats.org/presentationml/2006/main">
+  <p:cSld>
+    <p:spTree>
+      <p:nvGrpSpPr>
+        <p:cNvPr id="1" name=""/>
+        <p:cNvGrpSpPr/>
+        <p:nvPr/>
+      </p:nvGrpSpPr>
+      <p:grpSpPr>
+        <a:xfrm>
+          <a:off x="0" y="0"/>
+          <a:ext cx="0" cy="0"/>
+          <a:chOff x="0" y="0"/>
+          <a:chExt cx="0" cy="0"/>
+        </a:xfrm>
+      </p:grpSpPr>
+      <p:sp>
+        <p:nvSpPr>
+          <p:cNvPr id="6" name="TextBox 5"/>
+          <p:cNvSpPr txBox="1"/>
+          <p:nvPr/>
+        </p:nvSpPr>
+        <p:spPr>
+          <a:xfrm>
+            <a:off x="755576" y="332656"/>
+            <a:ext cx="3600400" cy="400110"/>
+          </a:xfrm>
+          <a:prstGeom prst="rect">
+            <a:avLst/>
+          </a:prstGeom>
+          <a:noFill/>
+        </p:spPr>
+        <p:txBody>
+          <a:bodyPr wrap="square" rtlCol="0">
+            <a:spAutoFit/>
+          </a:bodyPr>
+          <a:lstStyle/>
+          <a:p>
+            <a:r>
+              <a:rPr lang="en-US" altLang="zh-CN" sz="2000" dirty="0" smtClean="0"/>
+              <a:t>14 </a:t>
+            </a:r>
+            <a:r>
+              <a:rPr lang="zh-CN" altLang="en-US" sz="2000" dirty="0" smtClean="0"/>
+              <a:t>区块链相关技术</a:t>
+            </a:r>
+            <a:endParaRPr lang="zh-CN" altLang="en-US" sz="2000" dirty="0"/>
+          </a:p>
+        </p:txBody>
+      </p:sp>
+      <p:sp>
+        <p:nvSpPr>
+          <p:cNvPr id="3" name="TextBox 2"/>
+          <p:cNvSpPr txBox="1"/>
+          <p:nvPr/>
+        </p:nvSpPr>
+        <p:spPr>
+          <a:xfrm>
+            <a:off x="683568" y="716503"/>
+            <a:ext cx="7848872" cy="1477328"/>
+          </a:xfrm>
+          <a:prstGeom prst="rect">
+            <a:avLst/>
+          </a:prstGeom>
+          <a:noFill/>
+        </p:spPr>
+        <p:txBody>
+          <a:bodyPr wrap="square" rtlCol="0">
+            <a:spAutoFit/>
+          </a:bodyPr>
+          <a:lstStyle/>
+          <a:p>
+            <a:r>
+              <a:rPr lang="en-US" altLang="zh-CN" dirty="0" err="1" smtClean="0"/>
+              <a:t>Merkle</a:t>
+            </a:r>
+            <a:r>
+              <a:rPr lang="en-US" altLang="zh-CN" dirty="0" smtClean="0"/>
+              <a:t> tree</a:t>
+            </a:r>
+            <a:r>
+              <a:rPr lang="zh-CN" altLang="en-US" dirty="0" smtClean="0"/>
+              <a:t>：</a:t>
+            </a:r>
+            <a:r>
+              <a:rPr lang="zh-CN" altLang="en-US" dirty="0" smtClean="0">
+                <a:sym typeface="Wingdings" pitchFamily="2" charset="2"/>
+              </a:rPr>
+              <a:t>（默克尔树</a:t>
+            </a:r>
+            <a:r>
+              <a:rPr lang="zh-CN" altLang="en-US" dirty="0" smtClean="0"/>
+              <a:t>）</a:t>
+            </a:r>
+            <a:endParaRPr lang="en-US" altLang="zh-CN" dirty="0" smtClean="0"/>
+          </a:p>
+          <a:p>
+            <a:r>
+              <a:rPr lang="zh-CN" altLang="en-US" dirty="0" smtClean="0"/>
+              <a:t>区块链底层存储技术。首先对每块数据计算</a:t>
+            </a:r>
+            <a:r>
+              <a:rPr lang="en-US" altLang="zh-CN" dirty="0" smtClean="0"/>
+              <a:t>hash</a:t>
+            </a:r>
+            <a:r>
+              <a:rPr lang="zh-CN" altLang="en-US" dirty="0" smtClean="0"/>
+              <a:t>，标记每块数据是否更改；然后对多块数据的</a:t>
+            </a:r>
+            <a:r>
+              <a:rPr lang="en-US" altLang="zh-CN" dirty="0" smtClean="0"/>
+              <a:t>hash</a:t>
+            </a:r>
+            <a:r>
+              <a:rPr lang="zh-CN" altLang="en-US" dirty="0" smtClean="0"/>
+              <a:t>计算</a:t>
+            </a:r>
+            <a:r>
+              <a:rPr lang="en-US" altLang="zh-CN" dirty="0" smtClean="0"/>
+              <a:t>hash</a:t>
+            </a:r>
+            <a:r>
+              <a:rPr lang="zh-CN" altLang="en-US" dirty="0" smtClean="0"/>
+              <a:t>，标记多块数据是否更改。然后重复计算更高层次的</a:t>
+            </a:r>
+            <a:r>
+              <a:rPr lang="en-US" altLang="zh-CN" dirty="0" smtClean="0"/>
+              <a:t>hash</a:t>
+            </a:r>
+            <a:r>
+              <a:rPr lang="zh-CN" altLang="en-US" dirty="0" smtClean="0"/>
+              <a:t>，来标记更多块数据是否被更改。最顶层的</a:t>
+            </a:r>
+            <a:r>
+              <a:rPr lang="en-US" altLang="zh-CN" dirty="0" smtClean="0"/>
+              <a:t>hash</a:t>
+            </a:r>
+            <a:r>
+              <a:rPr lang="zh-CN" altLang="en-US" dirty="0" smtClean="0"/>
+              <a:t>叫做根</a:t>
+            </a:r>
+            <a:r>
+              <a:rPr lang="en-US" altLang="zh-CN" dirty="0" smtClean="0"/>
+              <a:t>hash</a:t>
+            </a:r>
+            <a:r>
+              <a:rPr lang="zh-CN" altLang="en-US" dirty="0" smtClean="0"/>
+              <a:t>，来标记整个文件是否被更改。只有两层的树称为</a:t>
+            </a:r>
+            <a:r>
+              <a:rPr lang="en-US" altLang="zh-CN" dirty="0" smtClean="0"/>
+              <a:t>hash list</a:t>
+            </a:r>
+            <a:r>
+              <a:rPr lang="zh-CN" altLang="en-US" dirty="0" smtClean="0"/>
+              <a:t>。</a:t>
+            </a:r>
+            <a:endParaRPr lang="en-US" altLang="zh-CN" dirty="0" smtClean="0"/>
+          </a:p>
+        </p:txBody>
+      </p:sp>
+      <p:pic>
+        <p:nvPicPr>
+          <p:cNvPr id="2050" name="Picture 2" descr="https://images2015.cnblogs.com/blog/834896/201605/834896-20160527163537178-321412097.png"/>
+          <p:cNvPicPr>
+            <a:picLocks noChangeAspect="1" noChangeArrowheads="1"/>
+          </p:cNvPicPr>
+          <p:nvPr/>
+        </p:nvPicPr>
+        <p:blipFill>
+          <a:blip r:embed="rId2" cstate="print">
+            <a:extLst>
+              <a:ext uri="{28A0092B-C50C-407E-A947-70E740481C1C}">
+                <a14:useLocalDpi xmlns:a14="http://schemas.microsoft.com/office/drawing/2010/main" val="0"/>
+              </a:ext>
+            </a:extLst>
+          </a:blip>
+          <a:srcRect/>
+          <a:stretch>
+            <a:fillRect/>
+          </a:stretch>
+        </p:blipFill>
+        <p:spPr bwMode="auto">
+          <a:xfrm>
+            <a:off x="183811" y="1930820"/>
+            <a:ext cx="5180277" cy="3298380"/>
+          </a:xfrm>
+          <a:prstGeom prst="rect">
+            <a:avLst/>
+          </a:prstGeom>
+          <a:noFill/>
+          <a:extLst>
+            <a:ext uri="{909E8E84-426E-40DD-AFC4-6F175D3DCCD1}">
+              <a14:hiddenFill xmlns:a14="http://schemas.microsoft.com/office/drawing/2010/main">
+                <a:solidFill>
+                  <a:srgbClr val="FFFFFF"/>
+                </a:solidFill>
+              </a14:hiddenFill>
+            </a:ext>
+          </a:extLst>
+        </p:spPr>
+      </p:pic>
+      <p:sp>
+        <p:nvSpPr>
+          <p:cNvPr id="5" name="TextBox 4"/>
+          <p:cNvSpPr txBox="1"/>
+          <p:nvPr/>
+        </p:nvSpPr>
+        <p:spPr>
+          <a:xfrm>
+            <a:off x="5276850" y="2384415"/>
+            <a:ext cx="3240360" cy="2308324"/>
+          </a:xfrm>
+          <a:prstGeom prst="rect">
+            <a:avLst/>
+          </a:prstGeom>
+          <a:noFill/>
+        </p:spPr>
+        <p:txBody>
+          <a:bodyPr wrap="square" rtlCol="0">
+            <a:spAutoFit/>
+          </a:bodyPr>
+          <a:lstStyle/>
+          <a:p>
+            <a:r>
+              <a:rPr lang="zh-CN" altLang="en-US" dirty="0" smtClean="0"/>
+              <a:t>典型地，</a:t>
+            </a:r>
+            <a:r>
+              <a:rPr lang="en-US" altLang="zh-CN" dirty="0" smtClean="0"/>
+              <a:t>P2P</a:t>
+            </a:r>
+            <a:r>
+              <a:rPr lang="zh-CN" altLang="en-US" dirty="0" smtClean="0"/>
+              <a:t>下载系统，每次计算下面两个块的</a:t>
+            </a:r>
+            <a:r>
+              <a:rPr lang="en-US" altLang="zh-CN" dirty="0" smtClean="0"/>
+              <a:t>hash</a:t>
+            </a:r>
+            <a:r>
+              <a:rPr lang="zh-CN" altLang="en-US" dirty="0" smtClean="0"/>
+              <a:t>，最后生成整个文件的根</a:t>
+            </a:r>
+            <a:r>
+              <a:rPr lang="en-US" altLang="zh-CN" dirty="0" smtClean="0"/>
+              <a:t>hash</a:t>
+            </a:r>
+            <a:r>
+              <a:rPr lang="zh-CN" altLang="en-US" dirty="0" smtClean="0"/>
+              <a:t>。中间层次的</a:t>
+            </a:r>
+            <a:r>
+              <a:rPr lang="en-US" altLang="zh-CN" dirty="0" smtClean="0"/>
+              <a:t>hash</a:t>
+            </a:r>
+            <a:r>
+              <a:rPr lang="zh-CN" altLang="en-US" dirty="0" smtClean="0"/>
+              <a:t>值保存在可信节点，下载时先下载该可信节点的整个树的</a:t>
+            </a:r>
+            <a:r>
+              <a:rPr lang="en-US" altLang="zh-CN" dirty="0" smtClean="0"/>
+              <a:t>hash</a:t>
+            </a:r>
+            <a:r>
+              <a:rPr lang="zh-CN" altLang="en-US" dirty="0" smtClean="0"/>
+              <a:t>，然后从多个节点下载各分块数据并进行数据验证。</a:t>
+            </a:r>
+            <a:endParaRPr lang="en-US" altLang="zh-CN" dirty="0" smtClean="0"/>
+          </a:p>
+        </p:txBody>
+      </p:sp>
+      <p:sp>
+        <p:nvSpPr>
+          <p:cNvPr id="7" name="TextBox 6"/>
+          <p:cNvSpPr txBox="1"/>
+          <p:nvPr/>
+        </p:nvSpPr>
+        <p:spPr>
+          <a:xfrm>
+            <a:off x="395536" y="5097958"/>
+            <a:ext cx="8064896" cy="646331"/>
+          </a:xfrm>
+          <a:prstGeom prst="rect">
+            <a:avLst/>
+          </a:prstGeom>
+          <a:noFill/>
+        </p:spPr>
+        <p:txBody>
+          <a:bodyPr wrap="square" rtlCol="0">
+            <a:spAutoFit/>
+          </a:bodyPr>
+          <a:lstStyle/>
+          <a:p>
+            <a:r>
+              <a:rPr lang="en-US" altLang="zh-CN" dirty="0" err="1" smtClean="0"/>
+              <a:t>Merkle</a:t>
+            </a:r>
+            <a:r>
+              <a:rPr lang="en-US" altLang="zh-CN" dirty="0" smtClean="0"/>
+              <a:t> tree</a:t>
+            </a:r>
+            <a:r>
+              <a:rPr lang="zh-CN" altLang="en-US" dirty="0" smtClean="0"/>
+              <a:t>广泛应用于</a:t>
+            </a:r>
+            <a:r>
+              <a:rPr lang="en-US" altLang="zh-CN" dirty="0" err="1" smtClean="0"/>
+              <a:t>git</a:t>
+            </a:r>
+            <a:r>
+              <a:rPr lang="zh-CN" altLang="en-US" dirty="0" smtClean="0"/>
+              <a:t>，区块链，</a:t>
+            </a:r>
+            <a:r>
+              <a:rPr lang="en-US" altLang="zh-CN" dirty="0" err="1" smtClean="0"/>
+              <a:t>ipfs</a:t>
+            </a:r>
+            <a:r>
+              <a:rPr lang="zh-CN" altLang="en-US" dirty="0" smtClean="0"/>
+              <a:t>分布式文件存储，可信计算，数字签名，</a:t>
+            </a:r>
+            <a:r>
+              <a:rPr lang="en-US" altLang="zh-CN" dirty="0" smtClean="0"/>
+              <a:t>P2P</a:t>
+            </a:r>
+            <a:r>
+              <a:rPr lang="zh-CN" altLang="en-US" dirty="0" smtClean="0"/>
+              <a:t>下载等。</a:t>
+            </a:r>
+            <a:endParaRPr lang="en-US" altLang="zh-CN" dirty="0" smtClean="0"/>
+          </a:p>
+        </p:txBody>
+      </p:sp>
+    </p:spTree>
+    <p:extLst>
+      <p:ext uri="{BB962C8B-B14F-4D97-AF65-F5344CB8AC3E}">
+        <p14:creationId xmlns:p14="http://schemas.microsoft.com/office/powerpoint/2010/main" val="1725057165"/>
+      </p:ext>
+    </p:extLst>
+  </p:cSld>
+  <p:clrMapOvr>
+    <a:masterClrMapping/>
+  </p:clrMapOvr>
+  <p:timing>
+    <p:tnLst>
+      <p:par>
+        <p:cTn id="1" dur="indefinite" restart="never" nodeType="tmRoot"/>
+      </p:par>
+    </p:tnLst>
+  </p:timing>
+</p:sld>
+</file>
+
+<file path=ppt/slides/slide22.xml><?xml version="1.0" encoding="utf-8"?>
+<p:sld xmlns:a="http://schemas.openxmlformats.org/drawingml/2006/main" xmlns:r="http://schemas.openxmlformats.org/officeDocument/2006/relationships" xmlns:p="http://schemas.openxmlformats.org/presentationml/2006/main">
+  <p:cSld>
+    <p:spTree>
+      <p:nvGrpSpPr>
+        <p:cNvPr id="1" name=""/>
+        <p:cNvGrpSpPr/>
+        <p:nvPr/>
+      </p:nvGrpSpPr>
+      <p:grpSpPr>
+        <a:xfrm>
+          <a:off x="0" y="0"/>
+          <a:ext cx="0" cy="0"/>
+          <a:chOff x="0" y="0"/>
+          <a:chExt cx="0" cy="0"/>
+        </a:xfrm>
+      </p:grpSpPr>
+      <p:sp>
+        <p:nvSpPr>
+          <p:cNvPr id="6" name="TextBox 5"/>
+          <p:cNvSpPr txBox="1"/>
+          <p:nvPr/>
+        </p:nvSpPr>
+        <p:spPr>
+          <a:xfrm>
+            <a:off x="755576" y="332656"/>
+            <a:ext cx="3600400" cy="400110"/>
+          </a:xfrm>
+          <a:prstGeom prst="rect">
+            <a:avLst/>
+          </a:prstGeom>
+          <a:noFill/>
+        </p:spPr>
+        <p:txBody>
+          <a:bodyPr wrap="square" rtlCol="0">
+            <a:spAutoFit/>
+          </a:bodyPr>
+          <a:lstStyle/>
+          <a:p>
+            <a:r>
+              <a:rPr lang="en-US" altLang="zh-CN" sz="2000" dirty="0" smtClean="0"/>
+              <a:t>14.1 </a:t>
+            </a:r>
+            <a:r>
+              <a:rPr lang="zh-CN" altLang="en-US" sz="2000" dirty="0" smtClean="0"/>
+              <a:t>区块链相关技术</a:t>
+            </a:r>
+            <a:r>
+              <a:rPr lang="en-US" altLang="zh-CN" sz="2000" dirty="0" smtClean="0"/>
+              <a:t>(continued)</a:t>
+            </a:r>
+            <a:endParaRPr lang="zh-CN" altLang="en-US" sz="2000" dirty="0"/>
+          </a:p>
+        </p:txBody>
+      </p:sp>
+      <p:sp>
+        <p:nvSpPr>
+          <p:cNvPr id="3" name="TextBox 2"/>
+          <p:cNvSpPr txBox="1"/>
+          <p:nvPr/>
+        </p:nvSpPr>
+        <p:spPr>
+          <a:xfrm>
+            <a:off x="683568" y="716503"/>
+            <a:ext cx="7848872" cy="369332"/>
+          </a:xfrm>
+          <a:prstGeom prst="rect">
+            <a:avLst/>
+          </a:prstGeom>
+          <a:noFill/>
+        </p:spPr>
+        <p:txBody>
+          <a:bodyPr wrap="square" rtlCol="0">
+            <a:spAutoFit/>
+          </a:bodyPr>
+          <a:lstStyle/>
+          <a:p>
+            <a:r>
+              <a:rPr lang="zh-CN" altLang="en-US" dirty="0" smtClean="0">
+                <a:sym typeface="Wingdings" pitchFamily="2" charset="2"/>
+              </a:rPr>
+              <a:t>默克尔树的</a:t>
+            </a:r>
+            <a:r>
+              <a:rPr lang="en-US" altLang="zh-CN" dirty="0" err="1" smtClean="0">
+                <a:sym typeface="Wingdings" pitchFamily="2" charset="2"/>
+              </a:rPr>
+              <a:t>git</a:t>
+            </a:r>
+            <a:r>
+              <a:rPr lang="zh-CN" altLang="en-US" dirty="0" smtClean="0">
+                <a:sym typeface="Wingdings" pitchFamily="2" charset="2"/>
+              </a:rPr>
+              <a:t>应用：</a:t>
+            </a:r>
+            <a:endParaRPr lang="en-US" altLang="zh-CN" dirty="0" smtClean="0"/>
+          </a:p>
+        </p:txBody>
+      </p:sp>
+      <p:pic>
+        <p:nvPicPr>
+          <p:cNvPr id="4098" name="Picture 2" descr="https://images2015.cnblogs.com/blog/834896/201605/834896-20160527165455647-337696972.png"/>
+          <p:cNvPicPr>
+            <a:picLocks noChangeAspect="1" noChangeArrowheads="1"/>
+          </p:cNvPicPr>
+          <p:nvPr/>
+        </p:nvPicPr>
+        <p:blipFill>
+          <a:blip r:embed="rId2">
+            <a:extLst>
+              <a:ext uri="{28A0092B-C50C-407E-A947-70E740481C1C}">
+                <a14:useLocalDpi xmlns:a14="http://schemas.microsoft.com/office/drawing/2010/main" val="0"/>
+              </a:ext>
+            </a:extLst>
+          </a:blip>
+          <a:srcRect/>
+          <a:stretch>
+            <a:fillRect/>
+          </a:stretch>
+        </p:blipFill>
+        <p:spPr bwMode="auto">
+          <a:xfrm>
+            <a:off x="1727684" y="1085835"/>
+            <a:ext cx="5760640" cy="5356724"/>
+          </a:xfrm>
+          <a:prstGeom prst="rect">
+            <a:avLst/>
+          </a:prstGeom>
+          <a:noFill/>
+          <a:extLst>
+            <a:ext uri="{909E8E84-426E-40DD-AFC4-6F175D3DCCD1}">
+              <a14:hiddenFill xmlns:a14="http://schemas.microsoft.com/office/drawing/2010/main">
+                <a:solidFill>
+                  <a:srgbClr val="FFFFFF"/>
+                </a:solidFill>
+              </a14:hiddenFill>
+            </a:ext>
+          </a:extLst>
+        </p:spPr>
+      </p:pic>
+    </p:spTree>
+    <p:extLst>
+      <p:ext uri="{BB962C8B-B14F-4D97-AF65-F5344CB8AC3E}">
+        <p14:creationId xmlns:p14="http://schemas.microsoft.com/office/powerpoint/2010/main" val="4172161861"/>
+      </p:ext>
+    </p:extLst>
+  </p:cSld>
+  <p:clrMapOvr>
+    <a:masterClrMapping/>
+  </p:clrMapOvr>
+  <p:timing>
+    <p:tnLst>
+      <p:par>
+        <p:cTn id="1" dur="indefinite" restart="never" nodeType="tmRoot"/>
+      </p:par>
+    </p:tnLst>
+  </p:timing>
+</p:sld>
+</file>
+
+<file path=ppt/slides/slide23.xml><?xml version="1.0" encoding="utf-8"?>
+<p:sld xmlns:a="http://schemas.openxmlformats.org/drawingml/2006/main" xmlns:r="http://schemas.openxmlformats.org/officeDocument/2006/relationships" xmlns:p="http://schemas.openxmlformats.org/presentationml/2006/main">
+  <p:cSld>
+    <p:spTree>
+      <p:nvGrpSpPr>
+        <p:cNvPr id="1" name=""/>
+        <p:cNvGrpSpPr/>
+        <p:nvPr/>
+      </p:nvGrpSpPr>
+      <p:grpSpPr>
+        <a:xfrm>
+          <a:off x="0" y="0"/>
+          <a:ext cx="0" cy="0"/>
+          <a:chOff x="0" y="0"/>
+          <a:chExt cx="0" cy="0"/>
+        </a:xfrm>
+      </p:grpSpPr>
+      <p:sp>
+        <p:nvSpPr>
+          <p:cNvPr id="6" name="TextBox 5"/>
+          <p:cNvSpPr txBox="1"/>
+          <p:nvPr/>
+        </p:nvSpPr>
+        <p:spPr>
+          <a:xfrm>
+            <a:off x="755576" y="332656"/>
+            <a:ext cx="3600400" cy="400110"/>
+          </a:xfrm>
+          <a:prstGeom prst="rect">
+            <a:avLst/>
+          </a:prstGeom>
+          <a:noFill/>
+        </p:spPr>
+        <p:txBody>
+          <a:bodyPr wrap="square" rtlCol="0">
+            <a:spAutoFit/>
+          </a:bodyPr>
+          <a:lstStyle/>
+          <a:p>
+            <a:r>
+              <a:rPr lang="en-US" altLang="zh-CN" sz="2000" dirty="0" smtClean="0"/>
+              <a:t>14.2 </a:t>
+            </a:r>
+            <a:r>
+              <a:rPr lang="zh-CN" altLang="en-US" sz="2000" dirty="0" smtClean="0"/>
+              <a:t>区块链相关技术</a:t>
+            </a:r>
+            <a:r>
+              <a:rPr lang="en-US" altLang="zh-CN" sz="2000" dirty="0" smtClean="0"/>
+              <a:t>(continued)</a:t>
+            </a:r>
+            <a:endParaRPr lang="zh-CN" altLang="en-US" sz="2000" dirty="0"/>
+          </a:p>
+        </p:txBody>
+      </p:sp>
+      <p:sp>
+        <p:nvSpPr>
+          <p:cNvPr id="3" name="TextBox 2"/>
+          <p:cNvSpPr txBox="1"/>
+          <p:nvPr/>
+        </p:nvSpPr>
+        <p:spPr>
+          <a:xfrm>
+            <a:off x="683568" y="716503"/>
+            <a:ext cx="7848872" cy="369332"/>
+          </a:xfrm>
+          <a:prstGeom prst="rect">
+            <a:avLst/>
+          </a:prstGeom>
+          <a:noFill/>
+        </p:spPr>
+        <p:txBody>
+          <a:bodyPr wrap="square" rtlCol="0">
+            <a:spAutoFit/>
+          </a:bodyPr>
+          <a:lstStyle/>
+          <a:p>
+            <a:r>
+              <a:rPr lang="zh-CN" altLang="en-US" dirty="0" smtClean="0">
+                <a:sym typeface="Wingdings" pitchFamily="2" charset="2"/>
+              </a:rPr>
+              <a:t>默克尔树的</a:t>
+            </a:r>
+            <a:r>
+              <a:rPr lang="zh-CN" altLang="en-US" dirty="0">
+                <a:sym typeface="Wingdings" pitchFamily="2" charset="2"/>
+              </a:rPr>
+              <a:t>比特币</a:t>
+            </a:r>
+            <a:r>
+              <a:rPr lang="zh-CN" altLang="en-US" dirty="0" smtClean="0">
+                <a:sym typeface="Wingdings" pitchFamily="2" charset="2"/>
+              </a:rPr>
+              <a:t>应用：</a:t>
+            </a:r>
+            <a:endParaRPr lang="en-US" altLang="zh-CN" dirty="0" smtClean="0"/>
+          </a:p>
+        </p:txBody>
+      </p:sp>
+      <p:pic>
+        <p:nvPicPr>
+          <p:cNvPr id="5122" name="Picture 2" descr="https://images2015.cnblogs.com/blog/834896/201605/834896-20160527165613991-323413263.png"/>
+          <p:cNvPicPr>
+            <a:picLocks noChangeAspect="1" noChangeArrowheads="1"/>
+          </p:cNvPicPr>
+          <p:nvPr/>
+        </p:nvPicPr>
+        <p:blipFill>
+          <a:blip r:embed="rId2">
+            <a:extLst>
+              <a:ext uri="{28A0092B-C50C-407E-A947-70E740481C1C}">
+                <a14:useLocalDpi xmlns:a14="http://schemas.microsoft.com/office/drawing/2010/main" val="0"/>
+              </a:ext>
+            </a:extLst>
+          </a:blip>
+          <a:srcRect/>
+          <a:stretch>
+            <a:fillRect/>
+          </a:stretch>
+        </p:blipFill>
+        <p:spPr bwMode="auto">
+          <a:xfrm>
+            <a:off x="486841" y="1412776"/>
+            <a:ext cx="8045599" cy="3724372"/>
+          </a:xfrm>
+          <a:prstGeom prst="rect">
+            <a:avLst/>
+          </a:prstGeom>
+          <a:noFill/>
+          <a:extLst>
+            <a:ext uri="{909E8E84-426E-40DD-AFC4-6F175D3DCCD1}">
+              <a14:hiddenFill xmlns:a14="http://schemas.microsoft.com/office/drawing/2010/main">
+                <a:solidFill>
+                  <a:srgbClr val="FFFFFF"/>
+                </a:solidFill>
+              </a14:hiddenFill>
+            </a:ext>
+          </a:extLst>
+        </p:spPr>
+      </p:pic>
+    </p:spTree>
+    <p:extLst>
+      <p:ext uri="{BB962C8B-B14F-4D97-AF65-F5344CB8AC3E}">
+        <p14:creationId xmlns:p14="http://schemas.microsoft.com/office/powerpoint/2010/main" val="2347668078"/>
+      </p:ext>
+    </p:extLst>
+  </p:cSld>
+  <p:clrMapOvr>
+    <a:masterClrMapping/>
+  </p:clrMapOvr>
+  <p:timing>
+    <p:tnLst>
+      <p:par>
+        <p:cTn id="1" dur="indefinite" restart="never" nodeType="tmRoot"/>
+      </p:par>
+    </p:tnLst>
+  </p:timing>
+</p:sld>
+</file>
+
+<file path=ppt/slides/slide24.xml><?xml version="1.0" encoding="utf-8"?>
+<p:sld xmlns:a="http://schemas.openxmlformats.org/drawingml/2006/main" xmlns:r="http://schemas.openxmlformats.org/officeDocument/2006/relationships" xmlns:p="http://schemas.openxmlformats.org/presentationml/2006/main">
+  <p:cSld>
+    <p:spTree>
+      <p:nvGrpSpPr>
+        <p:cNvPr id="1" name=""/>
+        <p:cNvGrpSpPr/>
+        <p:nvPr/>
+      </p:nvGrpSpPr>
+      <p:grpSpPr>
+        <a:xfrm>
+          <a:off x="0" y="0"/>
+          <a:ext cx="0" cy="0"/>
+          <a:chOff x="0" y="0"/>
+          <a:chExt cx="0" cy="0"/>
+        </a:xfrm>
+      </p:grpSpPr>
+      <p:sp>
+        <p:nvSpPr>
+          <p:cNvPr id="6" name="TextBox 5"/>
+          <p:cNvSpPr txBox="1"/>
+          <p:nvPr/>
+        </p:nvSpPr>
+        <p:spPr>
+          <a:xfrm>
+            <a:off x="755576" y="332656"/>
+            <a:ext cx="3600400" cy="400110"/>
+          </a:xfrm>
+          <a:prstGeom prst="rect">
+            <a:avLst/>
+          </a:prstGeom>
+          <a:noFill/>
+        </p:spPr>
+        <p:txBody>
+          <a:bodyPr wrap="square" rtlCol="0">
+            <a:spAutoFit/>
+          </a:bodyPr>
+          <a:lstStyle/>
+          <a:p>
+            <a:r>
+              <a:rPr lang="en-US" altLang="zh-CN" sz="2000" smtClean="0"/>
+              <a:t>14.3 </a:t>
+            </a:r>
+            <a:r>
+              <a:rPr lang="zh-CN" altLang="en-US" sz="2000" dirty="0" smtClean="0"/>
+              <a:t>区块链相关技术</a:t>
+            </a:r>
+            <a:r>
+              <a:rPr lang="en-US" altLang="zh-CN" sz="2000" dirty="0" smtClean="0"/>
+              <a:t>(continued)</a:t>
+            </a:r>
+            <a:endParaRPr lang="zh-CN" altLang="en-US" sz="2000" dirty="0"/>
+          </a:p>
+        </p:txBody>
+      </p:sp>
+      <p:sp>
+        <p:nvSpPr>
+          <p:cNvPr id="3" name="TextBox 2"/>
+          <p:cNvSpPr txBox="1"/>
+          <p:nvPr/>
+        </p:nvSpPr>
+        <p:spPr>
+          <a:xfrm>
+            <a:off x="683568" y="716503"/>
+            <a:ext cx="7848872" cy="369332"/>
+          </a:xfrm>
+          <a:prstGeom prst="rect">
+            <a:avLst/>
+          </a:prstGeom>
+          <a:noFill/>
+        </p:spPr>
+        <p:txBody>
+          <a:bodyPr wrap="square" rtlCol="0">
+            <a:spAutoFit/>
+          </a:bodyPr>
+          <a:lstStyle/>
+          <a:p>
+            <a:r>
+              <a:rPr lang="zh-CN" altLang="en-US" dirty="0" smtClean="0">
+                <a:sym typeface="Wingdings" pitchFamily="2" charset="2"/>
+              </a:rPr>
+              <a:t>默克尔树的以太坊应用：</a:t>
+            </a:r>
+            <a:endParaRPr lang="en-US" altLang="zh-CN" dirty="0" smtClean="0"/>
+          </a:p>
+        </p:txBody>
+      </p:sp>
+      <p:pic>
+        <p:nvPicPr>
+          <p:cNvPr id="6146" name="Picture 2" descr="https://images2015.cnblogs.com/blog/834896/201605/834896-20160527165745163-1727084736.png"/>
+          <p:cNvPicPr>
+            <a:picLocks noChangeAspect="1" noChangeArrowheads="1"/>
+          </p:cNvPicPr>
+          <p:nvPr/>
+        </p:nvPicPr>
+        <p:blipFill>
+          <a:blip r:embed="rId2">
+            <a:extLst>
+              <a:ext uri="{28A0092B-C50C-407E-A947-70E740481C1C}">
+                <a14:useLocalDpi xmlns:a14="http://schemas.microsoft.com/office/drawing/2010/main" val="0"/>
+              </a:ext>
+            </a:extLst>
+          </a:blip>
+          <a:srcRect/>
+          <a:stretch>
+            <a:fillRect/>
+          </a:stretch>
+        </p:blipFill>
+        <p:spPr bwMode="auto">
+          <a:xfrm>
+            <a:off x="431461" y="1484784"/>
+            <a:ext cx="8244995" cy="3920878"/>
+          </a:xfrm>
+          <a:prstGeom prst="rect">
+            <a:avLst/>
+          </a:prstGeom>
+          <a:noFill/>
+          <a:extLst>
+            <a:ext uri="{909E8E84-426E-40DD-AFC4-6F175D3DCCD1}">
+              <a14:hiddenFill xmlns:a14="http://schemas.microsoft.com/office/drawing/2010/main">
+                <a:solidFill>
+                  <a:srgbClr val="FFFFFF"/>
+                </a:solidFill>
+              </a14:hiddenFill>
+            </a:ext>
+          </a:extLst>
+        </p:spPr>
+      </p:pic>
+    </p:spTree>
+    <p:extLst>
+      <p:ext uri="{BB962C8B-B14F-4D97-AF65-F5344CB8AC3E}">
+        <p14:creationId xmlns:p14="http://schemas.microsoft.com/office/powerpoint/2010/main" val="464763352"/>
+      </p:ext>
+    </p:extLst>
+  </p:cSld>
+  <p:clrMapOvr>
+    <a:masterClrMapping/>
+  </p:clrMapOvr>
+  <p:timing>
+    <p:tnLst>
+      <p:par>
+        <p:cTn id="1" dur="indefinite" restart="never" nodeType="tmRoot"/>
+      </p:par>
+    </p:tnLst>
+  </p:timing>
+</p:sld>
+</file>
+
 <file path=ppt/slides/slide3.xml><?xml version="1.0" encoding="utf-8"?>
 <p:sld xmlns:a="http://schemas.openxmlformats.org/drawingml/2006/main" xmlns:r="http://schemas.openxmlformats.org/officeDocument/2006/relationships" xmlns:p="http://schemas.openxmlformats.org/presentationml/2006/main">
   <p:cSld>
@@ -7734,6 +8887,109 @@
           </a:p>
         </p:txBody>
       </p:sp>
+      <p:sp>
+        <p:nvSpPr>
+          <p:cNvPr id="8" name="TextBox 7"/>
+          <p:cNvSpPr txBox="1"/>
+          <p:nvPr/>
+        </p:nvSpPr>
+        <p:spPr>
+          <a:xfrm>
+            <a:off x="3851920" y="4725143"/>
+            <a:ext cx="4608512" cy="1477328"/>
+          </a:xfrm>
+          <a:prstGeom prst="rect">
+            <a:avLst/>
+          </a:prstGeom>
+          <a:noFill/>
+        </p:spPr>
+        <p:txBody>
+          <a:bodyPr wrap="square" rtlCol="0">
+            <a:spAutoFit/>
+          </a:bodyPr>
+          <a:lstStyle/>
+          <a:p>
+            <a:r>
+              <a:rPr lang="en-US" altLang="zh-CN" dirty="0" smtClean="0"/>
+              <a:t>Radix tree</a:t>
+            </a:r>
+            <a:r>
+              <a:rPr lang="zh-CN" altLang="en-US" dirty="0" smtClean="0"/>
+              <a:t>：</a:t>
+            </a:r>
+            <a:r>
+              <a:rPr lang="en-US" altLang="zh-CN" dirty="0" err="1" smtClean="0"/>
+              <a:t>Trie</a:t>
+            </a:r>
+            <a:r>
+              <a:rPr lang="zh-CN" altLang="en-US" dirty="0" smtClean="0"/>
+              <a:t>的空间优化版本。把只有一个子节点的节点跟子节点合并存储。合并后的每个节点的子节点个数至少为整棵树的基数个。如左图，节点总数为</a:t>
+            </a:r>
+            <a:r>
+              <a:rPr lang="en-US" altLang="zh-CN" dirty="0" smtClean="0"/>
+              <a:t>14</a:t>
+            </a:r>
+            <a:r>
+              <a:rPr lang="zh-CN" altLang="en-US" dirty="0" smtClean="0"/>
+              <a:t>，每个节点的子节点个数至少是</a:t>
+            </a:r>
+            <a:r>
+              <a:rPr lang="en-US" altLang="zh-CN" dirty="0" smtClean="0"/>
+              <a:t>2, 2</a:t>
+            </a:r>
+            <a:r>
+              <a:rPr lang="en-US" altLang="zh-CN" baseline="30000" dirty="0" smtClean="0"/>
+              <a:t>4</a:t>
+            </a:r>
+            <a:r>
+              <a:rPr lang="en-US" altLang="zh-CN" dirty="0" smtClean="0"/>
+              <a:t>=16&gt;14.</a:t>
+            </a:r>
+            <a:endParaRPr lang="en-US" altLang="zh-CN" baseline="30000" dirty="0" smtClean="0"/>
+          </a:p>
+        </p:txBody>
+      </p:sp>
+      <p:pic>
+        <p:nvPicPr>
+          <p:cNvPr id="4" name="Picture 2" descr="https://upload.wikimedia.org/wikipedia/commons/thumb/a/ae/Patricia_trie.svg/350px-Patricia_trie.svg.png"/>
+          <p:cNvPicPr>
+            <a:picLocks noChangeAspect="1" noChangeArrowheads="1"/>
+          </p:cNvPicPr>
+          <p:nvPr/>
+        </p:nvPicPr>
+        <p:blipFill>
+          <a:blip r:embed="rId3">
+            <a:extLst>
+              <a:ext uri="{28A0092B-C50C-407E-A947-70E740481C1C}">
+                <a14:useLocalDpi xmlns:a14="http://schemas.microsoft.com/office/drawing/2010/main" val="0"/>
+              </a:ext>
+            </a:extLst>
+          </a:blip>
+          <a:srcRect/>
+          <a:stretch>
+            <a:fillRect/>
+          </a:stretch>
+        </p:blipFill>
+        <p:spPr bwMode="auto">
+          <a:xfrm>
+            <a:off x="518170" y="4439368"/>
+            <a:ext cx="3333750" cy="2085976"/>
+          </a:xfrm>
+          <a:prstGeom prst="rect">
+            <a:avLst/>
+          </a:prstGeom>
+          <a:noFill/>
+          <a:extLst>
+            <a:ext uri="{909E8E84-426E-40DD-AFC4-6F175D3DCCD1}">
+              <a14:hiddenFill xmlns:a14="http://schemas.microsoft.com/office/drawing/2010/main">
+                <a:solidFill>
+                  <a:srgbClr val="FFFFFF"/>
+                </a:solidFill>
+              </a14:hiddenFill>
+            </a:ext>
+          </a:extLst>
+        </p:spPr>
+      </p:pic>
     </p:spTree>
     <p:extLst>
       <p:ext uri="{BB962C8B-B14F-4D97-AF65-F5344CB8AC3E}">

--- a/algos_summary.pptx
+++ b/algos_summary.pptx
@@ -29,6 +29,7 @@
     <p:sldId id="278" r:id="rId23"/>
     <p:sldId id="279" r:id="rId24"/>
     <p:sldId id="280" r:id="rId25"/>
+    <p:sldId id="281" r:id="rId26"/>
   </p:sldIdLst>
   <p:sldSz cx="9144000" cy="6858000" type="screen4x3"/>
   <p:notesSz cx="6858000" cy="9144000"/>
@@ -311,7 +312,7 @@
           <a:p>
             <a:fld id="{530820CF-B880-4189-942D-D702A7CBA730}" type="datetimeFigureOut">
               <a:rPr lang="zh-CN" altLang="en-US" smtClean="0"/>
-              <a:t>2018/1/19</a:t>
+              <a:t>2018/1/24</a:t>
             </a:fld>
             <a:endParaRPr lang="zh-CN" altLang="en-US"/>
           </a:p>
@@ -476,7 +477,7 @@
           <a:p>
             <a:fld id="{530820CF-B880-4189-942D-D702A7CBA730}" type="datetimeFigureOut">
               <a:rPr lang="zh-CN" altLang="en-US" smtClean="0"/>
-              <a:t>2018/1/19</a:t>
+              <a:t>2018/1/24</a:t>
             </a:fld>
             <a:endParaRPr lang="zh-CN" altLang="en-US"/>
           </a:p>
@@ -651,7 +652,7 @@
           <a:p>
             <a:fld id="{530820CF-B880-4189-942D-D702A7CBA730}" type="datetimeFigureOut">
               <a:rPr lang="zh-CN" altLang="en-US" smtClean="0"/>
-              <a:t>2018/1/19</a:t>
+              <a:t>2018/1/24</a:t>
             </a:fld>
             <a:endParaRPr lang="zh-CN" altLang="en-US"/>
           </a:p>
@@ -816,7 +817,7 @@
           <a:p>
             <a:fld id="{530820CF-B880-4189-942D-D702A7CBA730}" type="datetimeFigureOut">
               <a:rPr lang="zh-CN" altLang="en-US" smtClean="0"/>
-              <a:t>2018/1/19</a:t>
+              <a:t>2018/1/24</a:t>
             </a:fld>
             <a:endParaRPr lang="zh-CN" altLang="en-US"/>
           </a:p>
@@ -1057,7 +1058,7 @@
           <a:p>
             <a:fld id="{530820CF-B880-4189-942D-D702A7CBA730}" type="datetimeFigureOut">
               <a:rPr lang="zh-CN" altLang="en-US" smtClean="0"/>
-              <a:t>2018/1/19</a:t>
+              <a:t>2018/1/24</a:t>
             </a:fld>
             <a:endParaRPr lang="zh-CN" altLang="en-US"/>
           </a:p>
@@ -1340,7 +1341,7 @@
           <a:p>
             <a:fld id="{530820CF-B880-4189-942D-D702A7CBA730}" type="datetimeFigureOut">
               <a:rPr lang="zh-CN" altLang="en-US" smtClean="0"/>
-              <a:t>2018/1/19</a:t>
+              <a:t>2018/1/24</a:t>
             </a:fld>
             <a:endParaRPr lang="zh-CN" altLang="en-US"/>
           </a:p>
@@ -1757,7 +1758,7 @@
           <a:p>
             <a:fld id="{530820CF-B880-4189-942D-D702A7CBA730}" type="datetimeFigureOut">
               <a:rPr lang="zh-CN" altLang="en-US" smtClean="0"/>
-              <a:t>2018/1/19</a:t>
+              <a:t>2018/1/24</a:t>
             </a:fld>
             <a:endParaRPr lang="zh-CN" altLang="en-US"/>
           </a:p>
@@ -1870,7 +1871,7 @@
           <a:p>
             <a:fld id="{530820CF-B880-4189-942D-D702A7CBA730}" type="datetimeFigureOut">
               <a:rPr lang="zh-CN" altLang="en-US" smtClean="0"/>
-              <a:t>2018/1/19</a:t>
+              <a:t>2018/1/24</a:t>
             </a:fld>
             <a:endParaRPr lang="zh-CN" altLang="en-US"/>
           </a:p>
@@ -1960,7 +1961,7 @@
           <a:p>
             <a:fld id="{530820CF-B880-4189-942D-D702A7CBA730}" type="datetimeFigureOut">
               <a:rPr lang="zh-CN" altLang="en-US" smtClean="0"/>
-              <a:t>2018/1/19</a:t>
+              <a:t>2018/1/24</a:t>
             </a:fld>
             <a:endParaRPr lang="zh-CN" altLang="en-US"/>
           </a:p>
@@ -2232,7 +2233,7 @@
           <a:p>
             <a:fld id="{530820CF-B880-4189-942D-D702A7CBA730}" type="datetimeFigureOut">
               <a:rPr lang="zh-CN" altLang="en-US" smtClean="0"/>
-              <a:t>2018/1/19</a:t>
+              <a:t>2018/1/24</a:t>
             </a:fld>
             <a:endParaRPr lang="zh-CN" altLang="en-US"/>
           </a:p>
@@ -2480,7 +2481,7 @@
           <a:p>
             <a:fld id="{530820CF-B880-4189-942D-D702A7CBA730}" type="datetimeFigureOut">
               <a:rPr lang="zh-CN" altLang="en-US" smtClean="0"/>
-              <a:t>2018/1/19</a:t>
+              <a:t>2018/1/24</a:t>
             </a:fld>
             <a:endParaRPr lang="zh-CN" altLang="en-US"/>
           </a:p>
@@ -2688,7 +2689,7 @@
           <a:p>
             <a:fld id="{530820CF-B880-4189-942D-D702A7CBA730}" type="datetimeFigureOut">
               <a:rPr lang="zh-CN" altLang="en-US" smtClean="0"/>
-              <a:t>2018/1/19</a:t>
+              <a:t>2018/1/24</a:t>
             </a:fld>
             <a:endParaRPr lang="zh-CN" altLang="en-US"/>
           </a:p>
@@ -8444,7 +8445,7 @@
           <a:lstStyle/>
           <a:p>
             <a:r>
-              <a:rPr lang="en-US" altLang="zh-CN" sz="2000" smtClean="0"/>
+              <a:rPr lang="en-US" altLang="zh-CN" sz="2000" dirty="0" smtClean="0"/>
               <a:t>14.3 </a:t>
             </a:r>
             <a:r>
@@ -8549,6 +8550,387 @@
       </p:par>
     </p:tnLst>
   </p:timing>
+</p:sld>
+</file>
+
+<file path=ppt/slides/slide25.xml><?xml version="1.0" encoding="utf-8"?>
+<p:sld xmlns:a="http://schemas.openxmlformats.org/drawingml/2006/main" xmlns:r="http://schemas.openxmlformats.org/officeDocument/2006/relationships" xmlns:p="http://schemas.openxmlformats.org/presentationml/2006/main">
+  <p:cSld>
+    <p:spTree>
+      <p:nvGrpSpPr>
+        <p:cNvPr id="1" name=""/>
+        <p:cNvGrpSpPr/>
+        <p:nvPr/>
+      </p:nvGrpSpPr>
+      <p:grpSpPr>
+        <a:xfrm>
+          <a:off x="0" y="0"/>
+          <a:ext cx="0" cy="0"/>
+          <a:chOff x="0" y="0"/>
+          <a:chExt cx="0" cy="0"/>
+        </a:xfrm>
+      </p:grpSpPr>
+      <p:sp>
+        <p:nvSpPr>
+          <p:cNvPr id="6" name="TextBox 5"/>
+          <p:cNvSpPr txBox="1"/>
+          <p:nvPr/>
+        </p:nvSpPr>
+        <p:spPr>
+          <a:xfrm>
+            <a:off x="467544" y="332656"/>
+            <a:ext cx="1015021" cy="400110"/>
+          </a:xfrm>
+          <a:prstGeom prst="rect">
+            <a:avLst/>
+          </a:prstGeom>
+          <a:noFill/>
+        </p:spPr>
+        <p:txBody>
+          <a:bodyPr wrap="none" rtlCol="0">
+            <a:spAutoFit/>
+          </a:bodyPr>
+          <a:lstStyle/>
+          <a:p>
+            <a:r>
+              <a:rPr lang="en-US" altLang="zh-CN" sz="2000" dirty="0" smtClean="0"/>
+              <a:t>15 </a:t>
+            </a:r>
+            <a:r>
+              <a:rPr lang="zh-CN" altLang="en-US" sz="2000" dirty="0" smtClean="0"/>
+              <a:t>其他</a:t>
+            </a:r>
+            <a:endParaRPr lang="zh-CN" altLang="en-US" sz="2000" dirty="0"/>
+          </a:p>
+        </p:txBody>
+      </p:sp>
+      <p:sp>
+        <p:nvSpPr>
+          <p:cNvPr id="7" name="TextBox 6"/>
+          <p:cNvSpPr txBox="1"/>
+          <p:nvPr/>
+        </p:nvSpPr>
+        <p:spPr>
+          <a:xfrm>
+            <a:off x="539552" y="764704"/>
+            <a:ext cx="8208912" cy="5909310"/>
+          </a:xfrm>
+          <a:prstGeom prst="rect">
+            <a:avLst/>
+          </a:prstGeom>
+          <a:noFill/>
+        </p:spPr>
+        <p:txBody>
+          <a:bodyPr wrap="square" rtlCol="0">
+            <a:spAutoFit/>
+          </a:bodyPr>
+          <a:lstStyle/>
+          <a:p>
+            <a:r>
+              <a:rPr lang="en-US" altLang="zh-CN" dirty="0" smtClean="0"/>
+              <a:t>1.NAT</a:t>
+            </a:r>
+            <a:r>
+              <a:rPr lang="zh-CN" altLang="en-US" dirty="0" smtClean="0"/>
+              <a:t>打洞</a:t>
+            </a:r>
+            <a:endParaRPr lang="en-US" altLang="zh-CN" dirty="0" smtClean="0"/>
+          </a:p>
+          <a:p>
+            <a:r>
+              <a:rPr lang="en-US" altLang="zh-CN" dirty="0" smtClean="0"/>
+              <a:t>    a) </a:t>
+            </a:r>
+            <a:r>
+              <a:rPr lang="zh-CN" altLang="en-US" dirty="0" smtClean="0"/>
+              <a:t>全锥型</a:t>
+            </a:r>
+            <a:endParaRPr lang="en-US" altLang="zh-CN" dirty="0" smtClean="0"/>
+          </a:p>
+          <a:p>
+            <a:r>
+              <a:rPr lang="en-US" altLang="zh-CN" dirty="0"/>
+              <a:t> </a:t>
+            </a:r>
+            <a:r>
+              <a:rPr lang="en-US" altLang="zh-CN" dirty="0" smtClean="0"/>
+              <a:t>   b) </a:t>
+            </a:r>
+            <a:r>
+              <a:rPr lang="zh-CN" altLang="en-US" dirty="0" smtClean="0"/>
+              <a:t>受限锥型</a:t>
+            </a:r>
+            <a:endParaRPr lang="en-US" altLang="zh-CN" dirty="0" smtClean="0"/>
+          </a:p>
+          <a:p>
+            <a:r>
+              <a:rPr lang="en-US" altLang="zh-CN" dirty="0"/>
+              <a:t> </a:t>
+            </a:r>
+            <a:r>
+              <a:rPr lang="en-US" altLang="zh-CN" dirty="0" smtClean="0"/>
+              <a:t>   c) </a:t>
+            </a:r>
+            <a:r>
+              <a:rPr lang="zh-CN" altLang="en-US" dirty="0" smtClean="0"/>
+              <a:t>端口受限锥型</a:t>
+            </a:r>
+            <a:endParaRPr lang="en-US" altLang="zh-CN" dirty="0" smtClean="0"/>
+          </a:p>
+          <a:p>
+            <a:r>
+              <a:rPr lang="en-US" altLang="zh-CN" dirty="0"/>
+              <a:t> </a:t>
+            </a:r>
+            <a:r>
+              <a:rPr lang="en-US" altLang="zh-CN" dirty="0" smtClean="0"/>
+              <a:t>   d) </a:t>
+            </a:r>
+            <a:r>
+              <a:rPr lang="zh-CN" altLang="en-US" dirty="0" smtClean="0"/>
+              <a:t>对称型</a:t>
+            </a:r>
+            <a:endParaRPr lang="en-US" altLang="zh-CN" dirty="0" smtClean="0"/>
+          </a:p>
+          <a:p>
+            <a:r>
+              <a:rPr lang="en-US" altLang="zh-CN" dirty="0"/>
+              <a:t> </a:t>
+            </a:r>
+            <a:r>
+              <a:rPr lang="en-US" altLang="zh-CN" dirty="0" smtClean="0"/>
+              <a:t>   </a:t>
+            </a:r>
+            <a:r>
+              <a:rPr lang="zh-CN" altLang="en-US" dirty="0" smtClean="0"/>
+              <a:t>不能打动成功的情况是端口受限锥型、对称型与对称型相互打洞。</a:t>
+            </a:r>
+            <a:endParaRPr lang="en-US" altLang="zh-CN" dirty="0" smtClean="0"/>
+          </a:p>
+          <a:p>
+            <a:endParaRPr lang="en-US" altLang="zh-CN" dirty="0" smtClean="0"/>
+          </a:p>
+          <a:p>
+            <a:r>
+              <a:rPr lang="en-US" altLang="zh-CN" dirty="0" smtClean="0"/>
+              <a:t>2.go </a:t>
+            </a:r>
+            <a:r>
+              <a:rPr lang="en-US" altLang="zh-CN" dirty="0" err="1" smtClean="0"/>
+              <a:t>gc</a:t>
+            </a:r>
+            <a:endParaRPr lang="en-US" altLang="zh-CN" dirty="0" smtClean="0"/>
+          </a:p>
+          <a:p>
+            <a:r>
+              <a:rPr lang="en-US" altLang="zh-CN" dirty="0" smtClean="0"/>
+              <a:t>    </a:t>
+            </a:r>
+            <a:r>
+              <a:rPr lang="zh-CN" altLang="en-US" dirty="0" smtClean="0"/>
+              <a:t>三色标记法。</a:t>
+            </a:r>
+            <a:endParaRPr lang="en-US" altLang="zh-CN" dirty="0" smtClean="0"/>
+          </a:p>
+          <a:p>
+            <a:r>
+              <a:rPr lang="en-US" altLang="zh-CN" dirty="0"/>
+              <a:t> </a:t>
+            </a:r>
+            <a:r>
+              <a:rPr lang="en-US" altLang="zh-CN" dirty="0" smtClean="0"/>
+              <a:t>   1. stop-the-world</a:t>
+            </a:r>
+          </a:p>
+          <a:p>
+            <a:r>
+              <a:rPr lang="en-US" altLang="zh-CN" dirty="0"/>
+              <a:t> </a:t>
+            </a:r>
+            <a:r>
+              <a:rPr lang="en-US" altLang="zh-CN" dirty="0" smtClean="0"/>
+              <a:t>   2. </a:t>
+            </a:r>
+            <a:r>
+              <a:rPr lang="zh-CN" altLang="en-US" dirty="0" smtClean="0"/>
+              <a:t>遍历变量的指针连接网络并标记分配的内存块。初始全部为</a:t>
+            </a:r>
+            <a:r>
+              <a:rPr lang="en-US" altLang="zh-CN" dirty="0" smtClean="0"/>
+              <a:t>white</a:t>
+            </a:r>
+            <a:r>
+              <a:rPr lang="zh-CN" altLang="en-US" dirty="0" smtClean="0"/>
+              <a:t>，每层根为</a:t>
+            </a:r>
+            <a:r>
+              <a:rPr lang="en-US" altLang="zh-CN" dirty="0" smtClean="0"/>
+              <a:t>black</a:t>
+            </a:r>
+            <a:r>
+              <a:rPr lang="zh-CN" altLang="en-US" dirty="0" smtClean="0"/>
+              <a:t>，子节点为</a:t>
+            </a:r>
+            <a:r>
+              <a:rPr lang="en-US" altLang="zh-CN" dirty="0" smtClean="0"/>
+              <a:t>grey</a:t>
+            </a:r>
+            <a:r>
+              <a:rPr lang="zh-CN" altLang="en-US" dirty="0" smtClean="0"/>
+              <a:t>，继续遍历</a:t>
+            </a:r>
+            <a:r>
+              <a:rPr lang="en-US" altLang="zh-CN" dirty="0" smtClean="0"/>
+              <a:t>grey</a:t>
+            </a:r>
+            <a:r>
+              <a:rPr lang="zh-CN" altLang="en-US" dirty="0" smtClean="0"/>
+              <a:t>。最后只剩</a:t>
+            </a:r>
+            <a:r>
+              <a:rPr lang="en-US" altLang="zh-CN" dirty="0" smtClean="0"/>
+              <a:t>black</a:t>
+            </a:r>
+            <a:r>
+              <a:rPr lang="zh-CN" altLang="en-US" dirty="0" smtClean="0"/>
+              <a:t>和</a:t>
+            </a:r>
+            <a:r>
+              <a:rPr lang="en-US" altLang="zh-CN" dirty="0" smtClean="0"/>
+              <a:t>white</a:t>
+            </a:r>
+            <a:r>
+              <a:rPr lang="zh-CN" altLang="en-US" dirty="0" smtClean="0"/>
+              <a:t>。</a:t>
+            </a:r>
+            <a:r>
+              <a:rPr lang="en-US" altLang="zh-CN" dirty="0"/>
+              <a:t>w</a:t>
+            </a:r>
+            <a:r>
+              <a:rPr lang="en-US" altLang="zh-CN" dirty="0" smtClean="0"/>
+              <a:t>hite</a:t>
+            </a:r>
+            <a:r>
+              <a:rPr lang="zh-CN" altLang="en-US" dirty="0" smtClean="0"/>
+              <a:t>即不可达的节点，即可回收。</a:t>
+            </a:r>
+            <a:endParaRPr lang="en-US" altLang="zh-CN" dirty="0" smtClean="0"/>
+          </a:p>
+          <a:p>
+            <a:r>
+              <a:rPr lang="en-US" altLang="zh-CN" dirty="0"/>
+              <a:t> </a:t>
+            </a:r>
+            <a:r>
+              <a:rPr lang="en-US" altLang="zh-CN" dirty="0" smtClean="0"/>
+              <a:t>   3. </a:t>
+            </a:r>
+            <a:r>
+              <a:rPr lang="zh-CN" altLang="en-US" dirty="0" smtClean="0"/>
+              <a:t>清理，回收</a:t>
+            </a:r>
+            <a:r>
+              <a:rPr lang="en-US" altLang="zh-CN" dirty="0" smtClean="0"/>
+              <a:t>white</a:t>
+            </a:r>
+            <a:r>
+              <a:rPr lang="zh-CN" altLang="en-US" dirty="0" smtClean="0"/>
+              <a:t>节点。</a:t>
+            </a:r>
+            <a:endParaRPr lang="en-US" altLang="zh-CN" dirty="0" smtClean="0"/>
+          </a:p>
+          <a:p>
+            <a:r>
+              <a:rPr lang="en-US" altLang="zh-CN" dirty="0"/>
+              <a:t> </a:t>
+            </a:r>
+            <a:r>
+              <a:rPr lang="en-US" altLang="zh-CN" dirty="0" smtClean="0"/>
+              <a:t>   4. start-the-world</a:t>
+            </a:r>
+            <a:endParaRPr lang="en-US" altLang="zh-CN" dirty="0"/>
+          </a:p>
+          <a:p>
+            <a:r>
+              <a:rPr lang="en-US" altLang="zh-CN" dirty="0" smtClean="0"/>
+              <a:t>    </a:t>
+            </a:r>
+            <a:r>
+              <a:rPr lang="zh-CN" altLang="en-US" dirty="0" smtClean="0"/>
+              <a:t>三色标记法的好处是，可以将扫描出的</a:t>
+            </a:r>
+            <a:r>
+              <a:rPr lang="en-US" altLang="zh-CN" dirty="0" smtClean="0"/>
+              <a:t>white</a:t>
+            </a:r>
+            <a:r>
+              <a:rPr lang="zh-CN" altLang="en-US" dirty="0" smtClean="0"/>
+              <a:t>节点慢慢回收，立即恢复业务执行，减少</a:t>
+            </a:r>
+            <a:r>
+              <a:rPr lang="en-US" altLang="zh-CN" dirty="0" err="1" smtClean="0"/>
+              <a:t>gc</a:t>
+            </a:r>
+            <a:r>
+              <a:rPr lang="zh-CN" altLang="en-US" dirty="0" smtClean="0"/>
+              <a:t>导致的系统</a:t>
+            </a:r>
+            <a:r>
+              <a:rPr lang="en-US" altLang="zh-CN" dirty="0" smtClean="0"/>
+              <a:t>delay</a:t>
+            </a:r>
+            <a:r>
+              <a:rPr lang="zh-CN" altLang="en-US" dirty="0"/>
+              <a:t>时间</a:t>
+            </a:r>
+            <a:r>
+              <a:rPr lang="zh-CN" altLang="en-US" dirty="0" smtClean="0"/>
+              <a:t>。</a:t>
+            </a:r>
+            <a:endParaRPr lang="en-US" altLang="zh-CN" dirty="0" smtClean="0"/>
+          </a:p>
+          <a:p>
+            <a:endParaRPr lang="en-US" altLang="zh-CN" dirty="0" smtClean="0"/>
+          </a:p>
+          <a:p>
+            <a:r>
+              <a:rPr lang="en-US" altLang="zh-CN" dirty="0" smtClean="0"/>
+              <a:t>3.</a:t>
+            </a:r>
+            <a:r>
+              <a:rPr lang="zh-CN" altLang="en-US" dirty="0" smtClean="0"/>
+              <a:t>反向代理</a:t>
+            </a:r>
+            <a:endParaRPr lang="en-US" altLang="zh-CN" dirty="0" smtClean="0"/>
+          </a:p>
+          <a:p>
+            <a:r>
+              <a:rPr lang="en-US" altLang="zh-CN" dirty="0"/>
+              <a:t> </a:t>
+            </a:r>
+            <a:r>
+              <a:rPr lang="en-US" altLang="zh-CN" dirty="0" smtClean="0"/>
+              <a:t>   </a:t>
+            </a:r>
+            <a:r>
+              <a:rPr lang="zh-CN" altLang="en-US" dirty="0" smtClean="0"/>
+              <a:t>好处：防止对内部服务器的攻击，安全验证，缓解单台压力，缓存并提高并发性能。</a:t>
+            </a:r>
+            <a:endParaRPr lang="en-US" altLang="zh-CN" dirty="0"/>
+          </a:p>
+        </p:txBody>
+      </p:sp>
+    </p:spTree>
+    <p:extLst>
+      <p:ext uri="{BB962C8B-B14F-4D97-AF65-F5344CB8AC3E}">
+        <p14:creationId xmlns:p14="http://schemas.microsoft.com/office/powerpoint/2010/main" val="1623233829"/>
+      </p:ext>
+    </p:extLst>
+  </p:cSld>
+  <p:clrMapOvr>
+    <a:masterClrMapping/>
+  </p:clrMapOvr>
 </p:sld>
 </file>
 

--- a/algos_summary.pptx
+++ b/algos_summary.pptx
@@ -312,7 +312,7 @@
           <a:p>
             <a:fld id="{530820CF-B880-4189-942D-D702A7CBA730}" type="datetimeFigureOut">
               <a:rPr lang="zh-CN" altLang="en-US" smtClean="0"/>
-              <a:t>2018/1/24</a:t>
+              <a:t>2018/1/27</a:t>
             </a:fld>
             <a:endParaRPr lang="zh-CN" altLang="en-US"/>
           </a:p>
@@ -477,7 +477,7 @@
           <a:p>
             <a:fld id="{530820CF-B880-4189-942D-D702A7CBA730}" type="datetimeFigureOut">
               <a:rPr lang="zh-CN" altLang="en-US" smtClean="0"/>
-              <a:t>2018/1/24</a:t>
+              <a:t>2018/1/27</a:t>
             </a:fld>
             <a:endParaRPr lang="zh-CN" altLang="en-US"/>
           </a:p>
@@ -652,7 +652,7 @@
           <a:p>
             <a:fld id="{530820CF-B880-4189-942D-D702A7CBA730}" type="datetimeFigureOut">
               <a:rPr lang="zh-CN" altLang="en-US" smtClean="0"/>
-              <a:t>2018/1/24</a:t>
+              <a:t>2018/1/27</a:t>
             </a:fld>
             <a:endParaRPr lang="zh-CN" altLang="en-US"/>
           </a:p>
@@ -817,7 +817,7 @@
           <a:p>
             <a:fld id="{530820CF-B880-4189-942D-D702A7CBA730}" type="datetimeFigureOut">
               <a:rPr lang="zh-CN" altLang="en-US" smtClean="0"/>
-              <a:t>2018/1/24</a:t>
+              <a:t>2018/1/27</a:t>
             </a:fld>
             <a:endParaRPr lang="zh-CN" altLang="en-US"/>
           </a:p>
@@ -1058,7 +1058,7 @@
           <a:p>
             <a:fld id="{530820CF-B880-4189-942D-D702A7CBA730}" type="datetimeFigureOut">
               <a:rPr lang="zh-CN" altLang="en-US" smtClean="0"/>
-              <a:t>2018/1/24</a:t>
+              <a:t>2018/1/27</a:t>
             </a:fld>
             <a:endParaRPr lang="zh-CN" altLang="en-US"/>
           </a:p>
@@ -1341,7 +1341,7 @@
           <a:p>
             <a:fld id="{530820CF-B880-4189-942D-D702A7CBA730}" type="datetimeFigureOut">
               <a:rPr lang="zh-CN" altLang="en-US" smtClean="0"/>
-              <a:t>2018/1/24</a:t>
+              <a:t>2018/1/27</a:t>
             </a:fld>
             <a:endParaRPr lang="zh-CN" altLang="en-US"/>
           </a:p>
@@ -1758,7 +1758,7 @@
           <a:p>
             <a:fld id="{530820CF-B880-4189-942D-D702A7CBA730}" type="datetimeFigureOut">
               <a:rPr lang="zh-CN" altLang="en-US" smtClean="0"/>
-              <a:t>2018/1/24</a:t>
+              <a:t>2018/1/27</a:t>
             </a:fld>
             <a:endParaRPr lang="zh-CN" altLang="en-US"/>
           </a:p>
@@ -1871,7 +1871,7 @@
           <a:p>
             <a:fld id="{530820CF-B880-4189-942D-D702A7CBA730}" type="datetimeFigureOut">
               <a:rPr lang="zh-CN" altLang="en-US" smtClean="0"/>
-              <a:t>2018/1/24</a:t>
+              <a:t>2018/1/27</a:t>
             </a:fld>
             <a:endParaRPr lang="zh-CN" altLang="en-US"/>
           </a:p>
@@ -1961,7 +1961,7 @@
           <a:p>
             <a:fld id="{530820CF-B880-4189-942D-D702A7CBA730}" type="datetimeFigureOut">
               <a:rPr lang="zh-CN" altLang="en-US" smtClean="0"/>
-              <a:t>2018/1/24</a:t>
+              <a:t>2018/1/27</a:t>
             </a:fld>
             <a:endParaRPr lang="zh-CN" altLang="en-US"/>
           </a:p>
@@ -2233,7 +2233,7 @@
           <a:p>
             <a:fld id="{530820CF-B880-4189-942D-D702A7CBA730}" type="datetimeFigureOut">
               <a:rPr lang="zh-CN" altLang="en-US" smtClean="0"/>
-              <a:t>2018/1/24</a:t>
+              <a:t>2018/1/27</a:t>
             </a:fld>
             <a:endParaRPr lang="zh-CN" altLang="en-US"/>
           </a:p>
@@ -2481,7 +2481,7 @@
           <a:p>
             <a:fld id="{530820CF-B880-4189-942D-D702A7CBA730}" type="datetimeFigureOut">
               <a:rPr lang="zh-CN" altLang="en-US" smtClean="0"/>
-              <a:t>2018/1/24</a:t>
+              <a:t>2018/1/27</a:t>
             </a:fld>
             <a:endParaRPr lang="zh-CN" altLang="en-US"/>
           </a:p>
@@ -2689,7 +2689,7 @@
           <a:p>
             <a:fld id="{530820CF-B880-4189-942D-D702A7CBA730}" type="datetimeFigureOut">
               <a:rPr lang="zh-CN" altLang="en-US" smtClean="0"/>
-              <a:t>2018/1/24</a:t>
+              <a:t>2018/1/27</a:t>
             </a:fld>
             <a:endParaRPr lang="zh-CN" altLang="en-US"/>
           </a:p>
@@ -3122,6 +3122,13 @@
   <p:clrMapOvr>
     <a:masterClrMapping/>
   </p:clrMapOvr>
+  <p:timing>
+    <p:tnLst>
+      <p:par>
+        <p:cTn id="1" dur="indefinite" restart="never" nodeType="tmRoot"/>
+      </p:par>
+    </p:tnLst>
+  </p:timing>
 </p:sld>
 </file>
 
@@ -11365,7 +11372,15 @@
             </a:r>
             <a:r>
               <a:rPr lang="en-US" altLang="zh-CN" dirty="0" smtClean="0"/>
-              <a:t> i = n/2; i&gt;0;i--) {</a:t>
+              <a:t> i = n/2; i</a:t>
+            </a:r>
+            <a:r>
+              <a:rPr lang="en-US" altLang="zh-CN" dirty="0" smtClean="0"/>
+              <a:t>&gt;=0;i-</a:t>
+            </a:r>
+            <a:r>
+              <a:rPr lang="en-US" altLang="zh-CN" dirty="0" smtClean="0"/>
+              <a:t>-) {</a:t>
             </a:r>
           </a:p>
           <a:p>
@@ -11540,8 +11555,13 @@
             </a:r>
             <a:r>
               <a:rPr lang="en-US" altLang="zh-CN" dirty="0" smtClean="0"/>
-              <a:t>, 0, i);   </a:t>
-            </a:r>
+              <a:t>, 0, </a:t>
+            </a:r>
+            <a:r>
+              <a:rPr lang="en-US" altLang="zh-CN" dirty="0" smtClean="0"/>
+              <a:t>i-1);   </a:t>
+            </a:r>
+            <a:endParaRPr lang="en-US" altLang="zh-CN" dirty="0" smtClean="0"/>
           </a:p>
           <a:p>
             <a:r>
@@ -11567,7 +11587,7 @@
         <p:spPr>
           <a:xfrm>
             <a:off x="4499992" y="2204864"/>
-            <a:ext cx="4104456" cy="4247317"/>
+            <a:ext cx="4104456" cy="3970318"/>
           </a:xfrm>
           <a:prstGeom prst="rect">
             <a:avLst/>
@@ -11639,12 +11659,60 @@
           </a:p>
           <a:p>
             <a:r>
-              <a:rPr lang="en-US" altLang="zh-CN" dirty="0"/>
+              <a:rPr lang="en-US" altLang="zh-CN" dirty="0" smtClean="0"/>
+              <a:t>    </a:t>
+            </a:r>
+            <a:r>
+              <a:rPr lang="en-US" altLang="zh-CN" dirty="0" err="1" smtClean="0"/>
+              <a:t>int</a:t>
+            </a:r>
+            <a:r>
+              <a:rPr lang="en-US" altLang="zh-CN" dirty="0" smtClean="0"/>
               <a:t> </a:t>
             </a:r>
             <a:r>
-              <a:rPr lang="en-US" altLang="zh-CN" dirty="0" smtClean="0"/>
-              <a:t>   </a:t>
+              <a:rPr lang="en-US" altLang="zh-CN" dirty="0" err="1" smtClean="0"/>
+              <a:t>val</a:t>
+            </a:r>
+            <a:r>
+              <a:rPr lang="en-US" altLang="zh-CN" dirty="0" smtClean="0"/>
+              <a:t> = </a:t>
+            </a:r>
+            <a:r>
+              <a:rPr lang="en-US" altLang="zh-CN" dirty="0" err="1" smtClean="0"/>
+              <a:t>arr</a:t>
+            </a:r>
+            <a:r>
+              <a:rPr lang="en-US" altLang="zh-CN" dirty="0" smtClean="0"/>
+              <a:t>[p];</a:t>
+            </a:r>
+          </a:p>
+          <a:p>
+            <a:r>
+              <a:rPr lang="en-US" altLang="zh-CN" dirty="0" smtClean="0"/>
+              <a:t>    </a:t>
+            </a:r>
+            <a:r>
+              <a:rPr lang="en-US" altLang="zh-CN" dirty="0" smtClean="0"/>
+              <a:t>while(2*p&lt;</a:t>
+            </a:r>
+            <a:r>
+              <a:rPr lang="en-US" altLang="zh-CN" dirty="0" err="1" smtClean="0"/>
+              <a:t>len</a:t>
+            </a:r>
+            <a:r>
+              <a:rPr lang="en-US" altLang="zh-CN" dirty="0" smtClean="0"/>
+              <a:t>) </a:t>
+            </a:r>
+            <a:r>
+              <a:rPr lang="en-US" altLang="zh-CN" dirty="0" smtClean="0"/>
+              <a:t>{</a:t>
+            </a:r>
+          </a:p>
+          <a:p>
+            <a:r>
+              <a:rPr lang="en-US" altLang="zh-CN" dirty="0" smtClean="0"/>
+              <a:t>        </a:t>
             </a:r>
             <a:r>
               <a:rPr lang="en-US" altLang="zh-CN" dirty="0" err="1" smtClean="0"/>
@@ -11652,29 +11720,90 @@
             </a:r>
             <a:r>
               <a:rPr lang="en-US" altLang="zh-CN" dirty="0" smtClean="0"/>
-              <a:t> c = 2*p;// child</a:t>
-            </a:r>
-          </a:p>
-          <a:p>
-            <a:r>
-              <a:rPr lang="en-US" altLang="zh-CN" dirty="0" smtClean="0"/>
-              <a:t>    </a:t>
-            </a:r>
-            <a:r>
-              <a:rPr lang="en-US" altLang="zh-CN" dirty="0" err="1" smtClean="0"/>
-              <a:t>int</a:t>
-            </a:r>
-            <a:r>
-              <a:rPr lang="en-US" altLang="zh-CN" dirty="0" smtClean="0"/>
               <a:t> </a:t>
             </a:r>
             <a:r>
+              <a:rPr lang="en-US" altLang="zh-CN" dirty="0"/>
+              <a:t>c = 2*p;// child</a:t>
+            </a:r>
+            <a:endParaRPr lang="en-US" altLang="zh-CN" dirty="0" smtClean="0"/>
+          </a:p>
+          <a:p>
+            <a:r>
+              <a:rPr lang="en-US" altLang="zh-CN" dirty="0"/>
+              <a:t> </a:t>
+            </a:r>
+            <a:r>
+              <a:rPr lang="en-US" altLang="zh-CN" dirty="0" smtClean="0"/>
+              <a:t>       if </a:t>
+            </a:r>
+            <a:r>
+              <a:rPr lang="en-US" altLang="zh-CN" dirty="0" smtClean="0"/>
+              <a:t>(c&lt;</a:t>
+            </a:r>
+            <a:r>
+              <a:rPr lang="en-US" altLang="zh-CN" dirty="0" err="1" smtClean="0"/>
+              <a:t>len</a:t>
+            </a:r>
+            <a:r>
+              <a:rPr lang="en-US" altLang="zh-CN" dirty="0" smtClean="0"/>
+              <a:t> &amp;&amp; </a:t>
+            </a:r>
+            <a:r>
+              <a:rPr lang="en-US" altLang="zh-CN" dirty="0" err="1" smtClean="0"/>
+              <a:t>arr</a:t>
+            </a:r>
+            <a:r>
+              <a:rPr lang="en-US" altLang="zh-CN" dirty="0" smtClean="0"/>
+              <a:t>[c</a:t>
+            </a:r>
+            <a:r>
+              <a:rPr lang="en-US" altLang="zh-CN" dirty="0" smtClean="0"/>
+              <a:t>] &lt; </a:t>
+            </a:r>
+            <a:r>
+              <a:rPr lang="en-US" altLang="zh-CN" dirty="0" err="1" smtClean="0"/>
+              <a:t>arr</a:t>
+            </a:r>
+            <a:r>
+              <a:rPr lang="en-US" altLang="zh-CN" dirty="0" smtClean="0"/>
+              <a:t>[c+1])</a:t>
+            </a:r>
+          </a:p>
+          <a:p>
+            <a:r>
+              <a:rPr lang="en-US" altLang="zh-CN" dirty="0"/>
+              <a:t> </a:t>
+            </a:r>
+            <a:r>
+              <a:rPr lang="en-US" altLang="zh-CN" dirty="0" smtClean="0"/>
+              <a:t>           </a:t>
+            </a:r>
+            <a:r>
+              <a:rPr lang="en-US" altLang="zh-CN" dirty="0" err="1" smtClean="0"/>
+              <a:t>c++</a:t>
+            </a:r>
+            <a:r>
+              <a:rPr lang="en-US" altLang="zh-CN" dirty="0" smtClean="0"/>
+              <a:t>;</a:t>
+            </a:r>
+          </a:p>
+          <a:p>
+            <a:r>
+              <a:rPr lang="en-US" altLang="zh-CN" dirty="0"/>
+              <a:t> </a:t>
+            </a:r>
+            <a:r>
+              <a:rPr lang="en-US" altLang="zh-CN" dirty="0" smtClean="0"/>
+              <a:t>       if (</a:t>
+            </a:r>
+            <a:r>
               <a:rPr lang="en-US" altLang="zh-CN" dirty="0" err="1" smtClean="0"/>
               <a:t>val</a:t>
             </a:r>
             <a:r>
               <a:rPr lang="en-US" altLang="zh-CN" dirty="0" smtClean="0"/>
-              <a:t> = </a:t>
+              <a:t> &lt;= </a:t>
             </a:r>
             <a:r>
               <a:rPr lang="en-US" altLang="zh-CN" dirty="0" err="1" smtClean="0"/>
@@ -11682,21 +11811,7 @@
             </a:r>
             <a:r>
               <a:rPr lang="en-US" altLang="zh-CN" dirty="0" smtClean="0"/>
-              <a:t>[p];</a:t>
-            </a:r>
-          </a:p>
-          <a:p>
-            <a:r>
-              <a:rPr lang="en-US" altLang="zh-CN" dirty="0" smtClean="0"/>
-              <a:t>    while(c&lt;</a:t>
-            </a:r>
-            <a:r>
-              <a:rPr lang="en-US" altLang="zh-CN" dirty="0" err="1" smtClean="0"/>
-              <a:t>len</a:t>
-            </a:r>
-            <a:r>
-              <a:rPr lang="en-US" altLang="zh-CN" dirty="0" smtClean="0"/>
-              <a:t>) {</a:t>
+              <a:t>[c])</a:t>
             </a:r>
           </a:p>
           <a:p>
@@ -11706,7 +11821,16 @@
             </a:r>
             <a:r>
               <a:rPr lang="en-US" altLang="zh-CN" dirty="0" smtClean="0"/>
-              <a:t>       if (</a:t>
+              <a:t>           break;</a:t>
+            </a:r>
+          </a:p>
+          <a:p>
+            <a:endParaRPr lang="en-US" altLang="zh-CN" dirty="0" smtClean="0"/>
+          </a:p>
+          <a:p>
+            <a:r>
+              <a:rPr lang="en-US" altLang="zh-CN" dirty="0" smtClean="0"/>
+              <a:t>        </a:t>
             </a:r>
             <a:r>
               <a:rPr lang="en-US" altLang="zh-CN" dirty="0" err="1" smtClean="0"/>
@@ -11714,7 +11838,7 @@
             </a:r>
             <a:r>
               <a:rPr lang="en-US" altLang="zh-CN" dirty="0" smtClean="0"/>
-              <a:t>[c] &lt; </a:t>
+              <a:t>[p] = </a:t>
             </a:r>
             <a:r>
               <a:rPr lang="en-US" altLang="zh-CN" dirty="0" err="1" smtClean="0"/>
@@ -11722,7 +11846,7 @@
             </a:r>
             <a:r>
               <a:rPr lang="en-US" altLang="zh-CN" dirty="0" smtClean="0"/>
-              <a:t>[c+1])</a:t>
+              <a:t>[c]; // swap</a:t>
             </a:r>
           </a:p>
           <a:p>
@@ -11732,107 +11856,15 @@
             </a:r>
             <a:r>
               <a:rPr lang="en-US" altLang="zh-CN" dirty="0" smtClean="0"/>
-              <a:t>           </a:t>
-            </a:r>
-            <a:r>
-              <a:rPr lang="en-US" altLang="zh-CN" dirty="0" err="1" smtClean="0"/>
-              <a:t>c++</a:t>
-            </a:r>
-            <a:r>
-              <a:rPr lang="en-US" altLang="zh-CN" dirty="0" smtClean="0"/>
-              <a:t>;</a:t>
-            </a:r>
-          </a:p>
-          <a:p>
-            <a:r>
-              <a:rPr lang="en-US" altLang="zh-CN" dirty="0"/>
-              <a:t> </a:t>
-            </a:r>
-            <a:r>
-              <a:rPr lang="en-US" altLang="zh-CN" dirty="0" smtClean="0"/>
-              <a:t>       if (</a:t>
-            </a:r>
-            <a:r>
-              <a:rPr lang="en-US" altLang="zh-CN" dirty="0" err="1" smtClean="0"/>
-              <a:t>val</a:t>
-            </a:r>
-            <a:r>
-              <a:rPr lang="en-US" altLang="zh-CN" dirty="0" smtClean="0"/>
-              <a:t> &lt;= </a:t>
-            </a:r>
-            <a:r>
-              <a:rPr lang="en-US" altLang="zh-CN" dirty="0" err="1" smtClean="0"/>
-              <a:t>arr</a:t>
-            </a:r>
-            <a:r>
-              <a:rPr lang="en-US" altLang="zh-CN" dirty="0" smtClean="0"/>
-              <a:t>[c])</a:t>
-            </a:r>
-          </a:p>
-          <a:p>
-            <a:r>
-              <a:rPr lang="en-US" altLang="zh-CN" dirty="0"/>
-              <a:t> </a:t>
-            </a:r>
-            <a:r>
-              <a:rPr lang="en-US" altLang="zh-CN" dirty="0" smtClean="0"/>
-              <a:t>           break;</a:t>
-            </a:r>
-          </a:p>
-          <a:p>
-            <a:endParaRPr lang="en-US" altLang="zh-CN" dirty="0" smtClean="0"/>
-          </a:p>
-          <a:p>
-            <a:r>
-              <a:rPr lang="en-US" altLang="zh-CN" dirty="0" smtClean="0"/>
-              <a:t>        </a:t>
-            </a:r>
-            <a:r>
-              <a:rPr lang="en-US" altLang="zh-CN" dirty="0" err="1" smtClean="0"/>
-              <a:t>arr</a:t>
-            </a:r>
-            <a:r>
-              <a:rPr lang="en-US" altLang="zh-CN" dirty="0" smtClean="0"/>
-              <a:t>[p] = </a:t>
-            </a:r>
-            <a:r>
-              <a:rPr lang="en-US" altLang="zh-CN" dirty="0" err="1" smtClean="0"/>
-              <a:t>arr</a:t>
-            </a:r>
-            <a:r>
-              <a:rPr lang="en-US" altLang="zh-CN" dirty="0" smtClean="0"/>
-              <a:t>[c]; // swap</a:t>
-            </a:r>
-          </a:p>
-          <a:p>
-            <a:r>
-              <a:rPr lang="en-US" altLang="zh-CN" dirty="0"/>
-              <a:t> </a:t>
-            </a:r>
-            <a:r>
-              <a:rPr lang="en-US" altLang="zh-CN" dirty="0" smtClean="0"/>
               <a:t>       p = c;</a:t>
             </a:r>
           </a:p>
           <a:p>
             <a:r>
-              <a:rPr lang="en-US" altLang="zh-CN" dirty="0"/>
-              <a:t> </a:t>
-            </a:r>
-            <a:r>
-              <a:rPr lang="en-US" altLang="zh-CN" dirty="0" smtClean="0"/>
-              <a:t>       c = 2*p;</a:t>
-            </a:r>
-          </a:p>
-          <a:p>
-            <a:r>
-              <a:rPr lang="en-US" altLang="zh-CN" dirty="0"/>
-              <a:t> </a:t>
-            </a:r>
-            <a:r>
-              <a:rPr lang="en-US" altLang="zh-CN" dirty="0" smtClean="0"/>
-              <a:t>   }</a:t>
-            </a:r>
+              <a:rPr lang="en-US" altLang="zh-CN" dirty="0" smtClean="0"/>
+              <a:t>    }</a:t>
+            </a:r>
+            <a:endParaRPr lang="en-US" altLang="zh-CN" dirty="0" smtClean="0"/>
           </a:p>
           <a:p>
             <a:r>

--- a/algos_summary.pptx
+++ b/algos_summary.pptx
@@ -312,7 +312,7 @@
           <a:p>
             <a:fld id="{530820CF-B880-4189-942D-D702A7CBA730}" type="datetimeFigureOut">
               <a:rPr lang="zh-CN" altLang="en-US" smtClean="0"/>
-              <a:t>2018/1/27</a:t>
+              <a:t>2018/1/28</a:t>
             </a:fld>
             <a:endParaRPr lang="zh-CN" altLang="en-US"/>
           </a:p>
@@ -477,7 +477,7 @@
           <a:p>
             <a:fld id="{530820CF-B880-4189-942D-D702A7CBA730}" type="datetimeFigureOut">
               <a:rPr lang="zh-CN" altLang="en-US" smtClean="0"/>
-              <a:t>2018/1/27</a:t>
+              <a:t>2018/1/28</a:t>
             </a:fld>
             <a:endParaRPr lang="zh-CN" altLang="en-US"/>
           </a:p>
@@ -652,7 +652,7 @@
           <a:p>
             <a:fld id="{530820CF-B880-4189-942D-D702A7CBA730}" type="datetimeFigureOut">
               <a:rPr lang="zh-CN" altLang="en-US" smtClean="0"/>
-              <a:t>2018/1/27</a:t>
+              <a:t>2018/1/28</a:t>
             </a:fld>
             <a:endParaRPr lang="zh-CN" altLang="en-US"/>
           </a:p>
@@ -817,7 +817,7 @@
           <a:p>
             <a:fld id="{530820CF-B880-4189-942D-D702A7CBA730}" type="datetimeFigureOut">
               <a:rPr lang="zh-CN" altLang="en-US" smtClean="0"/>
-              <a:t>2018/1/27</a:t>
+              <a:t>2018/1/28</a:t>
             </a:fld>
             <a:endParaRPr lang="zh-CN" altLang="en-US"/>
           </a:p>
@@ -1058,7 +1058,7 @@
           <a:p>
             <a:fld id="{530820CF-B880-4189-942D-D702A7CBA730}" type="datetimeFigureOut">
               <a:rPr lang="zh-CN" altLang="en-US" smtClean="0"/>
-              <a:t>2018/1/27</a:t>
+              <a:t>2018/1/28</a:t>
             </a:fld>
             <a:endParaRPr lang="zh-CN" altLang="en-US"/>
           </a:p>
@@ -1341,7 +1341,7 @@
           <a:p>
             <a:fld id="{530820CF-B880-4189-942D-D702A7CBA730}" type="datetimeFigureOut">
               <a:rPr lang="zh-CN" altLang="en-US" smtClean="0"/>
-              <a:t>2018/1/27</a:t>
+              <a:t>2018/1/28</a:t>
             </a:fld>
             <a:endParaRPr lang="zh-CN" altLang="en-US"/>
           </a:p>
@@ -1758,7 +1758,7 @@
           <a:p>
             <a:fld id="{530820CF-B880-4189-942D-D702A7CBA730}" type="datetimeFigureOut">
               <a:rPr lang="zh-CN" altLang="en-US" smtClean="0"/>
-              <a:t>2018/1/27</a:t>
+              <a:t>2018/1/28</a:t>
             </a:fld>
             <a:endParaRPr lang="zh-CN" altLang="en-US"/>
           </a:p>
@@ -1871,7 +1871,7 @@
           <a:p>
             <a:fld id="{530820CF-B880-4189-942D-D702A7CBA730}" type="datetimeFigureOut">
               <a:rPr lang="zh-CN" altLang="en-US" smtClean="0"/>
-              <a:t>2018/1/27</a:t>
+              <a:t>2018/1/28</a:t>
             </a:fld>
             <a:endParaRPr lang="zh-CN" altLang="en-US"/>
           </a:p>
@@ -1961,7 +1961,7 @@
           <a:p>
             <a:fld id="{530820CF-B880-4189-942D-D702A7CBA730}" type="datetimeFigureOut">
               <a:rPr lang="zh-CN" altLang="en-US" smtClean="0"/>
-              <a:t>2018/1/27</a:t>
+              <a:t>2018/1/28</a:t>
             </a:fld>
             <a:endParaRPr lang="zh-CN" altLang="en-US"/>
           </a:p>
@@ -2233,7 +2233,7 @@
           <a:p>
             <a:fld id="{530820CF-B880-4189-942D-D702A7CBA730}" type="datetimeFigureOut">
               <a:rPr lang="zh-CN" altLang="en-US" smtClean="0"/>
-              <a:t>2018/1/27</a:t>
+              <a:t>2018/1/28</a:t>
             </a:fld>
             <a:endParaRPr lang="zh-CN" altLang="en-US"/>
           </a:p>
@@ -2481,7 +2481,7 @@
           <a:p>
             <a:fld id="{530820CF-B880-4189-942D-D702A7CBA730}" type="datetimeFigureOut">
               <a:rPr lang="zh-CN" altLang="en-US" smtClean="0"/>
-              <a:t>2018/1/27</a:t>
+              <a:t>2018/1/28</a:t>
             </a:fld>
             <a:endParaRPr lang="zh-CN" altLang="en-US"/>
           </a:p>
@@ -2689,7 +2689,7 @@
           <a:p>
             <a:fld id="{530820CF-B880-4189-942D-D702A7CBA730}" type="datetimeFigureOut">
               <a:rPr lang="zh-CN" altLang="en-US" smtClean="0"/>
-              <a:t>2018/1/27</a:t>
+              <a:t>2018/1/28</a:t>
             </a:fld>
             <a:endParaRPr lang="zh-CN" altLang="en-US"/>
           </a:p>
@@ -3986,22 +3986,34 @@
             </a:r>
             <a:r>
               <a:rPr lang="zh-CN" altLang="en-US" dirty="0" smtClean="0"/>
-              <a:t>开始。</a:t>
-            </a:r>
-            <a:endParaRPr lang="en-US" altLang="zh-CN" dirty="0" smtClean="0"/>
-          </a:p>
-          <a:p>
-            <a:r>
-              <a:rPr lang="zh-CN" altLang="en-US" dirty="0" smtClean="0"/>
-              <a:t>拥塞避免：发生丢包，窗口减到</a:t>
-            </a:r>
-            <a:r>
-              <a:rPr lang="en-US" altLang="zh-CN" dirty="0" smtClean="0"/>
-              <a:t>1</a:t>
+              <a:t>开始</a:t>
+            </a:r>
+            <a:r>
+              <a:rPr lang="zh-CN" altLang="en-US" dirty="0" smtClean="0"/>
+              <a:t>，指数增长</a:t>
             </a:r>
             <a:r>
               <a:rPr lang="zh-CN" altLang="en-US" dirty="0" smtClean="0"/>
               <a:t>。</a:t>
+            </a:r>
+            <a:endParaRPr lang="en-US" altLang="zh-CN" dirty="0" smtClean="0"/>
+          </a:p>
+          <a:p>
+            <a:r>
+              <a:rPr lang="zh-CN" altLang="en-US" dirty="0" smtClean="0"/>
+              <a:t>拥塞避免</a:t>
+            </a:r>
+            <a:r>
+              <a:rPr lang="zh-CN" altLang="en-US" dirty="0" smtClean="0"/>
+              <a:t>：线性增长；发生</a:t>
+            </a:r>
+            <a:r>
+              <a:rPr lang="zh-CN" altLang="en-US" dirty="0" smtClean="0"/>
+              <a:t>丢包</a:t>
+            </a:r>
+            <a:r>
+              <a:rPr lang="zh-CN" altLang="en-US" dirty="0" smtClean="0"/>
+              <a:t>，进入慢启动。</a:t>
             </a:r>
             <a:endParaRPr lang="en-US" altLang="zh-CN" dirty="0" smtClean="0"/>
           </a:p>
@@ -5301,8 +5313,31 @@
             </a:r>
             <a:r>
               <a:rPr lang="en-US" altLang="zh-CN" dirty="0" smtClean="0"/>
-              <a:t>) {</a:t>
-            </a:r>
+              <a:t>) </a:t>
+            </a:r>
+            <a:r>
+              <a:rPr lang="en-US" altLang="zh-CN" dirty="0" smtClean="0"/>
+              <a:t>{</a:t>
+            </a:r>
+          </a:p>
+          <a:p>
+            <a:r>
+              <a:rPr lang="en-US" altLang="zh-CN" dirty="0"/>
+              <a:t> </a:t>
+            </a:r>
+            <a:r>
+              <a:rPr lang="en-US" altLang="zh-CN" dirty="0" smtClean="0"/>
+              <a:t>       Node* </a:t>
+            </a:r>
+            <a:r>
+              <a:rPr lang="en-US" altLang="zh-CN" dirty="0" err="1" smtClean="0"/>
+              <a:t>f_n</a:t>
+            </a:r>
+            <a:r>
+              <a:rPr lang="en-US" altLang="zh-CN" dirty="0" smtClean="0"/>
+              <a:t> = first-&gt;next;</a:t>
+            </a:r>
+            <a:endParaRPr lang="en-US" altLang="zh-CN" dirty="0" smtClean="0"/>
           </a:p>
           <a:p>
             <a:r>
@@ -5325,7 +5360,15 @@
             </a:r>
             <a:r>
               <a:rPr lang="en-US" altLang="zh-CN" dirty="0" smtClean="0"/>
-              <a:t>       second-&gt;next = </a:t>
+              <a:t>       </a:t>
+            </a:r>
+            <a:r>
+              <a:rPr lang="en-US" altLang="zh-CN" dirty="0" smtClean="0"/>
+              <a:t>second-&gt;next </a:t>
+            </a:r>
+            <a:r>
+              <a:rPr lang="en-US" altLang="zh-CN" dirty="0" smtClean="0"/>
+              <a:t>= </a:t>
             </a:r>
             <a:r>
               <a:rPr lang="en-US" altLang="zh-CN" dirty="0" err="1" smtClean="0"/>
@@ -5351,8 +5394,17 @@
             </a:r>
             <a:r>
               <a:rPr lang="en-US" altLang="zh-CN" dirty="0" smtClean="0"/>
-              <a:t>-&gt;next = second;</a:t>
-            </a:r>
+              <a:t>-&gt;next = </a:t>
+            </a:r>
+            <a:r>
+              <a:rPr lang="en-US" altLang="zh-CN" dirty="0" err="1" smtClean="0"/>
+              <a:t>f_n</a:t>
+            </a:r>
+            <a:r>
+              <a:rPr lang="en-US" altLang="zh-CN" dirty="0" smtClean="0"/>
+              <a:t>;</a:t>
+            </a:r>
+            <a:endParaRPr lang="en-US" altLang="zh-CN" dirty="0" smtClean="0"/>
           </a:p>
           <a:p>
             <a:r>
@@ -5372,26 +5424,13 @@
             </a:r>
             <a:r>
               <a:rPr lang="en-US" altLang="zh-CN" dirty="0" smtClean="0"/>
-              <a:t> = second-&gt;next;</a:t>
-            </a:r>
-          </a:p>
-          <a:p>
-            <a:r>
-              <a:rPr lang="en-US" altLang="zh-CN" dirty="0"/>
-              <a:t> </a:t>
-            </a:r>
-            <a:r>
-              <a:rPr lang="en-US" altLang="zh-CN" dirty="0" smtClean="0"/>
-              <a:t>       second = </a:t>
-            </a:r>
-            <a:r>
-              <a:rPr lang="en-US" altLang="zh-CN" dirty="0" err="1" smtClean="0"/>
-              <a:t>curr</a:t>
+              <a:t> = second-&gt;next</a:t>
             </a:r>
             <a:r>
               <a:rPr lang="en-US" altLang="zh-CN" dirty="0" smtClean="0"/>
               <a:t>;</a:t>
             </a:r>
+            <a:endParaRPr lang="en-US" altLang="zh-CN" dirty="0" smtClean="0"/>
           </a:p>
           <a:p>
             <a:r>
@@ -8938,6 +8977,13 @@
   <p:clrMapOvr>
     <a:masterClrMapping/>
   </p:clrMapOvr>
+  <p:timing>
+    <p:tnLst>
+      <p:par>
+        <p:cTn id="1" dur="indefinite" restart="never" nodeType="tmRoot"/>
+      </p:par>
+    </p:tnLst>
+  </p:timing>
 </p:sld>
 </file>
 
@@ -9847,7 +9893,7 @@
         <p:spPr>
           <a:xfrm>
             <a:off x="683568" y="764704"/>
-            <a:ext cx="8280920" cy="646331"/>
+            <a:ext cx="8280920" cy="923330"/>
           </a:xfrm>
           <a:prstGeom prst="rect">
             <a:avLst/>
@@ -9868,16 +9914,54 @@
           </a:p>
           <a:p>
             <a:r>
+              <a:rPr lang="zh-CN" altLang="en-US" dirty="0" smtClean="0"/>
+              <a:t>最大时间复杂度：每次二分不均匀，</a:t>
+            </a:r>
+            <a:r>
+              <a:rPr lang="zh-CN" altLang="en-US" dirty="0" smtClean="0"/>
+              <a:t>比如</a:t>
+            </a:r>
+            <a:r>
+              <a:rPr lang="en-US" altLang="zh-CN" dirty="0" smtClean="0"/>
+              <a:t>1</a:t>
+            </a:r>
+            <a:r>
+              <a:rPr lang="en-US" altLang="zh-CN" dirty="0"/>
+              <a:t>:</a:t>
+            </a:r>
+            <a:r>
+              <a:rPr lang="en-US" altLang="zh-CN" dirty="0" smtClean="0"/>
+              <a:t>n-1, </a:t>
+            </a:r>
+            <a:r>
+              <a:rPr lang="en-US" altLang="zh-CN" dirty="0" smtClean="0"/>
+              <a:t>O(n</a:t>
+            </a:r>
+            <a:r>
+              <a:rPr lang="en-US" altLang="zh-CN" baseline="30000" dirty="0" smtClean="0"/>
+              <a:t>2</a:t>
+            </a:r>
+            <a:r>
+              <a:rPr lang="en-US" altLang="zh-CN" dirty="0" smtClean="0"/>
+              <a:t>)</a:t>
+            </a:r>
+          </a:p>
+          <a:p>
+            <a:r>
               <a:rPr lang="zh-CN" altLang="en-US" dirty="0"/>
-              <a:t>复杂</a:t>
-            </a:r>
-            <a:r>
-              <a:rPr lang="zh-CN" altLang="en-US" dirty="0" smtClean="0"/>
-              <a:t>度递归</a:t>
-            </a:r>
-            <a:r>
-              <a:rPr lang="en-US" altLang="zh-CN" dirty="0" smtClean="0"/>
-              <a:t>O(T) = 2*O(T/2) + n</a:t>
+              <a:t>最优</a:t>
+            </a:r>
+            <a:r>
+              <a:rPr lang="zh-CN" altLang="en-US" dirty="0" smtClean="0"/>
+              <a:t>复杂度：</a:t>
+            </a:r>
+            <a:r>
+              <a:rPr lang="en-US" altLang="zh-CN" dirty="0" smtClean="0"/>
+              <a:t>O(T</a:t>
+            </a:r>
+            <a:r>
+              <a:rPr lang="en-US" altLang="zh-CN" dirty="0" smtClean="0"/>
+              <a:t>) = 2*O(T/2) + n</a:t>
             </a:r>
             <a:r>
               <a:rPr lang="zh-CN" altLang="en-US" dirty="0" smtClean="0"/>
@@ -9901,7 +9985,7 @@
             </a:r>
             <a:r>
               <a:rPr lang="zh-CN" altLang="en-US" dirty="0" smtClean="0"/>
-              <a:t>。只能递归。</a:t>
+              <a:t>。</a:t>
             </a:r>
             <a:endParaRPr lang="en-US" altLang="zh-CN" dirty="0" smtClean="0"/>
           </a:p>
@@ -10120,23 +10204,15 @@
           <a:p>
             <a:r>
               <a:rPr lang="en-US" altLang="zh-CN" dirty="0" smtClean="0"/>
-              <a:t>        if (</a:t>
-            </a:r>
-            <a:r>
-              <a:rPr lang="en-US" altLang="zh-CN" dirty="0" err="1" smtClean="0"/>
-              <a:t>arr</a:t>
-            </a:r>
-            <a:r>
-              <a:rPr lang="en-US" altLang="zh-CN" dirty="0" smtClean="0"/>
-              <a:t>[j]&gt;=</a:t>
-            </a:r>
-            <a:r>
-              <a:rPr lang="en-US" altLang="zh-CN" dirty="0" err="1" smtClean="0"/>
-              <a:t>arr</a:t>
-            </a:r>
-            <a:r>
-              <a:rPr lang="en-US" altLang="zh-CN" dirty="0" smtClean="0"/>
-              <a:t>[p]) {</a:t>
+              <a:t>        if </a:t>
+            </a:r>
+            <a:r>
+              <a:rPr lang="en-US" altLang="zh-CN" dirty="0" smtClean="0"/>
+              <a:t>(i&lt;j) </a:t>
+            </a:r>
+            <a:r>
+              <a:rPr lang="en-US" altLang="zh-CN" dirty="0" smtClean="0"/>
+              <a:t>{</a:t>
             </a:r>
           </a:p>
           <a:p>
@@ -10228,23 +10304,15 @@
           <a:p>
             <a:r>
               <a:rPr lang="en-US" altLang="zh-CN" dirty="0" smtClean="0"/>
-              <a:t>        if (</a:t>
-            </a:r>
-            <a:r>
-              <a:rPr lang="en-US" altLang="zh-CN" dirty="0" err="1" smtClean="0"/>
-              <a:t>arr</a:t>
-            </a:r>
-            <a:r>
-              <a:rPr lang="en-US" altLang="zh-CN" dirty="0" smtClean="0"/>
-              <a:t>[i]&lt;=</a:t>
-            </a:r>
-            <a:r>
-              <a:rPr lang="en-US" altLang="zh-CN" dirty="0" err="1" smtClean="0"/>
-              <a:t>pv</a:t>
-            </a:r>
-            <a:r>
-              <a:rPr lang="en-US" altLang="zh-CN" dirty="0" smtClean="0"/>
-              <a:t>) {</a:t>
+              <a:t>        if </a:t>
+            </a:r>
+            <a:r>
+              <a:rPr lang="en-US" altLang="zh-CN" dirty="0" smtClean="0"/>
+              <a:t>(i&lt;j) </a:t>
+            </a:r>
+            <a:r>
+              <a:rPr lang="en-US" altLang="zh-CN" dirty="0" smtClean="0"/>
+              <a:t>{</a:t>
             </a:r>
           </a:p>
           <a:p>
@@ -10371,8 +10439,8 @@
         </p:nvSpPr>
         <p:spPr>
           <a:xfrm>
-            <a:off x="755576" y="1484784"/>
-            <a:ext cx="7056784" cy="646331"/>
+            <a:off x="683568" y="1700808"/>
+            <a:ext cx="8136904" cy="646331"/>
           </a:xfrm>
           <a:prstGeom prst="rect">
             <a:avLst/>
@@ -10544,7 +10612,35 @@
             </a:r>
             <a:r>
               <a:rPr lang="zh-CN" altLang="en-US" dirty="0" smtClean="0"/>
-              <a:t>。副作用是子序列内部不保证有序。复杂度与快排相同，最糟</a:t>
+              <a:t>。副作用是子序列内部不保证有序</a:t>
+            </a:r>
+            <a:r>
+              <a:rPr lang="zh-CN" altLang="en-US" dirty="0" smtClean="0"/>
+              <a:t>。因为</a:t>
+            </a:r>
+            <a:r>
+              <a:rPr lang="zh-CN" altLang="en-US" dirty="0" smtClean="0"/>
+              <a:t>数组的关系，适合少量数据。还有最小堆法，额外存储</a:t>
+            </a:r>
+            <a:r>
+              <a:rPr lang="en-US" altLang="zh-CN" dirty="0" smtClean="0"/>
+              <a:t>k</a:t>
+            </a:r>
+            <a:r>
+              <a:rPr lang="zh-CN" altLang="en-US" dirty="0" smtClean="0"/>
+              <a:t>，</a:t>
+            </a:r>
+            <a:r>
+              <a:rPr lang="zh-CN" altLang="en-US" dirty="0"/>
+              <a:t>空间</a:t>
+            </a:r>
+            <a:r>
+              <a:rPr lang="zh-CN" altLang="en-US" dirty="0" smtClean="0"/>
+              <a:t>复杂</a:t>
+            </a:r>
+            <a:r>
+              <a:rPr lang="zh-CN" altLang="en-US" dirty="0" smtClean="0"/>
+              <a:t>度</a:t>
             </a:r>
             <a:r>
               <a:rPr lang="en-US" altLang="zh-CN" dirty="0" err="1" smtClean="0"/>
@@ -10552,48 +10648,56 @@
             </a:r>
             <a:r>
               <a:rPr lang="en-US" altLang="zh-CN" dirty="0" smtClean="0"/>
-              <a:t>(n)</a:t>
-            </a:r>
-            <a:r>
-              <a:rPr lang="zh-CN" altLang="en-US" dirty="0" smtClean="0"/>
-              <a:t>，平均</a:t>
-            </a:r>
-            <a:r>
-              <a:rPr lang="en-US" altLang="zh-CN" dirty="0" err="1" smtClean="0"/>
-              <a:t>nlog</a:t>
-            </a:r>
-            <a:r>
-              <a:rPr lang="en-US" altLang="zh-CN" dirty="0" smtClean="0"/>
               <a:t>(k)</a:t>
             </a:r>
             <a:r>
               <a:rPr lang="zh-CN" altLang="en-US" dirty="0" smtClean="0"/>
-              <a:t>，因为数组的关系，适合少量数据。还有最小堆法，额外存储</a:t>
-            </a:r>
-            <a:r>
-              <a:rPr lang="en-US" altLang="zh-CN" dirty="0" smtClean="0"/>
-              <a:t>k</a:t>
-            </a:r>
-            <a:r>
-              <a:rPr lang="zh-CN" altLang="en-US" dirty="0" smtClean="0"/>
-              <a:t>，复杂度</a:t>
-            </a:r>
-            <a:r>
-              <a:rPr lang="en-US" altLang="zh-CN" dirty="0" err="1" smtClean="0"/>
-              <a:t>nlog</a:t>
-            </a:r>
-            <a:r>
-              <a:rPr lang="en-US" altLang="zh-CN" dirty="0" smtClean="0"/>
-              <a:t>(k)</a:t>
-            </a:r>
-            <a:r>
-              <a:rPr lang="zh-CN" altLang="en-US" dirty="0" smtClean="0"/>
-              <a:t>，适合海量数据</a:t>
-            </a:r>
-            <a:r>
-              <a:rPr lang="en-US" altLang="zh-CN" dirty="0" smtClean="0"/>
-              <a:t>.</a:t>
-            </a:r>
+              <a:t>，适合海量</a:t>
+            </a:r>
+            <a:r>
+              <a:rPr lang="zh-CN" altLang="en-US" dirty="0" smtClean="0"/>
+              <a:t>数据</a:t>
+            </a:r>
+            <a:r>
+              <a:rPr lang="zh-CN" altLang="en-US" dirty="0" smtClean="0"/>
+              <a:t>。</a:t>
+            </a:r>
+            <a:endParaRPr lang="en-US" altLang="zh-CN" dirty="0" smtClean="0"/>
+          </a:p>
+          <a:p>
+            <a:r>
+              <a:rPr lang="zh-CN" altLang="en-US" dirty="0"/>
+              <a:t>另一</a:t>
+            </a:r>
+            <a:r>
+              <a:rPr lang="zh-CN" altLang="en-US" dirty="0" smtClean="0"/>
+              <a:t>种</a:t>
+            </a:r>
+            <a:r>
+              <a:rPr lang="en-US" altLang="zh-CN" dirty="0" smtClean="0"/>
+              <a:t>BFPRT</a:t>
+            </a:r>
+            <a:r>
+              <a:rPr lang="zh-CN" altLang="en-US" dirty="0" smtClean="0"/>
+              <a:t>算法，依靠精心设计的</a:t>
+            </a:r>
+            <a:r>
+              <a:rPr lang="en-US" altLang="zh-CN" dirty="0" smtClean="0"/>
+              <a:t>pivot</a:t>
+            </a:r>
+            <a:r>
+              <a:rPr lang="zh-CN" altLang="en-US" dirty="0" smtClean="0"/>
+              <a:t>选取方法，最坏情况下为</a:t>
+            </a:r>
+            <a:r>
+              <a:rPr lang="en-US" altLang="zh-CN" dirty="0" smtClean="0"/>
+              <a:t>O(n)</a:t>
+            </a:r>
+            <a:r>
+              <a:rPr lang="zh-CN" altLang="en-US" dirty="0" smtClean="0"/>
+              <a:t>。</a:t>
+            </a:r>
+            <a:endParaRPr lang="en-US" altLang="zh-CN" dirty="0" smtClean="0"/>
           </a:p>
         </p:txBody>
       </p:sp>
@@ -10632,8 +10736,12 @@
               <a:t> </a:t>
             </a:r>
             <a:r>
-              <a:rPr lang="en-US" altLang="zh-CN" dirty="0" err="1" smtClean="0"/>
-              <a:t>max_kth</a:t>
+              <a:rPr lang="en-US" altLang="zh-CN" dirty="0" err="1"/>
+              <a:t>min</a:t>
+            </a:r>
+            <a:r>
+              <a:rPr lang="en-US" altLang="zh-CN" dirty="0" err="1" smtClean="0"/>
+              <a:t>_kth</a:t>
             </a:r>
             <a:r>
               <a:rPr lang="en-US" altLang="zh-CN" dirty="0" smtClean="0"/>
@@ -10826,24 +10934,21 @@
           <a:p>
             <a:r>
               <a:rPr lang="en-US" altLang="zh-CN" dirty="0" smtClean="0"/>
-              <a:t>        if (</a:t>
-            </a:r>
-            <a:r>
-              <a:rPr lang="en-US" altLang="zh-CN" dirty="0" err="1" smtClean="0"/>
-              <a:t>arr</a:t>
-            </a:r>
-            <a:r>
-              <a:rPr lang="en-US" altLang="zh-CN" dirty="0" smtClean="0"/>
-              <a:t>[j]&gt;=</a:t>
-            </a:r>
-            <a:r>
-              <a:rPr lang="en-US" altLang="zh-CN" dirty="0" err="1" smtClean="0"/>
-              <a:t>arr</a:t>
-            </a:r>
-            <a:r>
-              <a:rPr lang="en-US" altLang="zh-CN" dirty="0" smtClean="0"/>
-              <a:t>[p]) {</a:t>
-            </a:r>
+              <a:t>        if </a:t>
+            </a:r>
+            <a:r>
+              <a:rPr lang="en-US" altLang="zh-CN" dirty="0" smtClean="0"/>
+              <a:t>(i&lt;j</a:t>
+            </a:r>
+            <a:r>
+              <a:rPr lang="en-US" altLang="zh-CN" dirty="0" smtClean="0"/>
+              <a:t>)</a:t>
+            </a:r>
+            <a:r>
+              <a:rPr lang="en-US" altLang="zh-CN" dirty="0" smtClean="0"/>
+              <a:t> {</a:t>
+            </a:r>
+            <a:endParaRPr lang="en-US" altLang="zh-CN" dirty="0" smtClean="0"/>
           </a:p>
           <a:p>
             <a:r>
@@ -10934,7 +11039,21 @@
           <a:p>
             <a:r>
               <a:rPr lang="en-US" altLang="zh-CN" dirty="0" smtClean="0"/>
-              <a:t>        if (</a:t>
+              <a:t>        if </a:t>
+            </a:r>
+            <a:r>
+              <a:rPr lang="en-US" altLang="zh-CN" dirty="0" smtClean="0"/>
+              <a:t>(i&lt;j) </a:t>
+            </a:r>
+            <a:r>
+              <a:rPr lang="en-US" altLang="zh-CN" dirty="0" smtClean="0"/>
+              <a:t>{</a:t>
+            </a:r>
+          </a:p>
+          <a:p>
+            <a:r>
+              <a:rPr lang="en-US" altLang="zh-CN" dirty="0" smtClean="0"/>
+              <a:t>            </a:t>
             </a:r>
             <a:r>
               <a:rPr lang="en-US" altLang="zh-CN" dirty="0" err="1" smtClean="0"/>
@@ -10942,21 +11061,7 @@
             </a:r>
             <a:r>
               <a:rPr lang="en-US" altLang="zh-CN" dirty="0" smtClean="0"/>
-              <a:t>[i]&lt;=</a:t>
-            </a:r>
-            <a:r>
-              <a:rPr lang="en-US" altLang="zh-CN" dirty="0" err="1" smtClean="0"/>
-              <a:t>pv</a:t>
-            </a:r>
-            <a:r>
-              <a:rPr lang="en-US" altLang="zh-CN" dirty="0" smtClean="0"/>
-              <a:t>) {</a:t>
-            </a:r>
-          </a:p>
-          <a:p>
-            <a:r>
-              <a:rPr lang="en-US" altLang="zh-CN" dirty="0" smtClean="0"/>
-              <a:t>            </a:t>
+              <a:t>[p] = </a:t>
             </a:r>
             <a:r>
               <a:rPr lang="en-US" altLang="zh-CN" dirty="0" err="1" smtClean="0"/>
@@ -10964,14 +11069,6 @@
             </a:r>
             <a:r>
               <a:rPr lang="en-US" altLang="zh-CN" dirty="0" smtClean="0"/>
-              <a:t>[p] = </a:t>
-            </a:r>
-            <a:r>
-              <a:rPr lang="en-US" altLang="zh-CN" dirty="0" err="1" smtClean="0"/>
-              <a:t>arr</a:t>
-            </a:r>
-            <a:r>
-              <a:rPr lang="en-US" altLang="zh-CN" dirty="0" smtClean="0"/>
               <a:t>[i];</a:t>
             </a:r>
           </a:p>
@@ -10990,7 +11087,15 @@
           <a:p>
             <a:r>
               <a:rPr lang="en-US" altLang="zh-CN" dirty="0" smtClean="0"/>
-              <a:t>    } // while i &lt;= j</a:t>
+              <a:t>    } // while i </a:t>
+            </a:r>
+            <a:r>
+              <a:rPr lang="en-US" altLang="zh-CN" dirty="0" smtClean="0"/>
+              <a:t>&lt; </a:t>
+            </a:r>
+            <a:r>
+              <a:rPr lang="en-US" altLang="zh-CN" dirty="0" smtClean="0"/>
+              <a:t>j</a:t>
             </a:r>
           </a:p>
           <a:p>
@@ -11372,7 +11477,61 @@
             </a:r>
             <a:r>
               <a:rPr lang="en-US" altLang="zh-CN" dirty="0" smtClean="0"/>
-              <a:t> i = n/2; i</a:t>
+              <a:t> i = n/2; i&gt;=0;i--) {</a:t>
+            </a:r>
+          </a:p>
+          <a:p>
+            <a:r>
+              <a:rPr lang="en-US" altLang="zh-CN" dirty="0" smtClean="0"/>
+              <a:t>        </a:t>
+            </a:r>
+            <a:r>
+              <a:rPr lang="en-US" altLang="zh-CN" dirty="0" err="1" smtClean="0"/>
+              <a:t>heap_adjust</a:t>
+            </a:r>
+            <a:r>
+              <a:rPr lang="en-US" altLang="zh-CN" dirty="0" smtClean="0"/>
+              <a:t>(</a:t>
+            </a:r>
+            <a:r>
+              <a:rPr lang="en-US" altLang="zh-CN" dirty="0" err="1" smtClean="0"/>
+              <a:t>arr</a:t>
+            </a:r>
+            <a:r>
+              <a:rPr lang="en-US" altLang="zh-CN" dirty="0" smtClean="0"/>
+              <a:t>, i, n);</a:t>
+            </a:r>
+            <a:endParaRPr lang="en-US" altLang="zh-CN" dirty="0"/>
+          </a:p>
+          <a:p>
+            <a:r>
+              <a:rPr lang="en-US" altLang="zh-CN" dirty="0" smtClean="0"/>
+              <a:t>    }</a:t>
+            </a:r>
+          </a:p>
+          <a:p>
+            <a:endParaRPr lang="en-US" altLang="zh-CN" dirty="0"/>
+          </a:p>
+          <a:p>
+            <a:r>
+              <a:rPr lang="en-US" altLang="zh-CN" dirty="0" smtClean="0"/>
+              <a:t>    for(</a:t>
+            </a:r>
+            <a:r>
+              <a:rPr lang="en-US" altLang="zh-CN" dirty="0" err="1" smtClean="0"/>
+              <a:t>int</a:t>
+            </a:r>
+            <a:r>
+              <a:rPr lang="en-US" altLang="zh-CN" dirty="0" smtClean="0"/>
+              <a:t> i =</a:t>
+            </a:r>
+            <a:r>
+              <a:rPr lang="en-US" altLang="zh-CN" dirty="0" smtClean="0"/>
+              <a:t>n-1; </a:t>
+            </a:r>
+            <a:r>
+              <a:rPr lang="en-US" altLang="zh-CN" dirty="0" smtClean="0"/>
+              <a:t>i</a:t>
             </a:r>
             <a:r>
               <a:rPr lang="en-US" altLang="zh-CN" dirty="0" smtClean="0"/>
@@ -11385,6 +11544,118 @@
           </a:p>
           <a:p>
             <a:r>
+              <a:rPr lang="en-US" altLang="zh-CN" dirty="0"/>
+              <a:t> </a:t>
+            </a:r>
+            <a:r>
+              <a:rPr lang="en-US" altLang="zh-CN" dirty="0" smtClean="0"/>
+              <a:t>       // swap </a:t>
+            </a:r>
+            <a:r>
+              <a:rPr lang="en-US" altLang="zh-CN" dirty="0" err="1" smtClean="0"/>
+              <a:t>first&amp;last</a:t>
+            </a:r>
+            <a:r>
+              <a:rPr lang="en-US" altLang="zh-CN" dirty="0" smtClean="0"/>
+              <a:t> element</a:t>
+            </a:r>
+          </a:p>
+          <a:p>
+            <a:r>
+              <a:rPr lang="en-US" altLang="zh-CN" dirty="0"/>
+              <a:t> </a:t>
+            </a:r>
+            <a:r>
+              <a:rPr lang="en-US" altLang="zh-CN" dirty="0" smtClean="0"/>
+              <a:t>       </a:t>
+            </a:r>
+            <a:r>
+              <a:rPr lang="en-US" altLang="zh-CN" dirty="0" err="1" smtClean="0"/>
+              <a:t>int</a:t>
+            </a:r>
+            <a:r>
+              <a:rPr lang="en-US" altLang="zh-CN" dirty="0" smtClean="0"/>
+              <a:t> </a:t>
+            </a:r>
+            <a:r>
+              <a:rPr lang="en-US" altLang="zh-CN" dirty="0" err="1" smtClean="0"/>
+              <a:t>tmp</a:t>
+            </a:r>
+            <a:r>
+              <a:rPr lang="en-US" altLang="zh-CN" dirty="0" smtClean="0"/>
+              <a:t> = </a:t>
+            </a:r>
+            <a:r>
+              <a:rPr lang="en-US" altLang="zh-CN" dirty="0" err="1" smtClean="0"/>
+              <a:t>arr</a:t>
+            </a:r>
+            <a:r>
+              <a:rPr lang="en-US" altLang="zh-CN" dirty="0" smtClean="0"/>
+              <a:t>[i];</a:t>
+            </a:r>
+            <a:endParaRPr lang="en-US" altLang="zh-CN" dirty="0" smtClean="0"/>
+          </a:p>
+          <a:p>
+            <a:r>
+              <a:rPr lang="en-US" altLang="zh-CN" dirty="0"/>
+              <a:t> </a:t>
+            </a:r>
+            <a:r>
+              <a:rPr lang="en-US" altLang="zh-CN" dirty="0" smtClean="0"/>
+              <a:t>       </a:t>
+            </a:r>
+            <a:r>
+              <a:rPr lang="en-US" altLang="zh-CN" dirty="0" err="1" smtClean="0"/>
+              <a:t>arr</a:t>
+            </a:r>
+            <a:r>
+              <a:rPr lang="en-US" altLang="zh-CN" dirty="0" smtClean="0"/>
+              <a:t>[i] </a:t>
+            </a:r>
+            <a:r>
+              <a:rPr lang="en-US" altLang="zh-CN" dirty="0" smtClean="0"/>
+              <a:t>= </a:t>
+            </a:r>
+            <a:r>
+              <a:rPr lang="en-US" altLang="zh-CN" dirty="0" err="1" smtClean="0"/>
+              <a:t>arr</a:t>
+            </a:r>
+            <a:r>
+              <a:rPr lang="en-US" altLang="zh-CN" dirty="0" smtClean="0"/>
+              <a:t>[0];</a:t>
+            </a:r>
+          </a:p>
+          <a:p>
+            <a:r>
+              <a:rPr lang="en-US" altLang="zh-CN" dirty="0"/>
+              <a:t> </a:t>
+            </a:r>
+            <a:r>
+              <a:rPr lang="en-US" altLang="zh-CN" dirty="0" smtClean="0"/>
+              <a:t>       </a:t>
+            </a:r>
+            <a:r>
+              <a:rPr lang="en-US" altLang="zh-CN" dirty="0" err="1" smtClean="0"/>
+              <a:t>arr</a:t>
+            </a:r>
+            <a:r>
+              <a:rPr lang="en-US" altLang="zh-CN" dirty="0" smtClean="0"/>
+              <a:t>[0] = </a:t>
+            </a:r>
+            <a:r>
+              <a:rPr lang="en-US" altLang="zh-CN" dirty="0" err="1" smtClean="0"/>
+              <a:t>tmp</a:t>
+            </a:r>
+            <a:r>
+              <a:rPr lang="en-US" altLang="zh-CN" dirty="0" smtClean="0"/>
+              <a:t>;</a:t>
+            </a:r>
+          </a:p>
+          <a:p>
+            <a:endParaRPr lang="en-US" altLang="zh-CN" dirty="0"/>
+          </a:p>
+          <a:p>
+            <a:r>
               <a:rPr lang="en-US" altLang="zh-CN" dirty="0" smtClean="0"/>
               <a:t>        </a:t>
             </a:r>
@@ -11402,164 +11673,11 @@
             </a:r>
             <a:r>
               <a:rPr lang="en-US" altLang="zh-CN" dirty="0" smtClean="0"/>
-              <a:t>, i, n);</a:t>
-            </a:r>
-            <a:endParaRPr lang="en-US" altLang="zh-CN" dirty="0"/>
-          </a:p>
-          <a:p>
-            <a:r>
-              <a:rPr lang="en-US" altLang="zh-CN" dirty="0" smtClean="0"/>
-              <a:t>    }</a:t>
-            </a:r>
-          </a:p>
-          <a:p>
-            <a:endParaRPr lang="en-US" altLang="zh-CN" dirty="0"/>
-          </a:p>
-          <a:p>
-            <a:r>
-              <a:rPr lang="en-US" altLang="zh-CN" dirty="0" smtClean="0"/>
-              <a:t>    for(</a:t>
-            </a:r>
-            <a:r>
-              <a:rPr lang="en-US" altLang="zh-CN" dirty="0" err="1" smtClean="0"/>
-              <a:t>int</a:t>
-            </a:r>
-            <a:r>
-              <a:rPr lang="en-US" altLang="zh-CN" dirty="0" smtClean="0"/>
-              <a:t> i =n; i&gt;0;i--) {</a:t>
-            </a:r>
-          </a:p>
-          <a:p>
-            <a:r>
-              <a:rPr lang="en-US" altLang="zh-CN" dirty="0"/>
-              <a:t> </a:t>
-            </a:r>
-            <a:r>
-              <a:rPr lang="en-US" altLang="zh-CN" dirty="0" smtClean="0"/>
-              <a:t>       // swap </a:t>
-            </a:r>
-            <a:r>
-              <a:rPr lang="en-US" altLang="zh-CN" dirty="0" err="1" smtClean="0"/>
-              <a:t>first&amp;last</a:t>
-            </a:r>
-            <a:r>
-              <a:rPr lang="en-US" altLang="zh-CN" dirty="0" smtClean="0"/>
-              <a:t> element</a:t>
-            </a:r>
-          </a:p>
-          <a:p>
-            <a:r>
-              <a:rPr lang="en-US" altLang="zh-CN" dirty="0"/>
-              <a:t> </a:t>
-            </a:r>
-            <a:r>
-              <a:rPr lang="en-US" altLang="zh-CN" dirty="0" smtClean="0"/>
-              <a:t>       </a:t>
-            </a:r>
-            <a:r>
-              <a:rPr lang="en-US" altLang="zh-CN" dirty="0" err="1" smtClean="0"/>
-              <a:t>int</a:t>
-            </a:r>
-            <a:r>
-              <a:rPr lang="en-US" altLang="zh-CN" dirty="0" smtClean="0"/>
-              <a:t> </a:t>
-            </a:r>
-            <a:r>
-              <a:rPr lang="en-US" altLang="zh-CN" dirty="0" err="1" smtClean="0"/>
-              <a:t>tmp</a:t>
-            </a:r>
-            <a:r>
-              <a:rPr lang="en-US" altLang="zh-CN" dirty="0" smtClean="0"/>
-              <a:t> = </a:t>
-            </a:r>
-            <a:r>
-              <a:rPr lang="en-US" altLang="zh-CN" dirty="0" err="1" smtClean="0"/>
-              <a:t>arr</a:t>
-            </a:r>
-            <a:r>
-              <a:rPr lang="en-US" altLang="zh-CN" dirty="0" smtClean="0"/>
-              <a:t>[n-1];</a:t>
-            </a:r>
-          </a:p>
-          <a:p>
-            <a:r>
-              <a:rPr lang="en-US" altLang="zh-CN" dirty="0"/>
-              <a:t> </a:t>
-            </a:r>
-            <a:r>
-              <a:rPr lang="en-US" altLang="zh-CN" dirty="0" smtClean="0"/>
-              <a:t>       </a:t>
-            </a:r>
-            <a:r>
-              <a:rPr lang="en-US" altLang="zh-CN" dirty="0" err="1" smtClean="0"/>
-              <a:t>arr</a:t>
-            </a:r>
-            <a:r>
-              <a:rPr lang="en-US" altLang="zh-CN" dirty="0" smtClean="0"/>
-              <a:t>[n-1] = </a:t>
-            </a:r>
-            <a:r>
-              <a:rPr lang="en-US" altLang="zh-CN" dirty="0" err="1" smtClean="0"/>
-              <a:t>arr</a:t>
-            </a:r>
-            <a:r>
-              <a:rPr lang="en-US" altLang="zh-CN" dirty="0" smtClean="0"/>
-              <a:t>[0];</a:t>
-            </a:r>
-          </a:p>
-          <a:p>
-            <a:r>
-              <a:rPr lang="en-US" altLang="zh-CN" dirty="0"/>
-              <a:t> </a:t>
-            </a:r>
-            <a:r>
-              <a:rPr lang="en-US" altLang="zh-CN" dirty="0" smtClean="0"/>
-              <a:t>       </a:t>
-            </a:r>
-            <a:r>
-              <a:rPr lang="en-US" altLang="zh-CN" dirty="0" err="1" smtClean="0"/>
-              <a:t>arr</a:t>
-            </a:r>
-            <a:r>
-              <a:rPr lang="en-US" altLang="zh-CN" dirty="0" smtClean="0"/>
-              <a:t>[0] = </a:t>
-            </a:r>
-            <a:r>
-              <a:rPr lang="en-US" altLang="zh-CN" dirty="0" err="1" smtClean="0"/>
-              <a:t>tmp</a:t>
-            </a:r>
-            <a:r>
-              <a:rPr lang="en-US" altLang="zh-CN" dirty="0" smtClean="0"/>
-              <a:t>;</a:t>
-            </a:r>
-          </a:p>
-          <a:p>
-            <a:endParaRPr lang="en-US" altLang="zh-CN" dirty="0"/>
-          </a:p>
-          <a:p>
-            <a:r>
-              <a:rPr lang="en-US" altLang="zh-CN" dirty="0" smtClean="0"/>
-              <a:t>        </a:t>
-            </a:r>
-            <a:r>
-              <a:rPr lang="en-US" altLang="zh-CN" dirty="0" err="1" smtClean="0"/>
-              <a:t>heap_adjust</a:t>
-            </a:r>
-            <a:r>
-              <a:rPr lang="en-US" altLang="zh-CN" dirty="0" smtClean="0"/>
-              <a:t>(</a:t>
-            </a:r>
-            <a:r>
-              <a:rPr lang="en-US" altLang="zh-CN" dirty="0" err="1" smtClean="0"/>
-              <a:t>arr</a:t>
-            </a:r>
-            <a:r>
-              <a:rPr lang="en-US" altLang="zh-CN" dirty="0" smtClean="0"/>
               <a:t>, 0, </a:t>
             </a:r>
             <a:r>
               <a:rPr lang="en-US" altLang="zh-CN" dirty="0" smtClean="0"/>
-              <a:t>i-1);   </a:t>
+              <a:t>i);   </a:t>
             </a:r>
             <a:endParaRPr lang="en-US" altLang="zh-CN" dirty="0" smtClean="0"/>
           </a:p>
@@ -11690,11 +11808,7 @@
           <a:p>
             <a:r>
               <a:rPr lang="en-US" altLang="zh-CN" dirty="0" smtClean="0"/>
-              <a:t>    </a:t>
-            </a:r>
-            <a:r>
-              <a:rPr lang="en-US" altLang="zh-CN" dirty="0" smtClean="0"/>
-              <a:t>while(2*p&lt;</a:t>
+              <a:t>    while(2*p&lt;</a:t>
             </a:r>
             <a:r>
               <a:rPr lang="en-US" altLang="zh-CN" dirty="0" err="1" smtClean="0"/>
@@ -11702,11 +11816,7 @@
             </a:r>
             <a:r>
               <a:rPr lang="en-US" altLang="zh-CN" dirty="0" smtClean="0"/>
-              <a:t>) </a:t>
-            </a:r>
-            <a:r>
-              <a:rPr lang="en-US" altLang="zh-CN" dirty="0" smtClean="0"/>
-              <a:t>{</a:t>
+              <a:t>) {</a:t>
             </a:r>
           </a:p>
           <a:p>
@@ -11735,11 +11845,7 @@
             </a:r>
             <a:r>
               <a:rPr lang="en-US" altLang="zh-CN" dirty="0" smtClean="0"/>
-              <a:t>       if </a:t>
-            </a:r>
-            <a:r>
-              <a:rPr lang="en-US" altLang="zh-CN" dirty="0" smtClean="0"/>
-              <a:t>(c&lt;</a:t>
+              <a:t>       if (c&lt;</a:t>
             </a:r>
             <a:r>
               <a:rPr lang="en-US" altLang="zh-CN" dirty="0" err="1" smtClean="0"/>
@@ -11755,11 +11861,7 @@
             </a:r>
             <a:r>
               <a:rPr lang="en-US" altLang="zh-CN" dirty="0" smtClean="0"/>
-              <a:t>[c</a:t>
-            </a:r>
-            <a:r>
-              <a:rPr lang="en-US" altLang="zh-CN" dirty="0" smtClean="0"/>
-              <a:t>] &lt; </a:t>
+              <a:t>[c] &lt; </a:t>
             </a:r>
             <a:r>
               <a:rPr lang="en-US" altLang="zh-CN" dirty="0" err="1" smtClean="0"/>
@@ -11864,7 +11966,6 @@
               <a:rPr lang="en-US" altLang="zh-CN" dirty="0" smtClean="0"/>
               <a:t>    }</a:t>
             </a:r>
-            <a:endParaRPr lang="en-US" altLang="zh-CN" dirty="0" smtClean="0"/>
           </a:p>
           <a:p>
             <a:r>
